--- a/Lessons/Sensors_101.pptx
+++ b/Lessons/Sensors_101.pptx
@@ -5,7 +5,7 @@
     <p:sldMasterId id="2147483648" r:id="rId1"/>
   </p:sldMasterIdLst>
   <p:notesMasterIdLst>
-    <p:notesMasterId r:id="rId11"/>
+    <p:notesMasterId r:id="rId12"/>
   </p:notesMasterIdLst>
   <p:sldIdLst>
     <p:sldId id="257" r:id="rId2"/>
@@ -16,7 +16,8 @@
     <p:sldId id="261" r:id="rId7"/>
     <p:sldId id="262" r:id="rId8"/>
     <p:sldId id="263" r:id="rId9"/>
-    <p:sldId id="264" r:id="rId10"/>
+    <p:sldId id="267" r:id="rId10"/>
+    <p:sldId id="268" r:id="rId11"/>
   </p:sldIdLst>
   <p:sldSz cx="12192000" cy="6858000"/>
   <p:notesSz cx="6858000" cy="9144000"/>
@@ -115,6 +116,11 @@
       </a:defRPr>
     </a:lvl9pPr>
   </p:defaultTextStyle>
+  <p:extLst>
+    <p:ext uri="{EFAFB233-063F-42B5-8137-9DF3F51BA10A}">
+      <p15:sldGuideLst xmlns:p15="http://schemas.microsoft.com/office/powerpoint/2012/main"/>
+    </p:ext>
+  </p:extLst>
 </p:presentation>
 </file>
 
@@ -200,7 +206,7 @@
           <a:p>
             <a:fld id="{C2EBFB03-71CD-4F8F-BBF4-8710FA86CB6C}" type="datetimeFigureOut">
               <a:rPr lang="en-GB" smtClean="0"/>
-              <a:t>17/08/2019</a:t>
+              <a:t>21/08/2019</a:t>
             </a:fld>
             <a:endParaRPr lang="en-GB"/>
           </a:p>
@@ -1016,7 +1022,91 @@
     </p:spTree>
     <p:extLst>
       <p:ext uri="{BB962C8B-B14F-4D97-AF65-F5344CB8AC3E}">
-        <p14:creationId xmlns:p14="http://schemas.microsoft.com/office/powerpoint/2010/main" val="4150167473"/>
+        <p14:creationId xmlns:p14="http://schemas.microsoft.com/office/powerpoint/2010/main" val="2608044665"/>
+      </p:ext>
+    </p:extLst>
+  </p:cSld>
+  <p:clrMapOvr>
+    <a:masterClrMapping/>
+  </p:clrMapOvr>
+</p:notes>
+</file>
+
+<file path=ppt/notesSlides/notesSlide7.xml><?xml version="1.0" encoding="utf-8"?>
+<p:notes xmlns:a="http://schemas.openxmlformats.org/drawingml/2006/main" xmlns:r="http://schemas.openxmlformats.org/officeDocument/2006/relationships" xmlns:p="http://schemas.openxmlformats.org/presentationml/2006/main">
+  <p:cSld>
+    <p:spTree>
+      <p:nvGrpSpPr>
+        <p:cNvPr id="1" name=""/>
+        <p:cNvGrpSpPr/>
+        <p:nvPr/>
+      </p:nvGrpSpPr>
+      <p:grpSpPr>
+        <a:xfrm>
+          <a:off x="0" y="0"/>
+          <a:ext cx="0" cy="0"/>
+          <a:chOff x="0" y="0"/>
+          <a:chExt cx="0" cy="0"/>
+        </a:xfrm>
+      </p:grpSpPr>
+      <p:sp>
+        <p:nvSpPr>
+          <p:cNvPr id="2" name="Slide Image Placeholder 1"/>
+          <p:cNvSpPr>
+            <a:spLocks noGrp="1" noRot="1" noChangeAspect="1"/>
+          </p:cNvSpPr>
+          <p:nvPr>
+            <p:ph type="sldImg"/>
+          </p:nvPr>
+        </p:nvSpPr>
+        <p:spPr/>
+      </p:sp>
+      <p:sp>
+        <p:nvSpPr>
+          <p:cNvPr id="3" name="Notes Placeholder 2"/>
+          <p:cNvSpPr>
+            <a:spLocks noGrp="1"/>
+          </p:cNvSpPr>
+          <p:nvPr>
+            <p:ph type="body" idx="1"/>
+          </p:nvPr>
+        </p:nvSpPr>
+        <p:spPr/>
+        <p:txBody>
+          <a:bodyPr/>
+          <a:lstStyle/>
+          <a:p>
+            <a:endParaRPr lang="en-GB" dirty="0"/>
+          </a:p>
+        </p:txBody>
+      </p:sp>
+      <p:sp>
+        <p:nvSpPr>
+          <p:cNvPr id="4" name="Slide Number Placeholder 3"/>
+          <p:cNvSpPr>
+            <a:spLocks noGrp="1"/>
+          </p:cNvSpPr>
+          <p:nvPr>
+            <p:ph type="sldNum" sz="quarter" idx="5"/>
+          </p:nvPr>
+        </p:nvSpPr>
+        <p:spPr/>
+        <p:txBody>
+          <a:bodyPr/>
+          <a:lstStyle/>
+          <a:p>
+            <a:fld id="{945AE9AA-FFB8-4A6F-835D-DFF20E6952A1}" type="slidenum">
+              <a:rPr lang="en-GB" smtClean="0"/>
+              <a:t>10</a:t>
+            </a:fld>
+            <a:endParaRPr lang="en-GB"/>
+          </a:p>
+        </p:txBody>
+      </p:sp>
+    </p:spTree>
+    <p:extLst>
+      <p:ext uri="{BB962C8B-B14F-4D97-AF65-F5344CB8AC3E}">
+        <p14:creationId xmlns:p14="http://schemas.microsoft.com/office/powerpoint/2010/main" val="282908352"/>
       </p:ext>
     </p:extLst>
   </p:cSld>
@@ -1175,7 +1265,7 @@
           <a:p>
             <a:fld id="{96F6514E-685F-4447-A0A3-A4708FC00805}" type="datetimeFigureOut">
               <a:rPr lang="en-GB" smtClean="0"/>
-              <a:t>17/08/2019</a:t>
+              <a:t>21/08/2019</a:t>
             </a:fld>
             <a:endParaRPr lang="en-GB"/>
           </a:p>
@@ -1375,7 +1465,7 @@
           <a:p>
             <a:fld id="{96F6514E-685F-4447-A0A3-A4708FC00805}" type="datetimeFigureOut">
               <a:rPr lang="en-GB" smtClean="0"/>
-              <a:t>17/08/2019</a:t>
+              <a:t>21/08/2019</a:t>
             </a:fld>
             <a:endParaRPr lang="en-GB"/>
           </a:p>
@@ -1585,7 +1675,7 @@
           <a:p>
             <a:fld id="{96F6514E-685F-4447-A0A3-A4708FC00805}" type="datetimeFigureOut">
               <a:rPr lang="en-GB" smtClean="0"/>
-              <a:t>17/08/2019</a:t>
+              <a:t>21/08/2019</a:t>
             </a:fld>
             <a:endParaRPr lang="en-GB"/>
           </a:p>
@@ -1785,7 +1875,7 @@
           <a:p>
             <a:fld id="{96F6514E-685F-4447-A0A3-A4708FC00805}" type="datetimeFigureOut">
               <a:rPr lang="en-GB" smtClean="0"/>
-              <a:t>17/08/2019</a:t>
+              <a:t>21/08/2019</a:t>
             </a:fld>
             <a:endParaRPr lang="en-GB"/>
           </a:p>
@@ -2061,7 +2151,7 @@
           <a:p>
             <a:fld id="{96F6514E-685F-4447-A0A3-A4708FC00805}" type="datetimeFigureOut">
               <a:rPr lang="en-GB" smtClean="0"/>
-              <a:t>17/08/2019</a:t>
+              <a:t>21/08/2019</a:t>
             </a:fld>
             <a:endParaRPr lang="en-GB"/>
           </a:p>
@@ -2329,7 +2419,7 @@
           <a:p>
             <a:fld id="{96F6514E-685F-4447-A0A3-A4708FC00805}" type="datetimeFigureOut">
               <a:rPr lang="en-GB" smtClean="0"/>
-              <a:t>17/08/2019</a:t>
+              <a:t>21/08/2019</a:t>
             </a:fld>
             <a:endParaRPr lang="en-GB"/>
           </a:p>
@@ -2744,7 +2834,7 @@
           <a:p>
             <a:fld id="{96F6514E-685F-4447-A0A3-A4708FC00805}" type="datetimeFigureOut">
               <a:rPr lang="en-GB" smtClean="0"/>
-              <a:t>17/08/2019</a:t>
+              <a:t>21/08/2019</a:t>
             </a:fld>
             <a:endParaRPr lang="en-GB"/>
           </a:p>
@@ -2886,7 +2976,7 @@
           <a:p>
             <a:fld id="{96F6514E-685F-4447-A0A3-A4708FC00805}" type="datetimeFigureOut">
               <a:rPr lang="en-GB" smtClean="0"/>
-              <a:t>17/08/2019</a:t>
+              <a:t>21/08/2019</a:t>
             </a:fld>
             <a:endParaRPr lang="en-GB"/>
           </a:p>
@@ -2999,7 +3089,7 @@
           <a:p>
             <a:fld id="{96F6514E-685F-4447-A0A3-A4708FC00805}" type="datetimeFigureOut">
               <a:rPr lang="en-GB" smtClean="0"/>
-              <a:t>17/08/2019</a:t>
+              <a:t>21/08/2019</a:t>
             </a:fld>
             <a:endParaRPr lang="en-GB"/>
           </a:p>
@@ -3312,7 +3402,7 @@
           <a:p>
             <a:fld id="{96F6514E-685F-4447-A0A3-A4708FC00805}" type="datetimeFigureOut">
               <a:rPr lang="en-GB" smtClean="0"/>
-              <a:t>17/08/2019</a:t>
+              <a:t>21/08/2019</a:t>
             </a:fld>
             <a:endParaRPr lang="en-GB"/>
           </a:p>
@@ -3601,7 +3691,7 @@
           <a:p>
             <a:fld id="{96F6514E-685F-4447-A0A3-A4708FC00805}" type="datetimeFigureOut">
               <a:rPr lang="en-GB" smtClean="0"/>
-              <a:t>17/08/2019</a:t>
+              <a:t>21/08/2019</a:t>
             </a:fld>
             <a:endParaRPr lang="en-GB"/>
           </a:p>
@@ -3844,7 +3934,7 @@
           <a:p>
             <a:fld id="{96F6514E-685F-4447-A0A3-A4708FC00805}" type="datetimeFigureOut">
               <a:rPr lang="en-GB" smtClean="0"/>
-              <a:t>17/08/2019</a:t>
+              <a:t>21/08/2019</a:t>
             </a:fld>
             <a:endParaRPr lang="en-GB"/>
           </a:p>
@@ -4516,6 +4606,451 @@
 </p:sld>
 </file>
 
+<file path=ppt/slides/slide10.xml><?xml version="1.0" encoding="utf-8"?>
+<p:sld xmlns:a="http://schemas.openxmlformats.org/drawingml/2006/main" xmlns:r="http://schemas.openxmlformats.org/officeDocument/2006/relationships" xmlns:p="http://schemas.openxmlformats.org/presentationml/2006/main">
+  <p:cSld>
+    <p:spTree>
+      <p:nvGrpSpPr>
+        <p:cNvPr id="1" name=""/>
+        <p:cNvGrpSpPr/>
+        <p:nvPr/>
+      </p:nvGrpSpPr>
+      <p:grpSpPr>
+        <a:xfrm>
+          <a:off x="0" y="0"/>
+          <a:ext cx="0" cy="0"/>
+          <a:chOff x="0" y="0"/>
+          <a:chExt cx="0" cy="0"/>
+        </a:xfrm>
+      </p:grpSpPr>
+      <p:pic>
+        <p:nvPicPr>
+          <p:cNvPr id="1030" name="Picture 6" descr="IoT Power Management">
+            <a:extLst>
+              <a:ext uri="{FF2B5EF4-FFF2-40B4-BE49-F238E27FC236}">
+                <a16:creationId xmlns:a16="http://schemas.microsoft.com/office/drawing/2014/main" id="{F9844D2D-635D-44A0-B958-1E4C39246144}"/>
+              </a:ext>
+            </a:extLst>
+          </p:cNvPr>
+          <p:cNvPicPr>
+            <a:picLocks noChangeAspect="1" noChangeArrowheads="1"/>
+          </p:cNvPicPr>
+          <p:nvPr/>
+        </p:nvPicPr>
+        <p:blipFill rotWithShape="1">
+          <a:blip r:embed="rId3">
+            <a:duotone>
+              <a:prstClr val="black"/>
+              <a:schemeClr val="accent2">
+                <a:lumMod val="75000"/>
+                <a:tint val="45000"/>
+                <a:satMod val="400000"/>
+              </a:schemeClr>
+            </a:duotone>
+            <a:extLst>
+              <a:ext uri="{28A0092B-C50C-407E-A947-70E740481C1C}">
+                <a14:useLocalDpi xmlns:a14="http://schemas.microsoft.com/office/drawing/2010/main" val="0"/>
+              </a:ext>
+            </a:extLst>
+          </a:blip>
+          <a:srcRect l="17628" t="11071" r="17690" b="10896"/>
+          <a:stretch/>
+        </p:blipFill>
+        <p:spPr bwMode="auto">
+          <a:xfrm>
+            <a:off x="9525" y="5388348"/>
+            <a:ext cx="1469651" cy="1469651"/>
+          </a:xfrm>
+          <a:prstGeom prst="rect">
+            <a:avLst/>
+          </a:prstGeom>
+          <a:noFill/>
+          <a:extLst>
+            <a:ext uri="{909E8E84-426E-40DD-AFC4-6F175D3DCCD1}">
+              <a14:hiddenFill xmlns:a14="http://schemas.microsoft.com/office/drawing/2010/main">
+                <a:solidFill>
+                  <a:srgbClr val="FFFFFF"/>
+                </a:solidFill>
+              </a14:hiddenFill>
+            </a:ext>
+          </a:extLst>
+        </p:spPr>
+      </p:pic>
+      <p:sp>
+        <p:nvSpPr>
+          <p:cNvPr id="4" name="Rectangle 3">
+            <a:extLst>
+              <a:ext uri="{FF2B5EF4-FFF2-40B4-BE49-F238E27FC236}">
+                <a16:creationId xmlns:a16="http://schemas.microsoft.com/office/drawing/2014/main" id="{9D476336-A01A-47A0-975E-B9D85496F266}"/>
+              </a:ext>
+            </a:extLst>
+          </p:cNvPr>
+          <p:cNvSpPr/>
+          <p:nvPr/>
+        </p:nvSpPr>
+        <p:spPr>
+          <a:xfrm rot="5400000">
+            <a:off x="8578368" y="3220641"/>
+            <a:ext cx="6874669" cy="400050"/>
+          </a:xfrm>
+          <a:prstGeom prst="rect">
+            <a:avLst/>
+          </a:prstGeom>
+          <a:solidFill>
+            <a:srgbClr val="194B89"/>
+          </a:solidFill>
+          <a:ln>
+            <a:solidFill>
+              <a:srgbClr val="194B89"/>
+            </a:solidFill>
+          </a:ln>
+        </p:spPr>
+        <p:style>
+          <a:lnRef idx="2">
+            <a:schemeClr val="accent1">
+              <a:shade val="50000"/>
+            </a:schemeClr>
+          </a:lnRef>
+          <a:fillRef idx="1">
+            <a:schemeClr val="accent1"/>
+          </a:fillRef>
+          <a:effectRef idx="0">
+            <a:schemeClr val="accent1"/>
+          </a:effectRef>
+          <a:fontRef idx="minor">
+            <a:schemeClr val="lt1"/>
+          </a:fontRef>
+        </p:style>
+        <p:txBody>
+          <a:bodyPr rtlCol="0" anchor="ctr"/>
+          <a:lstStyle/>
+          <a:p>
+            <a:pPr algn="ctr"/>
+            <a:endParaRPr lang="en-GB"/>
+          </a:p>
+        </p:txBody>
+      </p:sp>
+      <p:pic>
+        <p:nvPicPr>
+          <p:cNvPr id="7" name="Picture 6" descr="A close up of a logo&#10;&#10;Description automatically generated">
+            <a:extLst>
+              <a:ext uri="{FF2B5EF4-FFF2-40B4-BE49-F238E27FC236}">
+                <a16:creationId xmlns:a16="http://schemas.microsoft.com/office/drawing/2014/main" id="{F0BC9BC8-C4B4-4A10-B6DA-96C48E07DF3E}"/>
+              </a:ext>
+            </a:extLst>
+          </p:cNvPr>
+          <p:cNvPicPr>
+            <a:picLocks noChangeAspect="1"/>
+          </p:cNvPicPr>
+          <p:nvPr/>
+        </p:nvPicPr>
+        <p:blipFill rotWithShape="1">
+          <a:blip r:embed="rId4">
+            <a:extLst>
+              <a:ext uri="{28A0092B-C50C-407E-A947-70E740481C1C}">
+                <a14:useLocalDpi xmlns:a14="http://schemas.microsoft.com/office/drawing/2010/main" val="0"/>
+              </a:ext>
+            </a:extLst>
+          </a:blip>
+          <a:srcRect l="15706" t="11787" r="15492" b="17225"/>
+          <a:stretch/>
+        </p:blipFill>
+        <p:spPr>
+          <a:xfrm>
+            <a:off x="10043185" y="5943599"/>
+            <a:ext cx="1772492" cy="914400"/>
+          </a:xfrm>
+          <a:prstGeom prst="rect">
+            <a:avLst/>
+          </a:prstGeom>
+        </p:spPr>
+      </p:pic>
+      <p:sp>
+        <p:nvSpPr>
+          <p:cNvPr id="8" name="TextBox 7">
+            <a:extLst>
+              <a:ext uri="{FF2B5EF4-FFF2-40B4-BE49-F238E27FC236}">
+                <a16:creationId xmlns:a16="http://schemas.microsoft.com/office/drawing/2014/main" id="{24A75D75-D1DC-4ACC-A162-A04A5C0F3B5F}"/>
+              </a:ext>
+            </a:extLst>
+          </p:cNvPr>
+          <p:cNvSpPr txBox="1"/>
+          <p:nvPr/>
+        </p:nvSpPr>
+        <p:spPr>
+          <a:xfrm>
+            <a:off x="3383289" y="197629"/>
+            <a:ext cx="4151154" cy="646331"/>
+          </a:xfrm>
+          <a:prstGeom prst="rect">
+            <a:avLst/>
+          </a:prstGeom>
+          <a:noFill/>
+        </p:spPr>
+        <p:txBody>
+          <a:bodyPr wrap="square" rtlCol="0">
+            <a:spAutoFit/>
+          </a:bodyPr>
+          <a:lstStyle/>
+          <a:p>
+            <a:pPr algn="ctr"/>
+            <a:r>
+              <a:rPr lang="en-GB" sz="3600" dirty="0">
+                <a:solidFill>
+                  <a:schemeClr val="bg2">
+                    <a:lumMod val="25000"/>
+                  </a:schemeClr>
+                </a:solidFill>
+                <a:latin typeface="3ds" panose="02000503020000020004" pitchFamily="2" charset="0"/>
+              </a:rPr>
+              <a:t>BME280 Sensor</a:t>
+            </a:r>
+          </a:p>
+        </p:txBody>
+      </p:sp>
+      <p:pic>
+        <p:nvPicPr>
+          <p:cNvPr id="9" name="Picture 8" descr="A picture containing object&#10;&#10;Description automatically generated">
+            <a:extLst>
+              <a:ext uri="{FF2B5EF4-FFF2-40B4-BE49-F238E27FC236}">
+                <a16:creationId xmlns:a16="http://schemas.microsoft.com/office/drawing/2014/main" id="{CCD379EC-9AF2-4339-BC08-EAF2C4B297BF}"/>
+              </a:ext>
+            </a:extLst>
+          </p:cNvPr>
+          <p:cNvPicPr>
+            <a:picLocks noChangeAspect="1"/>
+          </p:cNvPicPr>
+          <p:nvPr/>
+        </p:nvPicPr>
+        <p:blipFill>
+          <a:blip r:embed="rId5">
+            <a:duotone>
+              <a:prstClr val="black"/>
+              <a:schemeClr val="accent1">
+                <a:tint val="45000"/>
+                <a:satMod val="400000"/>
+              </a:schemeClr>
+            </a:duotone>
+            <a:extLst>
+              <a:ext uri="{28A0092B-C50C-407E-A947-70E740481C1C}">
+                <a14:useLocalDpi xmlns:a14="http://schemas.microsoft.com/office/drawing/2010/main" val="0"/>
+              </a:ext>
+            </a:extLst>
+          </a:blip>
+          <a:stretch>
+            <a:fillRect/>
+          </a:stretch>
+        </p:blipFill>
+        <p:spPr>
+          <a:xfrm>
+            <a:off x="7534441" y="51487"/>
+            <a:ext cx="923330" cy="923330"/>
+          </a:xfrm>
+          <a:prstGeom prst="rect">
+            <a:avLst/>
+          </a:prstGeom>
+        </p:spPr>
+      </p:pic>
+      <p:sp>
+        <p:nvSpPr>
+          <p:cNvPr id="2" name="Rectangle 1">
+            <a:extLst>
+              <a:ext uri="{FF2B5EF4-FFF2-40B4-BE49-F238E27FC236}">
+                <a16:creationId xmlns:a16="http://schemas.microsoft.com/office/drawing/2014/main" id="{5D6C4503-2E09-4487-BB00-9BE7FDE142D2}"/>
+              </a:ext>
+            </a:extLst>
+          </p:cNvPr>
+          <p:cNvSpPr/>
+          <p:nvPr/>
+        </p:nvSpPr>
+        <p:spPr>
+          <a:xfrm>
+            <a:off x="224117" y="1212425"/>
+            <a:ext cx="10416174" cy="923330"/>
+          </a:xfrm>
+          <a:prstGeom prst="rect">
+            <a:avLst/>
+          </a:prstGeom>
+        </p:spPr>
+        <p:txBody>
+          <a:bodyPr wrap="square">
+            <a:spAutoFit/>
+          </a:bodyPr>
+          <a:lstStyle/>
+          <a:p>
+            <a:r>
+              <a:rPr lang="en-GB" dirty="0">
+                <a:latin typeface="HelveticaNeue"/>
+              </a:rPr>
+              <a:t>Grove – The BME280 is high-precision, low-power combined humidity, pressure, and temperature sensor. As the atmospheric pressure changes with altitude, it can also measure approximate altitude of a place. </a:t>
+            </a:r>
+          </a:p>
+        </p:txBody>
+      </p:sp>
+      <p:pic>
+        <p:nvPicPr>
+          <p:cNvPr id="10" name="Picture 9">
+            <a:extLst>
+              <a:ext uri="{FF2B5EF4-FFF2-40B4-BE49-F238E27FC236}">
+                <a16:creationId xmlns:a16="http://schemas.microsoft.com/office/drawing/2014/main" id="{F47446D0-C37F-4598-91FF-4FC2D08CBC02}"/>
+              </a:ext>
+            </a:extLst>
+          </p:cNvPr>
+          <p:cNvPicPr>
+            <a:picLocks noChangeAspect="1"/>
+          </p:cNvPicPr>
+          <p:nvPr/>
+        </p:nvPicPr>
+        <p:blipFill>
+          <a:blip r:embed="rId6">
+            <a:extLst>
+              <a:ext uri="{28A0092B-C50C-407E-A947-70E740481C1C}">
+                <a14:useLocalDpi xmlns:a14="http://schemas.microsoft.com/office/drawing/2010/main" val="0"/>
+              </a:ext>
+            </a:extLst>
+          </a:blip>
+          <a:stretch>
+            <a:fillRect/>
+          </a:stretch>
+        </p:blipFill>
+        <p:spPr>
+          <a:xfrm>
+            <a:off x="9208037" y="2024209"/>
+            <a:ext cx="1857375" cy="3267075"/>
+          </a:xfrm>
+          <a:prstGeom prst="rect">
+            <a:avLst/>
+          </a:prstGeom>
+        </p:spPr>
+      </p:pic>
+      <p:sp>
+        <p:nvSpPr>
+          <p:cNvPr id="11" name="Rectangle 10">
+            <a:extLst>
+              <a:ext uri="{FF2B5EF4-FFF2-40B4-BE49-F238E27FC236}">
+                <a16:creationId xmlns:a16="http://schemas.microsoft.com/office/drawing/2014/main" id="{E280149F-55FE-46E5-9ECE-DEE1D87C39F4}"/>
+              </a:ext>
+            </a:extLst>
+          </p:cNvPr>
+          <p:cNvSpPr/>
+          <p:nvPr/>
+        </p:nvSpPr>
+        <p:spPr>
+          <a:xfrm>
+            <a:off x="468292" y="2526892"/>
+            <a:ext cx="8717272" cy="2585323"/>
+          </a:xfrm>
+          <a:prstGeom prst="rect">
+            <a:avLst/>
+          </a:prstGeom>
+        </p:spPr>
+        <p:txBody>
+          <a:bodyPr wrap="square">
+            <a:spAutoFit/>
+          </a:bodyPr>
+          <a:lstStyle/>
+          <a:p>
+            <a:pPr marL="285750" indent="-285750">
+              <a:buFont typeface="Arial" panose="020B0604020202020204" pitchFamily="34" charset="0"/>
+              <a:buChar char="•"/>
+            </a:pPr>
+            <a:r>
+              <a:rPr lang="en-GB" dirty="0">
+                <a:latin typeface="HelveticaNeue"/>
+              </a:rPr>
+              <a:t>Temperature sensor measurement range:  -40 - 85 ℃, with ±1.0°C accuracy </a:t>
+            </a:r>
+          </a:p>
+          <a:p>
+            <a:r>
+              <a:rPr lang="en-GB" dirty="0">
+                <a:latin typeface="HelveticaNeue"/>
+              </a:rPr>
+              <a:t>     (You can do the maths for Fahrenheit or Kelvin)</a:t>
+            </a:r>
+          </a:p>
+          <a:p>
+            <a:endParaRPr lang="en-GB" dirty="0">
+              <a:latin typeface="HelveticaNeue"/>
+            </a:endParaRPr>
+          </a:p>
+          <a:p>
+            <a:pPr marL="285750" indent="-285750">
+              <a:buFont typeface="Arial" panose="020B0604020202020204" pitchFamily="34" charset="0"/>
+              <a:buChar char="•"/>
+            </a:pPr>
+            <a:r>
+              <a:rPr lang="en-GB" dirty="0">
+                <a:latin typeface="HelveticaNeue"/>
+              </a:rPr>
+              <a:t>Humidity sensor measurements range: 0% - 100% relative humidity , with ±3% accuracy</a:t>
+            </a:r>
+          </a:p>
+          <a:p>
+            <a:endParaRPr lang="en-GB" dirty="0">
+              <a:latin typeface="HelveticaNeue"/>
+            </a:endParaRPr>
+          </a:p>
+          <a:p>
+            <a:pPr marL="285750" indent="-285750">
+              <a:buFont typeface="Arial" panose="020B0604020202020204" pitchFamily="34" charset="0"/>
+              <a:buChar char="•"/>
+            </a:pPr>
+            <a:r>
+              <a:rPr lang="en-GB" dirty="0">
+                <a:latin typeface="HelveticaNeue"/>
+              </a:rPr>
+              <a:t>Atmospheric pressure sensor measurement range: 300 - 1100 </a:t>
+            </a:r>
+            <a:r>
+              <a:rPr lang="en-GB" dirty="0" err="1">
+                <a:latin typeface="HelveticaNeue"/>
+              </a:rPr>
+              <a:t>hPa</a:t>
+            </a:r>
+            <a:r>
+              <a:rPr lang="en-GB" dirty="0">
+                <a:latin typeface="HelveticaNeue"/>
+              </a:rPr>
+              <a:t> with ±1.0 </a:t>
+            </a:r>
+            <a:r>
+              <a:rPr lang="en-GB" dirty="0" err="1">
+                <a:latin typeface="HelveticaNeue"/>
+              </a:rPr>
+              <a:t>hPa</a:t>
+            </a:r>
+            <a:r>
+              <a:rPr lang="en-GB" dirty="0">
+                <a:latin typeface="HelveticaNeue"/>
+              </a:rPr>
+              <a:t> accuracy</a:t>
+            </a:r>
+          </a:p>
+          <a:p>
+            <a:pPr marL="285750" indent="-285750">
+              <a:buFont typeface="Arial" panose="020B0604020202020204" pitchFamily="34" charset="0"/>
+              <a:buChar char="•"/>
+            </a:pPr>
+            <a:endParaRPr lang="en-GB" dirty="0">
+              <a:latin typeface="HelveticaNeue"/>
+            </a:endParaRPr>
+          </a:p>
+        </p:txBody>
+      </p:sp>
+    </p:spTree>
+    <p:extLst>
+      <p:ext uri="{BB962C8B-B14F-4D97-AF65-F5344CB8AC3E}">
+        <p14:creationId xmlns:p14="http://schemas.microsoft.com/office/powerpoint/2010/main" val="962964995"/>
+      </p:ext>
+    </p:extLst>
+  </p:cSld>
+  <p:clrMapOvr>
+    <a:masterClrMapping/>
+  </p:clrMapOvr>
+</p:sld>
+</file>
+
 <file path=ppt/slides/slide2.xml><?xml version="1.0" encoding="utf-8"?>
 <p:sld xmlns:a="http://schemas.openxmlformats.org/drawingml/2006/main" xmlns:r="http://schemas.openxmlformats.org/officeDocument/2006/relationships" xmlns:p="http://schemas.openxmlformats.org/presentationml/2006/main">
   <p:cSld>
@@ -5191,7 +5726,7 @@
         </p:nvSpPr>
         <p:spPr>
           <a:xfrm>
-            <a:off x="1562793" y="2573958"/>
+            <a:off x="1250720" y="2265370"/>
             <a:ext cx="10764982" cy="1772793"/>
           </a:xfrm>
           <a:prstGeom prst="rect">
@@ -5401,6 +5936,112 @@
   <p:clrMapOvr>
     <a:masterClrMapping/>
   </p:clrMapOvr>
+  <p:timing>
+    <p:tnLst>
+      <p:par>
+        <p:cTn id="1" dur="indefinite" restart="never" nodeType="tmRoot">
+          <p:childTnLst>
+            <p:seq concurrent="1" nextAc="seek">
+              <p:cTn id="2" dur="indefinite" nodeType="mainSeq">
+                <p:childTnLst>
+                  <p:par>
+                    <p:cTn id="3" fill="hold">
+                      <p:stCondLst>
+                        <p:cond delay="indefinite"/>
+                      </p:stCondLst>
+                      <p:childTnLst>
+                        <p:par>
+                          <p:cTn id="4" fill="hold">
+                            <p:stCondLst>
+                              <p:cond delay="0"/>
+                            </p:stCondLst>
+                            <p:childTnLst>
+                              <p:par>
+                                <p:cTn id="5" presetID="1" presetClass="entr" presetSubtype="0" fill="hold" grpId="0" nodeType="clickEffect">
+                                  <p:stCondLst>
+                                    <p:cond delay="0"/>
+                                  </p:stCondLst>
+                                  <p:childTnLst>
+                                    <p:set>
+                                      <p:cBhvr>
+                                        <p:cTn id="6" dur="1" fill="hold">
+                                          <p:stCondLst>
+                                            <p:cond delay="0"/>
+                                          </p:stCondLst>
+                                        </p:cTn>
+                                        <p:tgtEl>
+                                          <p:spTgt spid="2"/>
+                                        </p:tgtEl>
+                                        <p:attrNameLst>
+                                          <p:attrName>style.visibility</p:attrName>
+                                        </p:attrNameLst>
+                                      </p:cBhvr>
+                                      <p:to>
+                                        <p:strVal val="visible"/>
+                                      </p:to>
+                                    </p:set>
+                                  </p:childTnLst>
+                                </p:cTn>
+                              </p:par>
+                              <p:par>
+                                <p:cTn id="7" presetID="1" presetClass="entr" presetSubtype="0" fill="hold" grpId="0" nodeType="withEffect">
+                                  <p:stCondLst>
+                                    <p:cond delay="0"/>
+                                  </p:stCondLst>
+                                  <p:childTnLst>
+                                    <p:set>
+                                      <p:cBhvr>
+                                        <p:cTn id="8" dur="1" fill="hold">
+                                          <p:stCondLst>
+                                            <p:cond delay="0"/>
+                                          </p:stCondLst>
+                                        </p:cTn>
+                                        <p:tgtEl>
+                                          <p:spTgt spid="13"/>
+                                        </p:tgtEl>
+                                        <p:attrNameLst>
+                                          <p:attrName>style.visibility</p:attrName>
+                                        </p:attrNameLst>
+                                      </p:cBhvr>
+                                      <p:to>
+                                        <p:strVal val="visible"/>
+                                      </p:to>
+                                    </p:set>
+                                  </p:childTnLst>
+                                </p:cTn>
+                              </p:par>
+                            </p:childTnLst>
+                          </p:cTn>
+                        </p:par>
+                      </p:childTnLst>
+                    </p:cTn>
+                  </p:par>
+                </p:childTnLst>
+              </p:cTn>
+              <p:prevCondLst>
+                <p:cond evt="onPrev" delay="0">
+                  <p:tgtEl>
+                    <p:sldTgt/>
+                  </p:tgtEl>
+                </p:cond>
+              </p:prevCondLst>
+              <p:nextCondLst>
+                <p:cond evt="onNext" delay="0">
+                  <p:tgtEl>
+                    <p:sldTgt/>
+                  </p:tgtEl>
+                </p:cond>
+              </p:nextCondLst>
+            </p:seq>
+          </p:childTnLst>
+        </p:cTn>
+      </p:par>
+    </p:tnLst>
+    <p:bldLst>
+      <p:bldP spid="2" grpId="0"/>
+      <p:bldP spid="13" grpId="0"/>
+    </p:bldLst>
+  </p:timing>
 </p:sld>
 </file>
 
@@ -5732,8 +6373,8 @@
           </a:p>
         </p:txBody>
       </p:sp>
-      <mc:AlternateContent xmlns:mc="http://schemas.openxmlformats.org/markup-compatibility/2006">
-        <mc:Choice xmlns:a14="http://schemas.microsoft.com/office/drawing/2010/main" Requires="a14">
+      <mc:AlternateContent xmlns:mc="http://schemas.openxmlformats.org/markup-compatibility/2006" xmlns:a14="http://schemas.microsoft.com/office/drawing/2010/main">
+        <mc:Choice Requires="a14">
           <p:sp>
             <p:nvSpPr>
               <p:cNvPr id="8" name="Rectangle 7">
@@ -6037,7 +6678,7 @@
             </p:txBody>
           </p:sp>
         </mc:Choice>
-        <mc:Fallback>
+        <mc:Fallback xmlns="">
           <p:sp>
             <p:nvSpPr>
               <p:cNvPr id="8" name="Rectangle 7">
@@ -6462,8 +7103,8 @@
           </a:prstGeom>
         </p:spPr>
       </p:pic>
-      <mc:AlternateContent xmlns:mc="http://schemas.openxmlformats.org/markup-compatibility/2006">
-        <mc:Choice xmlns:a14="http://schemas.microsoft.com/office/drawing/2010/main" Requires="a14">
+      <mc:AlternateContent xmlns:mc="http://schemas.openxmlformats.org/markup-compatibility/2006" xmlns:a14="http://schemas.microsoft.com/office/drawing/2010/main">
+        <mc:Choice Requires="a14">
           <p:sp>
             <p:nvSpPr>
               <p:cNvPr id="15" name="TextBox 14">
@@ -6668,7 +7309,7 @@
             </p:txBody>
           </p:sp>
         </mc:Choice>
-        <mc:Fallback>
+        <mc:Fallback xmlns="">
           <p:sp>
             <p:nvSpPr>
               <p:cNvPr id="15" name="TextBox 14">
@@ -6713,8 +7354,8 @@
           </p:sp>
         </mc:Fallback>
       </mc:AlternateContent>
-      <mc:AlternateContent xmlns:mc="http://schemas.openxmlformats.org/markup-compatibility/2006">
-        <mc:Choice xmlns:a14="http://schemas.microsoft.com/office/drawing/2010/main" Requires="a14">
+      <mc:AlternateContent xmlns:mc="http://schemas.openxmlformats.org/markup-compatibility/2006" xmlns:a14="http://schemas.microsoft.com/office/drawing/2010/main">
+        <mc:Choice Requires="a14">
           <p:sp>
             <p:nvSpPr>
               <p:cNvPr id="21" name="TextBox 20">
@@ -6745,6 +7386,7 @@
               </a:bodyPr>
               <a:lstStyle/>
               <a:p>
+                <a:pPr/>
                 <a14:m>
                   <m:oMathPara xmlns:m="http://schemas.openxmlformats.org/officeDocument/2006/math">
                     <m:oMathParaPr>
@@ -6776,7 +7418,7 @@
             </p:txBody>
           </p:sp>
         </mc:Choice>
-        <mc:Fallback>
+        <mc:Fallback xmlns="">
           <p:sp>
             <p:nvSpPr>
               <p:cNvPr id="21" name="TextBox 20">
@@ -6955,8 +7597,8 @@
             </a:p>
           </p:txBody>
         </p:sp>
-        <mc:AlternateContent xmlns:mc="http://schemas.openxmlformats.org/markup-compatibility/2006">
-          <mc:Choice xmlns:a14="http://schemas.microsoft.com/office/drawing/2010/main" Requires="a14">
+        <mc:AlternateContent xmlns:mc="http://schemas.openxmlformats.org/markup-compatibility/2006" xmlns:a14="http://schemas.microsoft.com/office/drawing/2010/main">
+          <mc:Choice Requires="a14">
             <p:sp>
               <p:nvSpPr>
                 <p:cNvPr id="18" name="TextBox 17">
@@ -6987,6 +7629,7 @@
                 </a:bodyPr>
                 <a:lstStyle/>
                 <a:p>
+                  <a:pPr/>
                   <a14:m>
                     <m:oMathPara xmlns:m="http://schemas.openxmlformats.org/officeDocument/2006/math">
                       <m:oMathParaPr>
@@ -6995,7 +7638,7 @@
                       <m:oMath xmlns:m="http://schemas.openxmlformats.org/officeDocument/2006/math">
                         <m:r>
                           <a:rPr lang="en-GB" sz="1400" b="0" i="1" smtClean="0">
-                            <a:latin typeface="HelveticaNeue"/>
+                            <a:latin typeface="Cambria Math" panose="02040503050406030204" pitchFamily="18" charset="0"/>
                           </a:rPr>
                           <m:t>100</m:t>
                         </m:r>
@@ -7018,7 +7661,7 @@
               </p:txBody>
             </p:sp>
           </mc:Choice>
-          <mc:Fallback>
+          <mc:Fallback xmlns="">
             <p:sp>
               <p:nvSpPr>
                 <p:cNvPr id="18" name="TextBox 17">
@@ -7063,8 +7706,8 @@
             </p:sp>
           </mc:Fallback>
         </mc:AlternateContent>
-        <mc:AlternateContent xmlns:mc="http://schemas.openxmlformats.org/markup-compatibility/2006">
-          <mc:Choice xmlns:a14="http://schemas.microsoft.com/office/drawing/2010/main" Requires="a14">
+        <mc:AlternateContent xmlns:mc="http://schemas.openxmlformats.org/markup-compatibility/2006" xmlns:a14="http://schemas.microsoft.com/office/drawing/2010/main">
+          <mc:Choice Requires="a14">
             <p:sp>
               <p:nvSpPr>
                 <p:cNvPr id="19" name="Rectangle 18">
@@ -7129,7 +7772,7 @@
               </p:txBody>
             </p:sp>
           </mc:Choice>
-          <mc:Fallback>
+          <mc:Fallback xmlns="">
             <p:sp>
               <p:nvSpPr>
                 <p:cNvPr id="19" name="Rectangle 18">
@@ -7222,8 +7865,8 @@
           </p:txBody>
         </p:sp>
       </p:grpSp>
-      <mc:AlternateContent xmlns:mc="http://schemas.openxmlformats.org/markup-compatibility/2006">
-        <mc:Choice xmlns:a14="http://schemas.microsoft.com/office/drawing/2010/main" Requires="a14">
+      <mc:AlternateContent xmlns:mc="http://schemas.openxmlformats.org/markup-compatibility/2006" xmlns:a14="http://schemas.microsoft.com/office/drawing/2010/main">
+        <mc:Choice Requires="a14">
           <p:sp>
             <p:nvSpPr>
               <p:cNvPr id="27" name="TextBox 26">
@@ -7254,6 +7897,7 @@
               </a:bodyPr>
               <a:lstStyle/>
               <a:p>
+                <a:pPr/>
                 <a14:m>
                   <m:oMathPara xmlns:m="http://schemas.openxmlformats.org/officeDocument/2006/math">
                     <m:oMathParaPr>
@@ -7282,7 +7926,7 @@
             </p:txBody>
           </p:sp>
         </mc:Choice>
-        <mc:Fallback>
+        <mc:Fallback xmlns="">
           <p:sp>
             <p:nvSpPr>
               <p:cNvPr id="27" name="TextBox 26">
@@ -7422,8 +8066,8 @@
             </a:p>
           </p:txBody>
         </p:sp>
-        <mc:AlternateContent xmlns:mc="http://schemas.openxmlformats.org/markup-compatibility/2006">
-          <mc:Choice xmlns:a14="http://schemas.microsoft.com/office/drawing/2010/main" Requires="a14">
+        <mc:AlternateContent xmlns:mc="http://schemas.openxmlformats.org/markup-compatibility/2006" xmlns:a14="http://schemas.microsoft.com/office/drawing/2010/main">
+          <mc:Choice Requires="a14">
             <p:sp>
               <p:nvSpPr>
                 <p:cNvPr id="25" name="TextBox 24">
@@ -7454,6 +8098,7 @@
                 </a:bodyPr>
                 <a:lstStyle/>
                 <a:p>
+                  <a:pPr/>
                   <a14:m>
                     <m:oMathPara xmlns:m="http://schemas.openxmlformats.org/officeDocument/2006/math">
                       <m:oMathParaPr>
@@ -7462,21 +8107,9 @@
                       <m:oMath xmlns:m="http://schemas.openxmlformats.org/officeDocument/2006/math">
                         <m:r>
                           <a:rPr lang="en-GB" sz="1400" b="0" i="1" smtClean="0">
-                            <a:latin typeface="HelveticaNeue"/>
-                          </a:rPr>
-                          <m:t>10</m:t>
-                        </m:r>
-                        <m:r>
-                          <a:rPr lang="en-GB" sz="1400" b="0" i="1" smtClean="0">
                             <a:latin typeface="Cambria Math" panose="02040503050406030204" pitchFamily="18" charset="0"/>
                           </a:rPr>
-                          <m:t>00</m:t>
-                        </m:r>
-                        <m:r>
-                          <a:rPr lang="en-GB" sz="1400" b="0" i="1" smtClean="0">
-                            <a:latin typeface="HelveticaNeue"/>
-                          </a:rPr>
-                          <m:t>0</m:t>
+                          <m:t>10000</m:t>
                         </m:r>
                         <m:r>
                           <m:rPr>
@@ -7497,7 +8130,7 @@
               </p:txBody>
             </p:sp>
           </mc:Choice>
-          <mc:Fallback>
+          <mc:Fallback xmlns="">
             <p:sp>
               <p:nvSpPr>
                 <p:cNvPr id="25" name="TextBox 24">
@@ -7542,8 +8175,8 @@
             </p:sp>
           </mc:Fallback>
         </mc:AlternateContent>
-        <mc:AlternateContent xmlns:mc="http://schemas.openxmlformats.org/markup-compatibility/2006">
-          <mc:Choice xmlns:a14="http://schemas.microsoft.com/office/drawing/2010/main" Requires="a14">
+        <mc:AlternateContent xmlns:mc="http://schemas.openxmlformats.org/markup-compatibility/2006" xmlns:a14="http://schemas.microsoft.com/office/drawing/2010/main">
+          <mc:Choice Requires="a14">
             <p:sp>
               <p:nvSpPr>
                 <p:cNvPr id="26" name="Rectangle 25">
@@ -7608,7 +8241,7 @@
               </p:txBody>
             </p:sp>
           </mc:Choice>
-          <mc:Fallback>
+          <mc:Fallback xmlns="">
             <p:sp>
               <p:nvSpPr>
                 <p:cNvPr id="26" name="Rectangle 25">
@@ -7700,8 +8333,8 @@
             </a:p>
           </p:txBody>
         </p:sp>
-        <mc:AlternateContent xmlns:mc="http://schemas.openxmlformats.org/markup-compatibility/2006">
-          <mc:Choice xmlns:a14="http://schemas.microsoft.com/office/drawing/2010/main" Requires="a14">
+        <mc:AlternateContent xmlns:mc="http://schemas.openxmlformats.org/markup-compatibility/2006" xmlns:a14="http://schemas.microsoft.com/office/drawing/2010/main">
+          <mc:Choice Requires="a14">
             <p:sp>
               <p:nvSpPr>
                 <p:cNvPr id="30" name="TextBox 29">
@@ -7732,6 +8365,7 @@
                 </a:bodyPr>
                 <a:lstStyle/>
                 <a:p>
+                  <a:pPr/>
                   <a14:m>
                     <m:oMathPara xmlns:m="http://schemas.openxmlformats.org/officeDocument/2006/math">
                       <m:oMathParaPr>
@@ -7763,7 +8397,7 @@
               </p:txBody>
             </p:sp>
           </mc:Choice>
-          <mc:Fallback>
+          <mc:Fallback xmlns="">
             <p:sp>
               <p:nvSpPr>
                 <p:cNvPr id="30" name="TextBox 29">
@@ -7809,8 +8443,8 @@
           </mc:Fallback>
         </mc:AlternateContent>
       </p:grpSp>
-      <mc:AlternateContent xmlns:mc="http://schemas.openxmlformats.org/markup-compatibility/2006">
-        <mc:Choice xmlns:a14="http://schemas.microsoft.com/office/drawing/2010/main" Requires="a14">
+      <mc:AlternateContent xmlns:mc="http://schemas.openxmlformats.org/markup-compatibility/2006" xmlns:a14="http://schemas.microsoft.com/office/drawing/2010/main">
+        <mc:Choice Requires="a14">
           <p:sp>
             <p:nvSpPr>
               <p:cNvPr id="34" name="Rectangle 33">
@@ -7841,6 +8475,7 @@
               </a:bodyPr>
               <a:lstStyle/>
               <a:p>
+                <a:pPr/>
                 <a14:m>
                   <m:oMathPara xmlns:m="http://schemas.openxmlformats.org/officeDocument/2006/math">
                     <m:oMathParaPr>
@@ -7870,7 +8505,7 @@
             </p:txBody>
           </p:sp>
         </mc:Choice>
-        <mc:Fallback>
+        <mc:Fallback xmlns="">
           <p:sp>
             <p:nvSpPr>
               <p:cNvPr id="34" name="Rectangle 33">
@@ -8049,8 +8684,8 @@
             </a:p>
           </p:txBody>
         </p:sp>
-        <mc:AlternateContent xmlns:mc="http://schemas.openxmlformats.org/markup-compatibility/2006">
-          <mc:Choice xmlns:a14="http://schemas.microsoft.com/office/drawing/2010/main" Requires="a14">
+        <mc:AlternateContent xmlns:mc="http://schemas.openxmlformats.org/markup-compatibility/2006" xmlns:a14="http://schemas.microsoft.com/office/drawing/2010/main">
+          <mc:Choice Requires="a14">
             <p:sp>
               <p:nvSpPr>
                 <p:cNvPr id="33" name="Rectangle 32">
@@ -8081,6 +8716,7 @@
                 </a:bodyPr>
                 <a:lstStyle/>
                 <a:p>
+                  <a:pPr/>
                   <a14:m>
                     <m:oMathPara xmlns:m="http://schemas.openxmlformats.org/officeDocument/2006/math">
                       <m:oMathParaPr>
@@ -8110,7 +8746,7 @@
               </p:txBody>
             </p:sp>
           </mc:Choice>
-          <mc:Fallback>
+          <mc:Fallback xmlns="">
             <p:sp>
               <p:nvSpPr>
                 <p:cNvPr id="33" name="Rectangle 32">
@@ -8155,8 +8791,8 @@
             </p:sp>
           </mc:Fallback>
         </mc:AlternateContent>
-        <mc:AlternateContent xmlns:mc="http://schemas.openxmlformats.org/markup-compatibility/2006">
-          <mc:Choice xmlns:a14="http://schemas.microsoft.com/office/drawing/2010/main" Requires="a14">
+        <mc:AlternateContent xmlns:mc="http://schemas.openxmlformats.org/markup-compatibility/2006" xmlns:a14="http://schemas.microsoft.com/office/drawing/2010/main">
+          <mc:Choice Requires="a14">
             <p:sp>
               <p:nvSpPr>
                 <p:cNvPr id="35" name="Rectangle 34">
@@ -8221,7 +8857,7 @@
               </p:txBody>
             </p:sp>
           </mc:Choice>
-          <mc:Fallback>
+          <mc:Fallback xmlns="">
             <p:sp>
               <p:nvSpPr>
                 <p:cNvPr id="35" name="Rectangle 34">
@@ -8448,8 +9084,8 @@
             </a:p>
           </p:txBody>
         </p:sp>
-        <mc:AlternateContent xmlns:mc="http://schemas.openxmlformats.org/markup-compatibility/2006">
-          <mc:Choice xmlns:a14="http://schemas.microsoft.com/office/drawing/2010/main" Requires="a14">
+        <mc:AlternateContent xmlns:mc="http://schemas.openxmlformats.org/markup-compatibility/2006" xmlns:a14="http://schemas.microsoft.com/office/drawing/2010/main">
+          <mc:Choice Requires="a14">
             <p:sp>
               <p:nvSpPr>
                 <p:cNvPr id="40" name="Rectangle 39">
@@ -8480,6 +9116,7 @@
                 </a:bodyPr>
                 <a:lstStyle/>
                 <a:p>
+                  <a:pPr/>
                   <a14:m>
                     <m:oMathPara xmlns:m="http://schemas.openxmlformats.org/officeDocument/2006/math">
                       <m:oMathParaPr>
@@ -8509,7 +9146,7 @@
               </p:txBody>
             </p:sp>
           </mc:Choice>
-          <mc:Fallback>
+          <mc:Fallback xmlns="">
             <p:sp>
               <p:nvSpPr>
                 <p:cNvPr id="40" name="Rectangle 39">
@@ -8554,8 +9191,8 @@
             </p:sp>
           </mc:Fallback>
         </mc:AlternateContent>
-        <mc:AlternateContent xmlns:mc="http://schemas.openxmlformats.org/markup-compatibility/2006">
-          <mc:Choice xmlns:a14="http://schemas.microsoft.com/office/drawing/2010/main" Requires="a14">
+        <mc:AlternateContent xmlns:mc="http://schemas.openxmlformats.org/markup-compatibility/2006" xmlns:a14="http://schemas.microsoft.com/office/drawing/2010/main">
+          <mc:Choice Requires="a14">
             <p:sp>
               <p:nvSpPr>
                 <p:cNvPr id="41" name="Rectangle 40">
@@ -8620,7 +9257,7 @@
               </p:txBody>
             </p:sp>
           </mc:Choice>
-          <mc:Fallback>
+          <mc:Fallback xmlns="">
             <p:sp>
               <p:nvSpPr>
                 <p:cNvPr id="41" name="Rectangle 40">
@@ -8712,8 +9349,8 @@
             </a:p>
           </p:txBody>
         </p:sp>
-        <mc:AlternateContent xmlns:mc="http://schemas.openxmlformats.org/markup-compatibility/2006">
-          <mc:Choice xmlns:a14="http://schemas.microsoft.com/office/drawing/2010/main" Requires="a14">
+        <mc:AlternateContent xmlns:mc="http://schemas.openxmlformats.org/markup-compatibility/2006" xmlns:a14="http://schemas.microsoft.com/office/drawing/2010/main">
+          <mc:Choice Requires="a14">
             <p:sp>
               <p:nvSpPr>
                 <p:cNvPr id="43" name="Rectangle 42">
@@ -8744,6 +9381,7 @@
                 </a:bodyPr>
                 <a:lstStyle/>
                 <a:p>
+                  <a:pPr/>
                   <a14:m>
                     <m:oMathPara xmlns:m="http://schemas.openxmlformats.org/officeDocument/2006/math">
                       <m:oMathParaPr>
@@ -8773,7 +9411,7 @@
               </p:txBody>
             </p:sp>
           </mc:Choice>
-          <mc:Fallback>
+          <mc:Fallback xmlns="">
             <p:sp>
               <p:nvSpPr>
                 <p:cNvPr id="43" name="Rectangle 42">
@@ -9081,6 +9719,13 @@
         </p:nvPicPr>
         <p:blipFill rotWithShape="1">
           <a:blip r:embed="rId2">
+            <a:duotone>
+              <a:schemeClr val="accent6">
+                <a:shade val="45000"/>
+                <a:satMod val="135000"/>
+              </a:schemeClr>
+              <a:prstClr val="white"/>
+            </a:duotone>
             <a:extLst>
               <a:ext uri="{28A0092B-C50C-407E-A947-70E740481C1C}">
                 <a14:useLocalDpi xmlns:a14="http://schemas.microsoft.com/office/drawing/2010/main" val="0"/>
@@ -9872,8 +10517,8 @@
         </p:nvSpPr>
         <p:spPr>
           <a:xfrm>
-            <a:off x="224118" y="1212425"/>
-            <a:ext cx="5187569" cy="4247317"/>
+            <a:off x="200738" y="1075385"/>
+            <a:ext cx="7456842" cy="923330"/>
           </a:xfrm>
           <a:prstGeom prst="rect">
             <a:avLst/>
@@ -9885,10 +10530,6 @@
           </a:bodyPr>
           <a:lstStyle/>
           <a:p>
-            <a:pPr marL="285750" indent="-285750">
-              <a:buFont typeface="Arial" panose="020B0604020202020204" pitchFamily="34" charset="0"/>
-              <a:buChar char="•"/>
-            </a:pPr>
             <a:r>
               <a:rPr lang="en-GB" dirty="0">
                 <a:solidFill>
@@ -9896,7 +10537,7 @@
                 </a:solidFill>
                 <a:latin typeface="HelveticaNeue"/>
               </a:rPr>
-              <a:t>Good indication of the air quality in an environment by measuring the dust concentration.</a:t>
+              <a:t>Good indication of the air quality in a environment by measuring the dust concentration.</a:t>
             </a:r>
           </a:p>
           <a:p>
@@ -9908,72 +10549,6 @@
                 <a:latin typeface="HelveticaNeue"/>
               </a:rPr>
               <a:t> </a:t>
-            </a:r>
-          </a:p>
-          <a:p>
-            <a:pPr marL="285750" indent="-285750">
-              <a:buFont typeface="Arial" panose="020B0604020202020204" pitchFamily="34" charset="0"/>
-              <a:buChar char="•"/>
-            </a:pPr>
-            <a:r>
-              <a:rPr lang="en-GB" dirty="0">
-                <a:solidFill>
-                  <a:srgbClr val="222222"/>
-                </a:solidFill>
-                <a:latin typeface="HelveticaNeue"/>
-              </a:rPr>
-              <a:t>The Particulate Matter level (PM level) in the air is measured by counting the Low Pulse Occupancy time (LPO time) in given time unit. </a:t>
-            </a:r>
-          </a:p>
-          <a:p>
-            <a:pPr marL="285750" indent="-285750">
-              <a:buFont typeface="Arial" panose="020B0604020202020204" pitchFamily="34" charset="0"/>
-              <a:buChar char="•"/>
-            </a:pPr>
-            <a:endParaRPr lang="en-GB" dirty="0">
-              <a:solidFill>
-                <a:srgbClr val="222222"/>
-              </a:solidFill>
-              <a:latin typeface="HelveticaNeue"/>
-            </a:endParaRPr>
-          </a:p>
-          <a:p>
-            <a:pPr marL="285750" indent="-285750">
-              <a:buFont typeface="Arial" panose="020B0604020202020204" pitchFamily="34" charset="0"/>
-              <a:buChar char="•"/>
-            </a:pPr>
-            <a:r>
-              <a:rPr lang="en-GB" dirty="0">
-                <a:solidFill>
-                  <a:srgbClr val="222222"/>
-                </a:solidFill>
-                <a:latin typeface="HelveticaNeue"/>
-              </a:rPr>
-              <a:t>LPO time is proportional to PM concentration. This sensor can provide reliable data for air purifier systems; it is responsive to PM of diameter 1μm. </a:t>
-            </a:r>
-          </a:p>
-          <a:p>
-            <a:pPr marL="285750" indent="-285750">
-              <a:buFont typeface="Arial" panose="020B0604020202020204" pitchFamily="34" charset="0"/>
-              <a:buChar char="•"/>
-            </a:pPr>
-            <a:endParaRPr lang="en-GB" dirty="0">
-              <a:solidFill>
-                <a:srgbClr val="222222"/>
-              </a:solidFill>
-              <a:latin typeface="HelveticaNeue"/>
-            </a:endParaRPr>
-          </a:p>
-          <a:p>
-            <a:pPr marL="285750" indent="-285750">
-              <a:buFont typeface="Arial" panose="020B0604020202020204" pitchFamily="34" charset="0"/>
-              <a:buChar char="•"/>
-            </a:pPr>
-            <a:r>
-              <a:rPr lang="en-GB" dirty="0">
-                <a:latin typeface="HelveticaNeue"/>
-              </a:rPr>
-              <a:t>This sensor uses counting method to measure dust concentration, not weighing method</a:t>
             </a:r>
           </a:p>
         </p:txBody>
@@ -10084,6 +10659,100 @@
               <a:t>We can see the concentration of dust is very low in the evening, but it is higher in the afternoon</a:t>
             </a:r>
             <a:endParaRPr lang="en-GB" dirty="0"/>
+          </a:p>
+        </p:txBody>
+      </p:sp>
+      <p:sp>
+        <p:nvSpPr>
+          <p:cNvPr id="5" name="Rectangle 4">
+            <a:extLst>
+              <a:ext uri="{FF2B5EF4-FFF2-40B4-BE49-F238E27FC236}">
+                <a16:creationId xmlns:a16="http://schemas.microsoft.com/office/drawing/2014/main" id="{F0A93386-7B83-4ED7-96E7-CDC5464DC558}"/>
+              </a:ext>
+            </a:extLst>
+          </p:cNvPr>
+          <p:cNvSpPr/>
+          <p:nvPr/>
+        </p:nvSpPr>
+        <p:spPr>
+          <a:xfrm>
+            <a:off x="200738" y="1919601"/>
+            <a:ext cx="5552838" cy="3139321"/>
+          </a:xfrm>
+          <a:prstGeom prst="rect">
+            <a:avLst/>
+          </a:prstGeom>
+        </p:spPr>
+        <p:txBody>
+          <a:bodyPr wrap="square">
+            <a:spAutoFit/>
+          </a:bodyPr>
+          <a:lstStyle/>
+          <a:p>
+            <a:pPr marL="285750" indent="-285750">
+              <a:buFont typeface="Arial" panose="020B0604020202020204" pitchFamily="34" charset="0"/>
+              <a:buChar char="•"/>
+            </a:pPr>
+            <a:r>
+              <a:rPr lang="en-GB" dirty="0">
+                <a:solidFill>
+                  <a:srgbClr val="222222"/>
+                </a:solidFill>
+                <a:latin typeface="HelveticaNeue"/>
+              </a:rPr>
+              <a:t>The Particulate Matter level (PM level) in the air is measured by counting the Low Pulse Occupancy time (LPO time) in given time unit. </a:t>
+            </a:r>
+          </a:p>
+          <a:p>
+            <a:pPr marL="285750" indent="-285750">
+              <a:buFont typeface="Arial" panose="020B0604020202020204" pitchFamily="34" charset="0"/>
+              <a:buChar char="•"/>
+            </a:pPr>
+            <a:endParaRPr lang="en-GB" dirty="0">
+              <a:solidFill>
+                <a:srgbClr val="222222"/>
+              </a:solidFill>
+              <a:latin typeface="HelveticaNeue"/>
+            </a:endParaRPr>
+          </a:p>
+          <a:p>
+            <a:pPr marL="285750" indent="-285750">
+              <a:buFont typeface="Arial" panose="020B0604020202020204" pitchFamily="34" charset="0"/>
+              <a:buChar char="•"/>
+            </a:pPr>
+            <a:r>
+              <a:rPr lang="en-GB" dirty="0">
+                <a:solidFill>
+                  <a:srgbClr val="222222"/>
+                </a:solidFill>
+                <a:latin typeface="HelveticaNeue"/>
+              </a:rPr>
+              <a:t>LPO time is proportional to PM concentration. This sensor can provide reliable data for air purifier systems; it is responsive to PM of diameter 1μm. </a:t>
+            </a:r>
+          </a:p>
+          <a:p>
+            <a:pPr marL="285750" indent="-285750">
+              <a:buFont typeface="Arial" panose="020B0604020202020204" pitchFamily="34" charset="0"/>
+              <a:buChar char="•"/>
+            </a:pPr>
+            <a:endParaRPr lang="en-GB" dirty="0">
+              <a:solidFill>
+                <a:srgbClr val="222222"/>
+              </a:solidFill>
+              <a:latin typeface="HelveticaNeue"/>
+            </a:endParaRPr>
+          </a:p>
+          <a:p>
+            <a:pPr marL="285750" indent="-285750">
+              <a:buFont typeface="Arial" panose="020B0604020202020204" pitchFamily="34" charset="0"/>
+              <a:buChar char="•"/>
+            </a:pPr>
+            <a:r>
+              <a:rPr lang="en-GB" dirty="0">
+                <a:latin typeface="HelveticaNeue"/>
+              </a:rPr>
+              <a:t>This sensor uses counting method to measure dust concentration, not weighing method</a:t>
+            </a:r>
           </a:p>
         </p:txBody>
       </p:sp>
@@ -10133,6 +10802,13 @@
         </p:nvPicPr>
         <p:blipFill rotWithShape="1">
           <a:blip r:embed="rId3">
+            <a:duotone>
+              <a:prstClr val="black"/>
+              <a:srgbClr val="7030A0">
+                <a:tint val="45000"/>
+                <a:satMod val="400000"/>
+              </a:srgbClr>
+            </a:duotone>
             <a:extLst>
               <a:ext uri="{28A0092B-C50C-407E-A947-70E740481C1C}">
                 <a14:useLocalDpi xmlns:a14="http://schemas.microsoft.com/office/drawing/2010/main" val="0"/>
@@ -10351,8 +11027,8 @@
         </p:nvSpPr>
         <p:spPr>
           <a:xfrm>
-            <a:off x="224118" y="1212425"/>
-            <a:ext cx="5781128" cy="3416320"/>
+            <a:off x="224117" y="1212425"/>
+            <a:ext cx="7759821" cy="923330"/>
           </a:xfrm>
           <a:prstGeom prst="rect">
             <a:avLst/>
@@ -10364,6 +11040,83 @@
           </a:bodyPr>
           <a:lstStyle/>
           <a:p>
+            <a:r>
+              <a:rPr lang="en-GB" dirty="0">
+                <a:latin typeface="HelveticaNeue"/>
+              </a:rPr>
+              <a:t>The Grove - Gas Sensor(MQ5) module is useful for gas leakage detection (in home and industry). </a:t>
+            </a:r>
+          </a:p>
+          <a:p>
+            <a:endParaRPr lang="en-GB" dirty="0">
+              <a:latin typeface="HelveticaNeue"/>
+            </a:endParaRPr>
+          </a:p>
+        </p:txBody>
+      </p:sp>
+      <p:pic>
+        <p:nvPicPr>
+          <p:cNvPr id="11" name="Picture 10" descr="A close up of a device&#10;&#10;Description automatically generated">
+            <a:extLst>
+              <a:ext uri="{FF2B5EF4-FFF2-40B4-BE49-F238E27FC236}">
+                <a16:creationId xmlns:a16="http://schemas.microsoft.com/office/drawing/2014/main" id="{15C161DC-19D3-4BE4-B2B4-EAC338FDD9B5}"/>
+              </a:ext>
+            </a:extLst>
+          </p:cNvPr>
+          <p:cNvPicPr>
+            <a:picLocks noChangeAspect="1"/>
+          </p:cNvPicPr>
+          <p:nvPr/>
+        </p:nvPicPr>
+        <p:blipFill>
+          <a:blip r:embed="rId6">
+            <a:extLst>
+              <a:ext uri="{28A0092B-C50C-407E-A947-70E740481C1C}">
+                <a14:useLocalDpi xmlns:a14="http://schemas.microsoft.com/office/drawing/2010/main" val="0"/>
+              </a:ext>
+            </a:extLst>
+          </a:blip>
+          <a:stretch>
+            <a:fillRect/>
+          </a:stretch>
+        </p:blipFill>
+        <p:spPr>
+          <a:xfrm>
+            <a:off x="8232430" y="1820465"/>
+            <a:ext cx="3048000" cy="2286000"/>
+          </a:xfrm>
+          <a:prstGeom prst="rect">
+            <a:avLst/>
+          </a:prstGeom>
+        </p:spPr>
+      </p:pic>
+      <p:sp>
+        <p:nvSpPr>
+          <p:cNvPr id="5" name="Rectangle 4">
+            <a:extLst>
+              <a:ext uri="{FF2B5EF4-FFF2-40B4-BE49-F238E27FC236}">
+                <a16:creationId xmlns:a16="http://schemas.microsoft.com/office/drawing/2014/main" id="{FBD86A6D-F7ED-4EA8-91BB-5F6E9413151F}"/>
+              </a:ext>
+            </a:extLst>
+          </p:cNvPr>
+          <p:cNvSpPr/>
+          <p:nvPr/>
+        </p:nvSpPr>
+        <p:spPr>
+          <a:xfrm>
+            <a:off x="321738" y="2135755"/>
+            <a:ext cx="6096000" cy="2308324"/>
+          </a:xfrm>
+          <a:prstGeom prst="rect">
+            <a:avLst/>
+          </a:prstGeom>
+        </p:spPr>
+        <p:txBody>
+          <a:bodyPr>
+            <a:spAutoFit/>
+          </a:bodyPr>
+          <a:lstStyle/>
+          <a:p>
             <a:pPr marL="285750" indent="-285750">
               <a:buFont typeface="Arial" panose="020B0604020202020204" pitchFamily="34" charset="0"/>
               <a:buChar char="•"/>
@@ -10372,36 +11125,7 @@
               <a:rPr lang="en-GB" dirty="0">
                 <a:latin typeface="HelveticaNeue"/>
               </a:rPr>
-              <a:t>The Grove - Gas Sensor(MQ5) module is useful for gas leakage detection (in home and industry). </a:t>
-            </a:r>
-          </a:p>
-          <a:p>
-            <a:endParaRPr lang="en-GB" dirty="0">
-              <a:latin typeface="HelveticaNeue"/>
-            </a:endParaRPr>
-          </a:p>
-          <a:p>
-            <a:pPr marL="285750" indent="-285750">
-              <a:buFont typeface="Arial" panose="020B0604020202020204" pitchFamily="34" charset="0"/>
-              <a:buChar char="•"/>
-            </a:pPr>
-            <a:r>
-              <a:rPr lang="en-GB" dirty="0">
-                <a:latin typeface="HelveticaNeue"/>
-              </a:rPr>
-              <a:t>It is suitable for detecting H2, LPG, CH4, CO,</a:t>
-            </a:r>
-          </a:p>
-          <a:p>
-            <a:pPr marL="742950" lvl="1" indent="-285750">
-              <a:buFont typeface="Arial" panose="020B0604020202020204" pitchFamily="34" charset="0"/>
-              <a:buChar char="•"/>
-            </a:pPr>
-            <a:r>
-              <a:rPr lang="en-GB" dirty="0">
-                <a:latin typeface="HelveticaNeue"/>
-              </a:rPr>
-              <a:t>Hydrogen (H2), Liquid Petroleum Gas (LPG), Methane (CH4), Carbon-dioxide (C0) and ethanol/methanol. </a:t>
+              <a:t>It is suitable for detecting H2, LPG, CH4, CO, Hydrogen (H2), Liquid Petroleum Gas (LPG), Methane (CH4), Carbon-dioxide (C0) and ethanol/methanol. </a:t>
             </a:r>
           </a:p>
           <a:p>
@@ -10443,84 +11167,8 @@
               <a:rPr lang="en-GB" dirty="0">
                 <a:latin typeface="HelveticaNeue"/>
               </a:rPr>
-              <a:t>Approximation</a:t>
-            </a:r>
-          </a:p>
-        </p:txBody>
-      </p:sp>
-      <p:pic>
-        <p:nvPicPr>
-          <p:cNvPr id="11" name="Picture 10" descr="A close up of a device&#10;&#10;Description automatically generated">
-            <a:extLst>
-              <a:ext uri="{FF2B5EF4-FFF2-40B4-BE49-F238E27FC236}">
-                <a16:creationId xmlns:a16="http://schemas.microsoft.com/office/drawing/2014/main" id="{15C161DC-19D3-4BE4-B2B4-EAC338FDD9B5}"/>
-              </a:ext>
-            </a:extLst>
-          </p:cNvPr>
-          <p:cNvPicPr>
-            <a:picLocks noChangeAspect="1"/>
-          </p:cNvPicPr>
-          <p:nvPr/>
-        </p:nvPicPr>
-        <p:blipFill>
-          <a:blip r:embed="rId6">
-            <a:extLst>
-              <a:ext uri="{28A0092B-C50C-407E-A947-70E740481C1C}">
-                <a14:useLocalDpi xmlns:a14="http://schemas.microsoft.com/office/drawing/2010/main" val="0"/>
-              </a:ext>
-            </a:extLst>
-          </a:blip>
-          <a:stretch>
-            <a:fillRect/>
-          </a:stretch>
-        </p:blipFill>
-        <p:spPr>
-          <a:xfrm>
-            <a:off x="7252137" y="1010197"/>
-            <a:ext cx="3048000" cy="2286000"/>
-          </a:xfrm>
-          <a:prstGeom prst="rect">
-            <a:avLst/>
-          </a:prstGeom>
-        </p:spPr>
-      </p:pic>
-      <p:sp>
-        <p:nvSpPr>
-          <p:cNvPr id="3" name="Rectangle 2">
-            <a:extLst>
-              <a:ext uri="{FF2B5EF4-FFF2-40B4-BE49-F238E27FC236}">
-                <a16:creationId xmlns:a16="http://schemas.microsoft.com/office/drawing/2014/main" id="{080254A0-66A7-45E7-A46C-DE1CA7B82896}"/>
-              </a:ext>
-            </a:extLst>
-          </p:cNvPr>
-          <p:cNvSpPr/>
-          <p:nvPr/>
-        </p:nvSpPr>
-        <p:spPr>
-          <a:xfrm>
-            <a:off x="7520786" y="2850141"/>
-            <a:ext cx="2779351" cy="369332"/>
-          </a:xfrm>
-          <a:prstGeom prst="rect">
-            <a:avLst/>
-          </a:prstGeom>
-        </p:spPr>
-        <p:txBody>
-          <a:bodyPr wrap="none">
-            <a:spAutoFit/>
-          </a:bodyPr>
-          <a:lstStyle/>
-          <a:p>
-            <a:r>
-              <a:rPr lang="en-GB" dirty="0">
-                <a:solidFill>
-                  <a:srgbClr val="222222"/>
-                </a:solidFill>
-                <a:latin typeface="HelveticaNeue"/>
-              </a:rPr>
-              <a:t>Unit: pcs/L or pcs/0.01cf. </a:t>
-            </a:r>
-            <a:endParaRPr lang="en-GB" dirty="0"/>
+              <a:t>This sensor should only be used for approximation </a:t>
+            </a:r>
           </a:p>
         </p:txBody>
       </p:sp>
@@ -10653,48 +11301,6 @@
           </a:p>
         </p:txBody>
       </p:sp>
-      <p:sp>
-        <p:nvSpPr>
-          <p:cNvPr id="5" name="TextBox 4">
-            <a:extLst>
-              <a:ext uri="{FF2B5EF4-FFF2-40B4-BE49-F238E27FC236}">
-                <a16:creationId xmlns:a16="http://schemas.microsoft.com/office/drawing/2014/main" id="{DFBF54CF-F8EF-476F-941C-A4D2002C5A47}"/>
-              </a:ext>
-            </a:extLst>
-          </p:cNvPr>
-          <p:cNvSpPr txBox="1"/>
-          <p:nvPr/>
-        </p:nvSpPr>
-        <p:spPr>
-          <a:xfrm>
-            <a:off x="2547938" y="2228671"/>
-            <a:ext cx="7096124" cy="1200329"/>
-          </a:xfrm>
-          <a:prstGeom prst="rect">
-            <a:avLst/>
-          </a:prstGeom>
-          <a:noFill/>
-        </p:spPr>
-        <p:txBody>
-          <a:bodyPr wrap="square" rtlCol="0">
-            <a:spAutoFit/>
-          </a:bodyPr>
-          <a:lstStyle/>
-          <a:p>
-            <a:r>
-              <a:rPr lang="en-GB" sz="3600" dirty="0">
-                <a:solidFill>
-                  <a:schemeClr val="bg2">
-                    <a:lumMod val="25000"/>
-                  </a:schemeClr>
-                </a:solidFill>
-                <a:latin typeface="3ds" panose="02000503020000020004" pitchFamily="2" charset="0"/>
-              </a:rPr>
-              <a:t>Internet of Things for Sensing the School Environment Project</a:t>
-            </a:r>
-          </a:p>
-        </p:txBody>
-      </p:sp>
       <p:pic>
         <p:nvPicPr>
           <p:cNvPr id="7" name="Picture 6" descr="A close up of a logo&#10;&#10;Description automatically generated">
@@ -10730,10 +11336,293 @@
           </a:prstGeom>
         </p:spPr>
       </p:pic>
+      <p:sp>
+        <p:nvSpPr>
+          <p:cNvPr id="8" name="TextBox 7">
+            <a:extLst>
+              <a:ext uri="{FF2B5EF4-FFF2-40B4-BE49-F238E27FC236}">
+                <a16:creationId xmlns:a16="http://schemas.microsoft.com/office/drawing/2014/main" id="{24A75D75-D1DC-4ACC-A162-A04A5C0F3B5F}"/>
+              </a:ext>
+            </a:extLst>
+          </p:cNvPr>
+          <p:cNvSpPr txBox="1"/>
+          <p:nvPr/>
+        </p:nvSpPr>
+        <p:spPr>
+          <a:xfrm>
+            <a:off x="3383289" y="197629"/>
+            <a:ext cx="4151154" cy="646331"/>
+          </a:xfrm>
+          <a:prstGeom prst="rect">
+            <a:avLst/>
+          </a:prstGeom>
+          <a:noFill/>
+        </p:spPr>
+        <p:txBody>
+          <a:bodyPr wrap="square" rtlCol="0">
+            <a:spAutoFit/>
+          </a:bodyPr>
+          <a:lstStyle/>
+          <a:p>
+            <a:pPr algn="ctr"/>
+            <a:r>
+              <a:rPr lang="en-GB" sz="3600" dirty="0">
+                <a:solidFill>
+                  <a:schemeClr val="bg2">
+                    <a:lumMod val="25000"/>
+                  </a:schemeClr>
+                </a:solidFill>
+                <a:latin typeface="3ds" panose="02000503020000020004" pitchFamily="2" charset="0"/>
+              </a:rPr>
+              <a:t>Light Level Sensor</a:t>
+            </a:r>
+          </a:p>
+        </p:txBody>
+      </p:sp>
+      <p:pic>
+        <p:nvPicPr>
+          <p:cNvPr id="9" name="Picture 8" descr="A picture containing object&#10;&#10;Description automatically generated">
+            <a:extLst>
+              <a:ext uri="{FF2B5EF4-FFF2-40B4-BE49-F238E27FC236}">
+                <a16:creationId xmlns:a16="http://schemas.microsoft.com/office/drawing/2014/main" id="{CCD379EC-9AF2-4339-BC08-EAF2C4B297BF}"/>
+              </a:ext>
+            </a:extLst>
+          </p:cNvPr>
+          <p:cNvPicPr>
+            <a:picLocks noChangeAspect="1"/>
+          </p:cNvPicPr>
+          <p:nvPr/>
+        </p:nvPicPr>
+        <p:blipFill>
+          <a:blip r:embed="rId5">
+            <a:duotone>
+              <a:prstClr val="black"/>
+              <a:schemeClr val="accent1">
+                <a:tint val="45000"/>
+                <a:satMod val="400000"/>
+              </a:schemeClr>
+            </a:duotone>
+            <a:extLst>
+              <a:ext uri="{28A0092B-C50C-407E-A947-70E740481C1C}">
+                <a14:useLocalDpi xmlns:a14="http://schemas.microsoft.com/office/drawing/2010/main" val="0"/>
+              </a:ext>
+            </a:extLst>
+          </a:blip>
+          <a:stretch>
+            <a:fillRect/>
+          </a:stretch>
+        </p:blipFill>
+        <p:spPr>
+          <a:xfrm>
+            <a:off x="7534441" y="51487"/>
+            <a:ext cx="923330" cy="923330"/>
+          </a:xfrm>
+          <a:prstGeom prst="rect">
+            <a:avLst/>
+          </a:prstGeom>
+        </p:spPr>
+      </p:pic>
+      <p:sp>
+        <p:nvSpPr>
+          <p:cNvPr id="2" name="Rectangle 1">
+            <a:extLst>
+              <a:ext uri="{FF2B5EF4-FFF2-40B4-BE49-F238E27FC236}">
+                <a16:creationId xmlns:a16="http://schemas.microsoft.com/office/drawing/2014/main" id="{5D6C4503-2E09-4487-BB00-9BE7FDE142D2}"/>
+              </a:ext>
+            </a:extLst>
+          </p:cNvPr>
+          <p:cNvSpPr/>
+          <p:nvPr/>
+        </p:nvSpPr>
+        <p:spPr>
+          <a:xfrm>
+            <a:off x="224117" y="1212425"/>
+            <a:ext cx="10416174" cy="923330"/>
+          </a:xfrm>
+          <a:prstGeom prst="rect">
+            <a:avLst/>
+          </a:prstGeom>
+        </p:spPr>
+        <p:txBody>
+          <a:bodyPr wrap="square">
+            <a:spAutoFit/>
+          </a:bodyPr>
+          <a:lstStyle/>
+          <a:p>
+            <a:r>
+              <a:rPr lang="en-GB" dirty="0">
+                <a:latin typeface="HelveticaNeue"/>
+              </a:rPr>
+              <a:t>The Grove - Light sensor integrates a photo-resistor(light dependent resistor) to detect the intensity of light. The resistance of photo-resistor decreases when the intensity of light increases. The output signal is </a:t>
+            </a:r>
+            <a:r>
+              <a:rPr lang="en-GB" dirty="0" err="1">
+                <a:latin typeface="HelveticaNeue"/>
+              </a:rPr>
+              <a:t>analog</a:t>
+            </a:r>
+            <a:r>
+              <a:rPr lang="en-GB" dirty="0">
+                <a:latin typeface="HelveticaNeue"/>
+              </a:rPr>
+              <a:t> value, the brighter the light is, the larger the value.</a:t>
+            </a:r>
+          </a:p>
+        </p:txBody>
+      </p:sp>
+      <p:sp>
+        <p:nvSpPr>
+          <p:cNvPr id="5" name="Rectangle 4">
+            <a:extLst>
+              <a:ext uri="{FF2B5EF4-FFF2-40B4-BE49-F238E27FC236}">
+                <a16:creationId xmlns:a16="http://schemas.microsoft.com/office/drawing/2014/main" id="{FBD86A6D-F7ED-4EA8-91BB-5F6E9413151F}"/>
+              </a:ext>
+            </a:extLst>
+          </p:cNvPr>
+          <p:cNvSpPr/>
+          <p:nvPr/>
+        </p:nvSpPr>
+        <p:spPr>
+          <a:xfrm>
+            <a:off x="468292" y="2526892"/>
+            <a:ext cx="6096000" cy="3139321"/>
+          </a:xfrm>
+          <a:prstGeom prst="rect">
+            <a:avLst/>
+          </a:prstGeom>
+        </p:spPr>
+        <p:txBody>
+          <a:bodyPr>
+            <a:spAutoFit/>
+          </a:bodyPr>
+          <a:lstStyle/>
+          <a:p>
+            <a:pPr marL="285750" indent="-285750">
+              <a:buFont typeface="Arial" panose="020B0604020202020204" pitchFamily="34" charset="0"/>
+              <a:buChar char="•"/>
+            </a:pPr>
+            <a:r>
+              <a:rPr lang="en-GB" dirty="0">
+                <a:latin typeface="HelveticaNeue"/>
+              </a:rPr>
+              <a:t>This module can be used to build a light controlled switch i.e. switch off lights during day time and switch on lights during night time.</a:t>
+            </a:r>
+          </a:p>
+          <a:p>
+            <a:endParaRPr lang="en-GB" dirty="0">
+              <a:latin typeface="HelveticaNeue"/>
+            </a:endParaRPr>
+          </a:p>
+          <a:p>
+            <a:pPr marL="285750" indent="-285750">
+              <a:buFont typeface="Arial" panose="020B0604020202020204" pitchFamily="34" charset="0"/>
+              <a:buChar char="•"/>
+            </a:pPr>
+            <a:r>
+              <a:rPr lang="en-GB" dirty="0">
+                <a:latin typeface="HelveticaNeue"/>
+              </a:rPr>
+              <a:t>If a door has been opened during the day</a:t>
+            </a:r>
+          </a:p>
+          <a:p>
+            <a:endParaRPr lang="en-GB" dirty="0">
+              <a:latin typeface="HelveticaNeue"/>
+            </a:endParaRPr>
+          </a:p>
+          <a:p>
+            <a:pPr marL="285750" indent="-285750">
+              <a:buFont typeface="Arial" panose="020B0604020202020204" pitchFamily="34" charset="0"/>
+              <a:buChar char="•"/>
+            </a:pPr>
+            <a:r>
+              <a:rPr lang="en-GB" dirty="0">
+                <a:latin typeface="HelveticaNeue"/>
+              </a:rPr>
+              <a:t>Sun light in a greenhouse</a:t>
+            </a:r>
+          </a:p>
+          <a:p>
+            <a:pPr marL="285750" indent="-285750">
+              <a:buFont typeface="Arial" panose="020B0604020202020204" pitchFamily="34" charset="0"/>
+              <a:buChar char="•"/>
+            </a:pPr>
+            <a:endParaRPr lang="en-GB" dirty="0">
+              <a:latin typeface="HelveticaNeue"/>
+            </a:endParaRPr>
+          </a:p>
+          <a:p>
+            <a:pPr marL="285750" indent="-285750">
+              <a:buFont typeface="Arial" panose="020B0604020202020204" pitchFamily="34" charset="0"/>
+              <a:buChar char="•"/>
+            </a:pPr>
+            <a:r>
+              <a:rPr lang="en-GB" dirty="0">
+                <a:latin typeface="HelveticaNeue"/>
+              </a:rPr>
+              <a:t>A robot that reacts to light</a:t>
+            </a:r>
+          </a:p>
+          <a:p>
+            <a:pPr marL="285750" indent="-285750">
+              <a:buFont typeface="Arial" panose="020B0604020202020204" pitchFamily="34" charset="0"/>
+              <a:buChar char="•"/>
+            </a:pPr>
+            <a:endParaRPr lang="en-GB" dirty="0">
+              <a:latin typeface="HelveticaNeue"/>
+            </a:endParaRPr>
+          </a:p>
+          <a:p>
+            <a:pPr marL="285750" indent="-285750">
+              <a:buFont typeface="Arial" panose="020B0604020202020204" pitchFamily="34" charset="0"/>
+              <a:buChar char="•"/>
+            </a:pPr>
+            <a:endParaRPr lang="en-GB" dirty="0">
+              <a:latin typeface="HelveticaNeue"/>
+            </a:endParaRPr>
+          </a:p>
+        </p:txBody>
+      </p:sp>
+      <p:pic>
+        <p:nvPicPr>
+          <p:cNvPr id="12" name="Picture 11" descr="A close up of a device&#10;&#10;Description automatically generated">
+            <a:extLst>
+              <a:ext uri="{FF2B5EF4-FFF2-40B4-BE49-F238E27FC236}">
+                <a16:creationId xmlns:a16="http://schemas.microsoft.com/office/drawing/2014/main" id="{9FA15B0B-F090-41F3-948E-D5D6BD4B714E}"/>
+              </a:ext>
+            </a:extLst>
+          </p:cNvPr>
+          <p:cNvPicPr>
+            <a:picLocks noChangeAspect="1"/>
+          </p:cNvPicPr>
+          <p:nvPr/>
+        </p:nvPicPr>
+        <p:blipFill>
+          <a:blip r:embed="rId6">
+            <a:extLst>
+              <a:ext uri="{28A0092B-C50C-407E-A947-70E740481C1C}">
+                <a14:useLocalDpi xmlns:a14="http://schemas.microsoft.com/office/drawing/2010/main" val="0"/>
+              </a:ext>
+            </a:extLst>
+          </a:blip>
+          <a:stretch>
+            <a:fillRect/>
+          </a:stretch>
+        </p:blipFill>
+        <p:spPr>
+          <a:xfrm>
+            <a:off x="8166057" y="2901786"/>
+            <a:ext cx="1613770" cy="1820460"/>
+          </a:xfrm>
+          <a:prstGeom prst="rect">
+            <a:avLst/>
+          </a:prstGeom>
+        </p:spPr>
+      </p:pic>
     </p:spTree>
     <p:extLst>
       <p:ext uri="{BB962C8B-B14F-4D97-AF65-F5344CB8AC3E}">
-        <p14:creationId xmlns:p14="http://schemas.microsoft.com/office/powerpoint/2010/main" val="1512998547"/>
+        <p14:creationId xmlns:p14="http://schemas.microsoft.com/office/powerpoint/2010/main" val="3391443451"/>
       </p:ext>
     </p:extLst>
   </p:cSld>

--- a/Lessons/Sensors_101.pptx
+++ b/Lessons/Sensors_101.pptx
@@ -206,7 +206,7 @@
           <a:p>
             <a:fld id="{C2EBFB03-71CD-4F8F-BBF4-8710FA86CB6C}" type="datetimeFigureOut">
               <a:rPr lang="en-GB" smtClean="0"/>
-              <a:t>21/08/2019</a:t>
+              <a:t>23/08/2019</a:t>
             </a:fld>
             <a:endParaRPr lang="en-GB"/>
           </a:p>
@@ -1265,7 +1265,7 @@
           <a:p>
             <a:fld id="{96F6514E-685F-4447-A0A3-A4708FC00805}" type="datetimeFigureOut">
               <a:rPr lang="en-GB" smtClean="0"/>
-              <a:t>21/08/2019</a:t>
+              <a:t>23/08/2019</a:t>
             </a:fld>
             <a:endParaRPr lang="en-GB"/>
           </a:p>
@@ -1465,7 +1465,7 @@
           <a:p>
             <a:fld id="{96F6514E-685F-4447-A0A3-A4708FC00805}" type="datetimeFigureOut">
               <a:rPr lang="en-GB" smtClean="0"/>
-              <a:t>21/08/2019</a:t>
+              <a:t>23/08/2019</a:t>
             </a:fld>
             <a:endParaRPr lang="en-GB"/>
           </a:p>
@@ -1675,7 +1675,7 @@
           <a:p>
             <a:fld id="{96F6514E-685F-4447-A0A3-A4708FC00805}" type="datetimeFigureOut">
               <a:rPr lang="en-GB" smtClean="0"/>
-              <a:t>21/08/2019</a:t>
+              <a:t>23/08/2019</a:t>
             </a:fld>
             <a:endParaRPr lang="en-GB"/>
           </a:p>
@@ -1875,7 +1875,7 @@
           <a:p>
             <a:fld id="{96F6514E-685F-4447-A0A3-A4708FC00805}" type="datetimeFigureOut">
               <a:rPr lang="en-GB" smtClean="0"/>
-              <a:t>21/08/2019</a:t>
+              <a:t>23/08/2019</a:t>
             </a:fld>
             <a:endParaRPr lang="en-GB"/>
           </a:p>
@@ -2151,7 +2151,7 @@
           <a:p>
             <a:fld id="{96F6514E-685F-4447-A0A3-A4708FC00805}" type="datetimeFigureOut">
               <a:rPr lang="en-GB" smtClean="0"/>
-              <a:t>21/08/2019</a:t>
+              <a:t>23/08/2019</a:t>
             </a:fld>
             <a:endParaRPr lang="en-GB"/>
           </a:p>
@@ -2419,7 +2419,7 @@
           <a:p>
             <a:fld id="{96F6514E-685F-4447-A0A3-A4708FC00805}" type="datetimeFigureOut">
               <a:rPr lang="en-GB" smtClean="0"/>
-              <a:t>21/08/2019</a:t>
+              <a:t>23/08/2019</a:t>
             </a:fld>
             <a:endParaRPr lang="en-GB"/>
           </a:p>
@@ -2834,7 +2834,7 @@
           <a:p>
             <a:fld id="{96F6514E-685F-4447-A0A3-A4708FC00805}" type="datetimeFigureOut">
               <a:rPr lang="en-GB" smtClean="0"/>
-              <a:t>21/08/2019</a:t>
+              <a:t>23/08/2019</a:t>
             </a:fld>
             <a:endParaRPr lang="en-GB"/>
           </a:p>
@@ -2976,7 +2976,7 @@
           <a:p>
             <a:fld id="{96F6514E-685F-4447-A0A3-A4708FC00805}" type="datetimeFigureOut">
               <a:rPr lang="en-GB" smtClean="0"/>
-              <a:t>21/08/2019</a:t>
+              <a:t>23/08/2019</a:t>
             </a:fld>
             <a:endParaRPr lang="en-GB"/>
           </a:p>
@@ -3089,7 +3089,7 @@
           <a:p>
             <a:fld id="{96F6514E-685F-4447-A0A3-A4708FC00805}" type="datetimeFigureOut">
               <a:rPr lang="en-GB" smtClean="0"/>
-              <a:t>21/08/2019</a:t>
+              <a:t>23/08/2019</a:t>
             </a:fld>
             <a:endParaRPr lang="en-GB"/>
           </a:p>
@@ -3402,7 +3402,7 @@
           <a:p>
             <a:fld id="{96F6514E-685F-4447-A0A3-A4708FC00805}" type="datetimeFigureOut">
               <a:rPr lang="en-GB" smtClean="0"/>
-              <a:t>21/08/2019</a:t>
+              <a:t>23/08/2019</a:t>
             </a:fld>
             <a:endParaRPr lang="en-GB"/>
           </a:p>
@@ -3691,7 +3691,7 @@
           <a:p>
             <a:fld id="{96F6514E-685F-4447-A0A3-A4708FC00805}" type="datetimeFigureOut">
               <a:rPr lang="en-GB" smtClean="0"/>
-              <a:t>21/08/2019</a:t>
+              <a:t>23/08/2019</a:t>
             </a:fld>
             <a:endParaRPr lang="en-GB"/>
           </a:p>
@@ -3934,7 +3934,7 @@
           <a:p>
             <a:fld id="{96F6514E-685F-4447-A0A3-A4708FC00805}" type="datetimeFigureOut">
               <a:rPr lang="en-GB" smtClean="0"/>
-              <a:t>21/08/2019</a:t>
+              <a:t>23/08/2019</a:t>
             </a:fld>
             <a:endParaRPr lang="en-GB"/>
           </a:p>
@@ -4517,41 +4517,6 @@
       </p:sp>
       <p:pic>
         <p:nvPicPr>
-          <p:cNvPr id="7" name="Picture 6" descr="A close up of a logo&#10;&#10;Description automatically generated">
-            <a:extLst>
-              <a:ext uri="{FF2B5EF4-FFF2-40B4-BE49-F238E27FC236}">
-                <a16:creationId xmlns:a16="http://schemas.microsoft.com/office/drawing/2014/main" id="{F0BC9BC8-C4B4-4A10-B6DA-96C48E07DF3E}"/>
-              </a:ext>
-            </a:extLst>
-          </p:cNvPr>
-          <p:cNvPicPr>
-            <a:picLocks noChangeAspect="1"/>
-          </p:cNvPicPr>
-          <p:nvPr/>
-        </p:nvPicPr>
-        <p:blipFill rotWithShape="1">
-          <a:blip r:embed="rId4">
-            <a:extLst>
-              <a:ext uri="{28A0092B-C50C-407E-A947-70E740481C1C}">
-                <a14:useLocalDpi xmlns:a14="http://schemas.microsoft.com/office/drawing/2010/main" val="0"/>
-              </a:ext>
-            </a:extLst>
-          </a:blip>
-          <a:srcRect l="15706" t="11787" r="15492" b="17225"/>
-          <a:stretch/>
-        </p:blipFill>
-        <p:spPr>
-          <a:xfrm>
-            <a:off x="10043185" y="5943599"/>
-            <a:ext cx="1772492" cy="914400"/>
-          </a:xfrm>
-          <a:prstGeom prst="rect">
-            <a:avLst/>
-          </a:prstGeom>
-        </p:spPr>
-      </p:pic>
-      <p:pic>
-        <p:nvPicPr>
           <p:cNvPr id="6" name="Picture 5" descr="A picture containing object&#10;&#10;Description automatically generated">
             <a:extLst>
               <a:ext uri="{FF2B5EF4-FFF2-40B4-BE49-F238E27FC236}">
@@ -4565,7 +4530,7 @@
           <p:nvPr/>
         </p:nvPicPr>
         <p:blipFill>
-          <a:blip r:embed="rId5">
+          <a:blip r:embed="rId4">
             <a:duotone>
               <a:prstClr val="black"/>
               <a:srgbClr val="7030A0">
@@ -4587,6 +4552,42 @@
           <a:xfrm>
             <a:off x="5458037" y="3740950"/>
             <a:ext cx="923330" cy="923330"/>
+          </a:xfrm>
+          <a:prstGeom prst="rect">
+            <a:avLst/>
+          </a:prstGeom>
+        </p:spPr>
+      </p:pic>
+      <p:pic>
+        <p:nvPicPr>
+          <p:cNvPr id="3" name="Picture 2">
+            <a:extLst>
+              <a:ext uri="{FF2B5EF4-FFF2-40B4-BE49-F238E27FC236}">
+                <a16:creationId xmlns:a16="http://schemas.microsoft.com/office/drawing/2014/main" id="{729827C7-A70D-4E4B-8E71-9B6D3877A7F4}"/>
+              </a:ext>
+            </a:extLst>
+          </p:cNvPr>
+          <p:cNvPicPr>
+            <a:picLocks noChangeAspect="1"/>
+          </p:cNvPicPr>
+          <p:nvPr/>
+        </p:nvPicPr>
+        <p:blipFill>
+          <a:blip r:embed="rId5">
+            <a:extLst>
+              <a:ext uri="{28A0092B-C50C-407E-A947-70E740481C1C}">
+                <a14:useLocalDpi xmlns:a14="http://schemas.microsoft.com/office/drawing/2010/main" val="0"/>
+              </a:ext>
+            </a:extLst>
+          </a:blip>
+          <a:stretch>
+            <a:fillRect/>
+          </a:stretch>
+        </p:blipFill>
+        <p:spPr>
+          <a:xfrm>
+            <a:off x="10218865" y="6134793"/>
+            <a:ext cx="1576589" cy="723206"/>
           </a:xfrm>
           <a:prstGeom prst="rect">
             <a:avLst/>
@@ -4730,41 +4731,6 @@
           </a:p>
         </p:txBody>
       </p:sp>
-      <p:pic>
-        <p:nvPicPr>
-          <p:cNvPr id="7" name="Picture 6" descr="A close up of a logo&#10;&#10;Description automatically generated">
-            <a:extLst>
-              <a:ext uri="{FF2B5EF4-FFF2-40B4-BE49-F238E27FC236}">
-                <a16:creationId xmlns:a16="http://schemas.microsoft.com/office/drawing/2014/main" id="{F0BC9BC8-C4B4-4A10-B6DA-96C48E07DF3E}"/>
-              </a:ext>
-            </a:extLst>
-          </p:cNvPr>
-          <p:cNvPicPr>
-            <a:picLocks noChangeAspect="1"/>
-          </p:cNvPicPr>
-          <p:nvPr/>
-        </p:nvPicPr>
-        <p:blipFill rotWithShape="1">
-          <a:blip r:embed="rId4">
-            <a:extLst>
-              <a:ext uri="{28A0092B-C50C-407E-A947-70E740481C1C}">
-                <a14:useLocalDpi xmlns:a14="http://schemas.microsoft.com/office/drawing/2010/main" val="0"/>
-              </a:ext>
-            </a:extLst>
-          </a:blip>
-          <a:srcRect l="15706" t="11787" r="15492" b="17225"/>
-          <a:stretch/>
-        </p:blipFill>
-        <p:spPr>
-          <a:xfrm>
-            <a:off x="10043185" y="5943599"/>
-            <a:ext cx="1772492" cy="914400"/>
-          </a:xfrm>
-          <a:prstGeom prst="rect">
-            <a:avLst/>
-          </a:prstGeom>
-        </p:spPr>
-      </p:pic>
       <p:sp>
         <p:nvSpPr>
           <p:cNvPr id="8" name="TextBox 7">
@@ -4823,7 +4789,7 @@
           <p:nvPr/>
         </p:nvPicPr>
         <p:blipFill>
-          <a:blip r:embed="rId5">
+          <a:blip r:embed="rId4">
             <a:duotone>
               <a:prstClr val="black"/>
               <a:schemeClr val="accent1">
@@ -4865,7 +4831,7 @@
         </p:nvSpPr>
         <p:spPr>
           <a:xfrm>
-            <a:off x="224117" y="1212425"/>
+            <a:off x="250779" y="1050566"/>
             <a:ext cx="10416174" cy="923330"/>
           </a:xfrm>
           <a:prstGeom prst="rect">
@@ -4902,7 +4868,7 @@
           <p:nvPr/>
         </p:nvPicPr>
         <p:blipFill>
-          <a:blip r:embed="rId6">
+          <a:blip r:embed="rId5">
             <a:extLst>
               <a:ext uri="{28A0092B-C50C-407E-A947-70E740481C1C}">
                 <a14:useLocalDpi xmlns:a14="http://schemas.microsoft.com/office/drawing/2010/main" val="0"/>
@@ -4923,121 +4889,311 @@
           </a:prstGeom>
         </p:spPr>
       </p:pic>
-      <p:sp>
-        <p:nvSpPr>
-          <p:cNvPr id="11" name="Rectangle 10">
-            <a:extLst>
-              <a:ext uri="{FF2B5EF4-FFF2-40B4-BE49-F238E27FC236}">
-                <a16:creationId xmlns:a16="http://schemas.microsoft.com/office/drawing/2014/main" id="{E280149F-55FE-46E5-9ECE-DEE1D87C39F4}"/>
-              </a:ext>
-            </a:extLst>
-          </p:cNvPr>
-          <p:cNvSpPr/>
+      <mc:AlternateContent xmlns:mc="http://schemas.openxmlformats.org/markup-compatibility/2006">
+        <mc:Choice xmlns:a14="http://schemas.microsoft.com/office/drawing/2010/main" Requires="a14">
+          <p:sp>
+            <p:nvSpPr>
+              <p:cNvPr id="11" name="Rectangle 10">
+                <a:extLst>
+                  <a:ext uri="{FF2B5EF4-FFF2-40B4-BE49-F238E27FC236}">
+                    <a16:creationId xmlns:a16="http://schemas.microsoft.com/office/drawing/2014/main" id="{E280149F-55FE-46E5-9ECE-DEE1D87C39F4}"/>
+                  </a:ext>
+                </a:extLst>
+              </p:cNvPr>
+              <p:cNvSpPr/>
+              <p:nvPr/>
+            </p:nvSpPr>
+            <p:spPr>
+              <a:xfrm>
+                <a:off x="607143" y="1973896"/>
+                <a:ext cx="8717272" cy="3816814"/>
+              </a:xfrm>
+              <a:prstGeom prst="rect">
+                <a:avLst/>
+              </a:prstGeom>
+            </p:spPr>
+            <p:txBody>
+              <a:bodyPr wrap="square">
+                <a:spAutoFit/>
+              </a:bodyPr>
+              <a:lstStyle/>
+              <a:p>
+                <a:pPr marL="285750" indent="-285750">
+                  <a:buFont typeface="Arial" panose="020B0604020202020204" pitchFamily="34" charset="0"/>
+                  <a:buChar char="•"/>
+                </a:pPr>
+                <a:r>
+                  <a:rPr lang="en-GB" dirty="0">
+                    <a:latin typeface="HelveticaNeue"/>
+                  </a:rPr>
+                  <a:t>Temperature sensor measurement range:  -40 ℃ to 85 ℃, with ±1.0°C accuracy </a:t>
+                </a:r>
+              </a:p>
+              <a:p>
+                <a:r>
+                  <a:rPr lang="en-GB" dirty="0">
+                    <a:latin typeface="HelveticaNeue"/>
+                  </a:rPr>
+                  <a:t>     (You can do the conversion for Fahrenheit or Kelvin)</a:t>
+                </a:r>
+              </a:p>
+              <a:p>
+                <a:r>
+                  <a:rPr lang="en-GB" dirty="0">
+                    <a:latin typeface="HelveticaNeue"/>
+                  </a:rPr>
+                  <a:t>	</a:t>
+                </a:r>
+              </a:p>
+              <a:p>
+                <a:r>
+                  <a:rPr lang="en-GB" dirty="0">
+                    <a:latin typeface="HelveticaNeue"/>
+                  </a:rPr>
+                  <a:t>		Celsius to </a:t>
+                </a:r>
+                <a14:m>
+                  <m:oMath xmlns:m="http://schemas.openxmlformats.org/officeDocument/2006/math">
+                    <m:r>
+                      <m:rPr>
+                        <m:sty m:val="p"/>
+                      </m:rPr>
+                      <a:rPr lang="en-GB" b="0" i="0" smtClean="0">
+                        <a:latin typeface="Cambria Math" panose="02040503050406030204" pitchFamily="18" charset="0"/>
+                      </a:rPr>
+                      <m:t>Kelvin</m:t>
+                    </m:r>
+                    <m:r>
+                      <a:rPr lang="en-GB" i="1" smtClean="0">
+                        <a:latin typeface="Cambria Math" panose="02040503050406030204" pitchFamily="18" charset="0"/>
+                      </a:rPr>
+                      <m:t>=</m:t>
+                    </m:r>
+                    <m:r>
+                      <a:rPr lang="en-GB" b="0" i="1" smtClean="0">
+                        <a:latin typeface="Cambria Math" panose="02040503050406030204" pitchFamily="18" charset="0"/>
+                      </a:rPr>
+                      <m:t>273.15+</m:t>
+                    </m:r>
+                  </m:oMath>
+                </a14:m>
+                <a:r>
+                  <a:rPr lang="en-GB" dirty="0">
+                    <a:latin typeface="HelveticaNeue"/>
+                  </a:rPr>
+                  <a:t>℃</a:t>
+                </a:r>
+              </a:p>
+              <a:p>
+                <a:endParaRPr lang="en-GB" dirty="0">
+                  <a:latin typeface="HelveticaNeue"/>
+                </a:endParaRPr>
+              </a:p>
+              <a:p>
+                <a:r>
+                  <a:rPr lang="en-GB" dirty="0">
+                    <a:latin typeface="HelveticaNeue"/>
+                  </a:rPr>
+                  <a:t>		Ceclius to Fahrenheit, </a:t>
+                </a:r>
+                <a14:m>
+                  <m:oMath xmlns:m="http://schemas.openxmlformats.org/officeDocument/2006/math">
+                    <m:r>
+                      <a:rPr lang="en-GB" b="0" i="1" dirty="0" smtClean="0">
+                        <a:latin typeface="Cambria Math" panose="02040503050406030204" pitchFamily="18" charset="0"/>
+                        <a:ea typeface="Cambria Math" panose="02040503050406030204" pitchFamily="18" charset="0"/>
+                      </a:rPr>
+                      <m:t>℉=</m:t>
+                    </m:r>
+                    <m:f>
+                      <m:fPr>
+                        <m:ctrlPr>
+                          <a:rPr lang="en-GB" i="1">
+                            <a:latin typeface="Cambria Math" panose="02040503050406030204" pitchFamily="18" charset="0"/>
+                          </a:rPr>
+                        </m:ctrlPr>
+                      </m:fPr>
+                      <m:num>
+                        <m:r>
+                          <a:rPr lang="en-GB" i="1">
+                            <a:latin typeface="Cambria Math" panose="02040503050406030204" pitchFamily="18" charset="0"/>
+                            <a:ea typeface="Cambria Math" panose="02040503050406030204" pitchFamily="18" charset="0"/>
+                          </a:rPr>
+                          <m:t>℃ ∙ 9</m:t>
+                        </m:r>
+                      </m:num>
+                      <m:den>
+                        <m:r>
+                          <a:rPr lang="en-GB" i="1">
+                            <a:latin typeface="Cambria Math" panose="02040503050406030204" pitchFamily="18" charset="0"/>
+                          </a:rPr>
+                          <m:t>5</m:t>
+                        </m:r>
+                      </m:den>
+                    </m:f>
+                    <m:r>
+                      <a:rPr lang="en-GB" i="1">
+                        <a:latin typeface="Cambria Math" panose="02040503050406030204" pitchFamily="18" charset="0"/>
+                      </a:rPr>
+                      <m:t>+32</m:t>
+                    </m:r>
+                  </m:oMath>
+                </a14:m>
+                <a:endParaRPr lang="en-GB" dirty="0">
+                  <a:latin typeface="HelveticaNeue"/>
+                </a:endParaRPr>
+              </a:p>
+              <a:p>
+                <a:endParaRPr lang="en-GB" dirty="0">
+                  <a:latin typeface="HelveticaNeue"/>
+                </a:endParaRPr>
+              </a:p>
+              <a:p>
+                <a:pPr marL="285750" indent="-285750">
+                  <a:buFont typeface="Arial" panose="020B0604020202020204" pitchFamily="34" charset="0"/>
+                  <a:buChar char="•"/>
+                </a:pPr>
+                <a:r>
+                  <a:rPr lang="en-GB" dirty="0">
+                    <a:latin typeface="HelveticaNeue"/>
+                  </a:rPr>
+                  <a:t>Humidity sensor measurements range: 0% - 100% relative humidity , with ±3% accuracy</a:t>
+                </a:r>
+              </a:p>
+              <a:p>
+                <a:endParaRPr lang="en-GB" dirty="0">
+                  <a:latin typeface="HelveticaNeue"/>
+                </a:endParaRPr>
+              </a:p>
+              <a:p>
+                <a:pPr marL="285750" indent="-285750">
+                  <a:buFont typeface="Arial" panose="020B0604020202020204" pitchFamily="34" charset="0"/>
+                  <a:buChar char="•"/>
+                </a:pPr>
+                <a:r>
+                  <a:rPr lang="en-GB" dirty="0">
+                    <a:latin typeface="HelveticaNeue"/>
+                  </a:rPr>
+                  <a:t>Atmospheric pressure sensor measurement range: 300 - 1100 </a:t>
+                </a:r>
+                <a:r>
+                  <a:rPr lang="en-GB" dirty="0" err="1">
+                    <a:latin typeface="HelveticaNeue"/>
+                  </a:rPr>
+                  <a:t>hPa</a:t>
+                </a:r>
+                <a:r>
+                  <a:rPr lang="en-GB" dirty="0">
+                    <a:latin typeface="HelveticaNeue"/>
+                  </a:rPr>
+                  <a:t> with ±1.0 </a:t>
+                </a:r>
+                <a:r>
+                  <a:rPr lang="en-GB" dirty="0" err="1">
+                    <a:latin typeface="HelveticaNeue"/>
+                  </a:rPr>
+                  <a:t>hPa</a:t>
+                </a:r>
+                <a:r>
+                  <a:rPr lang="en-GB" dirty="0">
+                    <a:latin typeface="HelveticaNeue"/>
+                  </a:rPr>
+                  <a:t> accuracy</a:t>
+                </a:r>
+              </a:p>
+              <a:p>
+                <a:pPr marL="285750" indent="-285750">
+                  <a:buFont typeface="Arial" panose="020B0604020202020204" pitchFamily="34" charset="0"/>
+                  <a:buChar char="•"/>
+                </a:pPr>
+                <a:endParaRPr lang="en-GB" dirty="0">
+                  <a:latin typeface="HelveticaNeue"/>
+                </a:endParaRPr>
+              </a:p>
+            </p:txBody>
+          </p:sp>
+        </mc:Choice>
+        <mc:Fallback>
+          <p:sp>
+            <p:nvSpPr>
+              <p:cNvPr id="11" name="Rectangle 10">
+                <a:extLst>
+                  <a:ext uri="{FF2B5EF4-FFF2-40B4-BE49-F238E27FC236}">
+                    <a16:creationId xmlns:a16="http://schemas.microsoft.com/office/drawing/2014/main" id="{E280149F-55FE-46E5-9ECE-DEE1D87C39F4}"/>
+                  </a:ext>
+                </a:extLst>
+              </p:cNvPr>
+              <p:cNvSpPr>
+                <a:spLocks noRot="1" noChangeAspect="1" noMove="1" noResize="1" noEditPoints="1" noAdjustHandles="1" noChangeArrowheads="1" noChangeShapeType="1" noTextEdit="1"/>
+              </p:cNvSpPr>
+              <p:nvPr/>
+            </p:nvSpPr>
+            <p:spPr>
+              <a:xfrm>
+                <a:off x="607143" y="1973896"/>
+                <a:ext cx="8717272" cy="3816814"/>
+              </a:xfrm>
+              <a:prstGeom prst="rect">
+                <a:avLst/>
+              </a:prstGeom>
+              <a:blipFill>
+                <a:blip r:embed="rId6"/>
+                <a:stretch>
+                  <a:fillRect l="-490" t="-1118"/>
+                </a:stretch>
+              </a:blipFill>
+            </p:spPr>
+            <p:txBody>
+              <a:bodyPr/>
+              <a:lstStyle/>
+              <a:p>
+                <a:r>
+                  <a:rPr lang="en-GB">
+                    <a:noFill/>
+                  </a:rPr>
+                  <a:t> </a:t>
+                </a:r>
+              </a:p>
+            </p:txBody>
+          </p:sp>
+        </mc:Fallback>
+      </mc:AlternateContent>
+      <p:pic>
+        <p:nvPicPr>
+          <p:cNvPr id="12" name="Picture 11">
+            <a:extLst>
+              <a:ext uri="{FF2B5EF4-FFF2-40B4-BE49-F238E27FC236}">
+                <a16:creationId xmlns:a16="http://schemas.microsoft.com/office/drawing/2014/main" id="{E010ED91-AFCF-4A44-A265-C6C1F85D5920}"/>
+              </a:ext>
+            </a:extLst>
+          </p:cNvPr>
+          <p:cNvPicPr>
+            <a:picLocks noChangeAspect="1"/>
+          </p:cNvPicPr>
           <p:nvPr/>
-        </p:nvSpPr>
+        </p:nvPicPr>
+        <p:blipFill>
+          <a:blip r:embed="rId7">
+            <a:extLst>
+              <a:ext uri="{28A0092B-C50C-407E-A947-70E740481C1C}">
+                <a14:useLocalDpi xmlns:a14="http://schemas.microsoft.com/office/drawing/2010/main" val="0"/>
+              </a:ext>
+            </a:extLst>
+          </a:blip>
+          <a:stretch>
+            <a:fillRect/>
+          </a:stretch>
+        </p:blipFill>
         <p:spPr>
           <a:xfrm>
-            <a:off x="468292" y="2526892"/>
-            <a:ext cx="8717272" cy="2585323"/>
+            <a:off x="10218865" y="6134793"/>
+            <a:ext cx="1576589" cy="723206"/>
           </a:xfrm>
           <a:prstGeom prst="rect">
             <a:avLst/>
           </a:prstGeom>
         </p:spPr>
-        <p:txBody>
-          <a:bodyPr wrap="square">
-            <a:spAutoFit/>
-          </a:bodyPr>
-          <a:lstStyle/>
-          <a:p>
-            <a:pPr marL="285750" indent="-285750">
-              <a:buFont typeface="Arial" panose="020B0604020202020204" pitchFamily="34" charset="0"/>
-              <a:buChar char="•"/>
-            </a:pPr>
-            <a:r>
-              <a:rPr lang="en-GB" dirty="0">
-                <a:latin typeface="HelveticaNeue"/>
-              </a:rPr>
-              <a:t>Temperature sensor measurement range:  -40 - 85 ℃, with ±1.0°C accuracy </a:t>
-            </a:r>
-          </a:p>
-          <a:p>
-            <a:r>
-              <a:rPr lang="en-GB" dirty="0">
-                <a:latin typeface="HelveticaNeue"/>
-              </a:rPr>
-              <a:t>     (You can do the maths for Fahrenheit or Kelvin)</a:t>
-            </a:r>
-          </a:p>
-          <a:p>
-            <a:endParaRPr lang="en-GB" dirty="0">
-              <a:latin typeface="HelveticaNeue"/>
-            </a:endParaRPr>
-          </a:p>
-          <a:p>
-            <a:pPr marL="285750" indent="-285750">
-              <a:buFont typeface="Arial" panose="020B0604020202020204" pitchFamily="34" charset="0"/>
-              <a:buChar char="•"/>
-            </a:pPr>
-            <a:r>
-              <a:rPr lang="en-GB" dirty="0">
-                <a:latin typeface="HelveticaNeue"/>
-              </a:rPr>
-              <a:t>Humidity sensor measurements range: 0% - 100% relative humidity , with ±3% accuracy</a:t>
-            </a:r>
-          </a:p>
-          <a:p>
-            <a:endParaRPr lang="en-GB" dirty="0">
-              <a:latin typeface="HelveticaNeue"/>
-            </a:endParaRPr>
-          </a:p>
-          <a:p>
-            <a:pPr marL="285750" indent="-285750">
-              <a:buFont typeface="Arial" panose="020B0604020202020204" pitchFamily="34" charset="0"/>
-              <a:buChar char="•"/>
-            </a:pPr>
-            <a:r>
-              <a:rPr lang="en-GB" dirty="0">
-                <a:latin typeface="HelveticaNeue"/>
-              </a:rPr>
-              <a:t>Atmospheric pressure sensor measurement range: 300 - 1100 </a:t>
-            </a:r>
-            <a:r>
-              <a:rPr lang="en-GB" dirty="0" err="1">
-                <a:latin typeface="HelveticaNeue"/>
-              </a:rPr>
-              <a:t>hPa</a:t>
-            </a:r>
-            <a:r>
-              <a:rPr lang="en-GB" dirty="0">
-                <a:latin typeface="HelveticaNeue"/>
-              </a:rPr>
-              <a:t> with ±1.0 </a:t>
-            </a:r>
-            <a:r>
-              <a:rPr lang="en-GB" dirty="0" err="1">
-                <a:latin typeface="HelveticaNeue"/>
-              </a:rPr>
-              <a:t>hPa</a:t>
-            </a:r>
-            <a:r>
-              <a:rPr lang="en-GB" dirty="0">
-                <a:latin typeface="HelveticaNeue"/>
-              </a:rPr>
-              <a:t> accuracy</a:t>
-            </a:r>
-          </a:p>
-          <a:p>
-            <a:pPr marL="285750" indent="-285750">
-              <a:buFont typeface="Arial" panose="020B0604020202020204" pitchFamily="34" charset="0"/>
-              <a:buChar char="•"/>
-            </a:pPr>
-            <a:endParaRPr lang="en-GB" dirty="0">
-              <a:latin typeface="HelveticaNeue"/>
-            </a:endParaRPr>
-          </a:p>
-        </p:txBody>
-      </p:sp>
+      </p:pic>
     </p:spTree>
     <p:extLst>
       <p:ext uri="{BB962C8B-B14F-4D97-AF65-F5344CB8AC3E}">
@@ -5385,10 +5541,10 @@
       </p:sp>
       <p:pic>
         <p:nvPicPr>
-          <p:cNvPr id="6" name="Picture 5" descr="A close up of a logo&#10;&#10;Description automatically generated">
-            <a:extLst>
-              <a:ext uri="{FF2B5EF4-FFF2-40B4-BE49-F238E27FC236}">
-                <a16:creationId xmlns:a16="http://schemas.microsoft.com/office/drawing/2014/main" id="{17311AED-7222-4BF7-AAC2-9A78EA8F5F2C}"/>
+          <p:cNvPr id="7" name="Picture 6">
+            <a:extLst>
+              <a:ext uri="{FF2B5EF4-FFF2-40B4-BE49-F238E27FC236}">
+                <a16:creationId xmlns:a16="http://schemas.microsoft.com/office/drawing/2014/main" id="{CFA44CD7-F8F7-4198-871A-81A3CC00CA8C}"/>
               </a:ext>
             </a:extLst>
           </p:cNvPr>
@@ -5397,7 +5553,7 @@
           </p:cNvPicPr>
           <p:nvPr/>
         </p:nvPicPr>
-        <p:blipFill rotWithShape="1">
+        <p:blipFill>
           <a:blip r:embed="rId4">
             <a:extLst>
               <a:ext uri="{28A0092B-C50C-407E-A947-70E740481C1C}">
@@ -5405,13 +5561,14 @@
               </a:ext>
             </a:extLst>
           </a:blip>
-          <a:srcRect l="15706" t="11787" r="15492" b="17225"/>
-          <a:stretch/>
+          <a:stretch>
+            <a:fillRect/>
+          </a:stretch>
         </p:blipFill>
         <p:spPr>
           <a:xfrm>
-            <a:off x="10043185" y="5943599"/>
-            <a:ext cx="1772492" cy="914400"/>
+            <a:off x="10218865" y="6134793"/>
+            <a:ext cx="1576589" cy="723206"/>
           </a:xfrm>
           <a:prstGeom prst="rect">
             <a:avLst/>
@@ -5611,7 +5768,7 @@
         </p:nvSpPr>
         <p:spPr>
           <a:xfrm>
-            <a:off x="1562793" y="1706972"/>
+            <a:off x="1494308" y="1408689"/>
             <a:ext cx="3662747" cy="372410"/>
           </a:xfrm>
           <a:prstGeom prst="rect">
@@ -5671,41 +5828,6 @@
           <a:xfrm>
             <a:off x="7060608" y="51487"/>
             <a:ext cx="923330" cy="923330"/>
-          </a:xfrm>
-          <a:prstGeom prst="rect">
-            <a:avLst/>
-          </a:prstGeom>
-        </p:spPr>
-      </p:pic>
-      <p:pic>
-        <p:nvPicPr>
-          <p:cNvPr id="11" name="Picture 10" descr="A close up of a logo&#10;&#10;Description automatically generated">
-            <a:extLst>
-              <a:ext uri="{FF2B5EF4-FFF2-40B4-BE49-F238E27FC236}">
-                <a16:creationId xmlns:a16="http://schemas.microsoft.com/office/drawing/2014/main" id="{83DC121A-AF54-46EF-BA39-094319F3BD09}"/>
-              </a:ext>
-            </a:extLst>
-          </p:cNvPr>
-          <p:cNvPicPr>
-            <a:picLocks noChangeAspect="1"/>
-          </p:cNvPicPr>
-          <p:nvPr/>
-        </p:nvPicPr>
-        <p:blipFill rotWithShape="1">
-          <a:blip r:embed="rId5">
-            <a:extLst>
-              <a:ext uri="{28A0092B-C50C-407E-A947-70E740481C1C}">
-                <a14:useLocalDpi xmlns:a14="http://schemas.microsoft.com/office/drawing/2010/main" val="0"/>
-              </a:ext>
-            </a:extLst>
-          </a:blip>
-          <a:srcRect l="15706" t="11787" r="15492" b="17225"/>
-          <a:stretch/>
-        </p:blipFill>
-        <p:spPr>
-          <a:xfrm>
-            <a:off x="10043185" y="5943599"/>
-            <a:ext cx="1772492" cy="914400"/>
           </a:xfrm>
           <a:prstGeom prst="rect">
             <a:avLst/>
@@ -5911,7 +6033,7 @@
             <a:r>
               <a:rPr lang="en-GB" sz="1820" dirty="0">
                 <a:latin typeface="HelveticaNeue"/>
-                <a:hlinkClick r:id="rId6"/>
+                <a:hlinkClick r:id="rId5"/>
               </a:rPr>
               <a:t>https://en.wikipedia.org/wiki/List_of_sensors</a:t>
             </a:r>
@@ -5926,6 +6048,42 @@
           </a:p>
         </p:txBody>
       </p:sp>
+      <p:pic>
+        <p:nvPicPr>
+          <p:cNvPr id="10" name="Picture 9">
+            <a:extLst>
+              <a:ext uri="{FF2B5EF4-FFF2-40B4-BE49-F238E27FC236}">
+                <a16:creationId xmlns:a16="http://schemas.microsoft.com/office/drawing/2014/main" id="{844340AD-1BCA-42B3-A098-AFAA51A30140}"/>
+              </a:ext>
+            </a:extLst>
+          </p:cNvPr>
+          <p:cNvPicPr>
+            <a:picLocks noChangeAspect="1"/>
+          </p:cNvPicPr>
+          <p:nvPr/>
+        </p:nvPicPr>
+        <p:blipFill>
+          <a:blip r:embed="rId6">
+            <a:extLst>
+              <a:ext uri="{28A0092B-C50C-407E-A947-70E740481C1C}">
+                <a14:useLocalDpi xmlns:a14="http://schemas.microsoft.com/office/drawing/2010/main" val="0"/>
+              </a:ext>
+            </a:extLst>
+          </a:blip>
+          <a:stretch>
+            <a:fillRect/>
+          </a:stretch>
+        </p:blipFill>
+        <p:spPr>
+          <a:xfrm>
+            <a:off x="10218865" y="6134793"/>
+            <a:ext cx="1576589" cy="723206"/>
+          </a:xfrm>
+          <a:prstGeom prst="rect">
+            <a:avLst/>
+          </a:prstGeom>
+        </p:spPr>
+      </p:pic>
     </p:spTree>
     <p:extLst>
       <p:ext uri="{BB962C8B-B14F-4D97-AF65-F5344CB8AC3E}">
@@ -6168,41 +6326,6 @@
           </a:p>
         </p:txBody>
       </p:sp>
-      <p:pic>
-        <p:nvPicPr>
-          <p:cNvPr id="6" name="Picture 5" descr="A close up of a logo&#10;&#10;Description automatically generated">
-            <a:extLst>
-              <a:ext uri="{FF2B5EF4-FFF2-40B4-BE49-F238E27FC236}">
-                <a16:creationId xmlns:a16="http://schemas.microsoft.com/office/drawing/2014/main" id="{FCE1EDC9-0323-4114-990B-7364CA9862AC}"/>
-              </a:ext>
-            </a:extLst>
-          </p:cNvPr>
-          <p:cNvPicPr>
-            <a:picLocks noChangeAspect="1"/>
-          </p:cNvPicPr>
-          <p:nvPr/>
-        </p:nvPicPr>
-        <p:blipFill rotWithShape="1">
-          <a:blip r:embed="rId3">
-            <a:extLst>
-              <a:ext uri="{28A0092B-C50C-407E-A947-70E740481C1C}">
-                <a14:useLocalDpi xmlns:a14="http://schemas.microsoft.com/office/drawing/2010/main" val="0"/>
-              </a:ext>
-            </a:extLst>
-          </a:blip>
-          <a:srcRect l="15706" t="11787" r="15492" b="17225"/>
-          <a:stretch/>
-        </p:blipFill>
-        <p:spPr>
-          <a:xfrm>
-            <a:off x="10043185" y="5943599"/>
-            <a:ext cx="1772492" cy="914400"/>
-          </a:xfrm>
-          <a:prstGeom prst="rect">
-            <a:avLst/>
-          </a:prstGeom>
-        </p:spPr>
-      </p:pic>
       <p:sp>
         <p:nvSpPr>
           <p:cNvPr id="7" name="TextBox 6">
@@ -6845,6 +6968,42 @@
           </a:prstGeom>
         </p:spPr>
       </p:pic>
+      <p:pic>
+        <p:nvPicPr>
+          <p:cNvPr id="12" name="Picture 11">
+            <a:extLst>
+              <a:ext uri="{FF2B5EF4-FFF2-40B4-BE49-F238E27FC236}">
+                <a16:creationId xmlns:a16="http://schemas.microsoft.com/office/drawing/2014/main" id="{A374DB3F-FBE9-40C4-9ABA-B9991BF64BCE}"/>
+              </a:ext>
+            </a:extLst>
+          </p:cNvPr>
+          <p:cNvPicPr>
+            <a:picLocks noChangeAspect="1"/>
+          </p:cNvPicPr>
+          <p:nvPr/>
+        </p:nvPicPr>
+        <p:blipFill>
+          <a:blip r:embed="rId7">
+            <a:extLst>
+              <a:ext uri="{28A0092B-C50C-407E-A947-70E740481C1C}">
+                <a14:useLocalDpi xmlns:a14="http://schemas.microsoft.com/office/drawing/2010/main" val="0"/>
+              </a:ext>
+            </a:extLst>
+          </a:blip>
+          <a:stretch>
+            <a:fillRect/>
+          </a:stretch>
+        </p:blipFill>
+        <p:spPr>
+          <a:xfrm>
+            <a:off x="10218865" y="6134793"/>
+            <a:ext cx="1576589" cy="723206"/>
+          </a:xfrm>
+          <a:prstGeom prst="rect">
+            <a:avLst/>
+          </a:prstGeom>
+        </p:spPr>
+      </p:pic>
     </p:spTree>
     <p:extLst>
       <p:ext uri="{BB962C8B-B14F-4D97-AF65-F5344CB8AC3E}">
@@ -6982,41 +7141,6 @@
           </a:p>
         </p:txBody>
       </p:sp>
-      <p:pic>
-        <p:nvPicPr>
-          <p:cNvPr id="6" name="Picture 5" descr="A close up of a logo&#10;&#10;Description automatically generated">
-            <a:extLst>
-              <a:ext uri="{FF2B5EF4-FFF2-40B4-BE49-F238E27FC236}">
-                <a16:creationId xmlns:a16="http://schemas.microsoft.com/office/drawing/2014/main" id="{9CC3E1DE-3E10-43D0-A339-807F332939F1}"/>
-              </a:ext>
-            </a:extLst>
-          </p:cNvPr>
-          <p:cNvPicPr>
-            <a:picLocks noChangeAspect="1"/>
-          </p:cNvPicPr>
-          <p:nvPr/>
-        </p:nvPicPr>
-        <p:blipFill rotWithShape="1">
-          <a:blip r:embed="rId3">
-            <a:extLst>
-              <a:ext uri="{28A0092B-C50C-407E-A947-70E740481C1C}">
-                <a14:useLocalDpi xmlns:a14="http://schemas.microsoft.com/office/drawing/2010/main" val="0"/>
-              </a:ext>
-            </a:extLst>
-          </a:blip>
-          <a:srcRect l="15706" t="11787" r="15492" b="17225"/>
-          <a:stretch/>
-        </p:blipFill>
-        <p:spPr>
-          <a:xfrm>
-            <a:off x="10043185" y="5943599"/>
-            <a:ext cx="1772492" cy="914400"/>
-          </a:xfrm>
-          <a:prstGeom prst="rect">
-            <a:avLst/>
-          </a:prstGeom>
-        </p:spPr>
-      </p:pic>
       <p:sp>
         <p:nvSpPr>
           <p:cNvPr id="7" name="TextBox 6">
@@ -7075,7 +7199,7 @@
           <p:nvPr/>
         </p:nvPicPr>
         <p:blipFill>
-          <a:blip r:embed="rId4">
+          <a:blip r:embed="rId3">
             <a:duotone>
               <a:prstClr val="black"/>
               <a:schemeClr val="accent1">
@@ -7103,8 +7227,8 @@
           </a:prstGeom>
         </p:spPr>
       </p:pic>
-      <mc:AlternateContent xmlns:mc="http://schemas.openxmlformats.org/markup-compatibility/2006" xmlns:a14="http://schemas.microsoft.com/office/drawing/2010/main">
-        <mc:Choice Requires="a14">
+      <mc:AlternateContent xmlns:mc="http://schemas.openxmlformats.org/markup-compatibility/2006">
+        <mc:Choice xmlns:a14="http://schemas.microsoft.com/office/drawing/2010/main" Requires="a14">
           <p:sp>
             <p:nvSpPr>
               <p:cNvPr id="15" name="TextBox 14">
@@ -7119,8 +7243,8 @@
             </p:nvSpPr>
             <p:spPr>
               <a:xfrm>
-                <a:off x="234519" y="887075"/>
-                <a:ext cx="5988700" cy="795474"/>
+                <a:off x="334270" y="952015"/>
+                <a:ext cx="11145605" cy="518475"/>
               </a:xfrm>
               <a:prstGeom prst="rect">
                 <a:avLst/>
@@ -7309,7 +7433,7 @@
             </p:txBody>
           </p:sp>
         </mc:Choice>
-        <mc:Fallback xmlns="">
+        <mc:Fallback>
           <p:sp>
             <p:nvSpPr>
               <p:cNvPr id="15" name="TextBox 14">
@@ -7326,16 +7450,16 @@
             </p:nvSpPr>
             <p:spPr>
               <a:xfrm>
-                <a:off x="234519" y="887075"/>
-                <a:ext cx="5988700" cy="795474"/>
+                <a:off x="334270" y="952015"/>
+                <a:ext cx="11145605" cy="518475"/>
               </a:xfrm>
               <a:prstGeom prst="rect">
                 <a:avLst/>
               </a:prstGeom>
               <a:blipFill>
-                <a:blip r:embed="rId5"/>
+                <a:blip r:embed="rId4"/>
                 <a:stretch>
-                  <a:fillRect l="-814" t="-4615"/>
+                  <a:fillRect l="-492"/>
                 </a:stretch>
               </a:blipFill>
             </p:spPr>
@@ -7354,8 +7478,8 @@
           </p:sp>
         </mc:Fallback>
       </mc:AlternateContent>
-      <mc:AlternateContent xmlns:mc="http://schemas.openxmlformats.org/markup-compatibility/2006" xmlns:a14="http://schemas.microsoft.com/office/drawing/2010/main">
-        <mc:Choice Requires="a14">
+      <mc:AlternateContent xmlns:mc="http://schemas.openxmlformats.org/markup-compatibility/2006">
+        <mc:Choice xmlns:a14="http://schemas.microsoft.com/office/drawing/2010/main" Requires="a14">
           <p:sp>
             <p:nvSpPr>
               <p:cNvPr id="21" name="TextBox 20">
@@ -7370,7 +7494,7 @@
             </p:nvSpPr>
             <p:spPr>
               <a:xfrm>
-                <a:off x="4622011" y="2875394"/>
+                <a:off x="9401077" y="5147578"/>
                 <a:ext cx="400051" cy="307777"/>
               </a:xfrm>
               <a:prstGeom prst="rect">
@@ -7418,7 +7542,7 @@
             </p:txBody>
           </p:sp>
         </mc:Choice>
-        <mc:Fallback xmlns="">
+        <mc:Fallback>
           <p:sp>
             <p:nvSpPr>
               <p:cNvPr id="21" name="TextBox 20">
@@ -7435,14 +7559,14 @@
             </p:nvSpPr>
             <p:spPr>
               <a:xfrm>
-                <a:off x="4622011" y="2875394"/>
+                <a:off x="9401077" y="5147578"/>
                 <a:ext cx="400051" cy="307777"/>
               </a:xfrm>
               <a:prstGeom prst="rect">
                 <a:avLst/>
               </a:prstGeom>
               <a:blipFill>
-                <a:blip r:embed="rId6"/>
+                <a:blip r:embed="rId5"/>
                 <a:stretch>
                   <a:fillRect r="-16667"/>
                 </a:stretch>
@@ -7477,7 +7601,7 @@
         </p:nvGrpSpPr>
         <p:grpSpPr>
           <a:xfrm>
-            <a:off x="1886280" y="2041512"/>
+            <a:off x="6728287" y="4314776"/>
             <a:ext cx="3236777" cy="2126196"/>
             <a:chOff x="1720020" y="2041512"/>
             <a:chExt cx="3236777" cy="2126196"/>
@@ -7498,7 +7622,7 @@
             <p:nvPr/>
           </p:nvPicPr>
           <p:blipFill>
-            <a:blip r:embed="rId7">
+            <a:blip r:embed="rId6">
               <a:extLst>
                 <a:ext uri="{28A0092B-C50C-407E-A947-70E740481C1C}">
                   <a14:useLocalDpi xmlns:a14="http://schemas.microsoft.com/office/drawing/2010/main" val="0"/>
@@ -7865,8 +7989,8 @@
           </p:txBody>
         </p:sp>
       </p:grpSp>
-      <mc:AlternateContent xmlns:mc="http://schemas.openxmlformats.org/markup-compatibility/2006" xmlns:a14="http://schemas.microsoft.com/office/drawing/2010/main">
-        <mc:Choice Requires="a14">
+      <mc:AlternateContent xmlns:mc="http://schemas.openxmlformats.org/markup-compatibility/2006">
+        <mc:Choice xmlns:a14="http://schemas.microsoft.com/office/drawing/2010/main" Requires="a14">
           <p:sp>
             <p:nvSpPr>
               <p:cNvPr id="27" name="TextBox 26">
@@ -7881,7 +8005,7 @@
             </p:nvSpPr>
             <p:spPr>
               <a:xfrm>
-                <a:off x="4591988" y="5348084"/>
+                <a:off x="9420720" y="2663588"/>
                 <a:ext cx="400051" cy="307777"/>
               </a:xfrm>
               <a:prstGeom prst="rect">
@@ -7926,7 +8050,7 @@
             </p:txBody>
           </p:sp>
         </mc:Choice>
-        <mc:Fallback xmlns="">
+        <mc:Fallback>
           <p:sp>
             <p:nvSpPr>
               <p:cNvPr id="27" name="TextBox 26">
@@ -7943,7 +8067,7 @@
             </p:nvSpPr>
             <p:spPr>
               <a:xfrm>
-                <a:off x="4591988" y="5348084"/>
+                <a:off x="9420720" y="2663588"/>
                 <a:ext cx="400051" cy="307777"/>
               </a:xfrm>
               <a:prstGeom prst="rect">
@@ -7985,7 +8109,7 @@
         </p:nvGrpSpPr>
         <p:grpSpPr>
           <a:xfrm>
-            <a:off x="1982668" y="4526671"/>
+            <a:off x="6826835" y="1837918"/>
             <a:ext cx="3140389" cy="2126196"/>
             <a:chOff x="1816408" y="4526671"/>
             <a:chExt cx="3140389" cy="2126196"/>
@@ -8006,7 +8130,7 @@
             <p:nvPr/>
           </p:nvPicPr>
           <p:blipFill>
-            <a:blip r:embed="rId7">
+            <a:blip r:embed="rId6">
               <a:extLst>
                 <a:ext uri="{28A0092B-C50C-407E-A947-70E740481C1C}">
                   <a14:useLocalDpi xmlns:a14="http://schemas.microsoft.com/office/drawing/2010/main" val="0"/>
@@ -8443,8 +8567,8 @@
           </mc:Fallback>
         </mc:AlternateContent>
       </p:grpSp>
-      <mc:AlternateContent xmlns:mc="http://schemas.openxmlformats.org/markup-compatibility/2006" xmlns:a14="http://schemas.microsoft.com/office/drawing/2010/main">
-        <mc:Choice Requires="a14">
+      <mc:AlternateContent xmlns:mc="http://schemas.openxmlformats.org/markup-compatibility/2006">
+        <mc:Choice xmlns:a14="http://schemas.microsoft.com/office/drawing/2010/main" Requires="a14">
           <p:sp>
             <p:nvSpPr>
               <p:cNvPr id="34" name="Rectangle 33">
@@ -8459,7 +8583,7 @@
             </p:nvSpPr>
             <p:spPr>
               <a:xfrm>
-                <a:off x="9230875" y="2875394"/>
+                <a:off x="4357302" y="5149302"/>
                 <a:ext cx="445955" cy="307777"/>
               </a:xfrm>
               <a:prstGeom prst="rect">
@@ -8505,7 +8629,7 @@
             </p:txBody>
           </p:sp>
         </mc:Choice>
-        <mc:Fallback xmlns="">
+        <mc:Fallback>
           <p:sp>
             <p:nvSpPr>
               <p:cNvPr id="34" name="Rectangle 33">
@@ -8522,7 +8646,7 @@
             </p:nvSpPr>
             <p:spPr>
               <a:xfrm>
-                <a:off x="9230875" y="2875394"/>
+                <a:off x="4357302" y="5149302"/>
                 <a:ext cx="445955" cy="307777"/>
               </a:xfrm>
               <a:prstGeom prst="rect">
@@ -8564,7 +8688,7 @@
         </p:nvGrpSpPr>
         <p:grpSpPr>
           <a:xfrm>
-            <a:off x="6805149" y="2041512"/>
+            <a:off x="1933619" y="4314776"/>
             <a:ext cx="2966212" cy="2126196"/>
             <a:chOff x="5458856" y="2041512"/>
             <a:chExt cx="2966212" cy="2126196"/>
@@ -8585,7 +8709,7 @@
             <p:nvPr/>
           </p:nvPicPr>
           <p:blipFill>
-            <a:blip r:embed="rId7">
+            <a:blip r:embed="rId6">
               <a:extLst>
                 <a:ext uri="{28A0092B-C50C-407E-A947-70E740481C1C}">
                   <a14:useLocalDpi xmlns:a14="http://schemas.microsoft.com/office/drawing/2010/main" val="0"/>
@@ -8964,7 +9088,7 @@
         </p:nvSpPr>
         <p:spPr>
           <a:xfrm>
-            <a:off x="9364193" y="5386692"/>
+            <a:off x="4403426" y="2682792"/>
             <a:ext cx="699903" cy="307777"/>
           </a:xfrm>
           <a:prstGeom prst="rect">
@@ -9003,7 +9127,7 @@
         </p:nvGrpSpPr>
         <p:grpSpPr>
           <a:xfrm>
-            <a:off x="6684676" y="4541818"/>
+            <a:off x="1723909" y="1837918"/>
             <a:ext cx="3269930" cy="2126196"/>
             <a:chOff x="5278098" y="4541818"/>
             <a:chExt cx="3269930" cy="2126196"/>
@@ -9024,7 +9148,7 @@
             <p:nvPr/>
           </p:nvPicPr>
           <p:blipFill>
-            <a:blip r:embed="rId7">
+            <a:blip r:embed="rId6">
               <a:extLst>
                 <a:ext uri="{28A0092B-C50C-407E-A947-70E740481C1C}">
                   <a14:useLocalDpi xmlns:a14="http://schemas.microsoft.com/office/drawing/2010/main" val="0"/>
@@ -9457,6 +9581,42 @@
           </mc:Fallback>
         </mc:AlternateContent>
       </p:grpSp>
+      <p:pic>
+        <p:nvPicPr>
+          <p:cNvPr id="45" name="Picture 44">
+            <a:extLst>
+              <a:ext uri="{FF2B5EF4-FFF2-40B4-BE49-F238E27FC236}">
+                <a16:creationId xmlns:a16="http://schemas.microsoft.com/office/drawing/2014/main" id="{D71573B0-012C-4DAC-AB11-C86270B7DB5D}"/>
+              </a:ext>
+            </a:extLst>
+          </p:cNvPr>
+          <p:cNvPicPr>
+            <a:picLocks noChangeAspect="1"/>
+          </p:cNvPicPr>
+          <p:nvPr/>
+        </p:nvPicPr>
+        <p:blipFill>
+          <a:blip r:embed="rId20">
+            <a:extLst>
+              <a:ext uri="{28A0092B-C50C-407E-A947-70E740481C1C}">
+                <a14:useLocalDpi xmlns:a14="http://schemas.microsoft.com/office/drawing/2010/main" val="0"/>
+              </a:ext>
+            </a:extLst>
+          </a:blip>
+          <a:stretch>
+            <a:fillRect/>
+          </a:stretch>
+        </p:blipFill>
+        <p:spPr>
+          <a:xfrm>
+            <a:off x="10218865" y="6134793"/>
+            <a:ext cx="1576589" cy="723206"/>
+          </a:xfrm>
+          <a:prstGeom prst="rect">
+            <a:avLst/>
+          </a:prstGeom>
+        </p:spPr>
+      </p:pic>
     </p:spTree>
     <p:extLst>
       <p:ext uri="{BB962C8B-B14F-4D97-AF65-F5344CB8AC3E}">
@@ -9501,7 +9661,7 @@
                                           </p:stCondLst>
                                         </p:cTn>
                                         <p:tgtEl>
-                                          <p:spTgt spid="21"/>
+                                          <p:spTgt spid="39"/>
                                         </p:tgtEl>
                                         <p:attrNameLst>
                                           <p:attrName>style.visibility</p:attrName>
@@ -9546,7 +9706,7 @@
                                           </p:stCondLst>
                                         </p:cTn>
                                         <p:tgtEl>
-                                          <p:spTgt spid="34"/>
+                                          <p:spTgt spid="27"/>
                                         </p:tgtEl>
                                         <p:attrNameLst>
                                           <p:attrName>style.visibility</p:attrName>
@@ -9591,7 +9751,7 @@
                                           </p:stCondLst>
                                         </p:cTn>
                                         <p:tgtEl>
-                                          <p:spTgt spid="27"/>
+                                          <p:spTgt spid="34"/>
                                         </p:tgtEl>
                                         <p:attrNameLst>
                                           <p:attrName>style.visibility</p:attrName>
@@ -9636,7 +9796,7 @@
                                           </p:stCondLst>
                                         </p:cTn>
                                         <p:tgtEl>
-                                          <p:spTgt spid="39"/>
+                                          <p:spTgt spid="21"/>
                                         </p:tgtEl>
                                         <p:attrNameLst>
                                           <p:attrName>style.visibility</p:attrName>
@@ -9811,41 +9971,6 @@
       </p:sp>
       <p:pic>
         <p:nvPicPr>
-          <p:cNvPr id="6" name="Picture 5" descr="A close up of a logo&#10;&#10;Description automatically generated">
-            <a:extLst>
-              <a:ext uri="{FF2B5EF4-FFF2-40B4-BE49-F238E27FC236}">
-                <a16:creationId xmlns:a16="http://schemas.microsoft.com/office/drawing/2014/main" id="{05B0B690-7DB8-4A81-9C49-7C71D05A486D}"/>
-              </a:ext>
-            </a:extLst>
-          </p:cNvPr>
-          <p:cNvPicPr>
-            <a:picLocks noChangeAspect="1"/>
-          </p:cNvPicPr>
-          <p:nvPr/>
-        </p:nvPicPr>
-        <p:blipFill rotWithShape="1">
-          <a:blip r:embed="rId3">
-            <a:extLst>
-              <a:ext uri="{28A0092B-C50C-407E-A947-70E740481C1C}">
-                <a14:useLocalDpi xmlns:a14="http://schemas.microsoft.com/office/drawing/2010/main" val="0"/>
-              </a:ext>
-            </a:extLst>
-          </a:blip>
-          <a:srcRect l="15706" t="11787" r="15492" b="17225"/>
-          <a:stretch/>
-        </p:blipFill>
-        <p:spPr>
-          <a:xfrm>
-            <a:off x="10043185" y="5943599"/>
-            <a:ext cx="1772492" cy="914400"/>
-          </a:xfrm>
-          <a:prstGeom prst="rect">
-            <a:avLst/>
-          </a:prstGeom>
-        </p:spPr>
-      </p:pic>
-      <p:pic>
-        <p:nvPicPr>
           <p:cNvPr id="8" name="Picture 7" descr="A close up of a device&#10;&#10;Description automatically generated">
             <a:extLst>
               <a:ext uri="{FF2B5EF4-FFF2-40B4-BE49-F238E27FC236}">
@@ -9859,7 +9984,7 @@
           <p:nvPr/>
         </p:nvPicPr>
         <p:blipFill>
-          <a:blip r:embed="rId4">
+          <a:blip r:embed="rId3">
             <a:extLst>
               <a:ext uri="{28A0092B-C50C-407E-A947-70E740481C1C}">
                 <a14:useLocalDpi xmlns:a14="http://schemas.microsoft.com/office/drawing/2010/main" val="0"/>
@@ -9895,7 +10020,7 @@
           <p:nvPr/>
         </p:nvPicPr>
         <p:blipFill>
-          <a:blip r:embed="rId5">
+          <a:blip r:embed="rId4">
             <a:extLst>
               <a:ext uri="{28A0092B-C50C-407E-A947-70E740481C1C}">
                 <a14:useLocalDpi xmlns:a14="http://schemas.microsoft.com/office/drawing/2010/main" val="0"/>
@@ -9931,7 +10056,7 @@
           <p:nvPr/>
         </p:nvPicPr>
         <p:blipFill>
-          <a:blip r:embed="rId6">
+          <a:blip r:embed="rId5">
             <a:extLst>
               <a:ext uri="{28A0092B-C50C-407E-A947-70E740481C1C}">
                 <a14:useLocalDpi xmlns:a14="http://schemas.microsoft.com/office/drawing/2010/main" val="0"/>
@@ -9967,7 +10092,7 @@
           <p:nvPr/>
         </p:nvPicPr>
         <p:blipFill>
-          <a:blip r:embed="rId7">
+          <a:blip r:embed="rId6">
             <a:extLst>
               <a:ext uri="{28A0092B-C50C-407E-A947-70E740481C1C}">
                 <a14:useLocalDpi xmlns:a14="http://schemas.microsoft.com/office/drawing/2010/main" val="0"/>
@@ -10046,7 +10171,7 @@
           <p:nvPr/>
         </p:nvPicPr>
         <p:blipFill>
-          <a:blip r:embed="rId8">
+          <a:blip r:embed="rId7">
             <a:duotone>
               <a:prstClr val="black"/>
               <a:schemeClr val="accent1">
@@ -10218,6 +10343,42 @@
           </a:p>
         </p:txBody>
       </p:sp>
+      <p:pic>
+        <p:nvPicPr>
+          <p:cNvPr id="15" name="Picture 14">
+            <a:extLst>
+              <a:ext uri="{FF2B5EF4-FFF2-40B4-BE49-F238E27FC236}">
+                <a16:creationId xmlns:a16="http://schemas.microsoft.com/office/drawing/2014/main" id="{8F74384E-0615-423D-B44B-27FD3F67F250}"/>
+              </a:ext>
+            </a:extLst>
+          </p:cNvPr>
+          <p:cNvPicPr>
+            <a:picLocks noChangeAspect="1"/>
+          </p:cNvPicPr>
+          <p:nvPr/>
+        </p:nvPicPr>
+        <p:blipFill>
+          <a:blip r:embed="rId8">
+            <a:extLst>
+              <a:ext uri="{28A0092B-C50C-407E-A947-70E740481C1C}">
+                <a14:useLocalDpi xmlns:a14="http://schemas.microsoft.com/office/drawing/2010/main" val="0"/>
+              </a:ext>
+            </a:extLst>
+          </a:blip>
+          <a:stretch>
+            <a:fillRect/>
+          </a:stretch>
+        </p:blipFill>
+        <p:spPr>
+          <a:xfrm>
+            <a:off x="10218865" y="6134793"/>
+            <a:ext cx="1576589" cy="723206"/>
+          </a:xfrm>
+          <a:prstGeom prst="rect">
+            <a:avLst/>
+          </a:prstGeom>
+        </p:spPr>
+      </p:pic>
     </p:spTree>
     <p:extLst>
       <p:ext uri="{BB962C8B-B14F-4D97-AF65-F5344CB8AC3E}">
@@ -10347,41 +10508,6 @@
           </a:p>
         </p:txBody>
       </p:sp>
-      <p:pic>
-        <p:nvPicPr>
-          <p:cNvPr id="7" name="Picture 6" descr="A close up of a logo&#10;&#10;Description automatically generated">
-            <a:extLst>
-              <a:ext uri="{FF2B5EF4-FFF2-40B4-BE49-F238E27FC236}">
-                <a16:creationId xmlns:a16="http://schemas.microsoft.com/office/drawing/2014/main" id="{F0BC9BC8-C4B4-4A10-B6DA-96C48E07DF3E}"/>
-              </a:ext>
-            </a:extLst>
-          </p:cNvPr>
-          <p:cNvPicPr>
-            <a:picLocks noChangeAspect="1"/>
-          </p:cNvPicPr>
-          <p:nvPr/>
-        </p:nvPicPr>
-        <p:blipFill rotWithShape="1">
-          <a:blip r:embed="rId4">
-            <a:extLst>
-              <a:ext uri="{28A0092B-C50C-407E-A947-70E740481C1C}">
-                <a14:useLocalDpi xmlns:a14="http://schemas.microsoft.com/office/drawing/2010/main" val="0"/>
-              </a:ext>
-            </a:extLst>
-          </a:blip>
-          <a:srcRect l="15706" t="11787" r="15492" b="17225"/>
-          <a:stretch/>
-        </p:blipFill>
-        <p:spPr>
-          <a:xfrm>
-            <a:off x="10043185" y="5943599"/>
-            <a:ext cx="1772492" cy="914400"/>
-          </a:xfrm>
-          <a:prstGeom prst="rect">
-            <a:avLst/>
-          </a:prstGeom>
-        </p:spPr>
-      </p:pic>
       <p:sp>
         <p:nvSpPr>
           <p:cNvPr id="8" name="TextBox 7">
@@ -10440,7 +10566,7 @@
           <p:nvPr/>
         </p:nvPicPr>
         <p:blipFill>
-          <a:blip r:embed="rId5">
+          <a:blip r:embed="rId4">
             <a:duotone>
               <a:prstClr val="black"/>
               <a:schemeClr val="accent1">
@@ -10483,7 +10609,7 @@
           <p:nvPr/>
         </p:nvPicPr>
         <p:blipFill rotWithShape="1">
-          <a:blip r:embed="rId6">
+          <a:blip r:embed="rId5">
             <a:extLst>
               <a:ext uri="{28A0092B-C50C-407E-A947-70E740481C1C}">
                 <a14:useLocalDpi xmlns:a14="http://schemas.microsoft.com/office/drawing/2010/main" val="0"/>
@@ -10495,8 +10621,8 @@
         </p:blipFill>
         <p:spPr>
           <a:xfrm>
-            <a:off x="7839634" y="1011564"/>
-            <a:ext cx="3254189" cy="2401606"/>
+            <a:off x="8923548" y="1292766"/>
+            <a:ext cx="2696077" cy="1989717"/>
           </a:xfrm>
           <a:prstGeom prst="rect">
             <a:avLst/>
@@ -10567,7 +10693,7 @@
         </p:nvSpPr>
         <p:spPr>
           <a:xfrm>
-            <a:off x="8176974" y="3413172"/>
+            <a:off x="9016103" y="3383018"/>
             <a:ext cx="2779351" cy="369332"/>
           </a:xfrm>
           <a:prstGeom prst="rect">
@@ -10608,7 +10734,7 @@
           <p:nvPr/>
         </p:nvPicPr>
         <p:blipFill rotWithShape="1">
-          <a:blip r:embed="rId7"/>
+          <a:blip r:embed="rId6"/>
           <a:srcRect l="5260"/>
           <a:stretch/>
         </p:blipFill>
@@ -10727,7 +10853,25 @@
                 </a:solidFill>
                 <a:latin typeface="HelveticaNeue"/>
               </a:rPr>
-              <a:t>LPO time is proportional to PM concentration. This sensor can provide reliable data for air purifier systems; it is responsive to PM of diameter 1μm. </a:t>
+              <a:t>LPO time is proportional to PM </a:t>
+            </a:r>
+            <a:r>
+              <a:rPr lang="en-GB" dirty="0">
+                <a:solidFill>
+                  <a:srgbClr val="FF0000"/>
+                </a:solidFill>
+                <a:latin typeface="HelveticaNeue"/>
+              </a:rPr>
+              <a:t>con</a:t>
+            </a:r>
+            <a:r>
+              <a:rPr lang="en-GB" dirty="0">
+                <a:solidFill>
+                  <a:srgbClr val="222222"/>
+                </a:solidFill>
+                <a:latin typeface="HelveticaNeue"/>
+              </a:rPr>
+              <a:t>centration. This sensor can provide reliable data for air purifier systems; it is responsive to PM of diameter 1μm. </a:t>
             </a:r>
           </a:p>
           <a:p>
@@ -10751,11 +10895,699 @@
               <a:rPr lang="en-GB" dirty="0">
                 <a:latin typeface="HelveticaNeue"/>
               </a:rPr>
-              <a:t>This sensor uses counting method to measure dust concentration, not weighing method</a:t>
+              <a:t>This sensor uses counting method to measure dust </a:t>
+            </a:r>
+            <a:r>
+              <a:rPr lang="en-GB" dirty="0">
+                <a:solidFill>
+                  <a:srgbClr val="FF0000"/>
+                </a:solidFill>
+                <a:latin typeface="HelveticaNeue"/>
+              </a:rPr>
+              <a:t>con</a:t>
+            </a:r>
+            <a:r>
+              <a:rPr lang="en-GB" dirty="0">
+                <a:latin typeface="HelveticaNeue"/>
+              </a:rPr>
+              <a:t>centration, not weighing method</a:t>
             </a:r>
           </a:p>
         </p:txBody>
       </p:sp>
+      <p:pic>
+        <p:nvPicPr>
+          <p:cNvPr id="15" name="Picture 14">
+            <a:extLst>
+              <a:ext uri="{FF2B5EF4-FFF2-40B4-BE49-F238E27FC236}">
+                <a16:creationId xmlns:a16="http://schemas.microsoft.com/office/drawing/2014/main" id="{C43A7706-BF47-4C2E-8858-F30CD995DBC3}"/>
+              </a:ext>
+            </a:extLst>
+          </p:cNvPr>
+          <p:cNvPicPr>
+            <a:picLocks noChangeAspect="1"/>
+          </p:cNvPicPr>
+          <p:nvPr/>
+        </p:nvPicPr>
+        <p:blipFill>
+          <a:blip r:embed="rId7">
+            <a:extLst>
+              <a:ext uri="{28A0092B-C50C-407E-A947-70E740481C1C}">
+                <a14:useLocalDpi xmlns:a14="http://schemas.microsoft.com/office/drawing/2010/main" val="0"/>
+              </a:ext>
+            </a:extLst>
+          </a:blip>
+          <a:stretch>
+            <a:fillRect/>
+          </a:stretch>
+        </p:blipFill>
+        <p:spPr>
+          <a:xfrm>
+            <a:off x="10218865" y="6134793"/>
+            <a:ext cx="1576589" cy="723206"/>
+          </a:xfrm>
+          <a:prstGeom prst="rect">
+            <a:avLst/>
+          </a:prstGeom>
+        </p:spPr>
+      </p:pic>
+      <mc:AlternateContent xmlns:mc="http://schemas.openxmlformats.org/markup-compatibility/2006">
+        <mc:Choice xmlns:a14="http://schemas.microsoft.com/office/drawing/2010/main" Requires="a14">
+          <p:sp>
+            <p:nvSpPr>
+              <p:cNvPr id="16" name="Text Box 2">
+                <a:extLst>
+                  <a:ext uri="{FF2B5EF4-FFF2-40B4-BE49-F238E27FC236}">
+                    <a16:creationId xmlns:a16="http://schemas.microsoft.com/office/drawing/2014/main" id="{A1674A34-BC2A-498F-9798-FEAD9B1BE3F5}"/>
+                  </a:ext>
+                </a:extLst>
+              </p:cNvPr>
+              <p:cNvSpPr txBox="1">
+                <a:spLocks noChangeArrowheads="1"/>
+              </p:cNvSpPr>
+              <p:nvPr/>
+            </p:nvSpPr>
+            <p:spPr bwMode="auto">
+              <a:xfrm>
+                <a:off x="5806097" y="1463109"/>
+                <a:ext cx="3019425" cy="2247900"/>
+              </a:xfrm>
+              <a:prstGeom prst="rect">
+                <a:avLst/>
+              </a:prstGeom>
+              <a:solidFill>
+                <a:srgbClr val="FFFFFF"/>
+              </a:solidFill>
+              <a:ln w="9525">
+                <a:solidFill>
+                  <a:srgbClr val="000000"/>
+                </a:solidFill>
+                <a:miter lim="800000"/>
+                <a:headEnd/>
+                <a:tailEnd/>
+              </a:ln>
+            </p:spPr>
+            <p:txBody>
+              <a:bodyPr rot="0" vert="horz" wrap="square" lIns="91440" tIns="45720" rIns="91440" bIns="45720" anchor="t" anchorCtr="0">
+                <a:noAutofit/>
+              </a:bodyPr>
+              <a:lstStyle/>
+              <a:p>
+                <a:pPr algn="ctr">
+                  <a:lnSpc>
+                    <a:spcPct val="107000"/>
+                  </a:lnSpc>
+                  <a:spcAft>
+                    <a:spcPts val="800"/>
+                  </a:spcAft>
+                </a:pPr>
+                <a:r>
+                  <a:rPr lang="en-GB" sz="1100" dirty="0">
+                    <a:effectLst/>
+                    <a:latin typeface="Calibri" panose="020F0502020204030204" pitchFamily="34" charset="0"/>
+                    <a:ea typeface="Times New Roman" panose="02020603050405020304" pitchFamily="18" charset="0"/>
+                    <a:cs typeface="Times New Roman" panose="02020603050405020304" pitchFamily="18" charset="0"/>
+                  </a:rPr>
+                  <a:t>Get </a:t>
+                </a:r>
+                <a:r>
+                  <a:rPr lang="en-GB" sz="1100" dirty="0">
+                    <a:solidFill>
+                      <a:srgbClr val="FF0000"/>
+                    </a:solidFill>
+                    <a:effectLst/>
+                    <a:latin typeface="Calibri" panose="020F0502020204030204" pitchFamily="34" charset="0"/>
+                    <a:ea typeface="Times New Roman" panose="02020603050405020304" pitchFamily="18" charset="0"/>
+                    <a:cs typeface="Times New Roman" panose="02020603050405020304" pitchFamily="18" charset="0"/>
+                  </a:rPr>
+                  <a:t>Con</a:t>
+                </a:r>
+                <a:endParaRPr lang="en-GB" sz="1100" dirty="0">
+                  <a:effectLst/>
+                  <a:latin typeface="Calibri" panose="020F0502020204030204" pitchFamily="34" charset="0"/>
+                  <a:ea typeface="Calibri" panose="020F0502020204030204" pitchFamily="34" charset="0"/>
+                  <a:cs typeface="Times New Roman" panose="02020603050405020304" pitchFamily="18" charset="0"/>
+                </a:endParaRPr>
+              </a:p>
+              <a:p>
+                <a:pPr>
+                  <a:lnSpc>
+                    <a:spcPct val="107000"/>
+                  </a:lnSpc>
+                  <a:spcAft>
+                    <a:spcPts val="800"/>
+                  </a:spcAft>
+                </a:pPr>
+                <a14:m>
+                  <m:oMathPara xmlns:m="http://schemas.openxmlformats.org/officeDocument/2006/math">
+                    <m:oMathParaPr>
+                      <m:jc m:val="centerGroup"/>
+                    </m:oMathParaPr>
+                    <m:oMath xmlns:m="http://schemas.openxmlformats.org/officeDocument/2006/math">
+                      <m:sSub>
+                        <m:sSubPr>
+                          <m:ctrlPr>
+                            <a:rPr lang="en-GB" sz="1100" i="1">
+                              <a:effectLst/>
+                              <a:latin typeface="Cambria Math" panose="02040503050406030204" pitchFamily="18" charset="0"/>
+                              <a:ea typeface="Calibri" panose="020F0502020204030204" pitchFamily="34" charset="0"/>
+                              <a:cs typeface="Times New Roman" panose="02020603050405020304" pitchFamily="18" charset="0"/>
+                            </a:rPr>
+                          </m:ctrlPr>
+                        </m:sSubPr>
+                        <m:e>
+                          <m:r>
+                            <a:rPr lang="en-GB" sz="1100" i="1">
+                              <a:effectLst/>
+                              <a:latin typeface="Cambria Math" panose="02040503050406030204" pitchFamily="18" charset="0"/>
+                              <a:ea typeface="Calibri" panose="020F0502020204030204" pitchFamily="34" charset="0"/>
+                              <a:cs typeface="Times New Roman" panose="02020603050405020304" pitchFamily="18" charset="0"/>
+                            </a:rPr>
+                            <m:t>𝐿𝑜𝑤</m:t>
+                          </m:r>
+                        </m:e>
+                        <m:sub>
+                          <m:r>
+                            <a:rPr lang="en-GB" sz="1100" i="1">
+                              <a:effectLst/>
+                              <a:latin typeface="Cambria Math" panose="02040503050406030204" pitchFamily="18" charset="0"/>
+                              <a:ea typeface="Calibri" panose="020F0502020204030204" pitchFamily="34" charset="0"/>
+                              <a:cs typeface="Times New Roman" panose="02020603050405020304" pitchFamily="18" charset="0"/>
+                            </a:rPr>
+                            <m:t>𝑂𝑐𝑐</m:t>
+                          </m:r>
+                        </m:sub>
+                      </m:sSub>
+                      <m:r>
+                        <a:rPr lang="en-GB" sz="1100" i="1">
+                          <a:effectLst/>
+                          <a:latin typeface="Cambria Math" panose="02040503050406030204" pitchFamily="18" charset="0"/>
+                          <a:ea typeface="Calibri" panose="020F0502020204030204" pitchFamily="34" charset="0"/>
+                          <a:cs typeface="Times New Roman" panose="02020603050405020304" pitchFamily="18" charset="0"/>
+                        </a:rPr>
+                        <m:t>= </m:t>
+                      </m:r>
+                      <m:sSub>
+                        <m:sSubPr>
+                          <m:ctrlPr>
+                            <a:rPr lang="en-GB" sz="1100" i="1">
+                              <a:effectLst/>
+                              <a:latin typeface="Cambria Math" panose="02040503050406030204" pitchFamily="18" charset="0"/>
+                              <a:ea typeface="Calibri" panose="020F0502020204030204" pitchFamily="34" charset="0"/>
+                              <a:cs typeface="Times New Roman" panose="02020603050405020304" pitchFamily="18" charset="0"/>
+                            </a:rPr>
+                          </m:ctrlPr>
+                        </m:sSubPr>
+                        <m:e>
+                          <m:r>
+                            <a:rPr lang="en-GB" sz="1100" i="1">
+                              <a:effectLst/>
+                              <a:latin typeface="Cambria Math" panose="02040503050406030204" pitchFamily="18" charset="0"/>
+                              <a:ea typeface="Calibri" panose="020F0502020204030204" pitchFamily="34" charset="0"/>
+                              <a:cs typeface="Times New Roman" panose="02020603050405020304" pitchFamily="18" charset="0"/>
+                            </a:rPr>
+                            <m:t>𝐿𝑜𝑤</m:t>
+                          </m:r>
+                        </m:e>
+                        <m:sub>
+                          <m:r>
+                            <a:rPr lang="en-GB" sz="1100" i="1">
+                              <a:effectLst/>
+                              <a:latin typeface="Cambria Math" panose="02040503050406030204" pitchFamily="18" charset="0"/>
+                              <a:ea typeface="Calibri" panose="020F0502020204030204" pitchFamily="34" charset="0"/>
+                              <a:cs typeface="Times New Roman" panose="02020603050405020304" pitchFamily="18" charset="0"/>
+                            </a:rPr>
+                            <m:t>𝑂𝑐𝑐</m:t>
+                          </m:r>
+                        </m:sub>
+                      </m:sSub>
+                      <m:r>
+                        <a:rPr lang="en-GB" sz="1100" i="1">
+                          <a:effectLst/>
+                          <a:latin typeface="Cambria Math" panose="02040503050406030204" pitchFamily="18" charset="0"/>
+                          <a:ea typeface="Calibri" panose="020F0502020204030204" pitchFamily="34" charset="0"/>
+                          <a:cs typeface="Times New Roman" panose="02020603050405020304" pitchFamily="18" charset="0"/>
+                        </a:rPr>
+                        <m:t>+</m:t>
+                      </m:r>
+                      <m:r>
+                        <a:rPr lang="en-GB" sz="1100" i="1">
+                          <a:effectLst/>
+                          <a:latin typeface="Cambria Math" panose="02040503050406030204" pitchFamily="18" charset="0"/>
+                          <a:ea typeface="Calibri" panose="020F0502020204030204" pitchFamily="34" charset="0"/>
+                          <a:cs typeface="Times New Roman" panose="02020603050405020304" pitchFamily="18" charset="0"/>
+                        </a:rPr>
+                        <m:t>𝐷𝑢𝑟𝑎𝑡𝑖𝑜𝑛</m:t>
+                      </m:r>
+                    </m:oMath>
+                  </m:oMathPara>
+                </a14:m>
+                <a:endParaRPr lang="en-GB" sz="1100" dirty="0">
+                  <a:effectLst/>
+                  <a:latin typeface="Calibri" panose="020F0502020204030204" pitchFamily="34" charset="0"/>
+                  <a:ea typeface="Calibri" panose="020F0502020204030204" pitchFamily="34" charset="0"/>
+                  <a:cs typeface="Times New Roman" panose="02020603050405020304" pitchFamily="18" charset="0"/>
+                </a:endParaRPr>
+              </a:p>
+              <a:p>
+                <a:pPr>
+                  <a:lnSpc>
+                    <a:spcPct val="107000"/>
+                  </a:lnSpc>
+                  <a:spcAft>
+                    <a:spcPts val="800"/>
+                  </a:spcAft>
+                </a:pPr>
+                <a:r>
+                  <a:rPr lang="en-GB" sz="1100" dirty="0">
+                    <a:effectLst/>
+                    <a:latin typeface="Calibri" panose="020F0502020204030204" pitchFamily="34" charset="0"/>
+                    <a:ea typeface="Times New Roman" panose="02020603050405020304" pitchFamily="18" charset="0"/>
+                    <a:cs typeface="Times New Roman" panose="02020603050405020304" pitchFamily="18" charset="0"/>
+                  </a:rPr>
+                  <a:t> </a:t>
+                </a:r>
+                <a:endParaRPr lang="en-GB" sz="1100" dirty="0">
+                  <a:effectLst/>
+                  <a:latin typeface="Calibri" panose="020F0502020204030204" pitchFamily="34" charset="0"/>
+                  <a:ea typeface="Calibri" panose="020F0502020204030204" pitchFamily="34" charset="0"/>
+                  <a:cs typeface="Times New Roman" panose="02020603050405020304" pitchFamily="18" charset="0"/>
+                </a:endParaRPr>
+              </a:p>
+              <a:p>
+                <a:pPr>
+                  <a:lnSpc>
+                    <a:spcPct val="107000"/>
+                  </a:lnSpc>
+                  <a:spcAft>
+                    <a:spcPts val="800"/>
+                  </a:spcAft>
+                </a:pPr>
+                <a14:m>
+                  <m:oMathPara xmlns:m="http://schemas.openxmlformats.org/officeDocument/2006/math">
+                    <m:oMathParaPr>
+                      <m:jc m:val="centerGroup"/>
+                    </m:oMathParaPr>
+                    <m:oMath xmlns:m="http://schemas.openxmlformats.org/officeDocument/2006/math">
+                      <m:r>
+                        <a:rPr lang="en-GB" sz="1100" i="1">
+                          <a:effectLst/>
+                          <a:latin typeface="Cambria Math" panose="02040503050406030204" pitchFamily="18" charset="0"/>
+                          <a:ea typeface="Calibri" panose="020F0502020204030204" pitchFamily="34" charset="0"/>
+                          <a:cs typeface="Times New Roman" panose="02020603050405020304" pitchFamily="18" charset="0"/>
+                        </a:rPr>
+                        <m:t>𝑅</m:t>
+                      </m:r>
+                      <m:r>
+                        <a:rPr lang="en-GB" sz="1100" i="1">
+                          <a:effectLst/>
+                          <a:latin typeface="Cambria Math" panose="02040503050406030204" pitchFamily="18" charset="0"/>
+                          <a:ea typeface="Calibri" panose="020F0502020204030204" pitchFamily="34" charset="0"/>
+                          <a:cs typeface="Times New Roman" panose="02020603050405020304" pitchFamily="18" charset="0"/>
+                        </a:rPr>
+                        <m:t>= </m:t>
+                      </m:r>
+                      <m:f>
+                        <m:fPr>
+                          <m:ctrlPr>
+                            <a:rPr lang="en-GB" sz="1100" i="1">
+                              <a:effectLst/>
+                              <a:latin typeface="Cambria Math" panose="02040503050406030204" pitchFamily="18" charset="0"/>
+                              <a:ea typeface="Calibri" panose="020F0502020204030204" pitchFamily="34" charset="0"/>
+                              <a:cs typeface="Times New Roman" panose="02020603050405020304" pitchFamily="18" charset="0"/>
+                            </a:rPr>
+                          </m:ctrlPr>
+                        </m:fPr>
+                        <m:num>
+                          <m:sSub>
+                            <m:sSubPr>
+                              <m:ctrlPr>
+                                <a:rPr lang="en-GB" sz="1100" i="1">
+                                  <a:effectLst/>
+                                  <a:latin typeface="Cambria Math" panose="02040503050406030204" pitchFamily="18" charset="0"/>
+                                  <a:ea typeface="Calibri" panose="020F0502020204030204" pitchFamily="34" charset="0"/>
+                                  <a:cs typeface="Times New Roman" panose="02020603050405020304" pitchFamily="18" charset="0"/>
+                                </a:rPr>
+                              </m:ctrlPr>
+                            </m:sSubPr>
+                            <m:e>
+                              <m:r>
+                                <a:rPr lang="en-GB" sz="1100" i="1">
+                                  <a:effectLst/>
+                                  <a:latin typeface="Cambria Math" panose="02040503050406030204" pitchFamily="18" charset="0"/>
+                                  <a:ea typeface="Calibri" panose="020F0502020204030204" pitchFamily="34" charset="0"/>
+                                  <a:cs typeface="Times New Roman" panose="02020603050405020304" pitchFamily="18" charset="0"/>
+                                </a:rPr>
+                                <m:t>𝐿𝑜𝑤</m:t>
+                              </m:r>
+                            </m:e>
+                            <m:sub>
+                              <m:r>
+                                <a:rPr lang="en-GB" sz="1100" i="1">
+                                  <a:effectLst/>
+                                  <a:latin typeface="Cambria Math" panose="02040503050406030204" pitchFamily="18" charset="0"/>
+                                  <a:ea typeface="Calibri" panose="020F0502020204030204" pitchFamily="34" charset="0"/>
+                                  <a:cs typeface="Times New Roman" panose="02020603050405020304" pitchFamily="18" charset="0"/>
+                                </a:rPr>
+                                <m:t>𝑂𝑐𝑐</m:t>
+                              </m:r>
+                            </m:sub>
+                          </m:sSub>
+                          <m:r>
+                            <a:rPr lang="en-GB" sz="1100" i="1">
+                              <a:effectLst/>
+                              <a:latin typeface="Cambria Math" panose="02040503050406030204" pitchFamily="18" charset="0"/>
+                              <a:ea typeface="Calibri" panose="020F0502020204030204" pitchFamily="34" charset="0"/>
+                              <a:cs typeface="Times New Roman" panose="02020603050405020304" pitchFamily="18" charset="0"/>
+                            </a:rPr>
+                            <m:t> </m:t>
+                          </m:r>
+                        </m:num>
+                        <m:den>
+                          <m:sSub>
+                            <m:sSubPr>
+                              <m:ctrlPr>
+                                <a:rPr lang="en-GB" sz="1100" i="1">
+                                  <a:effectLst/>
+                                  <a:latin typeface="Cambria Math" panose="02040503050406030204" pitchFamily="18" charset="0"/>
+                                  <a:ea typeface="Calibri" panose="020F0502020204030204" pitchFamily="34" charset="0"/>
+                                  <a:cs typeface="Times New Roman" panose="02020603050405020304" pitchFamily="18" charset="0"/>
+                                </a:rPr>
+                              </m:ctrlPr>
+                            </m:sSubPr>
+                            <m:e>
+                              <m:r>
+                                <a:rPr lang="en-GB" sz="1100" i="1">
+                                  <a:effectLst/>
+                                  <a:latin typeface="Cambria Math" panose="02040503050406030204" pitchFamily="18" charset="0"/>
+                                  <a:ea typeface="Calibri" panose="020F0502020204030204" pitchFamily="34" charset="0"/>
+                                  <a:cs typeface="Times New Roman" panose="02020603050405020304" pitchFamily="18" charset="0"/>
+                                </a:rPr>
+                                <m:t>𝑆𝑎𝑚𝑝𝑙𝑒</m:t>
+                              </m:r>
+                            </m:e>
+                            <m:sub>
+                              <m:r>
+                                <a:rPr lang="en-GB" sz="1100" i="1">
+                                  <a:effectLst/>
+                                  <a:latin typeface="Cambria Math" panose="02040503050406030204" pitchFamily="18" charset="0"/>
+                                  <a:ea typeface="Calibri" panose="020F0502020204030204" pitchFamily="34" charset="0"/>
+                                  <a:cs typeface="Times New Roman" panose="02020603050405020304" pitchFamily="18" charset="0"/>
+                                </a:rPr>
+                                <m:t>𝑇</m:t>
+                              </m:r>
+                            </m:sub>
+                          </m:sSub>
+                          <m:r>
+                            <a:rPr lang="en-GB" sz="1100" i="1">
+                              <a:effectLst/>
+                              <a:latin typeface="Cambria Math" panose="02040503050406030204" pitchFamily="18" charset="0"/>
+                              <a:ea typeface="Calibri" panose="020F0502020204030204" pitchFamily="34" charset="0"/>
+                              <a:cs typeface="Times New Roman" panose="02020603050405020304" pitchFamily="18" charset="0"/>
+                            </a:rPr>
+                            <m:t> ∙10.00</m:t>
+                          </m:r>
+                        </m:den>
+                      </m:f>
+                    </m:oMath>
+                  </m:oMathPara>
+                </a14:m>
+                <a:endParaRPr lang="en-GB" sz="1100" dirty="0">
+                  <a:effectLst/>
+                  <a:latin typeface="Calibri" panose="020F0502020204030204" pitchFamily="34" charset="0"/>
+                  <a:ea typeface="Calibri" panose="020F0502020204030204" pitchFamily="34" charset="0"/>
+                  <a:cs typeface="Times New Roman" panose="02020603050405020304" pitchFamily="18" charset="0"/>
+                </a:endParaRPr>
+              </a:p>
+              <a:p>
+                <a:pPr>
+                  <a:lnSpc>
+                    <a:spcPct val="107000"/>
+                  </a:lnSpc>
+                  <a:spcAft>
+                    <a:spcPts val="800"/>
+                  </a:spcAft>
+                </a:pPr>
+                <a:r>
+                  <a:rPr lang="en-GB" sz="1100" dirty="0">
+                    <a:effectLst/>
+                    <a:latin typeface="Calibri" panose="020F0502020204030204" pitchFamily="34" charset="0"/>
+                    <a:ea typeface="Times New Roman" panose="02020603050405020304" pitchFamily="18" charset="0"/>
+                    <a:cs typeface="Times New Roman" panose="02020603050405020304" pitchFamily="18" charset="0"/>
+                  </a:rPr>
+                  <a:t> </a:t>
+                </a:r>
+                <a:endParaRPr lang="en-GB" sz="1100" dirty="0">
+                  <a:effectLst/>
+                  <a:latin typeface="Calibri" panose="020F0502020204030204" pitchFamily="34" charset="0"/>
+                  <a:ea typeface="Calibri" panose="020F0502020204030204" pitchFamily="34" charset="0"/>
+                  <a:cs typeface="Times New Roman" panose="02020603050405020304" pitchFamily="18" charset="0"/>
+                </a:endParaRPr>
+              </a:p>
+              <a:p>
+                <a:pPr>
+                  <a:lnSpc>
+                    <a:spcPct val="107000"/>
+                  </a:lnSpc>
+                  <a:spcAft>
+                    <a:spcPts val="800"/>
+                  </a:spcAft>
+                </a:pPr>
+                <a14:m>
+                  <m:oMathPara xmlns:m="http://schemas.openxmlformats.org/officeDocument/2006/math">
+                    <m:oMathParaPr>
+                      <m:jc m:val="centerGroup"/>
+                    </m:oMathParaPr>
+                    <m:oMath xmlns:m="http://schemas.openxmlformats.org/officeDocument/2006/math">
+                      <m:r>
+                        <a:rPr lang="en-GB" sz="1100" i="1">
+                          <a:solidFill>
+                            <a:srgbClr val="FF0000"/>
+                          </a:solidFill>
+                          <a:effectLst/>
+                          <a:latin typeface="Cambria Math" panose="02040503050406030204" pitchFamily="18" charset="0"/>
+                          <a:ea typeface="Calibri" panose="020F0502020204030204" pitchFamily="34" charset="0"/>
+                          <a:cs typeface="Times New Roman" panose="02020603050405020304" pitchFamily="18" charset="0"/>
+                        </a:rPr>
+                        <m:t>𝐶𝑜𝑛</m:t>
+                      </m:r>
+                      <m:r>
+                        <a:rPr lang="en-GB" sz="1100" i="1">
+                          <a:effectLst/>
+                          <a:latin typeface="Cambria Math" panose="02040503050406030204" pitchFamily="18" charset="0"/>
+                          <a:ea typeface="Calibri" panose="020F0502020204030204" pitchFamily="34" charset="0"/>
+                          <a:cs typeface="Times New Roman" panose="02020603050405020304" pitchFamily="18" charset="0"/>
+                        </a:rPr>
+                        <m:t>=1.1 ∙ </m:t>
+                      </m:r>
+                      <m:sSup>
+                        <m:sSupPr>
+                          <m:ctrlPr>
+                            <a:rPr lang="en-GB" sz="1100" i="1">
+                              <a:effectLst/>
+                              <a:latin typeface="Cambria Math" panose="02040503050406030204" pitchFamily="18" charset="0"/>
+                              <a:ea typeface="Calibri" panose="020F0502020204030204" pitchFamily="34" charset="0"/>
+                              <a:cs typeface="Times New Roman" panose="02020603050405020304" pitchFamily="18" charset="0"/>
+                            </a:rPr>
+                          </m:ctrlPr>
+                        </m:sSupPr>
+                        <m:e>
+                          <m:r>
+                            <a:rPr lang="en-GB" sz="1100" i="1">
+                              <a:effectLst/>
+                              <a:latin typeface="Cambria Math" panose="02040503050406030204" pitchFamily="18" charset="0"/>
+                              <a:ea typeface="Calibri" panose="020F0502020204030204" pitchFamily="34" charset="0"/>
+                              <a:cs typeface="Times New Roman" panose="02020603050405020304" pitchFamily="18" charset="0"/>
+                            </a:rPr>
+                            <m:t>𝑅</m:t>
+                          </m:r>
+                        </m:e>
+                        <m:sup>
+                          <m:r>
+                            <a:rPr lang="en-GB" sz="1100" i="1">
+                              <a:effectLst/>
+                              <a:latin typeface="Cambria Math" panose="02040503050406030204" pitchFamily="18" charset="0"/>
+                              <a:ea typeface="Calibri" panose="020F0502020204030204" pitchFamily="34" charset="0"/>
+                              <a:cs typeface="Times New Roman" panose="02020603050405020304" pitchFamily="18" charset="0"/>
+                            </a:rPr>
+                            <m:t>3</m:t>
+                          </m:r>
+                        </m:sup>
+                      </m:sSup>
+                      <m:r>
+                        <a:rPr lang="en-GB" sz="1100" i="1">
+                          <a:effectLst/>
+                          <a:latin typeface="Cambria Math" panose="02040503050406030204" pitchFamily="18" charset="0"/>
+                          <a:ea typeface="Calibri" panose="020F0502020204030204" pitchFamily="34" charset="0"/>
+                          <a:cs typeface="Times New Roman" panose="02020603050405020304" pitchFamily="18" charset="0"/>
+                        </a:rPr>
+                        <m:t>−3.8 ∙ </m:t>
+                      </m:r>
+                      <m:sSup>
+                        <m:sSupPr>
+                          <m:ctrlPr>
+                            <a:rPr lang="en-GB" sz="1100" i="1">
+                              <a:effectLst/>
+                              <a:latin typeface="Cambria Math" panose="02040503050406030204" pitchFamily="18" charset="0"/>
+                              <a:ea typeface="Calibri" panose="020F0502020204030204" pitchFamily="34" charset="0"/>
+                              <a:cs typeface="Times New Roman" panose="02020603050405020304" pitchFamily="18" charset="0"/>
+                            </a:rPr>
+                          </m:ctrlPr>
+                        </m:sSupPr>
+                        <m:e>
+                          <m:r>
+                            <a:rPr lang="en-GB" sz="1100" i="1">
+                              <a:effectLst/>
+                              <a:latin typeface="Cambria Math" panose="02040503050406030204" pitchFamily="18" charset="0"/>
+                              <a:ea typeface="Calibri" panose="020F0502020204030204" pitchFamily="34" charset="0"/>
+                              <a:cs typeface="Times New Roman" panose="02020603050405020304" pitchFamily="18" charset="0"/>
+                            </a:rPr>
+                            <m:t>𝑅</m:t>
+                          </m:r>
+                        </m:e>
+                        <m:sup>
+                          <m:r>
+                            <a:rPr lang="en-GB" sz="1100" i="1">
+                              <a:effectLst/>
+                              <a:latin typeface="Cambria Math" panose="02040503050406030204" pitchFamily="18" charset="0"/>
+                              <a:ea typeface="Calibri" panose="020F0502020204030204" pitchFamily="34" charset="0"/>
+                              <a:cs typeface="Times New Roman" panose="02020603050405020304" pitchFamily="18" charset="0"/>
+                            </a:rPr>
+                            <m:t>2</m:t>
+                          </m:r>
+                        </m:sup>
+                      </m:sSup>
+                      <m:r>
+                        <a:rPr lang="en-GB" sz="1100" i="1">
+                          <a:effectLst/>
+                          <a:latin typeface="Cambria Math" panose="02040503050406030204" pitchFamily="18" charset="0"/>
+                          <a:ea typeface="Calibri" panose="020F0502020204030204" pitchFamily="34" charset="0"/>
+                          <a:cs typeface="Times New Roman" panose="02020603050405020304" pitchFamily="18" charset="0"/>
+                        </a:rPr>
+                        <m:t>+520−</m:t>
+                      </m:r>
+                      <m:r>
+                        <a:rPr lang="en-GB" sz="1100" i="1">
+                          <a:effectLst/>
+                          <a:latin typeface="Cambria Math" panose="02040503050406030204" pitchFamily="18" charset="0"/>
+                          <a:ea typeface="Calibri" panose="020F0502020204030204" pitchFamily="34" charset="0"/>
+                          <a:cs typeface="Times New Roman" panose="02020603050405020304" pitchFamily="18" charset="0"/>
+                        </a:rPr>
+                        <m:t>𝑅</m:t>
+                      </m:r>
+                      <m:r>
+                        <a:rPr lang="en-GB" sz="1100" i="1">
+                          <a:effectLst/>
+                          <a:latin typeface="Cambria Math" panose="02040503050406030204" pitchFamily="18" charset="0"/>
+                          <a:ea typeface="Calibri" panose="020F0502020204030204" pitchFamily="34" charset="0"/>
+                          <a:cs typeface="Times New Roman" panose="02020603050405020304" pitchFamily="18" charset="0"/>
+                        </a:rPr>
+                        <m:t>+0.62 </m:t>
+                      </m:r>
+                    </m:oMath>
+                  </m:oMathPara>
+                </a14:m>
+                <a:endParaRPr lang="en-GB" sz="1100" dirty="0">
+                  <a:effectLst/>
+                  <a:latin typeface="Calibri" panose="020F0502020204030204" pitchFamily="34" charset="0"/>
+                  <a:ea typeface="Calibri" panose="020F0502020204030204" pitchFamily="34" charset="0"/>
+                  <a:cs typeface="Times New Roman" panose="02020603050405020304" pitchFamily="18" charset="0"/>
+                </a:endParaRPr>
+              </a:p>
+              <a:p>
+                <a:pPr>
+                  <a:lnSpc>
+                    <a:spcPct val="107000"/>
+                  </a:lnSpc>
+                  <a:spcAft>
+                    <a:spcPts val="800"/>
+                  </a:spcAft>
+                </a:pPr>
+                <a:r>
+                  <a:rPr lang="en-GB" sz="1100" dirty="0">
+                    <a:effectLst/>
+                    <a:latin typeface="Calibri" panose="020F0502020204030204" pitchFamily="34" charset="0"/>
+                    <a:ea typeface="Calibri" panose="020F0502020204030204" pitchFamily="34" charset="0"/>
+                    <a:cs typeface="Times New Roman" panose="02020603050405020304" pitchFamily="18" charset="0"/>
+                  </a:rPr>
+                  <a:t> </a:t>
+                </a:r>
+              </a:p>
+              <a:p>
+                <a:pPr>
+                  <a:lnSpc>
+                    <a:spcPct val="107000"/>
+                  </a:lnSpc>
+                  <a:spcAft>
+                    <a:spcPts val="800"/>
+                  </a:spcAft>
+                </a:pPr>
+                <a:r>
+                  <a:rPr lang="en-GB" sz="1100" dirty="0">
+                    <a:effectLst/>
+                    <a:latin typeface="Calibri" panose="020F0502020204030204" pitchFamily="34" charset="0"/>
+                    <a:ea typeface="Calibri" panose="020F0502020204030204" pitchFamily="34" charset="0"/>
+                    <a:cs typeface="Times New Roman" panose="02020603050405020304" pitchFamily="18" charset="0"/>
+                  </a:rPr>
+                  <a:t> </a:t>
+                </a:r>
+              </a:p>
+            </p:txBody>
+          </p:sp>
+        </mc:Choice>
+        <mc:Fallback>
+          <p:sp>
+            <p:nvSpPr>
+              <p:cNvPr id="16" name="Text Box 2">
+                <a:extLst>
+                  <a:ext uri="{FF2B5EF4-FFF2-40B4-BE49-F238E27FC236}">
+                    <a16:creationId xmlns:a16="http://schemas.microsoft.com/office/drawing/2014/main" id="{A1674A34-BC2A-498F-9798-FEAD9B1BE3F5}"/>
+                  </a:ext>
+                </a:extLst>
+              </p:cNvPr>
+              <p:cNvSpPr txBox="1">
+                <a:spLocks noRot="1" noChangeAspect="1" noMove="1" noResize="1" noEditPoints="1" noAdjustHandles="1" noChangeArrowheads="1" noChangeShapeType="1" noTextEdit="1"/>
+              </p:cNvSpPr>
+              <p:nvPr/>
+            </p:nvSpPr>
+            <p:spPr bwMode="auto">
+              <a:xfrm>
+                <a:off x="5806097" y="1463109"/>
+                <a:ext cx="3019425" cy="2247900"/>
+              </a:xfrm>
+              <a:prstGeom prst="rect">
+                <a:avLst/>
+              </a:prstGeom>
+              <a:blipFill>
+                <a:blip r:embed="rId8"/>
+                <a:stretch>
+                  <a:fillRect/>
+                </a:stretch>
+              </a:blipFill>
+              <a:ln w="9525">
+                <a:solidFill>
+                  <a:srgbClr val="000000"/>
+                </a:solidFill>
+                <a:miter lim="800000"/>
+                <a:headEnd/>
+                <a:tailEnd/>
+              </a:ln>
+            </p:spPr>
+            <p:txBody>
+              <a:bodyPr/>
+              <a:lstStyle/>
+              <a:p>
+                <a:r>
+                  <a:rPr lang="en-GB">
+                    <a:noFill/>
+                  </a:rPr>
+                  <a:t> </a:t>
+                </a:r>
+              </a:p>
+            </p:txBody>
+          </p:sp>
+        </mc:Fallback>
+      </mc:AlternateContent>
     </p:spTree>
     <p:extLst>
       <p:ext uri="{BB962C8B-B14F-4D97-AF65-F5344CB8AC3E}">
@@ -10892,41 +11724,6 @@
           </a:p>
         </p:txBody>
       </p:sp>
-      <p:pic>
-        <p:nvPicPr>
-          <p:cNvPr id="7" name="Picture 6" descr="A close up of a logo&#10;&#10;Description automatically generated">
-            <a:extLst>
-              <a:ext uri="{FF2B5EF4-FFF2-40B4-BE49-F238E27FC236}">
-                <a16:creationId xmlns:a16="http://schemas.microsoft.com/office/drawing/2014/main" id="{F0BC9BC8-C4B4-4A10-B6DA-96C48E07DF3E}"/>
-              </a:ext>
-            </a:extLst>
-          </p:cNvPr>
-          <p:cNvPicPr>
-            <a:picLocks noChangeAspect="1"/>
-          </p:cNvPicPr>
-          <p:nvPr/>
-        </p:nvPicPr>
-        <p:blipFill rotWithShape="1">
-          <a:blip r:embed="rId4">
-            <a:extLst>
-              <a:ext uri="{28A0092B-C50C-407E-A947-70E740481C1C}">
-                <a14:useLocalDpi xmlns:a14="http://schemas.microsoft.com/office/drawing/2010/main" val="0"/>
-              </a:ext>
-            </a:extLst>
-          </a:blip>
-          <a:srcRect l="15706" t="11787" r="15492" b="17225"/>
-          <a:stretch/>
-        </p:blipFill>
-        <p:spPr>
-          <a:xfrm>
-            <a:off x="10043185" y="5943599"/>
-            <a:ext cx="1772492" cy="914400"/>
-          </a:xfrm>
-          <a:prstGeom prst="rect">
-            <a:avLst/>
-          </a:prstGeom>
-        </p:spPr>
-      </p:pic>
       <p:sp>
         <p:nvSpPr>
           <p:cNvPr id="8" name="TextBox 7">
@@ -10985,7 +11782,7 @@
           <p:nvPr/>
         </p:nvPicPr>
         <p:blipFill>
-          <a:blip r:embed="rId5">
+          <a:blip r:embed="rId4">
             <a:duotone>
               <a:prstClr val="black"/>
               <a:schemeClr val="accent1">
@@ -11068,22 +11865,21 @@
           </p:cNvPicPr>
           <p:nvPr/>
         </p:nvPicPr>
-        <p:blipFill>
-          <a:blip r:embed="rId6">
+        <p:blipFill rotWithShape="1">
+          <a:blip r:embed="rId5">
             <a:extLst>
               <a:ext uri="{28A0092B-C50C-407E-A947-70E740481C1C}">
                 <a14:useLocalDpi xmlns:a14="http://schemas.microsoft.com/office/drawing/2010/main" val="0"/>
               </a:ext>
             </a:extLst>
           </a:blip>
-          <a:stretch>
-            <a:fillRect/>
-          </a:stretch>
+          <a:srcRect l="6305" t="21272" r="7513" b="16182"/>
+          <a:stretch/>
         </p:blipFill>
         <p:spPr>
           <a:xfrm>
-            <a:off x="8232430" y="1820465"/>
-            <a:ext cx="3048000" cy="2286000"/>
+            <a:off x="8586396" y="1212232"/>
+            <a:ext cx="2626822" cy="1429790"/>
           </a:xfrm>
           <a:prstGeom prst="rect">
             <a:avLst/>
@@ -11104,15 +11900,15 @@
         </p:nvSpPr>
         <p:spPr>
           <a:xfrm>
-            <a:off x="321738" y="2135755"/>
-            <a:ext cx="6096000" cy="2308324"/>
+            <a:off x="574527" y="2036002"/>
+            <a:ext cx="7305938" cy="1754326"/>
           </a:xfrm>
           <a:prstGeom prst="rect">
             <a:avLst/>
           </a:prstGeom>
         </p:spPr>
         <p:txBody>
-          <a:bodyPr>
+          <a:bodyPr wrap="square">
             <a:spAutoFit/>
           </a:bodyPr>
           <a:lstStyle/>
@@ -11125,14 +11921,10 @@
               <a:rPr lang="en-GB" dirty="0">
                 <a:latin typeface="HelveticaNeue"/>
               </a:rPr>
-              <a:t>It is suitable for detecting H2, LPG, CH4, CO, Hydrogen (H2), Liquid Petroleum Gas (LPG), Methane (CH4), Carbon-dioxide (C0) and ethanol/methanol. </a:t>
+              <a:t>It is suitable for detecting Hydrogen (H2), Liquid Petroleum Gas (LPG), Methane (CH4), Carbon-dioxide (C0) and ethanol/methanol. </a:t>
             </a:r>
           </a:p>
           <a:p>
-            <a:pPr marL="285750" indent="-285750">
-              <a:buFont typeface="Arial" panose="020B0604020202020204" pitchFamily="34" charset="0"/>
-              <a:buChar char="•"/>
-            </a:pPr>
             <a:endParaRPr lang="en-GB" dirty="0">
               <a:latin typeface="HelveticaNeue"/>
             </a:endParaRPr>
@@ -11146,28 +11938,1493 @@
               <a:rPr lang="en-GB" dirty="0">
                 <a:latin typeface="HelveticaNeue"/>
               </a:rPr>
-              <a:t>The sensitivity of the sensor can be adjusted by using the potentiometer.</a:t>
+              <a:t>Graph shows how different readings means different gases have been detected. Note RS/R0 is the ratio between that which has been sensed and the normalised ideal condition.</a:t>
             </a:r>
           </a:p>
-          <a:p>
-            <a:pPr marL="285750" indent="-285750">
-              <a:buFont typeface="Arial" panose="020B0604020202020204" pitchFamily="34" charset="0"/>
-              <a:buChar char="•"/>
-            </a:pPr>
-            <a:endParaRPr lang="en-GB" dirty="0">
-              <a:latin typeface="HelveticaNeue"/>
-            </a:endParaRPr>
-          </a:p>
-          <a:p>
-            <a:pPr marL="285750" indent="-285750">
-              <a:buFont typeface="Arial" panose="020B0604020202020204" pitchFamily="34" charset="0"/>
-              <a:buChar char="•"/>
-            </a:pPr>
+        </p:txBody>
+      </p:sp>
+      <p:pic>
+        <p:nvPicPr>
+          <p:cNvPr id="10" name="Picture 9">
+            <a:extLst>
+              <a:ext uri="{FF2B5EF4-FFF2-40B4-BE49-F238E27FC236}">
+                <a16:creationId xmlns:a16="http://schemas.microsoft.com/office/drawing/2014/main" id="{35DD1FD6-A995-4A96-831C-D2D7E62E5EFF}"/>
+              </a:ext>
+            </a:extLst>
+          </p:cNvPr>
+          <p:cNvPicPr>
+            <a:picLocks noChangeAspect="1"/>
+          </p:cNvPicPr>
+          <p:nvPr/>
+        </p:nvPicPr>
+        <p:blipFill>
+          <a:blip r:embed="rId6">
+            <a:extLst>
+              <a:ext uri="{28A0092B-C50C-407E-A947-70E740481C1C}">
+                <a14:useLocalDpi xmlns:a14="http://schemas.microsoft.com/office/drawing/2010/main" val="0"/>
+              </a:ext>
+            </a:extLst>
+          </a:blip>
+          <a:stretch>
+            <a:fillRect/>
+          </a:stretch>
+        </p:blipFill>
+        <p:spPr>
+          <a:xfrm>
+            <a:off x="10218865" y="6134793"/>
+            <a:ext cx="1576589" cy="723206"/>
+          </a:xfrm>
+          <a:prstGeom prst="rect">
+            <a:avLst/>
+          </a:prstGeom>
+        </p:spPr>
+      </p:pic>
+      <p:pic>
+        <p:nvPicPr>
+          <p:cNvPr id="3" name="Picture 2">
+            <a:extLst>
+              <a:ext uri="{FF2B5EF4-FFF2-40B4-BE49-F238E27FC236}">
+                <a16:creationId xmlns:a16="http://schemas.microsoft.com/office/drawing/2014/main" id="{30EBB771-7B74-4410-9D58-9BB80F110C9C}"/>
+              </a:ext>
+            </a:extLst>
+          </p:cNvPr>
+          <p:cNvPicPr>
+            <a:picLocks noChangeAspect="1"/>
+          </p:cNvPicPr>
+          <p:nvPr/>
+        </p:nvPicPr>
+        <p:blipFill rotWithShape="1">
+          <a:blip r:embed="rId7"/>
+          <a:srcRect t="1353" r="896"/>
+          <a:stretch/>
+        </p:blipFill>
+        <p:spPr>
+          <a:xfrm>
+            <a:off x="7632328" y="2879436"/>
+            <a:ext cx="3704988" cy="3255357"/>
+          </a:xfrm>
+          <a:prstGeom prst="rect">
+            <a:avLst/>
+          </a:prstGeom>
+        </p:spPr>
+      </p:pic>
+      <mc:AlternateContent xmlns:mc="http://schemas.openxmlformats.org/markup-compatibility/2006">
+        <mc:Choice xmlns:a14="http://schemas.microsoft.com/office/drawing/2010/main" Requires="a14">
+          <p:sp>
+            <p:nvSpPr>
+              <p:cNvPr id="12" name="Text Box 2">
+                <a:extLst>
+                  <a:ext uri="{FF2B5EF4-FFF2-40B4-BE49-F238E27FC236}">
+                    <a16:creationId xmlns:a16="http://schemas.microsoft.com/office/drawing/2014/main" id="{B2443148-E28F-424C-BA47-FBC18F94A0E0}"/>
+                  </a:ext>
+                </a:extLst>
+              </p:cNvPr>
+              <p:cNvSpPr txBox="1">
+                <a:spLocks noChangeArrowheads="1"/>
+              </p:cNvSpPr>
+              <p:nvPr/>
+            </p:nvSpPr>
+            <p:spPr bwMode="auto">
+              <a:xfrm>
+                <a:off x="5912843" y="3909136"/>
+                <a:ext cx="1524000" cy="2238375"/>
+              </a:xfrm>
+              <a:prstGeom prst="rect">
+                <a:avLst/>
+              </a:prstGeom>
+              <a:solidFill>
+                <a:srgbClr val="FFFFFF"/>
+              </a:solidFill>
+              <a:ln w="9525">
+                <a:solidFill>
+                  <a:srgbClr val="000000"/>
+                </a:solidFill>
+                <a:miter lim="800000"/>
+                <a:headEnd/>
+                <a:tailEnd/>
+              </a:ln>
+            </p:spPr>
+            <p:txBody>
+              <a:bodyPr rot="0" vert="horz" wrap="square" lIns="91440" tIns="45720" rIns="91440" bIns="45720" anchor="t" anchorCtr="0">
+                <a:noAutofit/>
+              </a:bodyPr>
+              <a:lstStyle/>
+              <a:p>
+                <a:pPr algn="ctr">
+                  <a:lnSpc>
+                    <a:spcPct val="107000"/>
+                  </a:lnSpc>
+                  <a:spcAft>
+                    <a:spcPts val="800"/>
+                  </a:spcAft>
+                </a:pPr>
+                <a:r>
+                  <a:rPr lang="en-GB" sz="1100" dirty="0">
+                    <a:effectLst/>
+                    <a:latin typeface="Calibri" panose="020F0502020204030204" pitchFamily="34" charset="0"/>
+                    <a:ea typeface="Times New Roman" panose="02020603050405020304" pitchFamily="18" charset="0"/>
+                    <a:cs typeface="Times New Roman" panose="02020603050405020304" pitchFamily="18" charset="0"/>
+                  </a:rPr>
+                  <a:t>Get actual </a:t>
+                </a:r>
+                <a:r>
+                  <a:rPr lang="en-GB" sz="1100" dirty="0">
+                    <a:solidFill>
+                      <a:srgbClr val="7030A0"/>
+                    </a:solidFill>
+                    <a:effectLst/>
+                    <a:latin typeface="Calibri" panose="020F0502020204030204" pitchFamily="34" charset="0"/>
+                    <a:ea typeface="Times New Roman" panose="02020603050405020304" pitchFamily="18" charset="0"/>
+                    <a:cs typeface="Times New Roman" panose="02020603050405020304" pitchFamily="18" charset="0"/>
+                  </a:rPr>
+                  <a:t>ratio</a:t>
+                </a:r>
+                <a:endParaRPr lang="en-GB" sz="1100" dirty="0">
+                  <a:effectLst/>
+                  <a:latin typeface="Calibri" panose="020F0502020204030204" pitchFamily="34" charset="0"/>
+                  <a:ea typeface="Calibri" panose="020F0502020204030204" pitchFamily="34" charset="0"/>
+                  <a:cs typeface="Times New Roman" panose="02020603050405020304" pitchFamily="18" charset="0"/>
+                </a:endParaRPr>
+              </a:p>
+              <a:p>
+                <a:pPr>
+                  <a:lnSpc>
+                    <a:spcPct val="107000"/>
+                  </a:lnSpc>
+                  <a:spcAft>
+                    <a:spcPts val="800"/>
+                  </a:spcAft>
+                </a:pPr>
+                <a14:m>
+                  <m:oMathPara xmlns:m="http://schemas.openxmlformats.org/officeDocument/2006/math">
+                    <m:oMathParaPr>
+                      <m:jc m:val="centerGroup"/>
+                    </m:oMathParaPr>
+                    <m:oMath xmlns:m="http://schemas.openxmlformats.org/officeDocument/2006/math">
+                      <m:sSub>
+                        <m:sSubPr>
+                          <m:ctrlPr>
+                            <a:rPr lang="en-GB" sz="1100" i="1">
+                              <a:effectLst/>
+                              <a:latin typeface="Cambria Math" panose="02040503050406030204" pitchFamily="18" charset="0"/>
+                              <a:ea typeface="Calibri" panose="020F0502020204030204" pitchFamily="34" charset="0"/>
+                              <a:cs typeface="Times New Roman" panose="02020603050405020304" pitchFamily="18" charset="0"/>
+                            </a:rPr>
+                          </m:ctrlPr>
+                        </m:sSubPr>
+                        <m:e>
+                          <m:r>
+                            <a:rPr lang="en-GB" sz="1100" i="1">
+                              <a:effectLst/>
+                              <a:latin typeface="Cambria Math" panose="02040503050406030204" pitchFamily="18" charset="0"/>
+                              <a:ea typeface="Calibri" panose="020F0502020204030204" pitchFamily="34" charset="0"/>
+                              <a:cs typeface="Times New Roman" panose="02020603050405020304" pitchFamily="18" charset="0"/>
+                            </a:rPr>
+                            <m:t>𝑉</m:t>
+                          </m:r>
+                        </m:e>
+                        <m:sub>
+                          <m:r>
+                            <a:rPr lang="en-GB" sz="1100" i="1">
+                              <a:effectLst/>
+                              <a:latin typeface="Cambria Math" panose="02040503050406030204" pitchFamily="18" charset="0"/>
+                              <a:ea typeface="Calibri" panose="020F0502020204030204" pitchFamily="34" charset="0"/>
+                              <a:cs typeface="Times New Roman" panose="02020603050405020304" pitchFamily="18" charset="0"/>
+                            </a:rPr>
+                            <m:t>𝑜𝑢𝑡</m:t>
+                          </m:r>
+                        </m:sub>
+                      </m:sSub>
+                      <m:r>
+                        <a:rPr lang="en-GB" sz="1100" i="1">
+                          <a:effectLst/>
+                          <a:latin typeface="Cambria Math" panose="02040503050406030204" pitchFamily="18" charset="0"/>
+                          <a:ea typeface="Calibri" panose="020F0502020204030204" pitchFamily="34" charset="0"/>
+                          <a:cs typeface="Times New Roman" panose="02020603050405020304" pitchFamily="18" charset="0"/>
+                        </a:rPr>
+                        <m:t>= </m:t>
+                      </m:r>
+                      <m:f>
+                        <m:fPr>
+                          <m:ctrlPr>
+                            <a:rPr lang="en-GB" sz="1100" i="1">
+                              <a:effectLst/>
+                              <a:latin typeface="Cambria Math" panose="02040503050406030204" pitchFamily="18" charset="0"/>
+                              <a:ea typeface="Calibri" panose="020F0502020204030204" pitchFamily="34" charset="0"/>
+                              <a:cs typeface="Times New Roman" panose="02020603050405020304" pitchFamily="18" charset="0"/>
+                            </a:rPr>
+                          </m:ctrlPr>
+                        </m:fPr>
+                        <m:num>
+                          <m:r>
+                            <a:rPr lang="en-GB" sz="1100" i="1">
+                              <a:effectLst/>
+                              <a:latin typeface="Cambria Math" panose="02040503050406030204" pitchFamily="18" charset="0"/>
+                              <a:ea typeface="Calibri" panose="020F0502020204030204" pitchFamily="34" charset="0"/>
+                              <a:cs typeface="Times New Roman" panose="02020603050405020304" pitchFamily="18" charset="0"/>
+                            </a:rPr>
+                            <m:t>𝐴𝐷𝐶</m:t>
+                          </m:r>
+                        </m:num>
+                        <m:den>
+                          <m:r>
+                            <a:rPr lang="en-GB" sz="1100" i="1">
+                              <a:effectLst/>
+                              <a:latin typeface="Cambria Math" panose="02040503050406030204" pitchFamily="18" charset="0"/>
+                              <a:ea typeface="Calibri" panose="020F0502020204030204" pitchFamily="34" charset="0"/>
+                              <a:cs typeface="Times New Roman" panose="02020603050405020304" pitchFamily="18" charset="0"/>
+                            </a:rPr>
+                            <m:t>1024∗</m:t>
+                          </m:r>
+                          <m:sSub>
+                            <m:sSubPr>
+                              <m:ctrlPr>
+                                <a:rPr lang="en-GB" sz="1100" i="1">
+                                  <a:effectLst/>
+                                  <a:latin typeface="Cambria Math" panose="02040503050406030204" pitchFamily="18" charset="0"/>
+                                  <a:ea typeface="Calibri" panose="020F0502020204030204" pitchFamily="34" charset="0"/>
+                                  <a:cs typeface="Times New Roman" panose="02020603050405020304" pitchFamily="18" charset="0"/>
+                                </a:rPr>
+                              </m:ctrlPr>
+                            </m:sSubPr>
+                            <m:e>
+                              <m:r>
+                                <a:rPr lang="en-GB" sz="1100" i="1">
+                                  <a:effectLst/>
+                                  <a:latin typeface="Cambria Math" panose="02040503050406030204" pitchFamily="18" charset="0"/>
+                                  <a:ea typeface="Calibri" panose="020F0502020204030204" pitchFamily="34" charset="0"/>
+                                  <a:cs typeface="Times New Roman" panose="02020603050405020304" pitchFamily="18" charset="0"/>
+                                </a:rPr>
+                                <m:t>𝑉</m:t>
+                              </m:r>
+                            </m:e>
+                            <m:sub>
+                              <m:r>
+                                <a:rPr lang="en-GB" sz="1100" i="1">
+                                  <a:effectLst/>
+                                  <a:latin typeface="Cambria Math" panose="02040503050406030204" pitchFamily="18" charset="0"/>
+                                  <a:ea typeface="Calibri" panose="020F0502020204030204" pitchFamily="34" charset="0"/>
+                                  <a:cs typeface="Times New Roman" panose="02020603050405020304" pitchFamily="18" charset="0"/>
+                                </a:rPr>
+                                <m:t>𝑖𝑛</m:t>
+                              </m:r>
+                            </m:sub>
+                          </m:sSub>
+                        </m:den>
+                      </m:f>
+                    </m:oMath>
+                  </m:oMathPara>
+                </a14:m>
+                <a:endParaRPr lang="en-GB" sz="1100" dirty="0">
+                  <a:effectLst/>
+                  <a:latin typeface="Calibri" panose="020F0502020204030204" pitchFamily="34" charset="0"/>
+                  <a:ea typeface="Calibri" panose="020F0502020204030204" pitchFamily="34" charset="0"/>
+                  <a:cs typeface="Times New Roman" panose="02020603050405020304" pitchFamily="18" charset="0"/>
+                </a:endParaRPr>
+              </a:p>
+              <a:p>
+                <a:pPr>
+                  <a:lnSpc>
+                    <a:spcPct val="107000"/>
+                  </a:lnSpc>
+                  <a:spcAft>
+                    <a:spcPts val="800"/>
+                  </a:spcAft>
+                </a:pPr>
+                <a:r>
+                  <a:rPr lang="en-GB" sz="1100" dirty="0">
+                    <a:effectLst/>
+                    <a:latin typeface="Calibri" panose="020F0502020204030204" pitchFamily="34" charset="0"/>
+                    <a:ea typeface="Times New Roman" panose="02020603050405020304" pitchFamily="18" charset="0"/>
+                    <a:cs typeface="Times New Roman" panose="02020603050405020304" pitchFamily="18" charset="0"/>
+                  </a:rPr>
+                  <a:t> </a:t>
+                </a:r>
+                <a:endParaRPr lang="en-GB" sz="1100" dirty="0">
+                  <a:effectLst/>
+                  <a:latin typeface="Calibri" panose="020F0502020204030204" pitchFamily="34" charset="0"/>
+                  <a:ea typeface="Calibri" panose="020F0502020204030204" pitchFamily="34" charset="0"/>
+                  <a:cs typeface="Times New Roman" panose="02020603050405020304" pitchFamily="18" charset="0"/>
+                </a:endParaRPr>
+              </a:p>
+              <a:p>
+                <a:pPr>
+                  <a:lnSpc>
+                    <a:spcPct val="107000"/>
+                  </a:lnSpc>
+                  <a:spcAft>
+                    <a:spcPts val="800"/>
+                  </a:spcAft>
+                </a:pPr>
+                <a14:m>
+                  <m:oMathPara xmlns:m="http://schemas.openxmlformats.org/officeDocument/2006/math">
+                    <m:oMathParaPr>
+                      <m:jc m:val="centerGroup"/>
+                    </m:oMathParaPr>
+                    <m:oMath xmlns:m="http://schemas.openxmlformats.org/officeDocument/2006/math">
+                      <m:sSub>
+                        <m:sSubPr>
+                          <m:ctrlPr>
+                            <a:rPr lang="en-GB" sz="1100" i="1">
+                              <a:effectLst/>
+                              <a:latin typeface="Cambria Math" panose="02040503050406030204" pitchFamily="18" charset="0"/>
+                              <a:ea typeface="Calibri" panose="020F0502020204030204" pitchFamily="34" charset="0"/>
+                              <a:cs typeface="Times New Roman" panose="02020603050405020304" pitchFamily="18" charset="0"/>
+                            </a:rPr>
+                          </m:ctrlPr>
+                        </m:sSubPr>
+                        <m:e>
+                          <m:r>
+                            <a:rPr lang="en-GB" sz="1100" i="1">
+                              <a:effectLst/>
+                              <a:latin typeface="Cambria Math" panose="02040503050406030204" pitchFamily="18" charset="0"/>
+                              <a:ea typeface="Calibri" panose="020F0502020204030204" pitchFamily="34" charset="0"/>
+                              <a:cs typeface="Times New Roman" panose="02020603050405020304" pitchFamily="18" charset="0"/>
+                            </a:rPr>
+                            <m:t>𝑅𝑆</m:t>
+                          </m:r>
+                        </m:e>
+                        <m:sub>
+                          <m:r>
+                            <a:rPr lang="en-GB" sz="1100" i="1">
+                              <a:effectLst/>
+                              <a:latin typeface="Cambria Math" panose="02040503050406030204" pitchFamily="18" charset="0"/>
+                              <a:ea typeface="Calibri" panose="020F0502020204030204" pitchFamily="34" charset="0"/>
+                              <a:cs typeface="Times New Roman" panose="02020603050405020304" pitchFamily="18" charset="0"/>
+                            </a:rPr>
+                            <m:t>𝑔𝑎𝑠</m:t>
+                          </m:r>
+                        </m:sub>
+                      </m:sSub>
+                      <m:r>
+                        <a:rPr lang="en-GB" sz="1100" i="1">
+                          <a:effectLst/>
+                          <a:latin typeface="Cambria Math" panose="02040503050406030204" pitchFamily="18" charset="0"/>
+                          <a:ea typeface="Calibri" panose="020F0502020204030204" pitchFamily="34" charset="0"/>
+                          <a:cs typeface="Times New Roman" panose="02020603050405020304" pitchFamily="18" charset="0"/>
+                        </a:rPr>
+                        <m:t>= </m:t>
+                      </m:r>
+                      <m:f>
+                        <m:fPr>
+                          <m:ctrlPr>
+                            <a:rPr lang="en-GB" sz="1100" i="1">
+                              <a:effectLst/>
+                              <a:latin typeface="Cambria Math" panose="02040503050406030204" pitchFamily="18" charset="0"/>
+                              <a:ea typeface="Calibri" panose="020F0502020204030204" pitchFamily="34" charset="0"/>
+                              <a:cs typeface="Times New Roman" panose="02020603050405020304" pitchFamily="18" charset="0"/>
+                            </a:rPr>
+                          </m:ctrlPr>
+                        </m:fPr>
+                        <m:num>
+                          <m:r>
+                            <a:rPr lang="en-GB" sz="1100" i="1">
+                              <a:effectLst/>
+                              <a:latin typeface="Cambria Math" panose="02040503050406030204" pitchFamily="18" charset="0"/>
+                              <a:ea typeface="Calibri" panose="020F0502020204030204" pitchFamily="34" charset="0"/>
+                              <a:cs typeface="Times New Roman" panose="02020603050405020304" pitchFamily="18" charset="0"/>
+                            </a:rPr>
+                            <m:t>(</m:t>
+                          </m:r>
+                          <m:sSub>
+                            <m:sSubPr>
+                              <m:ctrlPr>
+                                <a:rPr lang="en-GB" sz="1100" i="1">
+                                  <a:effectLst/>
+                                  <a:latin typeface="Cambria Math" panose="02040503050406030204" pitchFamily="18" charset="0"/>
+                                  <a:ea typeface="Calibri" panose="020F0502020204030204" pitchFamily="34" charset="0"/>
+                                  <a:cs typeface="Times New Roman" panose="02020603050405020304" pitchFamily="18" charset="0"/>
+                                </a:rPr>
+                              </m:ctrlPr>
+                            </m:sSubPr>
+                            <m:e>
+                              <m:r>
+                                <a:rPr lang="en-GB" sz="1100" i="1">
+                                  <a:effectLst/>
+                                  <a:latin typeface="Cambria Math" panose="02040503050406030204" pitchFamily="18" charset="0"/>
+                                  <a:ea typeface="Calibri" panose="020F0502020204030204" pitchFamily="34" charset="0"/>
+                                  <a:cs typeface="Times New Roman" panose="02020603050405020304" pitchFamily="18" charset="0"/>
+                                </a:rPr>
+                                <m:t>𝑉</m:t>
+                              </m:r>
+                            </m:e>
+                            <m:sub>
+                              <m:r>
+                                <a:rPr lang="en-GB" sz="1100" i="1">
+                                  <a:effectLst/>
+                                  <a:latin typeface="Cambria Math" panose="02040503050406030204" pitchFamily="18" charset="0"/>
+                                  <a:ea typeface="Calibri" panose="020F0502020204030204" pitchFamily="34" charset="0"/>
+                                  <a:cs typeface="Times New Roman" panose="02020603050405020304" pitchFamily="18" charset="0"/>
+                                </a:rPr>
+                                <m:t>𝑖𝑛</m:t>
+                              </m:r>
+                            </m:sub>
+                          </m:sSub>
+                          <m:r>
+                            <a:rPr lang="en-GB" sz="1100" i="1">
+                              <a:effectLst/>
+                              <a:latin typeface="Cambria Math" panose="02040503050406030204" pitchFamily="18" charset="0"/>
+                              <a:ea typeface="Calibri" panose="020F0502020204030204" pitchFamily="34" charset="0"/>
+                              <a:cs typeface="Times New Roman" panose="02020603050405020304" pitchFamily="18" charset="0"/>
+                            </a:rPr>
+                            <m:t>− </m:t>
+                          </m:r>
+                          <m:sSub>
+                            <m:sSubPr>
+                              <m:ctrlPr>
+                                <a:rPr lang="en-GB" sz="1100" i="1">
+                                  <a:effectLst/>
+                                  <a:latin typeface="Cambria Math" panose="02040503050406030204" pitchFamily="18" charset="0"/>
+                                  <a:ea typeface="Calibri" panose="020F0502020204030204" pitchFamily="34" charset="0"/>
+                                  <a:cs typeface="Times New Roman" panose="02020603050405020304" pitchFamily="18" charset="0"/>
+                                </a:rPr>
+                              </m:ctrlPr>
+                            </m:sSubPr>
+                            <m:e>
+                              <m:r>
+                                <a:rPr lang="en-GB" sz="1100" i="1">
+                                  <a:effectLst/>
+                                  <a:latin typeface="Cambria Math" panose="02040503050406030204" pitchFamily="18" charset="0"/>
+                                  <a:ea typeface="Calibri" panose="020F0502020204030204" pitchFamily="34" charset="0"/>
+                                  <a:cs typeface="Times New Roman" panose="02020603050405020304" pitchFamily="18" charset="0"/>
+                                </a:rPr>
+                                <m:t>𝑉</m:t>
+                              </m:r>
+                            </m:e>
+                            <m:sub>
+                              <m:r>
+                                <a:rPr lang="en-GB" sz="1100" i="1">
+                                  <a:effectLst/>
+                                  <a:latin typeface="Cambria Math" panose="02040503050406030204" pitchFamily="18" charset="0"/>
+                                  <a:ea typeface="Calibri" panose="020F0502020204030204" pitchFamily="34" charset="0"/>
+                                  <a:cs typeface="Times New Roman" panose="02020603050405020304" pitchFamily="18" charset="0"/>
+                                </a:rPr>
+                                <m:t>𝑜𝑢𝑡</m:t>
+                              </m:r>
+                            </m:sub>
+                          </m:sSub>
+                          <m:r>
+                            <a:rPr lang="en-GB" sz="1100" i="1">
+                              <a:effectLst/>
+                              <a:latin typeface="Cambria Math" panose="02040503050406030204" pitchFamily="18" charset="0"/>
+                              <a:ea typeface="Calibri" panose="020F0502020204030204" pitchFamily="34" charset="0"/>
+                              <a:cs typeface="Times New Roman" panose="02020603050405020304" pitchFamily="18" charset="0"/>
+                            </a:rPr>
+                            <m:t>) </m:t>
+                          </m:r>
+                        </m:num>
+                        <m:den>
+                          <m:sSub>
+                            <m:sSubPr>
+                              <m:ctrlPr>
+                                <a:rPr lang="en-GB" sz="1100" i="1">
+                                  <a:effectLst/>
+                                  <a:latin typeface="Cambria Math" panose="02040503050406030204" pitchFamily="18" charset="0"/>
+                                  <a:ea typeface="Calibri" panose="020F0502020204030204" pitchFamily="34" charset="0"/>
+                                  <a:cs typeface="Times New Roman" panose="02020603050405020304" pitchFamily="18" charset="0"/>
+                                </a:rPr>
+                              </m:ctrlPr>
+                            </m:sSubPr>
+                            <m:e>
+                              <m:r>
+                                <a:rPr lang="en-GB" sz="1100" i="1">
+                                  <a:effectLst/>
+                                  <a:latin typeface="Cambria Math" panose="02040503050406030204" pitchFamily="18" charset="0"/>
+                                  <a:ea typeface="Calibri" panose="020F0502020204030204" pitchFamily="34" charset="0"/>
+                                  <a:cs typeface="Times New Roman" panose="02020603050405020304" pitchFamily="18" charset="0"/>
+                                </a:rPr>
+                                <m:t>𝑉</m:t>
+                              </m:r>
+                            </m:e>
+                            <m:sub>
+                              <m:r>
+                                <a:rPr lang="en-GB" sz="1100" i="1">
+                                  <a:effectLst/>
+                                  <a:latin typeface="Cambria Math" panose="02040503050406030204" pitchFamily="18" charset="0"/>
+                                  <a:ea typeface="Calibri" panose="020F0502020204030204" pitchFamily="34" charset="0"/>
+                                  <a:cs typeface="Times New Roman" panose="02020603050405020304" pitchFamily="18" charset="0"/>
+                                </a:rPr>
+                                <m:t>𝑜𝑢𝑡</m:t>
+                              </m:r>
+                            </m:sub>
+                          </m:sSub>
+                        </m:den>
+                      </m:f>
+                    </m:oMath>
+                  </m:oMathPara>
+                </a14:m>
+                <a:endParaRPr lang="en-GB" sz="1100" dirty="0">
+                  <a:effectLst/>
+                  <a:latin typeface="Calibri" panose="020F0502020204030204" pitchFamily="34" charset="0"/>
+                  <a:ea typeface="Calibri" panose="020F0502020204030204" pitchFamily="34" charset="0"/>
+                  <a:cs typeface="Times New Roman" panose="02020603050405020304" pitchFamily="18" charset="0"/>
+                </a:endParaRPr>
+              </a:p>
+              <a:p>
+                <a:pPr>
+                  <a:lnSpc>
+                    <a:spcPct val="107000"/>
+                  </a:lnSpc>
+                  <a:spcAft>
+                    <a:spcPts val="800"/>
+                  </a:spcAft>
+                </a:pPr>
+                <a:r>
+                  <a:rPr lang="en-GB" sz="1100" dirty="0">
+                    <a:effectLst/>
+                    <a:latin typeface="Calibri" panose="020F0502020204030204" pitchFamily="34" charset="0"/>
+                    <a:ea typeface="Times New Roman" panose="02020603050405020304" pitchFamily="18" charset="0"/>
+                    <a:cs typeface="Times New Roman" panose="02020603050405020304" pitchFamily="18" charset="0"/>
+                  </a:rPr>
+                  <a:t> </a:t>
+                </a:r>
+                <a:endParaRPr lang="en-GB" sz="1100" dirty="0">
+                  <a:effectLst/>
+                  <a:latin typeface="Calibri" panose="020F0502020204030204" pitchFamily="34" charset="0"/>
+                  <a:ea typeface="Calibri" panose="020F0502020204030204" pitchFamily="34" charset="0"/>
+                  <a:cs typeface="Times New Roman" panose="02020603050405020304" pitchFamily="18" charset="0"/>
+                </a:endParaRPr>
+              </a:p>
+              <a:p>
+                <a:pPr>
+                  <a:lnSpc>
+                    <a:spcPct val="107000"/>
+                  </a:lnSpc>
+                  <a:spcAft>
+                    <a:spcPts val="800"/>
+                  </a:spcAft>
+                </a:pPr>
+                <a14:m>
+                  <m:oMathPara xmlns:m="http://schemas.openxmlformats.org/officeDocument/2006/math">
+                    <m:oMathParaPr>
+                      <m:jc m:val="centerGroup"/>
+                    </m:oMathParaPr>
+                    <m:oMath xmlns:m="http://schemas.openxmlformats.org/officeDocument/2006/math">
+                      <m:r>
+                        <a:rPr lang="en-GB" sz="1100" i="1">
+                          <a:solidFill>
+                            <a:srgbClr val="7030A0"/>
+                          </a:solidFill>
+                          <a:effectLst/>
+                          <a:latin typeface="Cambria Math" panose="02040503050406030204" pitchFamily="18" charset="0"/>
+                          <a:ea typeface="Calibri" panose="020F0502020204030204" pitchFamily="34" charset="0"/>
+                          <a:cs typeface="Times New Roman" panose="02020603050405020304" pitchFamily="18" charset="0"/>
+                        </a:rPr>
+                        <m:t>𝑟𝑎𝑡𝑖𝑜</m:t>
+                      </m:r>
+                      <m:r>
+                        <a:rPr lang="en-GB" sz="1100" i="1">
+                          <a:effectLst/>
+                          <a:latin typeface="Cambria Math" panose="02040503050406030204" pitchFamily="18" charset="0"/>
+                          <a:ea typeface="Calibri" panose="020F0502020204030204" pitchFamily="34" charset="0"/>
+                          <a:cs typeface="Times New Roman" panose="02020603050405020304" pitchFamily="18" charset="0"/>
+                        </a:rPr>
+                        <m:t>= </m:t>
+                      </m:r>
+                      <m:f>
+                        <m:fPr>
+                          <m:ctrlPr>
+                            <a:rPr lang="en-GB" sz="1100" i="1">
+                              <a:effectLst/>
+                              <a:latin typeface="Cambria Math" panose="02040503050406030204" pitchFamily="18" charset="0"/>
+                              <a:ea typeface="Calibri" panose="020F0502020204030204" pitchFamily="34" charset="0"/>
+                              <a:cs typeface="Times New Roman" panose="02020603050405020304" pitchFamily="18" charset="0"/>
+                            </a:rPr>
+                          </m:ctrlPr>
+                        </m:fPr>
+                        <m:num>
+                          <m:sSub>
+                            <m:sSubPr>
+                              <m:ctrlPr>
+                                <a:rPr lang="en-GB" sz="1100" i="1">
+                                  <a:effectLst/>
+                                  <a:latin typeface="Cambria Math" panose="02040503050406030204" pitchFamily="18" charset="0"/>
+                                  <a:ea typeface="Calibri" panose="020F0502020204030204" pitchFamily="34" charset="0"/>
+                                  <a:cs typeface="Times New Roman" panose="02020603050405020304" pitchFamily="18" charset="0"/>
+                                </a:rPr>
+                              </m:ctrlPr>
+                            </m:sSubPr>
+                            <m:e>
+                              <m:r>
+                                <a:rPr lang="en-GB" sz="1100" i="1">
+                                  <a:effectLst/>
+                                  <a:latin typeface="Cambria Math" panose="02040503050406030204" pitchFamily="18" charset="0"/>
+                                  <a:ea typeface="Calibri" panose="020F0502020204030204" pitchFamily="34" charset="0"/>
+                                  <a:cs typeface="Times New Roman" panose="02020603050405020304" pitchFamily="18" charset="0"/>
+                                </a:rPr>
+                                <m:t>𝑅𝑆</m:t>
+                              </m:r>
+                            </m:e>
+                            <m:sub>
+                              <m:r>
+                                <a:rPr lang="en-GB" sz="1100" i="1">
+                                  <a:effectLst/>
+                                  <a:latin typeface="Cambria Math" panose="02040503050406030204" pitchFamily="18" charset="0"/>
+                                  <a:ea typeface="Calibri" panose="020F0502020204030204" pitchFamily="34" charset="0"/>
+                                  <a:cs typeface="Times New Roman" panose="02020603050405020304" pitchFamily="18" charset="0"/>
+                                </a:rPr>
+                                <m:t>𝑔𝑎𝑠</m:t>
+                              </m:r>
+                            </m:sub>
+                          </m:sSub>
+                        </m:num>
+                        <m:den>
+                          <m:r>
+                            <a:rPr lang="en-GB" sz="1100" i="1">
+                              <a:solidFill>
+                                <a:srgbClr val="FF0000"/>
+                              </a:solidFill>
+                              <a:effectLst/>
+                              <a:latin typeface="Cambria Math" panose="02040503050406030204" pitchFamily="18" charset="0"/>
+                              <a:ea typeface="Calibri" panose="020F0502020204030204" pitchFamily="34" charset="0"/>
+                              <a:cs typeface="Times New Roman" panose="02020603050405020304" pitchFamily="18" charset="0"/>
+                            </a:rPr>
+                            <m:t>𝑅𝑜</m:t>
+                          </m:r>
+                        </m:den>
+                      </m:f>
+                    </m:oMath>
+                  </m:oMathPara>
+                </a14:m>
+                <a:endParaRPr lang="en-GB" sz="1100" dirty="0">
+                  <a:effectLst/>
+                  <a:latin typeface="Calibri" panose="020F0502020204030204" pitchFamily="34" charset="0"/>
+                  <a:ea typeface="Calibri" panose="020F0502020204030204" pitchFamily="34" charset="0"/>
+                  <a:cs typeface="Times New Roman" panose="02020603050405020304" pitchFamily="18" charset="0"/>
+                </a:endParaRPr>
+              </a:p>
+              <a:p>
+                <a:pPr>
+                  <a:lnSpc>
+                    <a:spcPct val="107000"/>
+                  </a:lnSpc>
+                  <a:spcAft>
+                    <a:spcPts val="800"/>
+                  </a:spcAft>
+                </a:pPr>
+                <a:r>
+                  <a:rPr lang="en-GB" sz="1100" dirty="0">
+                    <a:effectLst/>
+                    <a:latin typeface="Calibri" panose="020F0502020204030204" pitchFamily="34" charset="0"/>
+                    <a:ea typeface="Calibri" panose="020F0502020204030204" pitchFamily="34" charset="0"/>
+                    <a:cs typeface="Times New Roman" panose="02020603050405020304" pitchFamily="18" charset="0"/>
+                  </a:rPr>
+                  <a:t> </a:t>
+                </a:r>
+              </a:p>
+              <a:p>
+                <a:pPr>
+                  <a:lnSpc>
+                    <a:spcPct val="107000"/>
+                  </a:lnSpc>
+                  <a:spcAft>
+                    <a:spcPts val="800"/>
+                  </a:spcAft>
+                </a:pPr>
+                <a:r>
+                  <a:rPr lang="en-GB" sz="1100" dirty="0">
+                    <a:effectLst/>
+                    <a:latin typeface="Calibri" panose="020F0502020204030204" pitchFamily="34" charset="0"/>
+                    <a:ea typeface="Calibri" panose="020F0502020204030204" pitchFamily="34" charset="0"/>
+                    <a:cs typeface="Times New Roman" panose="02020603050405020304" pitchFamily="18" charset="0"/>
+                  </a:rPr>
+                  <a:t> </a:t>
+                </a:r>
+              </a:p>
+            </p:txBody>
+          </p:sp>
+        </mc:Choice>
+        <mc:Fallback>
+          <p:sp>
+            <p:nvSpPr>
+              <p:cNvPr id="12" name="Text Box 2">
+                <a:extLst>
+                  <a:ext uri="{FF2B5EF4-FFF2-40B4-BE49-F238E27FC236}">
+                    <a16:creationId xmlns:a16="http://schemas.microsoft.com/office/drawing/2014/main" id="{B2443148-E28F-424C-BA47-FBC18F94A0E0}"/>
+                  </a:ext>
+                </a:extLst>
+              </p:cNvPr>
+              <p:cNvSpPr txBox="1">
+                <a:spLocks noRot="1" noChangeAspect="1" noMove="1" noResize="1" noEditPoints="1" noAdjustHandles="1" noChangeArrowheads="1" noChangeShapeType="1" noTextEdit="1"/>
+              </p:cNvSpPr>
+              <p:nvPr/>
+            </p:nvSpPr>
+            <p:spPr bwMode="auto">
+              <a:xfrm>
+                <a:off x="5912843" y="3909136"/>
+                <a:ext cx="1524000" cy="2238375"/>
+              </a:xfrm>
+              <a:prstGeom prst="rect">
+                <a:avLst/>
+              </a:prstGeom>
+              <a:blipFill>
+                <a:blip r:embed="rId8"/>
+                <a:stretch>
+                  <a:fillRect/>
+                </a:stretch>
+              </a:blipFill>
+              <a:ln w="9525">
+                <a:solidFill>
+                  <a:srgbClr val="000000"/>
+                </a:solidFill>
+                <a:miter lim="800000"/>
+                <a:headEnd/>
+                <a:tailEnd/>
+              </a:ln>
+            </p:spPr>
+            <p:txBody>
+              <a:bodyPr/>
+              <a:lstStyle/>
+              <a:p>
+                <a:r>
+                  <a:rPr lang="en-GB">
+                    <a:noFill/>
+                  </a:rPr>
+                  <a:t> </a:t>
+                </a:r>
+              </a:p>
+            </p:txBody>
+          </p:sp>
+        </mc:Fallback>
+      </mc:AlternateContent>
+      <mc:AlternateContent xmlns:mc="http://schemas.openxmlformats.org/markup-compatibility/2006">
+        <mc:Choice xmlns:a14="http://schemas.microsoft.com/office/drawing/2010/main" Requires="a14">
+          <p:sp>
+            <p:nvSpPr>
+              <p:cNvPr id="13" name="Text Box 2">
+                <a:extLst>
+                  <a:ext uri="{FF2B5EF4-FFF2-40B4-BE49-F238E27FC236}">
+                    <a16:creationId xmlns:a16="http://schemas.microsoft.com/office/drawing/2014/main" id="{0422C6CD-2478-49B0-BE25-A52BB730E6A4}"/>
+                  </a:ext>
+                </a:extLst>
+              </p:cNvPr>
+              <p:cNvSpPr txBox="1">
+                <a:spLocks noChangeArrowheads="1"/>
+              </p:cNvSpPr>
+              <p:nvPr/>
+            </p:nvSpPr>
+            <p:spPr bwMode="auto">
+              <a:xfrm>
+                <a:off x="4104027" y="3915986"/>
+                <a:ext cx="1524000" cy="2247900"/>
+              </a:xfrm>
+              <a:prstGeom prst="rect">
+                <a:avLst/>
+              </a:prstGeom>
+              <a:solidFill>
+                <a:srgbClr val="FFFFFF"/>
+              </a:solidFill>
+              <a:ln w="9525">
+                <a:solidFill>
+                  <a:srgbClr val="000000"/>
+                </a:solidFill>
+                <a:miter lim="800000"/>
+                <a:headEnd/>
+                <a:tailEnd/>
+              </a:ln>
+            </p:spPr>
+            <p:txBody>
+              <a:bodyPr rot="0" vert="horz" wrap="square" lIns="91440" tIns="45720" rIns="91440" bIns="45720" anchor="t" anchorCtr="0">
+                <a:noAutofit/>
+              </a:bodyPr>
+              <a:lstStyle/>
+              <a:p>
+                <a:pPr algn="ctr">
+                  <a:lnSpc>
+                    <a:spcPct val="107000"/>
+                  </a:lnSpc>
+                  <a:spcAft>
+                    <a:spcPts val="800"/>
+                  </a:spcAft>
+                </a:pPr>
+                <a:r>
+                  <a:rPr lang="en-GB" sz="1100" dirty="0">
+                    <a:effectLst/>
+                    <a:latin typeface="Calibri" panose="020F0502020204030204" pitchFamily="34" charset="0"/>
+                    <a:ea typeface="Times New Roman" panose="02020603050405020304" pitchFamily="18" charset="0"/>
+                    <a:cs typeface="Times New Roman" panose="02020603050405020304" pitchFamily="18" charset="0"/>
+                  </a:rPr>
+                  <a:t>Get </a:t>
+                </a:r>
+                <a:r>
+                  <a:rPr lang="en-GB" sz="1100" dirty="0">
+                    <a:solidFill>
+                      <a:srgbClr val="FF0000"/>
+                    </a:solidFill>
+                    <a:effectLst/>
+                    <a:latin typeface="Calibri" panose="020F0502020204030204" pitchFamily="34" charset="0"/>
+                    <a:ea typeface="Times New Roman" panose="02020603050405020304" pitchFamily="18" charset="0"/>
+                    <a:cs typeface="Times New Roman" panose="02020603050405020304" pitchFamily="18" charset="0"/>
+                  </a:rPr>
+                  <a:t>Ro</a:t>
+                </a:r>
+                <a:endParaRPr lang="en-GB" sz="1100" dirty="0">
+                  <a:effectLst/>
+                  <a:latin typeface="Calibri" panose="020F0502020204030204" pitchFamily="34" charset="0"/>
+                  <a:ea typeface="Calibri" panose="020F0502020204030204" pitchFamily="34" charset="0"/>
+                  <a:cs typeface="Times New Roman" panose="02020603050405020304" pitchFamily="18" charset="0"/>
+                </a:endParaRPr>
+              </a:p>
+              <a:p>
+                <a:pPr>
+                  <a:lnSpc>
+                    <a:spcPct val="107000"/>
+                  </a:lnSpc>
+                  <a:spcAft>
+                    <a:spcPts val="800"/>
+                  </a:spcAft>
+                </a:pPr>
+                <a14:m>
+                  <m:oMathPara xmlns:m="http://schemas.openxmlformats.org/officeDocument/2006/math">
+                    <m:oMathParaPr>
+                      <m:jc m:val="centerGroup"/>
+                    </m:oMathParaPr>
+                    <m:oMath xmlns:m="http://schemas.openxmlformats.org/officeDocument/2006/math">
+                      <m:sSub>
+                        <m:sSubPr>
+                          <m:ctrlPr>
+                            <a:rPr lang="en-GB" sz="1100" i="1">
+                              <a:effectLst/>
+                              <a:latin typeface="Cambria Math" panose="02040503050406030204" pitchFamily="18" charset="0"/>
+                              <a:ea typeface="Calibri" panose="020F0502020204030204" pitchFamily="34" charset="0"/>
+                              <a:cs typeface="Times New Roman" panose="02020603050405020304" pitchFamily="18" charset="0"/>
+                            </a:rPr>
+                          </m:ctrlPr>
+                        </m:sSubPr>
+                        <m:e>
+                          <m:r>
+                            <a:rPr lang="en-GB" sz="1100" i="1">
+                              <a:effectLst/>
+                              <a:latin typeface="Cambria Math" panose="02040503050406030204" pitchFamily="18" charset="0"/>
+                              <a:ea typeface="Calibri" panose="020F0502020204030204" pitchFamily="34" charset="0"/>
+                              <a:cs typeface="Times New Roman" panose="02020603050405020304" pitchFamily="18" charset="0"/>
+                            </a:rPr>
+                            <m:t>𝑉</m:t>
+                          </m:r>
+                        </m:e>
+                        <m:sub>
+                          <m:r>
+                            <a:rPr lang="en-GB" sz="1100" i="1">
+                              <a:effectLst/>
+                              <a:latin typeface="Cambria Math" panose="02040503050406030204" pitchFamily="18" charset="0"/>
+                              <a:ea typeface="Calibri" panose="020F0502020204030204" pitchFamily="34" charset="0"/>
+                              <a:cs typeface="Times New Roman" panose="02020603050405020304" pitchFamily="18" charset="0"/>
+                            </a:rPr>
+                            <m:t>𝑜𝑢𝑡</m:t>
+                          </m:r>
+                        </m:sub>
+                      </m:sSub>
+                      <m:r>
+                        <a:rPr lang="en-GB" sz="1100" i="1">
+                          <a:effectLst/>
+                          <a:latin typeface="Cambria Math" panose="02040503050406030204" pitchFamily="18" charset="0"/>
+                          <a:ea typeface="Calibri" panose="020F0502020204030204" pitchFamily="34" charset="0"/>
+                          <a:cs typeface="Times New Roman" panose="02020603050405020304" pitchFamily="18" charset="0"/>
+                        </a:rPr>
+                        <m:t>= </m:t>
+                      </m:r>
+                      <m:f>
+                        <m:fPr>
+                          <m:ctrlPr>
+                            <a:rPr lang="en-GB" sz="1100" i="1">
+                              <a:effectLst/>
+                              <a:latin typeface="Cambria Math" panose="02040503050406030204" pitchFamily="18" charset="0"/>
+                              <a:ea typeface="Calibri" panose="020F0502020204030204" pitchFamily="34" charset="0"/>
+                              <a:cs typeface="Times New Roman" panose="02020603050405020304" pitchFamily="18" charset="0"/>
+                            </a:rPr>
+                          </m:ctrlPr>
+                        </m:fPr>
+                        <m:num>
+                          <m:r>
+                            <a:rPr lang="en-GB" sz="1100" i="1">
+                              <a:effectLst/>
+                              <a:latin typeface="Cambria Math" panose="02040503050406030204" pitchFamily="18" charset="0"/>
+                              <a:ea typeface="Calibri" panose="020F0502020204030204" pitchFamily="34" charset="0"/>
+                              <a:cs typeface="Times New Roman" panose="02020603050405020304" pitchFamily="18" charset="0"/>
+                            </a:rPr>
+                            <m:t>𝐴𝐷𝐶</m:t>
+                          </m:r>
+                        </m:num>
+                        <m:den>
+                          <m:r>
+                            <a:rPr lang="en-GB" sz="1100" i="1">
+                              <a:effectLst/>
+                              <a:latin typeface="Cambria Math" panose="02040503050406030204" pitchFamily="18" charset="0"/>
+                              <a:ea typeface="Calibri" panose="020F0502020204030204" pitchFamily="34" charset="0"/>
+                              <a:cs typeface="Times New Roman" panose="02020603050405020304" pitchFamily="18" charset="0"/>
+                            </a:rPr>
+                            <m:t>1024∗</m:t>
+                          </m:r>
+                          <m:sSub>
+                            <m:sSubPr>
+                              <m:ctrlPr>
+                                <a:rPr lang="en-GB" sz="1100" i="1">
+                                  <a:effectLst/>
+                                  <a:latin typeface="Cambria Math" panose="02040503050406030204" pitchFamily="18" charset="0"/>
+                                  <a:ea typeface="Calibri" panose="020F0502020204030204" pitchFamily="34" charset="0"/>
+                                  <a:cs typeface="Times New Roman" panose="02020603050405020304" pitchFamily="18" charset="0"/>
+                                </a:rPr>
+                              </m:ctrlPr>
+                            </m:sSubPr>
+                            <m:e>
+                              <m:r>
+                                <a:rPr lang="en-GB" sz="1100" i="1">
+                                  <a:effectLst/>
+                                  <a:latin typeface="Cambria Math" panose="02040503050406030204" pitchFamily="18" charset="0"/>
+                                  <a:ea typeface="Calibri" panose="020F0502020204030204" pitchFamily="34" charset="0"/>
+                                  <a:cs typeface="Times New Roman" panose="02020603050405020304" pitchFamily="18" charset="0"/>
+                                </a:rPr>
+                                <m:t>𝑉</m:t>
+                              </m:r>
+                            </m:e>
+                            <m:sub>
+                              <m:r>
+                                <a:rPr lang="en-GB" sz="1100" i="1">
+                                  <a:effectLst/>
+                                  <a:latin typeface="Cambria Math" panose="02040503050406030204" pitchFamily="18" charset="0"/>
+                                  <a:ea typeface="Calibri" panose="020F0502020204030204" pitchFamily="34" charset="0"/>
+                                  <a:cs typeface="Times New Roman" panose="02020603050405020304" pitchFamily="18" charset="0"/>
+                                </a:rPr>
+                                <m:t>𝑖𝑛</m:t>
+                              </m:r>
+                            </m:sub>
+                          </m:sSub>
+                        </m:den>
+                      </m:f>
+                    </m:oMath>
+                  </m:oMathPara>
+                </a14:m>
+                <a:endParaRPr lang="en-GB" sz="1100" dirty="0">
+                  <a:effectLst/>
+                  <a:latin typeface="Calibri" panose="020F0502020204030204" pitchFamily="34" charset="0"/>
+                  <a:ea typeface="Calibri" panose="020F0502020204030204" pitchFamily="34" charset="0"/>
+                  <a:cs typeface="Times New Roman" panose="02020603050405020304" pitchFamily="18" charset="0"/>
+                </a:endParaRPr>
+              </a:p>
+              <a:p>
+                <a:pPr>
+                  <a:lnSpc>
+                    <a:spcPct val="107000"/>
+                  </a:lnSpc>
+                  <a:spcAft>
+                    <a:spcPts val="800"/>
+                  </a:spcAft>
+                </a:pPr>
+                <a:r>
+                  <a:rPr lang="en-GB" sz="1100" dirty="0">
+                    <a:effectLst/>
+                    <a:latin typeface="Calibri" panose="020F0502020204030204" pitchFamily="34" charset="0"/>
+                    <a:ea typeface="Times New Roman" panose="02020603050405020304" pitchFamily="18" charset="0"/>
+                    <a:cs typeface="Times New Roman" panose="02020603050405020304" pitchFamily="18" charset="0"/>
+                  </a:rPr>
+                  <a:t> </a:t>
+                </a:r>
+                <a:endParaRPr lang="en-GB" sz="1100" dirty="0">
+                  <a:effectLst/>
+                  <a:latin typeface="Calibri" panose="020F0502020204030204" pitchFamily="34" charset="0"/>
+                  <a:ea typeface="Calibri" panose="020F0502020204030204" pitchFamily="34" charset="0"/>
+                  <a:cs typeface="Times New Roman" panose="02020603050405020304" pitchFamily="18" charset="0"/>
+                </a:endParaRPr>
+              </a:p>
+              <a:p>
+                <a:pPr>
+                  <a:lnSpc>
+                    <a:spcPct val="107000"/>
+                  </a:lnSpc>
+                  <a:spcAft>
+                    <a:spcPts val="800"/>
+                  </a:spcAft>
+                </a:pPr>
+                <a14:m>
+                  <m:oMathPara xmlns:m="http://schemas.openxmlformats.org/officeDocument/2006/math">
+                    <m:oMathParaPr>
+                      <m:jc m:val="centerGroup"/>
+                    </m:oMathParaPr>
+                    <m:oMath xmlns:m="http://schemas.openxmlformats.org/officeDocument/2006/math">
+                      <m:sSub>
+                        <m:sSubPr>
+                          <m:ctrlPr>
+                            <a:rPr lang="en-GB" sz="1100" i="1">
+                              <a:effectLst/>
+                              <a:latin typeface="Cambria Math" panose="02040503050406030204" pitchFamily="18" charset="0"/>
+                              <a:ea typeface="Calibri" panose="020F0502020204030204" pitchFamily="34" charset="0"/>
+                              <a:cs typeface="Times New Roman" panose="02020603050405020304" pitchFamily="18" charset="0"/>
+                            </a:rPr>
+                          </m:ctrlPr>
+                        </m:sSubPr>
+                        <m:e>
+                          <m:r>
+                            <a:rPr lang="en-GB" sz="1100" i="1">
+                              <a:effectLst/>
+                              <a:latin typeface="Cambria Math" panose="02040503050406030204" pitchFamily="18" charset="0"/>
+                              <a:ea typeface="Calibri" panose="020F0502020204030204" pitchFamily="34" charset="0"/>
+                              <a:cs typeface="Times New Roman" panose="02020603050405020304" pitchFamily="18" charset="0"/>
+                            </a:rPr>
+                            <m:t>𝑅𝑆</m:t>
+                          </m:r>
+                        </m:e>
+                        <m:sub>
+                          <m:r>
+                            <a:rPr lang="en-GB" sz="1100" i="1">
+                              <a:effectLst/>
+                              <a:latin typeface="Cambria Math" panose="02040503050406030204" pitchFamily="18" charset="0"/>
+                              <a:ea typeface="Calibri" panose="020F0502020204030204" pitchFamily="34" charset="0"/>
+                              <a:cs typeface="Times New Roman" panose="02020603050405020304" pitchFamily="18" charset="0"/>
+                            </a:rPr>
+                            <m:t>𝑎𝑖𝑟</m:t>
+                          </m:r>
+                        </m:sub>
+                      </m:sSub>
+                      <m:r>
+                        <a:rPr lang="en-GB" sz="1100" i="1">
+                          <a:effectLst/>
+                          <a:latin typeface="Cambria Math" panose="02040503050406030204" pitchFamily="18" charset="0"/>
+                          <a:ea typeface="Calibri" panose="020F0502020204030204" pitchFamily="34" charset="0"/>
+                          <a:cs typeface="Times New Roman" panose="02020603050405020304" pitchFamily="18" charset="0"/>
+                        </a:rPr>
+                        <m:t>= </m:t>
+                      </m:r>
+                      <m:f>
+                        <m:fPr>
+                          <m:ctrlPr>
+                            <a:rPr lang="en-GB" sz="1100" i="1">
+                              <a:effectLst/>
+                              <a:latin typeface="Cambria Math" panose="02040503050406030204" pitchFamily="18" charset="0"/>
+                              <a:ea typeface="Calibri" panose="020F0502020204030204" pitchFamily="34" charset="0"/>
+                              <a:cs typeface="Times New Roman" panose="02020603050405020304" pitchFamily="18" charset="0"/>
+                            </a:rPr>
+                          </m:ctrlPr>
+                        </m:fPr>
+                        <m:num>
+                          <m:r>
+                            <a:rPr lang="en-GB" sz="1100" i="1">
+                              <a:effectLst/>
+                              <a:latin typeface="Cambria Math" panose="02040503050406030204" pitchFamily="18" charset="0"/>
+                              <a:ea typeface="Calibri" panose="020F0502020204030204" pitchFamily="34" charset="0"/>
+                              <a:cs typeface="Times New Roman" panose="02020603050405020304" pitchFamily="18" charset="0"/>
+                            </a:rPr>
+                            <m:t>(</m:t>
+                          </m:r>
+                          <m:sSub>
+                            <m:sSubPr>
+                              <m:ctrlPr>
+                                <a:rPr lang="en-GB" sz="1100" i="1">
+                                  <a:effectLst/>
+                                  <a:latin typeface="Cambria Math" panose="02040503050406030204" pitchFamily="18" charset="0"/>
+                                  <a:ea typeface="Calibri" panose="020F0502020204030204" pitchFamily="34" charset="0"/>
+                                  <a:cs typeface="Times New Roman" panose="02020603050405020304" pitchFamily="18" charset="0"/>
+                                </a:rPr>
+                              </m:ctrlPr>
+                            </m:sSubPr>
+                            <m:e>
+                              <m:r>
+                                <a:rPr lang="en-GB" sz="1100" i="1">
+                                  <a:effectLst/>
+                                  <a:latin typeface="Cambria Math" panose="02040503050406030204" pitchFamily="18" charset="0"/>
+                                  <a:ea typeface="Calibri" panose="020F0502020204030204" pitchFamily="34" charset="0"/>
+                                  <a:cs typeface="Times New Roman" panose="02020603050405020304" pitchFamily="18" charset="0"/>
+                                </a:rPr>
+                                <m:t>𝑉</m:t>
+                              </m:r>
+                            </m:e>
+                            <m:sub>
+                              <m:r>
+                                <a:rPr lang="en-GB" sz="1100" i="1">
+                                  <a:effectLst/>
+                                  <a:latin typeface="Cambria Math" panose="02040503050406030204" pitchFamily="18" charset="0"/>
+                                  <a:ea typeface="Calibri" panose="020F0502020204030204" pitchFamily="34" charset="0"/>
+                                  <a:cs typeface="Times New Roman" panose="02020603050405020304" pitchFamily="18" charset="0"/>
+                                </a:rPr>
+                                <m:t>𝑖𝑛</m:t>
+                              </m:r>
+                            </m:sub>
+                          </m:sSub>
+                          <m:r>
+                            <a:rPr lang="en-GB" sz="1100" i="1">
+                              <a:effectLst/>
+                              <a:latin typeface="Cambria Math" panose="02040503050406030204" pitchFamily="18" charset="0"/>
+                              <a:ea typeface="Calibri" panose="020F0502020204030204" pitchFamily="34" charset="0"/>
+                              <a:cs typeface="Times New Roman" panose="02020603050405020304" pitchFamily="18" charset="0"/>
+                            </a:rPr>
+                            <m:t>− </m:t>
+                          </m:r>
+                          <m:sSub>
+                            <m:sSubPr>
+                              <m:ctrlPr>
+                                <a:rPr lang="en-GB" sz="1100" i="1">
+                                  <a:effectLst/>
+                                  <a:latin typeface="Cambria Math" panose="02040503050406030204" pitchFamily="18" charset="0"/>
+                                  <a:ea typeface="Calibri" panose="020F0502020204030204" pitchFamily="34" charset="0"/>
+                                  <a:cs typeface="Times New Roman" panose="02020603050405020304" pitchFamily="18" charset="0"/>
+                                </a:rPr>
+                              </m:ctrlPr>
+                            </m:sSubPr>
+                            <m:e>
+                              <m:r>
+                                <a:rPr lang="en-GB" sz="1100" i="1">
+                                  <a:effectLst/>
+                                  <a:latin typeface="Cambria Math" panose="02040503050406030204" pitchFamily="18" charset="0"/>
+                                  <a:ea typeface="Calibri" panose="020F0502020204030204" pitchFamily="34" charset="0"/>
+                                  <a:cs typeface="Times New Roman" panose="02020603050405020304" pitchFamily="18" charset="0"/>
+                                </a:rPr>
+                                <m:t>𝑉</m:t>
+                              </m:r>
+                            </m:e>
+                            <m:sub>
+                              <m:r>
+                                <a:rPr lang="en-GB" sz="1100" i="1">
+                                  <a:effectLst/>
+                                  <a:latin typeface="Cambria Math" panose="02040503050406030204" pitchFamily="18" charset="0"/>
+                                  <a:ea typeface="Calibri" panose="020F0502020204030204" pitchFamily="34" charset="0"/>
+                                  <a:cs typeface="Times New Roman" panose="02020603050405020304" pitchFamily="18" charset="0"/>
+                                </a:rPr>
+                                <m:t>𝑜𝑢𝑡</m:t>
+                              </m:r>
+                            </m:sub>
+                          </m:sSub>
+                          <m:r>
+                            <a:rPr lang="en-GB" sz="1100" i="1">
+                              <a:effectLst/>
+                              <a:latin typeface="Cambria Math" panose="02040503050406030204" pitchFamily="18" charset="0"/>
+                              <a:ea typeface="Calibri" panose="020F0502020204030204" pitchFamily="34" charset="0"/>
+                              <a:cs typeface="Times New Roman" panose="02020603050405020304" pitchFamily="18" charset="0"/>
+                            </a:rPr>
+                            <m:t>) </m:t>
+                          </m:r>
+                        </m:num>
+                        <m:den>
+                          <m:sSub>
+                            <m:sSubPr>
+                              <m:ctrlPr>
+                                <a:rPr lang="en-GB" sz="1100" i="1">
+                                  <a:effectLst/>
+                                  <a:latin typeface="Cambria Math" panose="02040503050406030204" pitchFamily="18" charset="0"/>
+                                  <a:ea typeface="Calibri" panose="020F0502020204030204" pitchFamily="34" charset="0"/>
+                                  <a:cs typeface="Times New Roman" panose="02020603050405020304" pitchFamily="18" charset="0"/>
+                                </a:rPr>
+                              </m:ctrlPr>
+                            </m:sSubPr>
+                            <m:e>
+                              <m:r>
+                                <a:rPr lang="en-GB" sz="1100" i="1">
+                                  <a:effectLst/>
+                                  <a:latin typeface="Cambria Math" panose="02040503050406030204" pitchFamily="18" charset="0"/>
+                                  <a:ea typeface="Calibri" panose="020F0502020204030204" pitchFamily="34" charset="0"/>
+                                  <a:cs typeface="Times New Roman" panose="02020603050405020304" pitchFamily="18" charset="0"/>
+                                </a:rPr>
+                                <m:t>𝑉</m:t>
+                              </m:r>
+                            </m:e>
+                            <m:sub>
+                              <m:r>
+                                <a:rPr lang="en-GB" sz="1100" i="1">
+                                  <a:effectLst/>
+                                  <a:latin typeface="Cambria Math" panose="02040503050406030204" pitchFamily="18" charset="0"/>
+                                  <a:ea typeface="Calibri" panose="020F0502020204030204" pitchFamily="34" charset="0"/>
+                                  <a:cs typeface="Times New Roman" panose="02020603050405020304" pitchFamily="18" charset="0"/>
+                                </a:rPr>
+                                <m:t>𝑜𝑢𝑡</m:t>
+                              </m:r>
+                            </m:sub>
+                          </m:sSub>
+                        </m:den>
+                      </m:f>
+                    </m:oMath>
+                  </m:oMathPara>
+                </a14:m>
+                <a:endParaRPr lang="en-GB" sz="1100" dirty="0">
+                  <a:effectLst/>
+                  <a:latin typeface="Calibri" panose="020F0502020204030204" pitchFamily="34" charset="0"/>
+                  <a:ea typeface="Calibri" panose="020F0502020204030204" pitchFamily="34" charset="0"/>
+                  <a:cs typeface="Times New Roman" panose="02020603050405020304" pitchFamily="18" charset="0"/>
+                </a:endParaRPr>
+              </a:p>
+              <a:p>
+                <a:pPr>
+                  <a:lnSpc>
+                    <a:spcPct val="107000"/>
+                  </a:lnSpc>
+                  <a:spcAft>
+                    <a:spcPts val="800"/>
+                  </a:spcAft>
+                </a:pPr>
+                <a:r>
+                  <a:rPr lang="en-GB" sz="1100" dirty="0">
+                    <a:effectLst/>
+                    <a:latin typeface="Calibri" panose="020F0502020204030204" pitchFamily="34" charset="0"/>
+                    <a:ea typeface="Times New Roman" panose="02020603050405020304" pitchFamily="18" charset="0"/>
+                    <a:cs typeface="Times New Roman" panose="02020603050405020304" pitchFamily="18" charset="0"/>
+                  </a:rPr>
+                  <a:t> </a:t>
+                </a:r>
+                <a:endParaRPr lang="en-GB" sz="1100" dirty="0">
+                  <a:effectLst/>
+                  <a:latin typeface="Calibri" panose="020F0502020204030204" pitchFamily="34" charset="0"/>
+                  <a:ea typeface="Calibri" panose="020F0502020204030204" pitchFamily="34" charset="0"/>
+                  <a:cs typeface="Times New Roman" panose="02020603050405020304" pitchFamily="18" charset="0"/>
+                </a:endParaRPr>
+              </a:p>
+              <a:p>
+                <a:pPr>
+                  <a:lnSpc>
+                    <a:spcPct val="107000"/>
+                  </a:lnSpc>
+                  <a:spcAft>
+                    <a:spcPts val="800"/>
+                  </a:spcAft>
+                </a:pPr>
+                <a14:m>
+                  <m:oMathPara xmlns:m="http://schemas.openxmlformats.org/officeDocument/2006/math">
+                    <m:oMathParaPr>
+                      <m:jc m:val="centerGroup"/>
+                    </m:oMathParaPr>
+                    <m:oMath xmlns:m="http://schemas.openxmlformats.org/officeDocument/2006/math">
+                      <m:r>
+                        <a:rPr lang="en-GB" sz="1100" i="1">
+                          <a:solidFill>
+                            <a:srgbClr val="FF0000"/>
+                          </a:solidFill>
+                          <a:effectLst/>
+                          <a:latin typeface="Cambria Math" panose="02040503050406030204" pitchFamily="18" charset="0"/>
+                          <a:ea typeface="Calibri" panose="020F0502020204030204" pitchFamily="34" charset="0"/>
+                          <a:cs typeface="Times New Roman" panose="02020603050405020304" pitchFamily="18" charset="0"/>
+                        </a:rPr>
+                        <m:t>𝑅𝑜</m:t>
+                      </m:r>
+                      <m:r>
+                        <a:rPr lang="en-GB" sz="1100" i="1">
+                          <a:effectLst/>
+                          <a:latin typeface="Cambria Math" panose="02040503050406030204" pitchFamily="18" charset="0"/>
+                          <a:ea typeface="Calibri" panose="020F0502020204030204" pitchFamily="34" charset="0"/>
+                          <a:cs typeface="Times New Roman" panose="02020603050405020304" pitchFamily="18" charset="0"/>
+                        </a:rPr>
+                        <m:t>= </m:t>
+                      </m:r>
+                      <m:f>
+                        <m:fPr>
+                          <m:ctrlPr>
+                            <a:rPr lang="en-GB" sz="1100" i="1">
+                              <a:effectLst/>
+                              <a:latin typeface="Cambria Math" panose="02040503050406030204" pitchFamily="18" charset="0"/>
+                              <a:ea typeface="Calibri" panose="020F0502020204030204" pitchFamily="34" charset="0"/>
+                              <a:cs typeface="Times New Roman" panose="02020603050405020304" pitchFamily="18" charset="0"/>
+                            </a:rPr>
+                          </m:ctrlPr>
+                        </m:fPr>
+                        <m:num>
+                          <m:sSub>
+                            <m:sSubPr>
+                              <m:ctrlPr>
+                                <a:rPr lang="en-GB" sz="1100" i="1">
+                                  <a:effectLst/>
+                                  <a:latin typeface="Cambria Math" panose="02040503050406030204" pitchFamily="18" charset="0"/>
+                                  <a:ea typeface="Calibri" panose="020F0502020204030204" pitchFamily="34" charset="0"/>
+                                  <a:cs typeface="Times New Roman" panose="02020603050405020304" pitchFamily="18" charset="0"/>
+                                </a:rPr>
+                              </m:ctrlPr>
+                            </m:sSubPr>
+                            <m:e>
+                              <m:r>
+                                <a:rPr lang="en-GB" sz="1100" i="1">
+                                  <a:effectLst/>
+                                  <a:latin typeface="Cambria Math" panose="02040503050406030204" pitchFamily="18" charset="0"/>
+                                  <a:ea typeface="Calibri" panose="020F0502020204030204" pitchFamily="34" charset="0"/>
+                                  <a:cs typeface="Times New Roman" panose="02020603050405020304" pitchFamily="18" charset="0"/>
+                                </a:rPr>
+                                <m:t>𝑅𝑆</m:t>
+                              </m:r>
+                            </m:e>
+                            <m:sub>
+                              <m:r>
+                                <a:rPr lang="en-GB" sz="1100" i="1">
+                                  <a:effectLst/>
+                                  <a:latin typeface="Cambria Math" panose="02040503050406030204" pitchFamily="18" charset="0"/>
+                                  <a:ea typeface="Calibri" panose="020F0502020204030204" pitchFamily="34" charset="0"/>
+                                  <a:cs typeface="Times New Roman" panose="02020603050405020304" pitchFamily="18" charset="0"/>
+                                </a:rPr>
+                                <m:t>𝑎𝑖𝑟</m:t>
+                              </m:r>
+                            </m:sub>
+                          </m:sSub>
+                        </m:num>
+                        <m:den>
+                          <m:r>
+                            <a:rPr lang="en-GB" sz="1100" i="1">
+                              <a:effectLst/>
+                              <a:latin typeface="Cambria Math" panose="02040503050406030204" pitchFamily="18" charset="0"/>
+                              <a:ea typeface="Calibri" panose="020F0502020204030204" pitchFamily="34" charset="0"/>
+                              <a:cs typeface="Times New Roman" panose="02020603050405020304" pitchFamily="18" charset="0"/>
+                            </a:rPr>
+                            <m:t>6.5</m:t>
+                          </m:r>
+                        </m:den>
+                      </m:f>
+                    </m:oMath>
+                  </m:oMathPara>
+                </a14:m>
+                <a:endParaRPr lang="en-GB" sz="1100" dirty="0">
+                  <a:effectLst/>
+                  <a:latin typeface="Calibri" panose="020F0502020204030204" pitchFamily="34" charset="0"/>
+                  <a:ea typeface="Calibri" panose="020F0502020204030204" pitchFamily="34" charset="0"/>
+                  <a:cs typeface="Times New Roman" panose="02020603050405020304" pitchFamily="18" charset="0"/>
+                </a:endParaRPr>
+              </a:p>
+              <a:p>
+                <a:pPr>
+                  <a:lnSpc>
+                    <a:spcPct val="107000"/>
+                  </a:lnSpc>
+                  <a:spcAft>
+                    <a:spcPts val="800"/>
+                  </a:spcAft>
+                </a:pPr>
+                <a:r>
+                  <a:rPr lang="en-GB" sz="1100" dirty="0">
+                    <a:effectLst/>
+                    <a:latin typeface="Calibri" panose="020F0502020204030204" pitchFamily="34" charset="0"/>
+                    <a:ea typeface="Calibri" panose="020F0502020204030204" pitchFamily="34" charset="0"/>
+                    <a:cs typeface="Times New Roman" panose="02020603050405020304" pitchFamily="18" charset="0"/>
+                  </a:rPr>
+                  <a:t> </a:t>
+                </a:r>
+              </a:p>
+              <a:p>
+                <a:pPr>
+                  <a:lnSpc>
+                    <a:spcPct val="107000"/>
+                  </a:lnSpc>
+                  <a:spcAft>
+                    <a:spcPts val="800"/>
+                  </a:spcAft>
+                </a:pPr>
+                <a:r>
+                  <a:rPr lang="en-GB" sz="1100" dirty="0">
+                    <a:effectLst/>
+                    <a:latin typeface="Calibri" panose="020F0502020204030204" pitchFamily="34" charset="0"/>
+                    <a:ea typeface="Calibri" panose="020F0502020204030204" pitchFamily="34" charset="0"/>
+                    <a:cs typeface="Times New Roman" panose="02020603050405020304" pitchFamily="18" charset="0"/>
+                  </a:rPr>
+                  <a:t> </a:t>
+                </a:r>
+              </a:p>
+            </p:txBody>
+          </p:sp>
+        </mc:Choice>
+        <mc:Fallback>
+          <p:sp>
+            <p:nvSpPr>
+              <p:cNvPr id="13" name="Text Box 2">
+                <a:extLst>
+                  <a:ext uri="{FF2B5EF4-FFF2-40B4-BE49-F238E27FC236}">
+                    <a16:creationId xmlns:a16="http://schemas.microsoft.com/office/drawing/2014/main" id="{0422C6CD-2478-49B0-BE25-A52BB730E6A4}"/>
+                  </a:ext>
+                </a:extLst>
+              </p:cNvPr>
+              <p:cNvSpPr txBox="1">
+                <a:spLocks noRot="1" noChangeAspect="1" noMove="1" noResize="1" noEditPoints="1" noAdjustHandles="1" noChangeArrowheads="1" noChangeShapeType="1" noTextEdit="1"/>
+              </p:cNvSpPr>
+              <p:nvPr/>
+            </p:nvSpPr>
+            <p:spPr bwMode="auto">
+              <a:xfrm>
+                <a:off x="4104027" y="3915986"/>
+                <a:ext cx="1524000" cy="2247900"/>
+              </a:xfrm>
+              <a:prstGeom prst="rect">
+                <a:avLst/>
+              </a:prstGeom>
+              <a:blipFill>
+                <a:blip r:embed="rId9"/>
+                <a:stretch>
+                  <a:fillRect/>
+                </a:stretch>
+              </a:blipFill>
+              <a:ln w="9525">
+                <a:solidFill>
+                  <a:srgbClr val="000000"/>
+                </a:solidFill>
+                <a:miter lim="800000"/>
+                <a:headEnd/>
+                <a:tailEnd/>
+              </a:ln>
+            </p:spPr>
+            <p:txBody>
+              <a:bodyPr/>
+              <a:lstStyle/>
+              <a:p>
+                <a:r>
+                  <a:rPr lang="en-GB">
+                    <a:noFill/>
+                  </a:rPr>
+                  <a:t> </a:t>
+                </a:r>
+              </a:p>
+            </p:txBody>
+          </p:sp>
+        </mc:Fallback>
+      </mc:AlternateContent>
+      <p:sp>
+        <p:nvSpPr>
+          <p:cNvPr id="14" name="Rectangle 13">
+            <a:extLst>
+              <a:ext uri="{FF2B5EF4-FFF2-40B4-BE49-F238E27FC236}">
+                <a16:creationId xmlns:a16="http://schemas.microsoft.com/office/drawing/2014/main" id="{B818E650-E6C8-4BF4-B0AE-97B3EAC3BE38}"/>
+              </a:ext>
+            </a:extLst>
+          </p:cNvPr>
+          <p:cNvSpPr/>
+          <p:nvPr/>
+        </p:nvSpPr>
+        <p:spPr>
+          <a:xfrm>
+            <a:off x="1417428" y="3880501"/>
+            <a:ext cx="2648285" cy="2308324"/>
+          </a:xfrm>
+          <a:prstGeom prst="rect">
+            <a:avLst/>
+          </a:prstGeom>
+        </p:spPr>
+        <p:txBody>
+          <a:bodyPr wrap="square">
+            <a:spAutoFit/>
+          </a:bodyPr>
+          <a:lstStyle/>
+          <a:p>
             <a:r>
               <a:rPr lang="en-GB" dirty="0">
                 <a:latin typeface="HelveticaNeue"/>
               </a:rPr>
-              <a:t>This sensor should only be used for approximation </a:t>
+              <a:t>There is no one simple linear equation for the graph however, the </a:t>
+            </a:r>
+            <a:r>
+              <a:rPr lang="en-GB" dirty="0">
+                <a:solidFill>
+                  <a:srgbClr val="FF0000"/>
+                </a:solidFill>
+                <a:latin typeface="HelveticaNeue"/>
+              </a:rPr>
+              <a:t>Ro</a:t>
+            </a:r>
+            <a:r>
+              <a:rPr lang="en-GB" dirty="0">
+                <a:latin typeface="HelveticaNeue"/>
+              </a:rPr>
+              <a:t> is worked out during a testing phase and then used in the actual implementation to get the </a:t>
+            </a:r>
+            <a:r>
+              <a:rPr lang="en-GB" dirty="0">
+                <a:solidFill>
+                  <a:srgbClr val="7030A0"/>
+                </a:solidFill>
+                <a:latin typeface="HelveticaNeue"/>
+              </a:rPr>
+              <a:t>ratio</a:t>
+            </a:r>
+            <a:r>
+              <a:rPr lang="en-GB" dirty="0">
+                <a:latin typeface="HelveticaNeue"/>
+              </a:rPr>
+              <a:t> or RS/RO</a:t>
             </a:r>
           </a:p>
         </p:txBody>
@@ -11301,41 +13558,6 @@
           </a:p>
         </p:txBody>
       </p:sp>
-      <p:pic>
-        <p:nvPicPr>
-          <p:cNvPr id="7" name="Picture 6" descr="A close up of a logo&#10;&#10;Description automatically generated">
-            <a:extLst>
-              <a:ext uri="{FF2B5EF4-FFF2-40B4-BE49-F238E27FC236}">
-                <a16:creationId xmlns:a16="http://schemas.microsoft.com/office/drawing/2014/main" id="{F0BC9BC8-C4B4-4A10-B6DA-96C48E07DF3E}"/>
-              </a:ext>
-            </a:extLst>
-          </p:cNvPr>
-          <p:cNvPicPr>
-            <a:picLocks noChangeAspect="1"/>
-          </p:cNvPicPr>
-          <p:nvPr/>
-        </p:nvPicPr>
-        <p:blipFill rotWithShape="1">
-          <a:blip r:embed="rId4">
-            <a:extLst>
-              <a:ext uri="{28A0092B-C50C-407E-A947-70E740481C1C}">
-                <a14:useLocalDpi xmlns:a14="http://schemas.microsoft.com/office/drawing/2010/main" val="0"/>
-              </a:ext>
-            </a:extLst>
-          </a:blip>
-          <a:srcRect l="15706" t="11787" r="15492" b="17225"/>
-          <a:stretch/>
-        </p:blipFill>
-        <p:spPr>
-          <a:xfrm>
-            <a:off x="10043185" y="5943599"/>
-            <a:ext cx="1772492" cy="914400"/>
-          </a:xfrm>
-          <a:prstGeom prst="rect">
-            <a:avLst/>
-          </a:prstGeom>
-        </p:spPr>
-      </p:pic>
       <p:sp>
         <p:nvSpPr>
           <p:cNvPr id="8" name="TextBox 7">
@@ -11394,7 +13616,7 @@
           <p:nvPr/>
         </p:nvPicPr>
         <p:blipFill>
-          <a:blip r:embed="rId5">
+          <a:blip r:embed="rId4">
             <a:duotone>
               <a:prstClr val="black"/>
               <a:schemeClr val="accent1">
@@ -11453,19 +13675,7 @@
               <a:rPr lang="en-GB" dirty="0">
                 <a:latin typeface="HelveticaNeue"/>
               </a:rPr>
-              <a:t>The Grove - Light sensor integrates a photo-resistor(light dependent resistor) to detect the intensity of light. The resistance of photo-resistor decreases when the intensity of light increases. The output signal is </a:t>
-            </a:r>
-            <a:r>
-              <a:rPr lang="en-GB" dirty="0" err="1">
-                <a:latin typeface="HelveticaNeue"/>
-              </a:rPr>
-              <a:t>analog</a:t>
-            </a:r>
-            <a:r>
-              <a:rPr lang="en-GB" dirty="0">
-                <a:latin typeface="HelveticaNeue"/>
-              </a:rPr>
-              <a:t> value, the brighter the light is, the larger the value.</a:t>
+              <a:t>The Grove - Light sensor integrates a photo-resistor(light dependent resistor) to detect the intensity of light. The resistance of photo-resistor decreases when the intensity of light increases. The output signal is analogue value, the brighter the light is, the larger the value.</a:t>
             </a:r>
           </a:p>
         </p:txBody>
@@ -11598,7 +13808,7 @@
           <p:nvPr/>
         </p:nvPicPr>
         <p:blipFill>
-          <a:blip r:embed="rId6">
+          <a:blip r:embed="rId5">
             <a:extLst>
               <a:ext uri="{28A0092B-C50C-407E-A947-70E740481C1C}">
                 <a14:useLocalDpi xmlns:a14="http://schemas.microsoft.com/office/drawing/2010/main" val="0"/>
@@ -11613,6 +13823,42 @@
           <a:xfrm>
             <a:off x="8166057" y="2901786"/>
             <a:ext cx="1613770" cy="1820460"/>
+          </a:xfrm>
+          <a:prstGeom prst="rect">
+            <a:avLst/>
+          </a:prstGeom>
+        </p:spPr>
+      </p:pic>
+      <p:pic>
+        <p:nvPicPr>
+          <p:cNvPr id="10" name="Picture 9">
+            <a:extLst>
+              <a:ext uri="{FF2B5EF4-FFF2-40B4-BE49-F238E27FC236}">
+                <a16:creationId xmlns:a16="http://schemas.microsoft.com/office/drawing/2014/main" id="{6811C0DE-24FA-4C52-9AFB-31D8B444F751}"/>
+              </a:ext>
+            </a:extLst>
+          </p:cNvPr>
+          <p:cNvPicPr>
+            <a:picLocks noChangeAspect="1"/>
+          </p:cNvPicPr>
+          <p:nvPr/>
+        </p:nvPicPr>
+        <p:blipFill>
+          <a:blip r:embed="rId6">
+            <a:extLst>
+              <a:ext uri="{28A0092B-C50C-407E-A947-70E740481C1C}">
+                <a14:useLocalDpi xmlns:a14="http://schemas.microsoft.com/office/drawing/2010/main" val="0"/>
+              </a:ext>
+            </a:extLst>
+          </a:blip>
+          <a:stretch>
+            <a:fillRect/>
+          </a:stretch>
+        </p:blipFill>
+        <p:spPr>
+          <a:xfrm>
+            <a:off x="10218865" y="6134793"/>
+            <a:ext cx="1576589" cy="723206"/>
           </a:xfrm>
           <a:prstGeom prst="rect">
             <a:avLst/>

--- a/Lessons/Sensors_101.pptx
+++ b/Lessons/Sensors_101.pptx
@@ -206,7 +206,7 @@
           <a:p>
             <a:fld id="{C2EBFB03-71CD-4F8F-BBF4-8710FA86CB6C}" type="datetimeFigureOut">
               <a:rPr lang="en-GB" smtClean="0"/>
-              <a:t>23/08/2019</a:t>
+              <a:t>29/08/2019</a:t>
             </a:fld>
             <a:endParaRPr lang="en-GB"/>
           </a:p>
@@ -1265,7 +1265,7 @@
           <a:p>
             <a:fld id="{96F6514E-685F-4447-A0A3-A4708FC00805}" type="datetimeFigureOut">
               <a:rPr lang="en-GB" smtClean="0"/>
-              <a:t>23/08/2019</a:t>
+              <a:t>29/08/2019</a:t>
             </a:fld>
             <a:endParaRPr lang="en-GB"/>
           </a:p>
@@ -1465,7 +1465,7 @@
           <a:p>
             <a:fld id="{96F6514E-685F-4447-A0A3-A4708FC00805}" type="datetimeFigureOut">
               <a:rPr lang="en-GB" smtClean="0"/>
-              <a:t>23/08/2019</a:t>
+              <a:t>29/08/2019</a:t>
             </a:fld>
             <a:endParaRPr lang="en-GB"/>
           </a:p>
@@ -1675,7 +1675,7 @@
           <a:p>
             <a:fld id="{96F6514E-685F-4447-A0A3-A4708FC00805}" type="datetimeFigureOut">
               <a:rPr lang="en-GB" smtClean="0"/>
-              <a:t>23/08/2019</a:t>
+              <a:t>29/08/2019</a:t>
             </a:fld>
             <a:endParaRPr lang="en-GB"/>
           </a:p>
@@ -1875,7 +1875,7 @@
           <a:p>
             <a:fld id="{96F6514E-685F-4447-A0A3-A4708FC00805}" type="datetimeFigureOut">
               <a:rPr lang="en-GB" smtClean="0"/>
-              <a:t>23/08/2019</a:t>
+              <a:t>29/08/2019</a:t>
             </a:fld>
             <a:endParaRPr lang="en-GB"/>
           </a:p>
@@ -2151,7 +2151,7 @@
           <a:p>
             <a:fld id="{96F6514E-685F-4447-A0A3-A4708FC00805}" type="datetimeFigureOut">
               <a:rPr lang="en-GB" smtClean="0"/>
-              <a:t>23/08/2019</a:t>
+              <a:t>29/08/2019</a:t>
             </a:fld>
             <a:endParaRPr lang="en-GB"/>
           </a:p>
@@ -2419,7 +2419,7 @@
           <a:p>
             <a:fld id="{96F6514E-685F-4447-A0A3-A4708FC00805}" type="datetimeFigureOut">
               <a:rPr lang="en-GB" smtClean="0"/>
-              <a:t>23/08/2019</a:t>
+              <a:t>29/08/2019</a:t>
             </a:fld>
             <a:endParaRPr lang="en-GB"/>
           </a:p>
@@ -2834,7 +2834,7 @@
           <a:p>
             <a:fld id="{96F6514E-685F-4447-A0A3-A4708FC00805}" type="datetimeFigureOut">
               <a:rPr lang="en-GB" smtClean="0"/>
-              <a:t>23/08/2019</a:t>
+              <a:t>29/08/2019</a:t>
             </a:fld>
             <a:endParaRPr lang="en-GB"/>
           </a:p>
@@ -2976,7 +2976,7 @@
           <a:p>
             <a:fld id="{96F6514E-685F-4447-A0A3-A4708FC00805}" type="datetimeFigureOut">
               <a:rPr lang="en-GB" smtClean="0"/>
-              <a:t>23/08/2019</a:t>
+              <a:t>29/08/2019</a:t>
             </a:fld>
             <a:endParaRPr lang="en-GB"/>
           </a:p>
@@ -3089,7 +3089,7 @@
           <a:p>
             <a:fld id="{96F6514E-685F-4447-A0A3-A4708FC00805}" type="datetimeFigureOut">
               <a:rPr lang="en-GB" smtClean="0"/>
-              <a:t>23/08/2019</a:t>
+              <a:t>29/08/2019</a:t>
             </a:fld>
             <a:endParaRPr lang="en-GB"/>
           </a:p>
@@ -3402,7 +3402,7 @@
           <a:p>
             <a:fld id="{96F6514E-685F-4447-A0A3-A4708FC00805}" type="datetimeFigureOut">
               <a:rPr lang="en-GB" smtClean="0"/>
-              <a:t>23/08/2019</a:t>
+              <a:t>29/08/2019</a:t>
             </a:fld>
             <a:endParaRPr lang="en-GB"/>
           </a:p>
@@ -3691,7 +3691,7 @@
           <a:p>
             <a:fld id="{96F6514E-685F-4447-A0A3-A4708FC00805}" type="datetimeFigureOut">
               <a:rPr lang="en-GB" smtClean="0"/>
-              <a:t>23/08/2019</a:t>
+              <a:t>29/08/2019</a:t>
             </a:fld>
             <a:endParaRPr lang="en-GB"/>
           </a:p>
@@ -3934,7 +3934,7 @@
           <a:p>
             <a:fld id="{96F6514E-685F-4447-A0A3-A4708FC00805}" type="datetimeFigureOut">
               <a:rPr lang="en-GB" smtClean="0"/>
-              <a:t>23/08/2019</a:t>
+              <a:t>29/08/2019</a:t>
             </a:fld>
             <a:endParaRPr lang="en-GB"/>
           </a:p>
@@ -4889,8 +4889,8 @@
           </a:prstGeom>
         </p:spPr>
       </p:pic>
-      <mc:AlternateContent xmlns:mc="http://schemas.openxmlformats.org/markup-compatibility/2006">
-        <mc:Choice xmlns:a14="http://schemas.microsoft.com/office/drawing/2010/main" Requires="a14">
+      <mc:AlternateContent xmlns:mc="http://schemas.openxmlformats.org/markup-compatibility/2006" xmlns:a14="http://schemas.microsoft.com/office/drawing/2010/main">
+        <mc:Choice Requires="a14">
           <p:sp>
             <p:nvSpPr>
               <p:cNvPr id="11" name="Rectangle 10">
@@ -5113,7 +5113,7 @@
             </p:txBody>
           </p:sp>
         </mc:Choice>
-        <mc:Fallback>
+        <mc:Fallback xmlns="">
           <p:sp>
             <p:nvSpPr>
               <p:cNvPr id="11" name="Rectangle 10">
@@ -7227,8 +7227,8 @@
           </a:prstGeom>
         </p:spPr>
       </p:pic>
-      <mc:AlternateContent xmlns:mc="http://schemas.openxmlformats.org/markup-compatibility/2006">
-        <mc:Choice xmlns:a14="http://schemas.microsoft.com/office/drawing/2010/main" Requires="a14">
+      <mc:AlternateContent xmlns:mc="http://schemas.openxmlformats.org/markup-compatibility/2006" xmlns:a14="http://schemas.microsoft.com/office/drawing/2010/main">
+        <mc:Choice Requires="a14">
           <p:sp>
             <p:nvSpPr>
               <p:cNvPr id="15" name="TextBox 14">
@@ -7433,7 +7433,7 @@
             </p:txBody>
           </p:sp>
         </mc:Choice>
-        <mc:Fallback>
+        <mc:Fallback xmlns="">
           <p:sp>
             <p:nvSpPr>
               <p:cNvPr id="15" name="TextBox 14">
@@ -7478,8 +7478,8 @@
           </p:sp>
         </mc:Fallback>
       </mc:AlternateContent>
-      <mc:AlternateContent xmlns:mc="http://schemas.openxmlformats.org/markup-compatibility/2006">
-        <mc:Choice xmlns:a14="http://schemas.microsoft.com/office/drawing/2010/main" Requires="a14">
+      <mc:AlternateContent xmlns:mc="http://schemas.openxmlformats.org/markup-compatibility/2006" xmlns:a14="http://schemas.microsoft.com/office/drawing/2010/main">
+        <mc:Choice Requires="a14">
           <p:sp>
             <p:nvSpPr>
               <p:cNvPr id="21" name="TextBox 20">
@@ -7542,7 +7542,7 @@
             </p:txBody>
           </p:sp>
         </mc:Choice>
-        <mc:Fallback>
+        <mc:Fallback xmlns="">
           <p:sp>
             <p:nvSpPr>
               <p:cNvPr id="21" name="TextBox 20">
@@ -7989,8 +7989,8 @@
           </p:txBody>
         </p:sp>
       </p:grpSp>
-      <mc:AlternateContent xmlns:mc="http://schemas.openxmlformats.org/markup-compatibility/2006">
-        <mc:Choice xmlns:a14="http://schemas.microsoft.com/office/drawing/2010/main" Requires="a14">
+      <mc:AlternateContent xmlns:mc="http://schemas.openxmlformats.org/markup-compatibility/2006" xmlns:a14="http://schemas.microsoft.com/office/drawing/2010/main">
+        <mc:Choice Requires="a14">
           <p:sp>
             <p:nvSpPr>
               <p:cNvPr id="27" name="TextBox 26">
@@ -8050,7 +8050,7 @@
             </p:txBody>
           </p:sp>
         </mc:Choice>
-        <mc:Fallback>
+        <mc:Fallback xmlns="">
           <p:sp>
             <p:nvSpPr>
               <p:cNvPr id="27" name="TextBox 26">
@@ -8567,8 +8567,8 @@
           </mc:Fallback>
         </mc:AlternateContent>
       </p:grpSp>
-      <mc:AlternateContent xmlns:mc="http://schemas.openxmlformats.org/markup-compatibility/2006">
-        <mc:Choice xmlns:a14="http://schemas.microsoft.com/office/drawing/2010/main" Requires="a14">
+      <mc:AlternateContent xmlns:mc="http://schemas.openxmlformats.org/markup-compatibility/2006" xmlns:a14="http://schemas.microsoft.com/office/drawing/2010/main">
+        <mc:Choice Requires="a14">
           <p:sp>
             <p:nvSpPr>
               <p:cNvPr id="34" name="Rectangle 33">
@@ -8629,7 +8629,7 @@
             </p:txBody>
           </p:sp>
         </mc:Choice>
-        <mc:Fallback>
+        <mc:Fallback xmlns="">
           <p:sp>
             <p:nvSpPr>
               <p:cNvPr id="34" name="Rectangle 33">
@@ -10951,8 +10951,8 @@
           </a:prstGeom>
         </p:spPr>
       </p:pic>
-      <mc:AlternateContent xmlns:mc="http://schemas.openxmlformats.org/markup-compatibility/2006">
-        <mc:Choice xmlns:a14="http://schemas.microsoft.com/office/drawing/2010/main" Requires="a14">
+      <mc:AlternateContent xmlns:mc="http://schemas.openxmlformats.org/markup-compatibility/2006" xmlns:a14="http://schemas.microsoft.com/office/drawing/2010/main">
+        <mc:Choice Requires="a14">
           <p:sp>
             <p:nvSpPr>
               <p:cNvPr id="16" name="Text Box 2">
@@ -11535,7 +11535,7 @@
             </p:txBody>
           </p:sp>
         </mc:Choice>
-        <mc:Fallback>
+        <mc:Fallback xmlns="">
           <p:sp>
             <p:nvSpPr>
               <p:cNvPr id="16" name="Text Box 2">
@@ -12000,7 +12000,7 @@
         </p:blipFill>
         <p:spPr>
           <a:xfrm>
-            <a:off x="7632328" y="2879436"/>
+            <a:off x="7637091" y="2884199"/>
             <a:ext cx="3704988" cy="3255357"/>
           </a:xfrm>
           <a:prstGeom prst="rect">
@@ -12008,8 +12008,8 @@
           </a:prstGeom>
         </p:spPr>
       </p:pic>
-      <mc:AlternateContent xmlns:mc="http://schemas.openxmlformats.org/markup-compatibility/2006">
-        <mc:Choice xmlns:a14="http://schemas.microsoft.com/office/drawing/2010/main" Requires="a14">
+      <mc:AlternateContent xmlns:mc="http://schemas.openxmlformats.org/markup-compatibility/2006" xmlns:a14="http://schemas.microsoft.com/office/drawing/2010/main">
+        <mc:Choice Requires="a14">
           <p:sp>
             <p:nvSpPr>
               <p:cNvPr id="12" name="Text Box 2">
@@ -12634,7 +12634,7 @@
             </p:txBody>
           </p:sp>
         </mc:Choice>
-        <mc:Fallback>
+        <mc:Fallback xmlns="">
           <p:sp>
             <p:nvSpPr>
               <p:cNvPr id="12" name="Text Box 2">
@@ -12687,8 +12687,8 @@
           </p:sp>
         </mc:Fallback>
       </mc:AlternateContent>
-      <mc:AlternateContent xmlns:mc="http://schemas.openxmlformats.org/markup-compatibility/2006">
-        <mc:Choice xmlns:a14="http://schemas.microsoft.com/office/drawing/2010/main" Requires="a14">
+      <mc:AlternateContent xmlns:mc="http://schemas.openxmlformats.org/markup-compatibility/2006" xmlns:a14="http://schemas.microsoft.com/office/drawing/2010/main">
+        <mc:Choice Requires="a14">
           <p:sp>
             <p:nvSpPr>
               <p:cNvPr id="13" name="Text Box 2">
@@ -13310,7 +13310,7 @@
             </p:txBody>
           </p:sp>
         </mc:Choice>
-        <mc:Fallback>
+        <mc:Fallback xmlns="">
           <p:sp>
             <p:nvSpPr>
               <p:cNvPr id="13" name="Text Box 2">

--- a/Lessons/Sensors_101.pptx
+++ b/Lessons/Sensors_101.pptx
@@ -5,7 +5,7 @@
     <p:sldMasterId id="2147483648" r:id="rId1"/>
   </p:sldMasterIdLst>
   <p:notesMasterIdLst>
-    <p:notesMasterId r:id="rId12"/>
+    <p:notesMasterId r:id="rId13"/>
   </p:notesMasterIdLst>
   <p:sldIdLst>
     <p:sldId id="257" r:id="rId2"/>
@@ -13,11 +13,12 @@
     <p:sldId id="258" r:id="rId4"/>
     <p:sldId id="265" r:id="rId5"/>
     <p:sldId id="266" r:id="rId6"/>
-    <p:sldId id="261" r:id="rId7"/>
-    <p:sldId id="262" r:id="rId8"/>
-    <p:sldId id="263" r:id="rId9"/>
-    <p:sldId id="267" r:id="rId10"/>
-    <p:sldId id="268" r:id="rId11"/>
+    <p:sldId id="269" r:id="rId7"/>
+    <p:sldId id="261" r:id="rId8"/>
+    <p:sldId id="262" r:id="rId9"/>
+    <p:sldId id="263" r:id="rId10"/>
+    <p:sldId id="267" r:id="rId11"/>
+    <p:sldId id="268" r:id="rId12"/>
   </p:sldIdLst>
   <p:sldSz cx="12192000" cy="6858000"/>
   <p:notesSz cx="6858000" cy="9144000"/>
@@ -206,7 +207,7 @@
           <a:p>
             <a:fld id="{C2EBFB03-71CD-4F8F-BBF4-8710FA86CB6C}" type="datetimeFigureOut">
               <a:rPr lang="en-GB" smtClean="0"/>
-              <a:t>29/08/2019</a:t>
+              <a:t>02/09/2019</a:t>
             </a:fld>
             <a:endParaRPr lang="en-GB"/>
           </a:p>
@@ -558,6 +559,186 @@
 </p:notes>
 </file>
 
+<file path=ppt/notesSlides/notesSlide10.xml><?xml version="1.0" encoding="utf-8"?>
+<p:notes xmlns:a="http://schemas.openxmlformats.org/drawingml/2006/main" xmlns:r="http://schemas.openxmlformats.org/officeDocument/2006/relationships" xmlns:p="http://schemas.openxmlformats.org/presentationml/2006/main">
+  <p:cSld>
+    <p:spTree>
+      <p:nvGrpSpPr>
+        <p:cNvPr id="1" name=""/>
+        <p:cNvGrpSpPr/>
+        <p:nvPr/>
+      </p:nvGrpSpPr>
+      <p:grpSpPr>
+        <a:xfrm>
+          <a:off x="0" y="0"/>
+          <a:ext cx="0" cy="0"/>
+          <a:chOff x="0" y="0"/>
+          <a:chExt cx="0" cy="0"/>
+        </a:xfrm>
+      </p:grpSpPr>
+      <p:sp>
+        <p:nvSpPr>
+          <p:cNvPr id="2" name="Slide Image Placeholder 1"/>
+          <p:cNvSpPr>
+            <a:spLocks noGrp="1" noRot="1" noChangeAspect="1"/>
+          </p:cNvSpPr>
+          <p:nvPr>
+            <p:ph type="sldImg"/>
+          </p:nvPr>
+        </p:nvSpPr>
+        <p:spPr/>
+      </p:sp>
+      <p:sp>
+        <p:nvSpPr>
+          <p:cNvPr id="3" name="Notes Placeholder 2"/>
+          <p:cNvSpPr>
+            <a:spLocks noGrp="1"/>
+          </p:cNvSpPr>
+          <p:nvPr>
+            <p:ph type="body" idx="1"/>
+          </p:nvPr>
+        </p:nvSpPr>
+        <p:spPr/>
+        <p:txBody>
+          <a:bodyPr/>
+          <a:lstStyle/>
+          <a:p>
+            <a:r>
+              <a:rPr lang="en-GB" dirty="0"/>
+              <a:t>This is the simplest sensor, a photodiode is put next to a resistor just like a voltage divider circuit. </a:t>
+            </a:r>
+          </a:p>
+          <a:p>
+            <a:endParaRPr lang="en-GB" dirty="0"/>
+          </a:p>
+          <a:p>
+            <a:r>
+              <a:rPr lang="en-GB" dirty="0"/>
+              <a:t>We take the value and then assign some meaning to it such as 900 ADC is bright, 200 or lower is dark. </a:t>
+            </a:r>
+          </a:p>
+        </p:txBody>
+      </p:sp>
+      <p:sp>
+        <p:nvSpPr>
+          <p:cNvPr id="4" name="Slide Number Placeholder 3"/>
+          <p:cNvSpPr>
+            <a:spLocks noGrp="1"/>
+          </p:cNvSpPr>
+          <p:nvPr>
+            <p:ph type="sldNum" sz="quarter" idx="5"/>
+          </p:nvPr>
+        </p:nvSpPr>
+        <p:spPr/>
+        <p:txBody>
+          <a:bodyPr/>
+          <a:lstStyle/>
+          <a:p>
+            <a:fld id="{945AE9AA-FFB8-4A6F-835D-DFF20E6952A1}" type="slidenum">
+              <a:rPr lang="en-GB" smtClean="0"/>
+              <a:t>10</a:t>
+            </a:fld>
+            <a:endParaRPr lang="en-GB"/>
+          </a:p>
+        </p:txBody>
+      </p:sp>
+    </p:spTree>
+    <p:extLst>
+      <p:ext uri="{BB962C8B-B14F-4D97-AF65-F5344CB8AC3E}">
+        <p14:creationId xmlns:p14="http://schemas.microsoft.com/office/powerpoint/2010/main" val="2608044665"/>
+      </p:ext>
+    </p:extLst>
+  </p:cSld>
+  <p:clrMapOvr>
+    <a:masterClrMapping/>
+  </p:clrMapOvr>
+</p:notes>
+</file>
+
+<file path=ppt/notesSlides/notesSlide11.xml><?xml version="1.0" encoding="utf-8"?>
+<p:notes xmlns:a="http://schemas.openxmlformats.org/drawingml/2006/main" xmlns:r="http://schemas.openxmlformats.org/officeDocument/2006/relationships" xmlns:p="http://schemas.openxmlformats.org/presentationml/2006/main">
+  <p:cSld>
+    <p:spTree>
+      <p:nvGrpSpPr>
+        <p:cNvPr id="1" name=""/>
+        <p:cNvGrpSpPr/>
+        <p:nvPr/>
+      </p:nvGrpSpPr>
+      <p:grpSpPr>
+        <a:xfrm>
+          <a:off x="0" y="0"/>
+          <a:ext cx="0" cy="0"/>
+          <a:chOff x="0" y="0"/>
+          <a:chExt cx="0" cy="0"/>
+        </a:xfrm>
+      </p:grpSpPr>
+      <p:sp>
+        <p:nvSpPr>
+          <p:cNvPr id="2" name="Slide Image Placeholder 1"/>
+          <p:cNvSpPr>
+            <a:spLocks noGrp="1" noRot="1" noChangeAspect="1"/>
+          </p:cNvSpPr>
+          <p:nvPr>
+            <p:ph type="sldImg"/>
+          </p:nvPr>
+        </p:nvSpPr>
+        <p:spPr/>
+      </p:sp>
+      <p:sp>
+        <p:nvSpPr>
+          <p:cNvPr id="3" name="Notes Placeholder 2"/>
+          <p:cNvSpPr>
+            <a:spLocks noGrp="1"/>
+          </p:cNvSpPr>
+          <p:nvPr>
+            <p:ph type="body" idx="1"/>
+          </p:nvPr>
+        </p:nvSpPr>
+        <p:spPr/>
+        <p:txBody>
+          <a:bodyPr/>
+          <a:lstStyle/>
+          <a:p>
+            <a:endParaRPr lang="en-GB" dirty="0"/>
+          </a:p>
+        </p:txBody>
+      </p:sp>
+      <p:sp>
+        <p:nvSpPr>
+          <p:cNvPr id="4" name="Slide Number Placeholder 3"/>
+          <p:cNvSpPr>
+            <a:spLocks noGrp="1"/>
+          </p:cNvSpPr>
+          <p:nvPr>
+            <p:ph type="sldNum" sz="quarter" idx="5"/>
+          </p:nvPr>
+        </p:nvSpPr>
+        <p:spPr/>
+        <p:txBody>
+          <a:bodyPr/>
+          <a:lstStyle/>
+          <a:p>
+            <a:fld id="{945AE9AA-FFB8-4A6F-835D-DFF20E6952A1}" type="slidenum">
+              <a:rPr lang="en-GB" smtClean="0"/>
+              <a:t>11</a:t>
+            </a:fld>
+            <a:endParaRPr lang="en-GB"/>
+          </a:p>
+        </p:txBody>
+      </p:sp>
+    </p:spTree>
+    <p:extLst>
+      <p:ext uri="{BB962C8B-B14F-4D97-AF65-F5344CB8AC3E}">
+        <p14:creationId xmlns:p14="http://schemas.microsoft.com/office/powerpoint/2010/main" val="282908352"/>
+      </p:ext>
+    </p:extLst>
+  </p:cSld>
+  <p:clrMapOvr>
+    <a:masterClrMapping/>
+  </p:clrMapOvr>
+</p:notes>
+</file>
+
 <file path=ppt/notesSlides/notesSlide2.xml><?xml version="1.0" encoding="utf-8"?>
 <p:notes xmlns:a="http://schemas.openxmlformats.org/drawingml/2006/main" xmlns:r="http://schemas.openxmlformats.org/officeDocument/2006/relationships" xmlns:p="http://schemas.openxmlformats.org/presentationml/2006/main">
   <p:cSld>
@@ -686,58 +867,39 @@
           <a:bodyPr/>
           <a:lstStyle/>
           <a:p>
-            <a:pPr marL="171450" indent="-171450">
-              <a:buFont typeface="Arial" panose="020B0604020202020204" pitchFamily="34" charset="0"/>
-              <a:buChar char="•"/>
-            </a:pPr>
-            <a:r>
-              <a:rPr lang="en-GB" sz="1200" b="0" i="0" u="none" strike="noStrike" kern="1200" dirty="0">
-                <a:solidFill>
-                  <a:schemeClr val="tx1"/>
-                </a:solidFill>
-                <a:effectLst/>
-                <a:latin typeface="+mn-lt"/>
-                <a:ea typeface="+mn-ea"/>
-                <a:cs typeface="+mn-cs"/>
-              </a:rPr>
-              <a:t>This project aims to provide you with a thorough introduction to IoT. </a:t>
-            </a:r>
-          </a:p>
-          <a:p>
-            <a:pPr marL="171450" indent="-171450">
-              <a:buFont typeface="Arial" panose="020B0604020202020204" pitchFamily="34" charset="0"/>
-              <a:buChar char="•"/>
-            </a:pPr>
-            <a:r>
-              <a:rPr lang="en-GB" sz="1200" b="0" i="0" u="none" strike="noStrike" kern="1200" dirty="0">
-                <a:solidFill>
-                  <a:schemeClr val="tx1"/>
-                </a:solidFill>
-                <a:effectLst/>
-                <a:latin typeface="+mn-lt"/>
-                <a:ea typeface="+mn-ea"/>
-                <a:cs typeface="+mn-cs"/>
-              </a:rPr>
-              <a:t>It introduces the key concepts of IoT, necessary in using and deploying IoT systems.</a:t>
-            </a:r>
-          </a:p>
-          <a:p>
-            <a:pPr marL="171450" indent="-171450">
-              <a:buFont typeface="Arial" panose="020B0604020202020204" pitchFamily="34" charset="0"/>
-              <a:buChar char="•"/>
-            </a:pPr>
-            <a:r>
-              <a:rPr lang="en-GB" sz="1200" b="0" i="0" u="none" strike="noStrike" kern="1200" dirty="0">
-                <a:solidFill>
-                  <a:schemeClr val="tx1"/>
-                </a:solidFill>
-                <a:effectLst/>
-                <a:latin typeface="+mn-lt"/>
-                <a:ea typeface="+mn-ea"/>
-                <a:cs typeface="+mn-cs"/>
-              </a:rPr>
-              <a:t>Furthermore, the application of physical computing to sense the environment around you</a:t>
-            </a:r>
+            <a:r>
+              <a:rPr lang="en-GB" dirty="0"/>
+              <a:t>So can you think of any sensors? Hints: Thermometer, </a:t>
+            </a:r>
+            <a:r>
+              <a:rPr lang="en-GB" dirty="0" err="1"/>
+              <a:t>Gigacounter</a:t>
+            </a:r>
+            <a:r>
+              <a:rPr lang="en-GB" dirty="0"/>
+              <a:t>, pressure sensor, Ph sensor, Light sensor Volt/Amp meter</a:t>
+            </a:r>
+          </a:p>
+          <a:p>
+            <a:endParaRPr lang="en-GB" dirty="0"/>
+          </a:p>
+          <a:p>
+            <a:r>
+              <a:rPr lang="en-GB" dirty="0"/>
+              <a:t>There are so many types and variations from analogue to digital (glass thermometer, electronic thermometer).</a:t>
+            </a:r>
+          </a:p>
+          <a:p>
+            <a:endParaRPr lang="en-GB" dirty="0"/>
+          </a:p>
+          <a:p>
+            <a:endParaRPr lang="en-GB" dirty="0"/>
+          </a:p>
+          <a:p>
+            <a:endParaRPr lang="en-GB" dirty="0"/>
+          </a:p>
+          <a:p>
+            <a:endParaRPr lang="en-GB" dirty="0"/>
           </a:p>
           <a:p>
             <a:endParaRPr lang="en-GB" dirty="0"/>
@@ -824,6 +986,67 @@
           <a:bodyPr/>
           <a:lstStyle/>
           <a:p>
+            <a:r>
+              <a:rPr lang="en-GB" dirty="0"/>
+              <a:t>A sensor circuit is essentially a voltage divider with either resistors, capacitors or inductive components.</a:t>
+            </a:r>
+          </a:p>
+          <a:p>
+            <a:endParaRPr lang="en-GB" dirty="0"/>
+          </a:p>
+          <a:p>
+            <a:r>
+              <a:rPr lang="en-GB" dirty="0"/>
+              <a:t>This a resistive voltage divider and is sensing that which is present. Say sunlight, as light increases so does the resistance. The higher the </a:t>
+            </a:r>
+            <a:r>
+              <a:rPr lang="en-GB" dirty="0" err="1"/>
+              <a:t>Vout</a:t>
+            </a:r>
+            <a:r>
+              <a:rPr lang="en-GB" dirty="0"/>
+              <a:t> the more light there is. The name for this component is called a Light dependant resistor (LDR)</a:t>
+            </a:r>
+          </a:p>
+          <a:p>
+            <a:endParaRPr lang="en-GB" dirty="0"/>
+          </a:p>
+          <a:p>
+            <a:r>
+              <a:rPr lang="en-GB" dirty="0"/>
+              <a:t>Voltage in (Vin) is the source say 5v and the Voltage out (</a:t>
+            </a:r>
+            <a:r>
+              <a:rPr lang="en-GB" dirty="0" err="1"/>
+              <a:t>Vout</a:t>
+            </a:r>
+            <a:r>
+              <a:rPr lang="en-GB" dirty="0"/>
+              <a:t>). </a:t>
+            </a:r>
+          </a:p>
+          <a:p>
+            <a:endParaRPr lang="en-GB" dirty="0"/>
+          </a:p>
+          <a:p>
+            <a:r>
+              <a:rPr lang="en-GB" dirty="0"/>
+              <a:t>R1 is the LDR and R2 is a normal resistor. </a:t>
+            </a:r>
+          </a:p>
+          <a:p>
+            <a:endParaRPr lang="en-GB" dirty="0"/>
+          </a:p>
+          <a:p>
+            <a:endParaRPr lang="en-GB" dirty="0"/>
+          </a:p>
+          <a:p>
+            <a:r>
+              <a:rPr lang="en-GB" dirty="0"/>
+              <a:t>This formula is used in some of our sensors. </a:t>
+            </a:r>
+          </a:p>
+          <a:p>
             <a:endParaRPr lang="en-GB" dirty="0"/>
           </a:p>
         </p:txBody>
@@ -843,9 +1066,9 @@
           <a:bodyPr/>
           <a:lstStyle/>
           <a:p>
-            <a:fld id="{945AE9AA-FFB8-4A6F-835D-DFF20E6952A1}" type="slidenum">
+            <a:fld id="{F1C48BDB-68D1-4CA7-865B-304A96B4E5D4}" type="slidenum">
               <a:rPr lang="en-GB" smtClean="0"/>
-              <a:t>7</a:t>
+              <a:t>4</a:t>
             </a:fld>
             <a:endParaRPr lang="en-GB"/>
           </a:p>
@@ -854,7 +1077,7 @@
     </p:spTree>
     <p:extLst>
       <p:ext uri="{BB962C8B-B14F-4D97-AF65-F5344CB8AC3E}">
-        <p14:creationId xmlns:p14="http://schemas.microsoft.com/office/powerpoint/2010/main" val="1795164507"/>
+        <p14:creationId xmlns:p14="http://schemas.microsoft.com/office/powerpoint/2010/main" val="2346924250"/>
       </p:ext>
     </p:extLst>
   </p:cSld>
@@ -893,25 +1116,223 @@
         </p:nvSpPr>
         <p:spPr/>
       </p:sp>
-      <p:sp>
-        <p:nvSpPr>
-          <p:cNvPr id="3" name="Notes Placeholder 2"/>
-          <p:cNvSpPr>
-            <a:spLocks noGrp="1"/>
-          </p:cNvSpPr>
-          <p:nvPr>
-            <p:ph type="body" idx="1"/>
-          </p:nvPr>
-        </p:nvSpPr>
-        <p:spPr/>
-        <p:txBody>
-          <a:bodyPr/>
-          <a:lstStyle/>
-          <a:p>
-            <a:endParaRPr lang="en-GB" dirty="0"/>
-          </a:p>
-        </p:txBody>
-      </p:sp>
+      <mc:AlternateContent xmlns:mc="http://schemas.openxmlformats.org/markup-compatibility/2006">
+        <mc:Choice xmlns:a14="http://schemas.microsoft.com/office/drawing/2010/main" Requires="a14">
+          <p:sp>
+            <p:nvSpPr>
+              <p:cNvPr id="3" name="Notes Placeholder 2"/>
+              <p:cNvSpPr>
+                <a:spLocks noGrp="1"/>
+              </p:cNvSpPr>
+              <p:nvPr>
+                <p:ph type="body" idx="1"/>
+              </p:nvPr>
+            </p:nvSpPr>
+            <p:spPr/>
+            <p:txBody>
+              <a:bodyPr/>
+              <a:lstStyle/>
+              <a:p>
+                <a:r>
+                  <a:rPr lang="en-GB" dirty="0"/>
+                  <a:t>Voltage is V</a:t>
+                </a:r>
+              </a:p>
+              <a:p>
+                <a:r>
+                  <a:rPr lang="en-GB" dirty="0"/>
+                  <a:t>Resistance is Ohms represented</a:t>
+                </a:r>
+                <a:r>
+                  <a:rPr lang="en-GB" baseline="0" dirty="0"/>
+                  <a:t> as </a:t>
+                </a:r>
+                <a14:m>
+                  <m:oMath xmlns:m="http://schemas.openxmlformats.org/officeDocument/2006/math">
+                    <m:r>
+                      <m:rPr>
+                        <m:sty m:val="p"/>
+                      </m:rPr>
+                      <a:rPr lang="el-GR" sz="1200" b="0" i="1" smtClean="0">
+                        <a:latin typeface="Cambria Math" panose="02040503050406030204" pitchFamily="18" charset="0"/>
+                      </a:rPr>
+                      <m:t>Ω</m:t>
+                    </m:r>
+                  </m:oMath>
+                </a14:m>
+                <a:endParaRPr lang="en-GB" sz="1200" b="0" dirty="0"/>
+              </a:p>
+              <a:p>
+                <a:endParaRPr lang="en-GB" sz="1200" b="0" dirty="0"/>
+              </a:p>
+              <a:p>
+                <a:r>
+                  <a:rPr lang="en-GB" sz="1200" b="0" dirty="0"/>
+                  <a:t>Half a mark if the symbols are missing.</a:t>
+                </a:r>
+              </a:p>
+              <a:p>
+                <a:endParaRPr lang="en-GB" sz="1200" b="0" dirty="0"/>
+              </a:p>
+              <a:p>
+                <a:pPr marL="228600" indent="-228600">
+                  <a:buAutoNum type="arabicPeriod"/>
+                </a:pPr>
+                <a:r>
+                  <a:rPr lang="en-GB" sz="1200" b="0" dirty="0"/>
+                  <a:t>2.64v</a:t>
+                </a:r>
+              </a:p>
+              <a:p>
+                <a:pPr marL="228600" indent="-228600">
+                  <a:buAutoNum type="arabicPeriod"/>
+                </a:pPr>
+                <a:r>
+                  <a:rPr lang="en-GB" sz="1200" b="0" dirty="0"/>
+                  <a:t>15.22v</a:t>
+                </a:r>
+              </a:p>
+              <a:p>
+                <a:pPr marL="228600" indent="-228600">
+                  <a:buAutoNum type="arabicPeriod"/>
+                </a:pPr>
+                <a:r>
+                  <a:rPr lang="en-GB" sz="1200" b="0" dirty="0"/>
+                  <a:t>0.00v</a:t>
+                </a:r>
+              </a:p>
+              <a:p>
+                <a:pPr marL="228600" indent="-228600">
+                  <a:buAutoNum type="arabicPeriod"/>
+                </a:pPr>
+                <a:r>
+                  <a:rPr lang="en-GB" sz="1200" b="0" dirty="0"/>
+                  <a:t>4.94v or 5.00v depending on the calculator (the equation should be re arranged or transposed to make Vin the subject: appears with answer.</a:t>
+                </a:r>
+              </a:p>
+              <a:p>
+                <a:pPr marL="0" indent="0">
+                  <a:buNone/>
+                </a:pPr>
+                <a:endParaRPr lang="en-GB" sz="1200" b="0" dirty="0"/>
+              </a:p>
+              <a:p>
+                <a:endParaRPr lang="en-GB" sz="1200" b="0" dirty="0"/>
+              </a:p>
+              <a:p>
+                <a:endParaRPr lang="en-GB" dirty="0"/>
+              </a:p>
+              <a:p>
+                <a:endParaRPr lang="en-GB" dirty="0"/>
+              </a:p>
+            </p:txBody>
+          </p:sp>
+        </mc:Choice>
+        <mc:Fallback>
+          <p:sp>
+            <p:nvSpPr>
+              <p:cNvPr id="3" name="Notes Placeholder 2"/>
+              <p:cNvSpPr>
+                <a:spLocks noGrp="1"/>
+              </p:cNvSpPr>
+              <p:nvPr>
+                <p:ph type="body" idx="1"/>
+              </p:nvPr>
+            </p:nvSpPr>
+            <p:spPr/>
+            <p:txBody>
+              <a:bodyPr/>
+              <a:lstStyle/>
+              <a:p>
+                <a:r>
+                  <a:rPr lang="en-GB" dirty="0"/>
+                  <a:t>Voltage is V</a:t>
+                </a:r>
+              </a:p>
+              <a:p>
+                <a:r>
+                  <a:rPr lang="en-GB" dirty="0"/>
+                  <a:t>Resistance is Ohms represented</a:t>
+                </a:r>
+                <a:r>
+                  <a:rPr lang="en-GB" baseline="0" dirty="0"/>
+                  <a:t> as </a:t>
+                </a:r>
+                <a:r>
+                  <a:rPr lang="el-GR" sz="1200" b="0" i="0">
+                    <a:latin typeface="Cambria Math" panose="02040503050406030204" pitchFamily="18" charset="0"/>
+                  </a:rPr>
+                  <a:t>Ω</a:t>
+                </a:r>
+                <a:endParaRPr lang="en-GB" sz="1200" b="0" dirty="0"/>
+              </a:p>
+              <a:p>
+                <a:endParaRPr lang="en-GB" sz="1200" b="0" dirty="0"/>
+              </a:p>
+              <a:p>
+                <a:r>
+                  <a:rPr lang="en-GB" sz="1200" b="0" dirty="0"/>
+                  <a:t>Half a mark if the symbols are missing.</a:t>
+                </a:r>
+              </a:p>
+              <a:p>
+                <a:endParaRPr lang="en-GB" sz="1200" b="0" dirty="0"/>
+              </a:p>
+              <a:p>
+                <a:pPr marL="228600" indent="-228600">
+                  <a:buAutoNum type="arabicPeriod"/>
+                </a:pPr>
+                <a:r>
+                  <a:rPr lang="en-GB" sz="1200" b="0" dirty="0"/>
+                  <a:t>2.64v</a:t>
+                </a:r>
+              </a:p>
+              <a:p>
+                <a:pPr marL="228600" indent="-228600">
+                  <a:buAutoNum type="arabicPeriod"/>
+                </a:pPr>
+                <a:r>
+                  <a:rPr lang="en-GB" sz="1200" b="0" dirty="0"/>
+                  <a:t>15.22v</a:t>
+                </a:r>
+              </a:p>
+              <a:p>
+                <a:pPr marL="228600" indent="-228600">
+                  <a:buAutoNum type="arabicPeriod"/>
+                </a:pPr>
+                <a:r>
+                  <a:rPr lang="en-GB" sz="1200" b="0" dirty="0"/>
+                  <a:t>0.00v</a:t>
+                </a:r>
+              </a:p>
+              <a:p>
+                <a:pPr marL="228600" indent="-228600">
+                  <a:buAutoNum type="arabicPeriod"/>
+                </a:pPr>
+                <a:r>
+                  <a:rPr lang="en-GB" sz="1200" b="0" dirty="0"/>
+                  <a:t>4.94v or 5.00v depending on the calculator (the equation should be re arranged or transposed to make Vin the subject: appears with answer.</a:t>
+                </a:r>
+              </a:p>
+              <a:p>
+                <a:pPr marL="0" indent="0">
+                  <a:buNone/>
+                </a:pPr>
+                <a:endParaRPr lang="en-GB" sz="1200" b="0" dirty="0"/>
+              </a:p>
+              <a:p>
+                <a:endParaRPr lang="en-GB" sz="1200" b="0" dirty="0"/>
+              </a:p>
+              <a:p>
+                <a:endParaRPr lang="en-GB" dirty="0"/>
+              </a:p>
+              <a:p>
+                <a:endParaRPr lang="en-GB" dirty="0"/>
+              </a:p>
+            </p:txBody>
+          </p:sp>
+        </mc:Fallback>
+      </mc:AlternateContent>
       <p:sp>
         <p:nvSpPr>
           <p:cNvPr id="4" name="Slide Number Placeholder 3"/>
@@ -927,9 +1348,9 @@
           <a:bodyPr/>
           <a:lstStyle/>
           <a:p>
-            <a:fld id="{945AE9AA-FFB8-4A6F-835D-DFF20E6952A1}" type="slidenum">
+            <a:fld id="{F1C48BDB-68D1-4CA7-865B-304A96B4E5D4}" type="slidenum">
               <a:rPr lang="en-GB" smtClean="0"/>
-              <a:t>8</a:t>
+              <a:t>5</a:t>
             </a:fld>
             <a:endParaRPr lang="en-GB"/>
           </a:p>
@@ -938,7 +1359,7 @@
     </p:spTree>
     <p:extLst>
       <p:ext uri="{BB962C8B-B14F-4D97-AF65-F5344CB8AC3E}">
-        <p14:creationId xmlns:p14="http://schemas.microsoft.com/office/powerpoint/2010/main" val="3561455561"/>
+        <p14:creationId xmlns:p14="http://schemas.microsoft.com/office/powerpoint/2010/main" val="117022630"/>
       </p:ext>
     </p:extLst>
   </p:cSld>
@@ -992,6 +1413,67 @@
           <a:bodyPr/>
           <a:lstStyle/>
           <a:p>
+            <a:r>
+              <a:rPr lang="en-GB" dirty="0"/>
+              <a:t>A sensor circuit is essentially a voltage divider with either resistors, capacitors or inductive components.</a:t>
+            </a:r>
+          </a:p>
+          <a:p>
+            <a:endParaRPr lang="en-GB" dirty="0"/>
+          </a:p>
+          <a:p>
+            <a:r>
+              <a:rPr lang="en-GB" dirty="0"/>
+              <a:t>This a resistive voltage divider and is sensing that which is present. Say sunlight, as light increases so does the resistance. The higher the </a:t>
+            </a:r>
+            <a:r>
+              <a:rPr lang="en-GB" dirty="0" err="1"/>
+              <a:t>Vout</a:t>
+            </a:r>
+            <a:r>
+              <a:rPr lang="en-GB" dirty="0"/>
+              <a:t> the more light there is. The name for this component is called a Light dependant resistor (LDR)</a:t>
+            </a:r>
+          </a:p>
+          <a:p>
+            <a:endParaRPr lang="en-GB" dirty="0"/>
+          </a:p>
+          <a:p>
+            <a:r>
+              <a:rPr lang="en-GB" dirty="0"/>
+              <a:t>Voltage in (Vin) is the source say 5v and the Voltage out (</a:t>
+            </a:r>
+            <a:r>
+              <a:rPr lang="en-GB" dirty="0" err="1"/>
+              <a:t>Vout</a:t>
+            </a:r>
+            <a:r>
+              <a:rPr lang="en-GB" dirty="0"/>
+              <a:t>). </a:t>
+            </a:r>
+          </a:p>
+          <a:p>
+            <a:endParaRPr lang="en-GB" dirty="0"/>
+          </a:p>
+          <a:p>
+            <a:r>
+              <a:rPr lang="en-GB" dirty="0"/>
+              <a:t>R1 is the LDR and R2 is a normal resistor. </a:t>
+            </a:r>
+          </a:p>
+          <a:p>
+            <a:endParaRPr lang="en-GB" dirty="0"/>
+          </a:p>
+          <a:p>
+            <a:endParaRPr lang="en-GB" dirty="0"/>
+          </a:p>
+          <a:p>
+            <a:r>
+              <a:rPr lang="en-GB" dirty="0"/>
+              <a:t>This formula is used in some of our sensors. </a:t>
+            </a:r>
+          </a:p>
+          <a:p>
             <a:endParaRPr lang="en-GB" dirty="0"/>
           </a:p>
         </p:txBody>
@@ -1011,9 +1493,9 @@
           <a:bodyPr/>
           <a:lstStyle/>
           <a:p>
-            <a:fld id="{945AE9AA-FFB8-4A6F-835D-DFF20E6952A1}" type="slidenum">
+            <a:fld id="{F1C48BDB-68D1-4CA7-865B-304A96B4E5D4}" type="slidenum">
               <a:rPr lang="en-GB" smtClean="0"/>
-              <a:t>9</a:t>
+              <a:t>6</a:t>
             </a:fld>
             <a:endParaRPr lang="en-GB"/>
           </a:p>
@@ -1022,7 +1504,7 @@
     </p:spTree>
     <p:extLst>
       <p:ext uri="{BB962C8B-B14F-4D97-AF65-F5344CB8AC3E}">
-        <p14:creationId xmlns:p14="http://schemas.microsoft.com/office/powerpoint/2010/main" val="2608044665"/>
+        <p14:creationId xmlns:p14="http://schemas.microsoft.com/office/powerpoint/2010/main" val="2847623983"/>
       </p:ext>
     </p:extLst>
   </p:cSld>
@@ -1076,6 +1558,12 @@
           <a:bodyPr/>
           <a:lstStyle/>
           <a:p>
+            <a:r>
+              <a:rPr lang="en-GB" dirty="0"/>
+              <a:t>Here are the sensors we are going to use, and we will talk about how each one functions. </a:t>
+            </a:r>
+          </a:p>
+          <a:p>
             <a:endParaRPr lang="en-GB" dirty="0"/>
           </a:p>
         </p:txBody>
@@ -1095,9 +1583,9 @@
           <a:bodyPr/>
           <a:lstStyle/>
           <a:p>
-            <a:fld id="{945AE9AA-FFB8-4A6F-835D-DFF20E6952A1}" type="slidenum">
+            <a:fld id="{F1C48BDB-68D1-4CA7-865B-304A96B4E5D4}" type="slidenum">
               <a:rPr lang="en-GB" smtClean="0"/>
-              <a:t>10</a:t>
+              <a:t>7</a:t>
             </a:fld>
             <a:endParaRPr lang="en-GB"/>
           </a:p>
@@ -1106,7 +1594,318 @@
     </p:spTree>
     <p:extLst>
       <p:ext uri="{BB962C8B-B14F-4D97-AF65-F5344CB8AC3E}">
-        <p14:creationId xmlns:p14="http://schemas.microsoft.com/office/powerpoint/2010/main" val="282908352"/>
+        <p14:creationId xmlns:p14="http://schemas.microsoft.com/office/powerpoint/2010/main" val="859278370"/>
+      </p:ext>
+    </p:extLst>
+  </p:cSld>
+  <p:clrMapOvr>
+    <a:masterClrMapping/>
+  </p:clrMapOvr>
+</p:notes>
+</file>
+
+<file path=ppt/notesSlides/notesSlide8.xml><?xml version="1.0" encoding="utf-8"?>
+<p:notes xmlns:a="http://schemas.openxmlformats.org/drawingml/2006/main" xmlns:r="http://schemas.openxmlformats.org/officeDocument/2006/relationships" xmlns:p="http://schemas.openxmlformats.org/presentationml/2006/main">
+  <p:cSld>
+    <p:spTree>
+      <p:nvGrpSpPr>
+        <p:cNvPr id="1" name=""/>
+        <p:cNvGrpSpPr/>
+        <p:nvPr/>
+      </p:nvGrpSpPr>
+      <p:grpSpPr>
+        <a:xfrm>
+          <a:off x="0" y="0"/>
+          <a:ext cx="0" cy="0"/>
+          <a:chOff x="0" y="0"/>
+          <a:chExt cx="0" cy="0"/>
+        </a:xfrm>
+      </p:grpSpPr>
+      <p:sp>
+        <p:nvSpPr>
+          <p:cNvPr id="2" name="Slide Image Placeholder 1"/>
+          <p:cNvSpPr>
+            <a:spLocks noGrp="1" noRot="1" noChangeAspect="1"/>
+          </p:cNvSpPr>
+          <p:nvPr>
+            <p:ph type="sldImg"/>
+          </p:nvPr>
+        </p:nvSpPr>
+        <p:spPr/>
+      </p:sp>
+      <p:sp>
+        <p:nvSpPr>
+          <p:cNvPr id="3" name="Notes Placeholder 2"/>
+          <p:cNvSpPr>
+            <a:spLocks noGrp="1"/>
+          </p:cNvSpPr>
+          <p:nvPr>
+            <p:ph type="body" idx="1"/>
+          </p:nvPr>
+        </p:nvSpPr>
+        <p:spPr/>
+        <p:txBody>
+          <a:bodyPr/>
+          <a:lstStyle/>
+          <a:p>
+            <a:r>
+              <a:rPr lang="en-GB" dirty="0"/>
+              <a:t>The dust sensor is fairly complex but for basically it uses a laser to measure the dust particles falling through the laser beam.</a:t>
+            </a:r>
+          </a:p>
+          <a:p>
+            <a:endParaRPr lang="en-GB" dirty="0"/>
+          </a:p>
+          <a:p>
+            <a:r>
+              <a:rPr lang="en-GB" dirty="0"/>
+              <a:t>Dust, pollen, pollution (soot) etc is called Particulate matter. </a:t>
+            </a:r>
+          </a:p>
+          <a:p>
+            <a:endParaRPr lang="en-GB" dirty="0"/>
+          </a:p>
+          <a:p>
+            <a:r>
+              <a:rPr lang="en-GB" dirty="0"/>
+              <a:t>Low occupancy is the amount of time there is dust blocking the laser beam in an amount of time. </a:t>
+            </a:r>
+          </a:p>
+          <a:p>
+            <a:endParaRPr lang="en-GB" dirty="0"/>
+          </a:p>
+          <a:p>
+            <a:pPr marL="0" marR="0" lvl="0" indent="0" algn="l" defTabSz="914400" rtl="0" eaLnBrk="1" fontAlgn="auto" latinLnBrk="0" hangingPunct="1">
+              <a:lnSpc>
+                <a:spcPct val="100000"/>
+              </a:lnSpc>
+              <a:spcBef>
+                <a:spcPts val="0"/>
+              </a:spcBef>
+              <a:spcAft>
+                <a:spcPts val="0"/>
+              </a:spcAft>
+              <a:buClrTx/>
+              <a:buSzTx/>
+              <a:buFontTx/>
+              <a:buNone/>
+              <a:tabLst/>
+              <a:defRPr/>
+            </a:pPr>
+            <a:r>
+              <a:rPr lang="en-GB" dirty="0"/>
+              <a:t>Notice con in red is the Concentration. Duration and </a:t>
+            </a:r>
+            <a:r>
+              <a:rPr lang="en-GB" dirty="0" err="1"/>
+              <a:t>LowOcc</a:t>
+            </a:r>
+            <a:r>
+              <a:rPr lang="en-GB" dirty="0"/>
+              <a:t> is in </a:t>
+            </a:r>
+            <a:r>
+              <a:rPr lang="en-GB" dirty="0" err="1"/>
+              <a:t>ms</a:t>
+            </a:r>
+            <a:r>
+              <a:rPr lang="en-GB" dirty="0"/>
+              <a:t> milli-seconds</a:t>
+            </a:r>
+          </a:p>
+          <a:p>
+            <a:endParaRPr lang="en-GB" dirty="0"/>
+          </a:p>
+          <a:p>
+            <a:r>
+              <a:rPr lang="en-GB" dirty="0"/>
+              <a:t>Unit is Particles (pcs) per 0.01 cubic feet</a:t>
+            </a:r>
+          </a:p>
+          <a:p>
+            <a:endParaRPr lang="en-GB" dirty="0"/>
+          </a:p>
+          <a:p>
+            <a:endParaRPr lang="en-GB" dirty="0"/>
+          </a:p>
+          <a:p>
+            <a:endParaRPr lang="en-GB" dirty="0"/>
+          </a:p>
+        </p:txBody>
+      </p:sp>
+      <p:sp>
+        <p:nvSpPr>
+          <p:cNvPr id="4" name="Slide Number Placeholder 3"/>
+          <p:cNvSpPr>
+            <a:spLocks noGrp="1"/>
+          </p:cNvSpPr>
+          <p:nvPr>
+            <p:ph type="sldNum" sz="quarter" idx="5"/>
+          </p:nvPr>
+        </p:nvSpPr>
+        <p:spPr/>
+        <p:txBody>
+          <a:bodyPr/>
+          <a:lstStyle/>
+          <a:p>
+            <a:fld id="{945AE9AA-FFB8-4A6F-835D-DFF20E6952A1}" type="slidenum">
+              <a:rPr lang="en-GB" smtClean="0"/>
+              <a:t>8</a:t>
+            </a:fld>
+            <a:endParaRPr lang="en-GB"/>
+          </a:p>
+        </p:txBody>
+      </p:sp>
+    </p:spTree>
+    <p:extLst>
+      <p:ext uri="{BB962C8B-B14F-4D97-AF65-F5344CB8AC3E}">
+        <p14:creationId xmlns:p14="http://schemas.microsoft.com/office/powerpoint/2010/main" val="1795164507"/>
+      </p:ext>
+    </p:extLst>
+  </p:cSld>
+  <p:clrMapOvr>
+    <a:masterClrMapping/>
+  </p:clrMapOvr>
+</p:notes>
+</file>
+
+<file path=ppt/notesSlides/notesSlide9.xml><?xml version="1.0" encoding="utf-8"?>
+<p:notes xmlns:a="http://schemas.openxmlformats.org/drawingml/2006/main" xmlns:r="http://schemas.openxmlformats.org/officeDocument/2006/relationships" xmlns:p="http://schemas.openxmlformats.org/presentationml/2006/main">
+  <p:cSld>
+    <p:spTree>
+      <p:nvGrpSpPr>
+        <p:cNvPr id="1" name=""/>
+        <p:cNvGrpSpPr/>
+        <p:nvPr/>
+      </p:nvGrpSpPr>
+      <p:grpSpPr>
+        <a:xfrm>
+          <a:off x="0" y="0"/>
+          <a:ext cx="0" cy="0"/>
+          <a:chOff x="0" y="0"/>
+          <a:chExt cx="0" cy="0"/>
+        </a:xfrm>
+      </p:grpSpPr>
+      <p:sp>
+        <p:nvSpPr>
+          <p:cNvPr id="2" name="Slide Image Placeholder 1"/>
+          <p:cNvSpPr>
+            <a:spLocks noGrp="1" noRot="1" noChangeAspect="1"/>
+          </p:cNvSpPr>
+          <p:nvPr>
+            <p:ph type="sldImg"/>
+          </p:nvPr>
+        </p:nvSpPr>
+        <p:spPr/>
+      </p:sp>
+      <p:sp>
+        <p:nvSpPr>
+          <p:cNvPr id="3" name="Notes Placeholder 2"/>
+          <p:cNvSpPr>
+            <a:spLocks noGrp="1"/>
+          </p:cNvSpPr>
+          <p:nvPr>
+            <p:ph type="body" idx="1"/>
+          </p:nvPr>
+        </p:nvSpPr>
+        <p:spPr/>
+        <p:txBody>
+          <a:bodyPr/>
+          <a:lstStyle/>
+          <a:p>
+            <a:r>
+              <a:rPr lang="en-GB" dirty="0"/>
+              <a:t>This </a:t>
+            </a:r>
+            <a:r>
+              <a:rPr lang="en-GB" sz="1200" b="0" i="0" u="none" strike="noStrike" kern="1200" baseline="0" dirty="0">
+                <a:solidFill>
+                  <a:schemeClr val="tx1"/>
+                </a:solidFill>
+                <a:latin typeface="+mn-lt"/>
+                <a:ea typeface="+mn-ea"/>
+                <a:cs typeface="+mn-cs"/>
+              </a:rPr>
+              <a:t>sensor composed of a micro AL2O3 ceramic tube, Tin Dioxide (SnO2) sensitive layer, measuring electrode and heater which are fixed into a</a:t>
+            </a:r>
+          </a:p>
+          <a:p>
+            <a:r>
+              <a:rPr lang="en-GB" sz="1200" b="0" i="0" u="none" strike="noStrike" kern="1200" baseline="0" dirty="0">
+                <a:solidFill>
+                  <a:schemeClr val="tx1"/>
+                </a:solidFill>
+                <a:latin typeface="+mn-lt"/>
+                <a:ea typeface="+mn-ea"/>
+                <a:cs typeface="+mn-cs"/>
+              </a:rPr>
+              <a:t>crust made by plastic and a stainless steel net.</a:t>
+            </a:r>
+          </a:p>
+          <a:p>
+            <a:endParaRPr lang="en-GB" dirty="0"/>
+          </a:p>
+          <a:p>
+            <a:r>
+              <a:rPr lang="en-GB" dirty="0"/>
+              <a:t>Used to measure a range of gases. </a:t>
+            </a:r>
+          </a:p>
+          <a:p>
+            <a:endParaRPr lang="en-GB" dirty="0"/>
+          </a:p>
+          <a:p>
+            <a:r>
+              <a:rPr lang="en-GB" dirty="0"/>
+              <a:t>Math involved consists of several dividing functions. First R0 and </a:t>
+            </a:r>
+            <a:r>
+              <a:rPr lang="en-GB" dirty="0" err="1"/>
+              <a:t>Rs_air</a:t>
+            </a:r>
+            <a:r>
+              <a:rPr lang="en-GB" dirty="0"/>
+              <a:t> are found using a ADC formula. Then the ratio is found, this ratio is between 0.1 and 10, see graph. </a:t>
+            </a:r>
+          </a:p>
+          <a:p>
+            <a:endParaRPr lang="en-GB" dirty="0"/>
+          </a:p>
+          <a:p>
+            <a:r>
+              <a:rPr lang="en-GB" dirty="0"/>
+              <a:t>There is no linear formula for this, however manual interpretation of the graph we can get the values of each gas parts per million. There is a way to do this in code, but that is for later.</a:t>
+            </a:r>
+          </a:p>
+        </p:txBody>
+      </p:sp>
+      <p:sp>
+        <p:nvSpPr>
+          <p:cNvPr id="4" name="Slide Number Placeholder 3"/>
+          <p:cNvSpPr>
+            <a:spLocks noGrp="1"/>
+          </p:cNvSpPr>
+          <p:nvPr>
+            <p:ph type="sldNum" sz="quarter" idx="5"/>
+          </p:nvPr>
+        </p:nvSpPr>
+        <p:spPr/>
+        <p:txBody>
+          <a:bodyPr/>
+          <a:lstStyle/>
+          <a:p>
+            <a:fld id="{945AE9AA-FFB8-4A6F-835D-DFF20E6952A1}" type="slidenum">
+              <a:rPr lang="en-GB" smtClean="0"/>
+              <a:t>9</a:t>
+            </a:fld>
+            <a:endParaRPr lang="en-GB"/>
+          </a:p>
+        </p:txBody>
+      </p:sp>
+    </p:spTree>
+    <p:extLst>
+      <p:ext uri="{BB962C8B-B14F-4D97-AF65-F5344CB8AC3E}">
+        <p14:creationId xmlns:p14="http://schemas.microsoft.com/office/powerpoint/2010/main" val="3561455561"/>
       </p:ext>
     </p:extLst>
   </p:cSld>
@@ -1265,7 +2064,7 @@
           <a:p>
             <a:fld id="{96F6514E-685F-4447-A0A3-A4708FC00805}" type="datetimeFigureOut">
               <a:rPr lang="en-GB" smtClean="0"/>
-              <a:t>29/08/2019</a:t>
+              <a:t>02/09/2019</a:t>
             </a:fld>
             <a:endParaRPr lang="en-GB"/>
           </a:p>
@@ -1465,7 +2264,7 @@
           <a:p>
             <a:fld id="{96F6514E-685F-4447-A0A3-A4708FC00805}" type="datetimeFigureOut">
               <a:rPr lang="en-GB" smtClean="0"/>
-              <a:t>29/08/2019</a:t>
+              <a:t>02/09/2019</a:t>
             </a:fld>
             <a:endParaRPr lang="en-GB"/>
           </a:p>
@@ -1675,7 +2474,7 @@
           <a:p>
             <a:fld id="{96F6514E-685F-4447-A0A3-A4708FC00805}" type="datetimeFigureOut">
               <a:rPr lang="en-GB" smtClean="0"/>
-              <a:t>29/08/2019</a:t>
+              <a:t>02/09/2019</a:t>
             </a:fld>
             <a:endParaRPr lang="en-GB"/>
           </a:p>
@@ -1875,7 +2674,7 @@
           <a:p>
             <a:fld id="{96F6514E-685F-4447-A0A3-A4708FC00805}" type="datetimeFigureOut">
               <a:rPr lang="en-GB" smtClean="0"/>
-              <a:t>29/08/2019</a:t>
+              <a:t>02/09/2019</a:t>
             </a:fld>
             <a:endParaRPr lang="en-GB"/>
           </a:p>
@@ -2151,7 +2950,7 @@
           <a:p>
             <a:fld id="{96F6514E-685F-4447-A0A3-A4708FC00805}" type="datetimeFigureOut">
               <a:rPr lang="en-GB" smtClean="0"/>
-              <a:t>29/08/2019</a:t>
+              <a:t>02/09/2019</a:t>
             </a:fld>
             <a:endParaRPr lang="en-GB"/>
           </a:p>
@@ -2419,7 +3218,7 @@
           <a:p>
             <a:fld id="{96F6514E-685F-4447-A0A3-A4708FC00805}" type="datetimeFigureOut">
               <a:rPr lang="en-GB" smtClean="0"/>
-              <a:t>29/08/2019</a:t>
+              <a:t>02/09/2019</a:t>
             </a:fld>
             <a:endParaRPr lang="en-GB"/>
           </a:p>
@@ -2834,7 +3633,7 @@
           <a:p>
             <a:fld id="{96F6514E-685F-4447-A0A3-A4708FC00805}" type="datetimeFigureOut">
               <a:rPr lang="en-GB" smtClean="0"/>
-              <a:t>29/08/2019</a:t>
+              <a:t>02/09/2019</a:t>
             </a:fld>
             <a:endParaRPr lang="en-GB"/>
           </a:p>
@@ -2976,7 +3775,7 @@
           <a:p>
             <a:fld id="{96F6514E-685F-4447-A0A3-A4708FC00805}" type="datetimeFigureOut">
               <a:rPr lang="en-GB" smtClean="0"/>
-              <a:t>29/08/2019</a:t>
+              <a:t>02/09/2019</a:t>
             </a:fld>
             <a:endParaRPr lang="en-GB"/>
           </a:p>
@@ -3089,7 +3888,7 @@
           <a:p>
             <a:fld id="{96F6514E-685F-4447-A0A3-A4708FC00805}" type="datetimeFigureOut">
               <a:rPr lang="en-GB" smtClean="0"/>
-              <a:t>29/08/2019</a:t>
+              <a:t>02/09/2019</a:t>
             </a:fld>
             <a:endParaRPr lang="en-GB"/>
           </a:p>
@@ -3402,7 +4201,7 @@
           <a:p>
             <a:fld id="{96F6514E-685F-4447-A0A3-A4708FC00805}" type="datetimeFigureOut">
               <a:rPr lang="en-GB" smtClean="0"/>
-              <a:t>29/08/2019</a:t>
+              <a:t>02/09/2019</a:t>
             </a:fld>
             <a:endParaRPr lang="en-GB"/>
           </a:p>
@@ -3691,7 +4490,7 @@
           <a:p>
             <a:fld id="{96F6514E-685F-4447-A0A3-A4708FC00805}" type="datetimeFigureOut">
               <a:rPr lang="en-GB" smtClean="0"/>
-              <a:t>29/08/2019</a:t>
+              <a:t>02/09/2019</a:t>
             </a:fld>
             <a:endParaRPr lang="en-GB"/>
           </a:p>
@@ -3934,7 +4733,7 @@
           <a:p>
             <a:fld id="{96F6514E-685F-4447-A0A3-A4708FC00805}" type="datetimeFigureOut">
               <a:rPr lang="en-GB" smtClean="0"/>
-              <a:t>29/08/2019</a:t>
+              <a:t>02/09/2019</a:t>
             </a:fld>
             <a:endParaRPr lang="en-GB"/>
           </a:p>
@@ -4640,14 +5439,6 @@
         </p:nvPicPr>
         <p:blipFill rotWithShape="1">
           <a:blip r:embed="rId3">
-            <a:duotone>
-              <a:prstClr val="black"/>
-              <a:schemeClr val="accent2">
-                <a:lumMod val="75000"/>
-                <a:tint val="45000"/>
-                <a:satMod val="400000"/>
-              </a:schemeClr>
-            </a:duotone>
             <a:extLst>
               <a:ext uri="{28A0092B-C50C-407E-A947-70E740481C1C}">
                 <a14:useLocalDpi xmlns:a14="http://schemas.microsoft.com/office/drawing/2010/main" val="0"/>
@@ -4769,7 +5560,451 @@
                 </a:solidFill>
                 <a:latin typeface="3ds" panose="02000503020000020004" pitchFamily="2" charset="0"/>
               </a:rPr>
-              <a:t>BME280 Sensor</a:t>
+              <a:t>Light Level Sensor</a:t>
+            </a:r>
+          </a:p>
+        </p:txBody>
+      </p:sp>
+      <p:pic>
+        <p:nvPicPr>
+          <p:cNvPr id="9" name="Picture 8" descr="A picture containing object&#10;&#10;Description automatically generated">
+            <a:extLst>
+              <a:ext uri="{FF2B5EF4-FFF2-40B4-BE49-F238E27FC236}">
+                <a16:creationId xmlns:a16="http://schemas.microsoft.com/office/drawing/2014/main" id="{CCD379EC-9AF2-4339-BC08-EAF2C4B297BF}"/>
+              </a:ext>
+            </a:extLst>
+          </p:cNvPr>
+          <p:cNvPicPr>
+            <a:picLocks noChangeAspect="1"/>
+          </p:cNvPicPr>
+          <p:nvPr/>
+        </p:nvPicPr>
+        <p:blipFill>
+          <a:blip r:embed="rId4">
+            <a:duotone>
+              <a:prstClr val="black"/>
+              <a:schemeClr val="accent1">
+                <a:tint val="45000"/>
+                <a:satMod val="400000"/>
+              </a:schemeClr>
+            </a:duotone>
+            <a:extLst>
+              <a:ext uri="{28A0092B-C50C-407E-A947-70E740481C1C}">
+                <a14:useLocalDpi xmlns:a14="http://schemas.microsoft.com/office/drawing/2010/main" val="0"/>
+              </a:ext>
+            </a:extLst>
+          </a:blip>
+          <a:stretch>
+            <a:fillRect/>
+          </a:stretch>
+        </p:blipFill>
+        <p:spPr>
+          <a:xfrm>
+            <a:off x="7534441" y="51487"/>
+            <a:ext cx="923330" cy="923330"/>
+          </a:xfrm>
+          <a:prstGeom prst="rect">
+            <a:avLst/>
+          </a:prstGeom>
+        </p:spPr>
+      </p:pic>
+      <p:sp>
+        <p:nvSpPr>
+          <p:cNvPr id="2" name="Rectangle 1">
+            <a:extLst>
+              <a:ext uri="{FF2B5EF4-FFF2-40B4-BE49-F238E27FC236}">
+                <a16:creationId xmlns:a16="http://schemas.microsoft.com/office/drawing/2014/main" id="{5D6C4503-2E09-4487-BB00-9BE7FDE142D2}"/>
+              </a:ext>
+            </a:extLst>
+          </p:cNvPr>
+          <p:cNvSpPr/>
+          <p:nvPr/>
+        </p:nvSpPr>
+        <p:spPr>
+          <a:xfrm>
+            <a:off x="224117" y="1212425"/>
+            <a:ext cx="10416174" cy="923330"/>
+          </a:xfrm>
+          <a:prstGeom prst="rect">
+            <a:avLst/>
+          </a:prstGeom>
+        </p:spPr>
+        <p:txBody>
+          <a:bodyPr wrap="square">
+            <a:spAutoFit/>
+          </a:bodyPr>
+          <a:lstStyle/>
+          <a:p>
+            <a:r>
+              <a:rPr lang="en-GB" dirty="0">
+                <a:latin typeface="HelveticaNeue"/>
+              </a:rPr>
+              <a:t>The Grove - Light sensor integrates a photo-resistor(light dependent resistor) to detect the intensity of light. The resistance of photo-resistor decreases when the intensity of light increases. The output signal is analogue value, the brighter the light is, the larger the value.</a:t>
+            </a:r>
+          </a:p>
+        </p:txBody>
+      </p:sp>
+      <p:sp>
+        <p:nvSpPr>
+          <p:cNvPr id="5" name="Rectangle 4">
+            <a:extLst>
+              <a:ext uri="{FF2B5EF4-FFF2-40B4-BE49-F238E27FC236}">
+                <a16:creationId xmlns:a16="http://schemas.microsoft.com/office/drawing/2014/main" id="{FBD86A6D-F7ED-4EA8-91BB-5F6E9413151F}"/>
+              </a:ext>
+            </a:extLst>
+          </p:cNvPr>
+          <p:cNvSpPr/>
+          <p:nvPr/>
+        </p:nvSpPr>
+        <p:spPr>
+          <a:xfrm>
+            <a:off x="468292" y="2526892"/>
+            <a:ext cx="6096000" cy="3139321"/>
+          </a:xfrm>
+          <a:prstGeom prst="rect">
+            <a:avLst/>
+          </a:prstGeom>
+        </p:spPr>
+        <p:txBody>
+          <a:bodyPr>
+            <a:spAutoFit/>
+          </a:bodyPr>
+          <a:lstStyle/>
+          <a:p>
+            <a:pPr marL="285750" indent="-285750">
+              <a:buFont typeface="Arial" panose="020B0604020202020204" pitchFamily="34" charset="0"/>
+              <a:buChar char="•"/>
+            </a:pPr>
+            <a:r>
+              <a:rPr lang="en-GB" dirty="0">
+                <a:latin typeface="HelveticaNeue"/>
+              </a:rPr>
+              <a:t>This module can be used to build a light controlled switch i.e. switch off lights during day time and switch on lights during night time.</a:t>
+            </a:r>
+          </a:p>
+          <a:p>
+            <a:endParaRPr lang="en-GB" dirty="0">
+              <a:latin typeface="HelveticaNeue"/>
+            </a:endParaRPr>
+          </a:p>
+          <a:p>
+            <a:pPr marL="285750" indent="-285750">
+              <a:buFont typeface="Arial" panose="020B0604020202020204" pitchFamily="34" charset="0"/>
+              <a:buChar char="•"/>
+            </a:pPr>
+            <a:r>
+              <a:rPr lang="en-GB" dirty="0">
+                <a:latin typeface="HelveticaNeue"/>
+              </a:rPr>
+              <a:t>If a door has been opened during the day</a:t>
+            </a:r>
+          </a:p>
+          <a:p>
+            <a:endParaRPr lang="en-GB" dirty="0">
+              <a:latin typeface="HelveticaNeue"/>
+            </a:endParaRPr>
+          </a:p>
+          <a:p>
+            <a:pPr marL="285750" indent="-285750">
+              <a:buFont typeface="Arial" panose="020B0604020202020204" pitchFamily="34" charset="0"/>
+              <a:buChar char="•"/>
+            </a:pPr>
+            <a:r>
+              <a:rPr lang="en-GB" dirty="0">
+                <a:latin typeface="HelveticaNeue"/>
+              </a:rPr>
+              <a:t>Sun light in a greenhouse</a:t>
+            </a:r>
+          </a:p>
+          <a:p>
+            <a:pPr marL="285750" indent="-285750">
+              <a:buFont typeface="Arial" panose="020B0604020202020204" pitchFamily="34" charset="0"/>
+              <a:buChar char="•"/>
+            </a:pPr>
+            <a:endParaRPr lang="en-GB" dirty="0">
+              <a:latin typeface="HelveticaNeue"/>
+            </a:endParaRPr>
+          </a:p>
+          <a:p>
+            <a:pPr marL="285750" indent="-285750">
+              <a:buFont typeface="Arial" panose="020B0604020202020204" pitchFamily="34" charset="0"/>
+              <a:buChar char="•"/>
+            </a:pPr>
+            <a:r>
+              <a:rPr lang="en-GB" dirty="0">
+                <a:latin typeface="HelveticaNeue"/>
+              </a:rPr>
+              <a:t>A robot that reacts to light</a:t>
+            </a:r>
+          </a:p>
+          <a:p>
+            <a:pPr marL="285750" indent="-285750">
+              <a:buFont typeface="Arial" panose="020B0604020202020204" pitchFamily="34" charset="0"/>
+              <a:buChar char="•"/>
+            </a:pPr>
+            <a:endParaRPr lang="en-GB" dirty="0">
+              <a:latin typeface="HelveticaNeue"/>
+            </a:endParaRPr>
+          </a:p>
+          <a:p>
+            <a:pPr marL="285750" indent="-285750">
+              <a:buFont typeface="Arial" panose="020B0604020202020204" pitchFamily="34" charset="0"/>
+              <a:buChar char="•"/>
+            </a:pPr>
+            <a:endParaRPr lang="en-GB" dirty="0">
+              <a:latin typeface="HelveticaNeue"/>
+            </a:endParaRPr>
+          </a:p>
+        </p:txBody>
+      </p:sp>
+      <p:pic>
+        <p:nvPicPr>
+          <p:cNvPr id="12" name="Picture 11" descr="A close up of a device&#10;&#10;Description automatically generated">
+            <a:extLst>
+              <a:ext uri="{FF2B5EF4-FFF2-40B4-BE49-F238E27FC236}">
+                <a16:creationId xmlns:a16="http://schemas.microsoft.com/office/drawing/2014/main" id="{9FA15B0B-F090-41F3-948E-D5D6BD4B714E}"/>
+              </a:ext>
+            </a:extLst>
+          </p:cNvPr>
+          <p:cNvPicPr>
+            <a:picLocks noChangeAspect="1"/>
+          </p:cNvPicPr>
+          <p:nvPr/>
+        </p:nvPicPr>
+        <p:blipFill>
+          <a:blip r:embed="rId5">
+            <a:extLst>
+              <a:ext uri="{28A0092B-C50C-407E-A947-70E740481C1C}">
+                <a14:useLocalDpi xmlns:a14="http://schemas.microsoft.com/office/drawing/2010/main" val="0"/>
+              </a:ext>
+            </a:extLst>
+          </a:blip>
+          <a:stretch>
+            <a:fillRect/>
+          </a:stretch>
+        </p:blipFill>
+        <p:spPr>
+          <a:xfrm>
+            <a:off x="8166057" y="2901786"/>
+            <a:ext cx="1613770" cy="1820460"/>
+          </a:xfrm>
+          <a:prstGeom prst="rect">
+            <a:avLst/>
+          </a:prstGeom>
+        </p:spPr>
+      </p:pic>
+      <p:pic>
+        <p:nvPicPr>
+          <p:cNvPr id="10" name="Picture 9">
+            <a:extLst>
+              <a:ext uri="{FF2B5EF4-FFF2-40B4-BE49-F238E27FC236}">
+                <a16:creationId xmlns:a16="http://schemas.microsoft.com/office/drawing/2014/main" id="{6811C0DE-24FA-4C52-9AFB-31D8B444F751}"/>
+              </a:ext>
+            </a:extLst>
+          </p:cNvPr>
+          <p:cNvPicPr>
+            <a:picLocks noChangeAspect="1"/>
+          </p:cNvPicPr>
+          <p:nvPr/>
+        </p:nvPicPr>
+        <p:blipFill>
+          <a:blip r:embed="rId6">
+            <a:extLst>
+              <a:ext uri="{28A0092B-C50C-407E-A947-70E740481C1C}">
+                <a14:useLocalDpi xmlns:a14="http://schemas.microsoft.com/office/drawing/2010/main" val="0"/>
+              </a:ext>
+            </a:extLst>
+          </a:blip>
+          <a:stretch>
+            <a:fillRect/>
+          </a:stretch>
+        </p:blipFill>
+        <p:spPr>
+          <a:xfrm>
+            <a:off x="10218865" y="6134793"/>
+            <a:ext cx="1576589" cy="723206"/>
+          </a:xfrm>
+          <a:prstGeom prst="rect">
+            <a:avLst/>
+          </a:prstGeom>
+        </p:spPr>
+      </p:pic>
+    </p:spTree>
+    <p:extLst>
+      <p:ext uri="{BB962C8B-B14F-4D97-AF65-F5344CB8AC3E}">
+        <p14:creationId xmlns:p14="http://schemas.microsoft.com/office/powerpoint/2010/main" val="3391443451"/>
+      </p:ext>
+    </p:extLst>
+  </p:cSld>
+  <p:clrMapOvr>
+    <a:masterClrMapping/>
+  </p:clrMapOvr>
+</p:sld>
+</file>
+
+<file path=ppt/slides/slide11.xml><?xml version="1.0" encoding="utf-8"?>
+<p:sld xmlns:a="http://schemas.openxmlformats.org/drawingml/2006/main" xmlns:r="http://schemas.openxmlformats.org/officeDocument/2006/relationships" xmlns:p="http://schemas.openxmlformats.org/presentationml/2006/main">
+  <p:cSld>
+    <p:spTree>
+      <p:nvGrpSpPr>
+        <p:cNvPr id="1" name=""/>
+        <p:cNvGrpSpPr/>
+        <p:nvPr/>
+      </p:nvGrpSpPr>
+      <p:grpSpPr>
+        <a:xfrm>
+          <a:off x="0" y="0"/>
+          <a:ext cx="0" cy="0"/>
+          <a:chOff x="0" y="0"/>
+          <a:chExt cx="0" cy="0"/>
+        </a:xfrm>
+      </p:grpSpPr>
+      <p:pic>
+        <p:nvPicPr>
+          <p:cNvPr id="1030" name="Picture 6" descr="IoT Power Management">
+            <a:extLst>
+              <a:ext uri="{FF2B5EF4-FFF2-40B4-BE49-F238E27FC236}">
+                <a16:creationId xmlns:a16="http://schemas.microsoft.com/office/drawing/2014/main" id="{F9844D2D-635D-44A0-B958-1E4C39246144}"/>
+              </a:ext>
+            </a:extLst>
+          </p:cNvPr>
+          <p:cNvPicPr>
+            <a:picLocks noChangeAspect="1" noChangeArrowheads="1"/>
+          </p:cNvPicPr>
+          <p:nvPr/>
+        </p:nvPicPr>
+        <p:blipFill rotWithShape="1">
+          <a:blip r:embed="rId3">
+            <a:duotone>
+              <a:prstClr val="black"/>
+              <a:schemeClr val="accent2">
+                <a:lumMod val="75000"/>
+                <a:tint val="45000"/>
+                <a:satMod val="400000"/>
+              </a:schemeClr>
+            </a:duotone>
+            <a:extLst>
+              <a:ext uri="{28A0092B-C50C-407E-A947-70E740481C1C}">
+                <a14:useLocalDpi xmlns:a14="http://schemas.microsoft.com/office/drawing/2010/main" val="0"/>
+              </a:ext>
+            </a:extLst>
+          </a:blip>
+          <a:srcRect l="17628" t="11071" r="17690" b="10896"/>
+          <a:stretch/>
+        </p:blipFill>
+        <p:spPr bwMode="auto">
+          <a:xfrm>
+            <a:off x="9525" y="5388348"/>
+            <a:ext cx="1469651" cy="1469651"/>
+          </a:xfrm>
+          <a:prstGeom prst="rect">
+            <a:avLst/>
+          </a:prstGeom>
+          <a:noFill/>
+          <a:extLst>
+            <a:ext uri="{909E8E84-426E-40DD-AFC4-6F175D3DCCD1}">
+              <a14:hiddenFill xmlns:a14="http://schemas.microsoft.com/office/drawing/2010/main">
+                <a:solidFill>
+                  <a:srgbClr val="FFFFFF"/>
+                </a:solidFill>
+              </a14:hiddenFill>
+            </a:ext>
+          </a:extLst>
+        </p:spPr>
+      </p:pic>
+      <p:sp>
+        <p:nvSpPr>
+          <p:cNvPr id="4" name="Rectangle 3">
+            <a:extLst>
+              <a:ext uri="{FF2B5EF4-FFF2-40B4-BE49-F238E27FC236}">
+                <a16:creationId xmlns:a16="http://schemas.microsoft.com/office/drawing/2014/main" id="{9D476336-A01A-47A0-975E-B9D85496F266}"/>
+              </a:ext>
+            </a:extLst>
+          </p:cNvPr>
+          <p:cNvSpPr/>
+          <p:nvPr/>
+        </p:nvSpPr>
+        <p:spPr>
+          <a:xfrm rot="5400000">
+            <a:off x="8578368" y="3220641"/>
+            <a:ext cx="6874669" cy="400050"/>
+          </a:xfrm>
+          <a:prstGeom prst="rect">
+            <a:avLst/>
+          </a:prstGeom>
+          <a:solidFill>
+            <a:srgbClr val="194B89"/>
+          </a:solidFill>
+          <a:ln>
+            <a:solidFill>
+              <a:srgbClr val="194B89"/>
+            </a:solidFill>
+          </a:ln>
+        </p:spPr>
+        <p:style>
+          <a:lnRef idx="2">
+            <a:schemeClr val="accent1">
+              <a:shade val="50000"/>
+            </a:schemeClr>
+          </a:lnRef>
+          <a:fillRef idx="1">
+            <a:schemeClr val="accent1"/>
+          </a:fillRef>
+          <a:effectRef idx="0">
+            <a:schemeClr val="accent1"/>
+          </a:effectRef>
+          <a:fontRef idx="minor">
+            <a:schemeClr val="lt1"/>
+          </a:fontRef>
+        </p:style>
+        <p:txBody>
+          <a:bodyPr rtlCol="0" anchor="ctr"/>
+          <a:lstStyle/>
+          <a:p>
+            <a:pPr algn="ctr"/>
+            <a:endParaRPr lang="en-GB"/>
+          </a:p>
+        </p:txBody>
+      </p:sp>
+      <p:sp>
+        <p:nvSpPr>
+          <p:cNvPr id="8" name="TextBox 7">
+            <a:extLst>
+              <a:ext uri="{FF2B5EF4-FFF2-40B4-BE49-F238E27FC236}">
+                <a16:creationId xmlns:a16="http://schemas.microsoft.com/office/drawing/2014/main" id="{24A75D75-D1DC-4ACC-A162-A04A5C0F3B5F}"/>
+              </a:ext>
+            </a:extLst>
+          </p:cNvPr>
+          <p:cNvSpPr txBox="1"/>
+          <p:nvPr/>
+        </p:nvSpPr>
+        <p:spPr>
+          <a:xfrm>
+            <a:off x="3383289" y="197629"/>
+            <a:ext cx="4151154" cy="646331"/>
+          </a:xfrm>
+          <a:prstGeom prst="rect">
+            <a:avLst/>
+          </a:prstGeom>
+          <a:noFill/>
+        </p:spPr>
+        <p:txBody>
+          <a:bodyPr wrap="square" rtlCol="0">
+            <a:spAutoFit/>
+          </a:bodyPr>
+          <a:lstStyle/>
+          <a:p>
+            <a:pPr algn="ctr"/>
+            <a:r>
+              <a:rPr lang="en-GB" sz="3600" dirty="0">
+                <a:solidFill>
+                  <a:schemeClr val="bg2">
+                    <a:lumMod val="25000"/>
+                  </a:schemeClr>
+                </a:solidFill>
+                <a:latin typeface="3ds" panose="02000503020000020004" pitchFamily="2" charset="0"/>
+              </a:rPr>
+              <a:t>BME680 Sensor</a:t>
             </a:r>
           </a:p>
         </p:txBody>
@@ -5492,7 +6727,7 @@
               <a:rPr lang="en-GB" dirty="0">
                 <a:latin typeface="HelveticaNeue"/>
               </a:rPr>
-              <a:t>BMP280</a:t>
+              <a:t>BME680</a:t>
             </a:r>
           </a:p>
           <a:p>
@@ -6235,7 +7470,7 @@
           <p:nvPr/>
         </p:nvPicPr>
         <p:blipFill rotWithShape="1">
-          <a:blip r:embed="rId2">
+          <a:blip r:embed="rId3">
             <a:duotone>
               <a:prstClr val="black"/>
               <a:schemeClr val="accent6">
@@ -7049,7 +8284,7 @@
           <p:nvPr/>
         </p:nvPicPr>
         <p:blipFill rotWithShape="1">
-          <a:blip r:embed="rId2">
+          <a:blip r:embed="rId3">
             <a:duotone>
               <a:prstClr val="black"/>
               <a:schemeClr val="accent2">
@@ -7199,7 +8434,7 @@
           <p:nvPr/>
         </p:nvPicPr>
         <p:blipFill>
-          <a:blip r:embed="rId3">
+          <a:blip r:embed="rId4">
             <a:duotone>
               <a:prstClr val="black"/>
               <a:schemeClr val="accent1">
@@ -7227,8 +8462,8 @@
           </a:prstGeom>
         </p:spPr>
       </p:pic>
-      <mc:AlternateContent xmlns:mc="http://schemas.openxmlformats.org/markup-compatibility/2006" xmlns:a14="http://schemas.microsoft.com/office/drawing/2010/main">
-        <mc:Choice Requires="a14">
+      <mc:AlternateContent xmlns:mc="http://schemas.openxmlformats.org/markup-compatibility/2006">
+        <mc:Choice xmlns:a14="http://schemas.microsoft.com/office/drawing/2010/main" Requires="a14">
           <p:sp>
             <p:nvSpPr>
               <p:cNvPr id="15" name="TextBox 14">
@@ -7243,8 +8478,8 @@
             </p:nvSpPr>
             <p:spPr>
               <a:xfrm>
-                <a:off x="334270" y="952015"/>
-                <a:ext cx="11145605" cy="518475"/>
+                <a:off x="2271668" y="950555"/>
+                <a:ext cx="9142125" cy="518475"/>
               </a:xfrm>
               <a:prstGeom prst="rect">
                 <a:avLst/>
@@ -7261,7 +8496,42 @@
                   <a:rPr lang="en-GB" dirty="0">
                     <a:latin typeface="HelveticaNeue"/>
                   </a:rPr>
-                  <a:t>Solve for the unknown variable in each circuit, the formula is        </a:t>
+                  <a:t>Solve for  </a:t>
+                </a:r>
+                <a14:m>
+                  <m:oMath xmlns:m="http://schemas.openxmlformats.org/officeDocument/2006/math">
+                    <m:sSub>
+                      <m:sSubPr>
+                        <m:ctrlPr>
+                          <a:rPr lang="en-GB" i="1">
+                            <a:latin typeface="Cambria Math" panose="02040503050406030204" pitchFamily="18" charset="0"/>
+                          </a:rPr>
+                        </m:ctrlPr>
+                      </m:sSubPr>
+                      <m:e>
+                        <m:r>
+                          <a:rPr lang="en-GB" i="1">
+                            <a:latin typeface="Cambria Math" panose="02040503050406030204" pitchFamily="18" charset="0"/>
+                          </a:rPr>
+                          <m:t>𝑉</m:t>
+                        </m:r>
+                      </m:e>
+                      <m:sub>
+                        <m:r>
+                          <a:rPr lang="en-GB" i="1">
+                            <a:latin typeface="Cambria Math" panose="02040503050406030204" pitchFamily="18" charset="0"/>
+                          </a:rPr>
+                          <m:t>𝑜𝑢𝑡</m:t>
+                        </m:r>
+                      </m:sub>
+                    </m:sSub>
+                  </m:oMath>
+                </a14:m>
+                <a:r>
+                  <a:rPr lang="en-GB" dirty="0">
+                    <a:latin typeface="HelveticaNeue"/>
+                  </a:rPr>
+                  <a:t>  in each circuit, the formula is:     </a:t>
                 </a:r>
                 <a14:m>
                   <m:oMath xmlns:m="http://schemas.openxmlformats.org/officeDocument/2006/math">
@@ -7423,17 +8693,14 @@
                     </m:f>
                   </m:oMath>
                 </a14:m>
-                <a:r>
-                  <a:rPr lang="en-GB" dirty="0">
-                    <a:latin typeface="HelveticaNeue"/>
-                  </a:rPr>
-                  <a:t>      for you reference.</a:t>
-                </a:r>
+                <a:endParaRPr lang="en-GB" dirty="0">
+                  <a:latin typeface="HelveticaNeue"/>
+                </a:endParaRPr>
               </a:p>
             </p:txBody>
           </p:sp>
         </mc:Choice>
-        <mc:Fallback xmlns="">
+        <mc:Fallback>
           <p:sp>
             <p:nvSpPr>
               <p:cNvPr id="15" name="TextBox 14">
@@ -7450,16 +8717,16 @@
             </p:nvSpPr>
             <p:spPr>
               <a:xfrm>
-                <a:off x="334270" y="952015"/>
-                <a:ext cx="11145605" cy="518475"/>
+                <a:off x="2271668" y="950555"/>
+                <a:ext cx="9142125" cy="518475"/>
               </a:xfrm>
               <a:prstGeom prst="rect">
                 <a:avLst/>
               </a:prstGeom>
               <a:blipFill>
-                <a:blip r:embed="rId4"/>
+                <a:blip r:embed="rId5"/>
                 <a:stretch>
-                  <a:fillRect l="-492"/>
+                  <a:fillRect l="-600"/>
                 </a:stretch>
               </a:blipFill>
             </p:spPr>
@@ -7478,8 +8745,8 @@
           </p:sp>
         </mc:Fallback>
       </mc:AlternateContent>
-      <mc:AlternateContent xmlns:mc="http://schemas.openxmlformats.org/markup-compatibility/2006" xmlns:a14="http://schemas.microsoft.com/office/drawing/2010/main">
-        <mc:Choice Requires="a14">
+      <mc:AlternateContent xmlns:mc="http://schemas.openxmlformats.org/markup-compatibility/2006">
+        <mc:Choice xmlns:a14="http://schemas.microsoft.com/office/drawing/2010/main" Requires="a14">
           <p:sp>
             <p:nvSpPr>
               <p:cNvPr id="21" name="TextBox 20">
@@ -7518,19 +8785,16 @@
                     </m:oMathParaPr>
                     <m:oMath xmlns:m="http://schemas.openxmlformats.org/officeDocument/2006/math">
                       <m:r>
+                        <a:rPr lang="en-GB" sz="1400" i="1" smtClean="0">
+                          <a:latin typeface="Cambria Math" panose="02040503050406030204" pitchFamily="18" charset="0"/>
+                        </a:rPr>
+                        <m:t>5</m:t>
+                      </m:r>
+                      <m:r>
                         <a:rPr lang="en-GB" sz="1400" b="0" i="1" smtClean="0">
                           <a:latin typeface="Cambria Math" panose="02040503050406030204" pitchFamily="18" charset="0"/>
                         </a:rPr>
-                        <m:t>49</m:t>
-                      </m:r>
-                      <m:r>
-                        <m:rPr>
-                          <m:sty m:val="p"/>
-                        </m:rPr>
-                        <a:rPr lang="el-GR" sz="1400" b="0" i="1" smtClean="0">
-                          <a:latin typeface="Cambria Math" panose="02040503050406030204" pitchFamily="18" charset="0"/>
-                        </a:rPr>
-                        <m:t>Ω</m:t>
+                        <m:t>𝑣</m:t>
                       </m:r>
                     </m:oMath>
                   </m:oMathPara>
@@ -7542,7 +8806,7 @@
             </p:txBody>
           </p:sp>
         </mc:Choice>
-        <mc:Fallback xmlns="">
+        <mc:Fallback>
           <p:sp>
             <p:nvSpPr>
               <p:cNvPr id="21" name="TextBox 20">
@@ -7566,9 +8830,9 @@
                 <a:avLst/>
               </a:prstGeom>
               <a:blipFill>
-                <a:blip r:embed="rId5"/>
+                <a:blip r:embed="rId6"/>
                 <a:stretch>
-                  <a:fillRect r="-16667"/>
+                  <a:fillRect/>
                 </a:stretch>
               </a:blipFill>
             </p:spPr>
@@ -7601,10 +8865,10 @@
         </p:nvGrpSpPr>
         <p:grpSpPr>
           <a:xfrm>
-            <a:off x="6728287" y="4314776"/>
-            <a:ext cx="3236777" cy="2126196"/>
-            <a:chOff x="1720020" y="2041512"/>
-            <a:chExt cx="3236777" cy="2126196"/>
+            <a:off x="6875940" y="4314776"/>
+            <a:ext cx="3089124" cy="2126196"/>
+            <a:chOff x="1867673" y="2041512"/>
+            <a:chExt cx="3089124" cy="2126196"/>
           </a:xfrm>
         </p:grpSpPr>
         <p:pic>
@@ -7622,7 +8886,7 @@
             <p:nvPr/>
           </p:nvPicPr>
           <p:blipFill>
-            <a:blip r:embed="rId6">
+            <a:blip r:embed="rId7">
               <a:extLst>
                 <a:ext uri="{28A0092B-C50C-407E-A947-70E740481C1C}">
                   <a14:useLocalDpi xmlns:a14="http://schemas.microsoft.com/office/drawing/2010/main" val="0"/>
@@ -7643,45 +8907,6 @@
             </a:prstGeom>
           </p:spPr>
         </p:pic>
-        <p:sp>
-          <p:nvSpPr>
-            <p:cNvPr id="16" name="TextBox 15">
-              <a:extLst>
-                <a:ext uri="{FF2B5EF4-FFF2-40B4-BE49-F238E27FC236}">
-                  <a16:creationId xmlns:a16="http://schemas.microsoft.com/office/drawing/2014/main" id="{FA6CD796-F550-4C3E-95B7-C5FFE5766DCA}"/>
-                </a:ext>
-              </a:extLst>
-            </p:cNvPr>
-            <p:cNvSpPr txBox="1"/>
-            <p:nvPr/>
-          </p:nvSpPr>
-          <p:spPr>
-            <a:xfrm>
-              <a:off x="1720020" y="2041512"/>
-              <a:ext cx="448887" cy="307777"/>
-            </a:xfrm>
-            <a:prstGeom prst="rect">
-              <a:avLst/>
-            </a:prstGeom>
-            <a:solidFill>
-              <a:schemeClr val="bg1"/>
-            </a:solidFill>
-          </p:spPr>
-          <p:txBody>
-            <a:bodyPr wrap="square" rtlCol="0">
-              <a:spAutoFit/>
-            </a:bodyPr>
-            <a:lstStyle/>
-            <a:p>
-              <a:r>
-                <a:rPr lang="en-GB" sz="1400" dirty="0">
-                  <a:latin typeface="HelveticaNeue"/>
-                </a:rPr>
-                <a:t>5V</a:t>
-              </a:r>
-            </a:p>
-          </p:txBody>
-        </p:sp>
         <p:sp>
           <p:nvSpPr>
             <p:cNvPr id="17" name="TextBox 16">
@@ -7716,7 +8941,7 @@
                 <a:rPr lang="en-GB" sz="1400" dirty="0">
                   <a:latin typeface="HelveticaNeue"/>
                 </a:rPr>
-                <a:t>1.64V</a:t>
+                <a:t>1.64v</a:t>
               </a:r>
             </a:p>
           </p:txBody>
@@ -7830,8 +9055,8 @@
             </p:sp>
           </mc:Fallback>
         </mc:AlternateContent>
-        <mc:AlternateContent xmlns:mc="http://schemas.openxmlformats.org/markup-compatibility/2006" xmlns:a14="http://schemas.microsoft.com/office/drawing/2010/main">
-          <mc:Choice Requires="a14">
+        <mc:AlternateContent xmlns:mc="http://schemas.openxmlformats.org/markup-compatibility/2006">
+          <mc:Choice xmlns:a14="http://schemas.microsoft.com/office/drawing/2010/main" Requires="a14">
             <p:sp>
               <p:nvSpPr>
                 <p:cNvPr id="19" name="Rectangle 18">
@@ -7847,7 +9072,7 @@
               <p:spPr>
                 <a:xfrm>
                   <a:off x="3871739" y="2829354"/>
-                  <a:ext cx="628890" cy="369332"/>
+                  <a:ext cx="607730" cy="369332"/>
                 </a:xfrm>
                 <a:prstGeom prst="rect">
                   <a:avLst/>
@@ -7864,7 +9089,7 @@
                       <m:sSub>
                         <m:sSubPr>
                           <m:ctrlPr>
-                            <a:rPr lang="en-GB" sz="1600" i="1" smtClean="0">
+                            <a:rPr lang="en-GB" sz="1600" i="1">
                               <a:latin typeface="Cambria Math" panose="02040503050406030204" pitchFamily="18" charset="0"/>
                             </a:rPr>
                           </m:ctrlPr>
@@ -7874,29 +9099,35 @@
                             <a:rPr lang="en-GB" sz="1600" i="1">
                               <a:latin typeface="Cambria Math" panose="02040503050406030204" pitchFamily="18" charset="0"/>
                             </a:rPr>
-                            <m:t>𝑅</m:t>
+                            <m:t>𝑉</m:t>
                           </m:r>
                         </m:e>
                         <m:sub>
                           <m:r>
-                            <a:rPr lang="en-GB" sz="1600" b="0" i="1" smtClean="0">
+                            <a:rPr lang="en-GB" sz="1600" i="1">
                               <a:latin typeface="Cambria Math" panose="02040503050406030204" pitchFamily="18" charset="0"/>
                             </a:rPr>
-                            <m:t>2</m:t>
+                            <m:t>𝑖𝑛</m:t>
                           </m:r>
                         </m:sub>
                       </m:sSub>
+                      <m:r>
+                        <a:rPr lang="en-GB" sz="1600" i="1">
+                          <a:latin typeface="Cambria Math" panose="02040503050406030204" pitchFamily="18" charset="0"/>
+                        </a:rPr>
+                        <m:t> </m:t>
+                      </m:r>
                     </m:oMath>
                   </a14:m>
                   <a:r>
                     <a:rPr lang="en-GB" dirty="0"/>
-                    <a:t>  =</a:t>
+                    <a:t>=</a:t>
                   </a:r>
                 </a:p>
               </p:txBody>
             </p:sp>
           </mc:Choice>
-          <mc:Fallback xmlns="">
+          <mc:Fallback>
             <p:sp>
               <p:nvSpPr>
                 <p:cNvPr id="19" name="Rectangle 18">
@@ -7914,7 +9145,7 @@
               <p:spPr>
                 <a:xfrm>
                   <a:off x="3871739" y="2829354"/>
-                  <a:ext cx="628890" cy="369332"/>
+                  <a:ext cx="607730" cy="369332"/>
                 </a:xfrm>
                 <a:prstGeom prst="rect">
                   <a:avLst/>
@@ -7922,7 +9153,7 @@
                 <a:blipFill>
                   <a:blip r:embed="rId9"/>
                   <a:stretch>
-                    <a:fillRect t="-8197" r="-6731" b="-24590"/>
+                    <a:fillRect t="-8197" r="-8081" b="-24590"/>
                   </a:stretch>
                 </a:blipFill>
               </p:spPr>
@@ -7989,8 +9220,8 @@
           </p:txBody>
         </p:sp>
       </p:grpSp>
-      <mc:AlternateContent xmlns:mc="http://schemas.openxmlformats.org/markup-compatibility/2006" xmlns:a14="http://schemas.microsoft.com/office/drawing/2010/main">
-        <mc:Choice Requires="a14">
+      <mc:AlternateContent xmlns:mc="http://schemas.openxmlformats.org/markup-compatibility/2006">
+        <mc:Choice xmlns:a14="http://schemas.microsoft.com/office/drawing/2010/main" Requires="a14">
           <p:sp>
             <p:nvSpPr>
               <p:cNvPr id="27" name="TextBox 26">
@@ -8005,8 +9236,8 @@
             </p:nvSpPr>
             <p:spPr>
               <a:xfrm>
-                <a:off x="9420720" y="2663588"/>
-                <a:ext cx="400051" cy="307777"/>
+                <a:off x="9272153" y="2655623"/>
+                <a:ext cx="817788" cy="307777"/>
               </a:xfrm>
               <a:prstGeom prst="rect">
                 <a:avLst/>
@@ -8023,34 +9254,26 @@
               <a:p>
                 <a:pPr/>
                 <a14:m>
-                  <m:oMathPara xmlns:m="http://schemas.openxmlformats.org/officeDocument/2006/math">
-                    <m:oMathParaPr>
-                      <m:jc m:val="centerGroup"/>
-                    </m:oMathParaPr>
-                    <m:oMath xmlns:m="http://schemas.openxmlformats.org/officeDocument/2006/math">
-                      <m:r>
-                        <a:rPr lang="en-GB" sz="1400" b="0" i="1" smtClean="0">
-                          <a:latin typeface="Cambria Math" panose="02040503050406030204" pitchFamily="18" charset="0"/>
-                        </a:rPr>
-                        <m:t>3.3</m:t>
-                      </m:r>
-                      <m:r>
-                        <a:rPr lang="en-GB" sz="1400" b="0" i="1" smtClean="0">
-                          <a:latin typeface="Cambria Math" panose="02040503050406030204" pitchFamily="18" charset="0"/>
-                        </a:rPr>
-                        <m:t>𝑉</m:t>
-                      </m:r>
-                    </m:oMath>
-                  </m:oMathPara>
+                  <m:oMath xmlns:m="http://schemas.openxmlformats.org/officeDocument/2006/math">
+                    <m:r>
+                      <a:rPr lang="en-GB" sz="1400" b="0" i="1" smtClean="0">
+                        <a:latin typeface="Cambria Math" panose="02040503050406030204" pitchFamily="18" charset="0"/>
+                      </a:rPr>
+                      <m:t>15.22</m:t>
+                    </m:r>
+                  </m:oMath>
                 </a14:m>
-                <a:endParaRPr lang="en-GB" sz="1400" dirty="0">
-                  <a:latin typeface="HelveticaNeue"/>
-                </a:endParaRPr>
+                <a:r>
+                  <a:rPr lang="en-GB" sz="1400" dirty="0">
+                    <a:latin typeface="HelveticaNeue"/>
+                  </a:rPr>
+                  <a:t>v</a:t>
+                </a:r>
               </a:p>
             </p:txBody>
           </p:sp>
         </mc:Choice>
-        <mc:Fallback xmlns="">
+        <mc:Fallback>
           <p:sp>
             <p:nvSpPr>
               <p:cNvPr id="27" name="TextBox 26">
@@ -8067,8 +9290,8 @@
             </p:nvSpPr>
             <p:spPr>
               <a:xfrm>
-                <a:off x="9420720" y="2663588"/>
-                <a:ext cx="400051" cy="307777"/>
+                <a:off x="9272153" y="2655623"/>
+                <a:ext cx="817788" cy="307777"/>
               </a:xfrm>
               <a:prstGeom prst="rect">
                 <a:avLst/>
@@ -8076,7 +9299,7 @@
               <a:blipFill>
                 <a:blip r:embed="rId10"/>
                 <a:stretch>
-                  <a:fillRect r="-22727"/>
+                  <a:fillRect t="-4000" b="-20000"/>
                 </a:stretch>
               </a:blipFill>
             </p:spPr>
@@ -8109,7 +9332,7 @@
         </p:nvGrpSpPr>
         <p:grpSpPr>
           <a:xfrm>
-            <a:off x="6826835" y="1837918"/>
+            <a:off x="6734173" y="1811400"/>
             <a:ext cx="3140389" cy="2126196"/>
             <a:chOff x="1816408" y="4526671"/>
             <a:chExt cx="3140389" cy="2126196"/>
@@ -8130,7 +9353,7 @@
             <p:nvPr/>
           </p:nvPicPr>
           <p:blipFill>
-            <a:blip r:embed="rId6">
+            <a:blip r:embed="rId7">
               <a:extLst>
                 <a:ext uri="{28A0092B-C50C-407E-A947-70E740481C1C}">
                   <a14:useLocalDpi xmlns:a14="http://schemas.microsoft.com/office/drawing/2010/main" val="0"/>
@@ -8151,47 +9374,8 @@
             </a:prstGeom>
           </p:spPr>
         </p:pic>
-        <p:sp>
-          <p:nvSpPr>
-            <p:cNvPr id="24" name="TextBox 23">
-              <a:extLst>
-                <a:ext uri="{FF2B5EF4-FFF2-40B4-BE49-F238E27FC236}">
-                  <a16:creationId xmlns:a16="http://schemas.microsoft.com/office/drawing/2014/main" id="{CFDA4AD1-2D40-435C-B02E-C84265A27FE4}"/>
-                </a:ext>
-              </a:extLst>
-            </p:cNvPr>
-            <p:cNvSpPr txBox="1"/>
-            <p:nvPr/>
-          </p:nvSpPr>
-          <p:spPr>
-            <a:xfrm>
-              <a:off x="3126402" y="5363599"/>
-              <a:ext cx="666714" cy="307777"/>
-            </a:xfrm>
-            <a:prstGeom prst="rect">
-              <a:avLst/>
-            </a:prstGeom>
-            <a:solidFill>
-              <a:schemeClr val="bg1"/>
-            </a:solidFill>
-          </p:spPr>
-          <p:txBody>
-            <a:bodyPr wrap="square" rtlCol="0">
-              <a:spAutoFit/>
-            </a:bodyPr>
-            <a:lstStyle/>
-            <a:p>
-              <a:r>
-                <a:rPr lang="en-GB" sz="1400" dirty="0">
-                  <a:latin typeface="HelveticaNeue"/>
-                </a:rPr>
-                <a:t>3.1V</a:t>
-              </a:r>
-            </a:p>
-          </p:txBody>
-        </p:sp>
-        <mc:AlternateContent xmlns:mc="http://schemas.openxmlformats.org/markup-compatibility/2006" xmlns:a14="http://schemas.microsoft.com/office/drawing/2010/main">
-          <mc:Choice Requires="a14">
+        <mc:AlternateContent xmlns:mc="http://schemas.openxmlformats.org/markup-compatibility/2006">
+          <mc:Choice xmlns:a14="http://schemas.microsoft.com/office/drawing/2010/main" Requires="a14">
             <p:sp>
               <p:nvSpPr>
                 <p:cNvPr id="25" name="TextBox 24">
@@ -8230,10 +9414,16 @@
                       </m:oMathParaPr>
                       <m:oMath xmlns:m="http://schemas.openxmlformats.org/officeDocument/2006/math">
                         <m:r>
+                          <a:rPr lang="en-GB" sz="1400" i="1">
+                            <a:latin typeface="Cambria Math" panose="02040503050406030204" pitchFamily="18" charset="0"/>
+                          </a:rPr>
+                          <m:t>5</m:t>
+                        </m:r>
+                        <m:r>
                           <a:rPr lang="en-GB" sz="1400" b="0" i="1" smtClean="0">
                             <a:latin typeface="Cambria Math" panose="02040503050406030204" pitchFamily="18" charset="0"/>
                           </a:rPr>
-                          <m:t>10000</m:t>
+                          <m:t>0000</m:t>
                         </m:r>
                         <m:r>
                           <m:rPr>
@@ -8254,7 +9444,7 @@
               </p:txBody>
             </p:sp>
           </mc:Choice>
-          <mc:Fallback xmlns="">
+          <mc:Fallback>
             <p:sp>
               <p:nvSpPr>
                 <p:cNvPr id="25" name="TextBox 24">
@@ -8280,118 +9470,7 @@
                 <a:blipFill>
                   <a:blip r:embed="rId11"/>
                   <a:stretch>
-                    <a:fillRect r="-13636"/>
-                  </a:stretch>
-                </a:blipFill>
-              </p:spPr>
-              <p:txBody>
-                <a:bodyPr/>
-                <a:lstStyle/>
-                <a:p>
-                  <a:r>
-                    <a:rPr lang="en-GB">
-                      <a:noFill/>
-                    </a:rPr>
-                    <a:t> </a:t>
-                  </a:r>
-                </a:p>
-              </p:txBody>
-            </p:sp>
-          </mc:Fallback>
-        </mc:AlternateContent>
-        <mc:AlternateContent xmlns:mc="http://schemas.openxmlformats.org/markup-compatibility/2006" xmlns:a14="http://schemas.microsoft.com/office/drawing/2010/main">
-          <mc:Choice Requires="a14">
-            <p:sp>
-              <p:nvSpPr>
-                <p:cNvPr id="26" name="Rectangle 25">
-                  <a:extLst>
-                    <a:ext uri="{FF2B5EF4-FFF2-40B4-BE49-F238E27FC236}">
-                      <a16:creationId xmlns:a16="http://schemas.microsoft.com/office/drawing/2014/main" id="{DCC148BC-DFD1-4025-8246-4FF63E341A6F}"/>
-                    </a:ext>
-                  </a:extLst>
-                </p:cNvPr>
-                <p:cNvSpPr/>
-                <p:nvPr/>
-              </p:nvSpPr>
-              <p:spPr>
-                <a:xfrm>
-                  <a:off x="3937045" y="5317306"/>
-                  <a:ext cx="899885" cy="369332"/>
-                </a:xfrm>
-                <a:prstGeom prst="rect">
-                  <a:avLst/>
-                </a:prstGeom>
-              </p:spPr>
-              <p:txBody>
-                <a:bodyPr wrap="square">
-                  <a:spAutoFit/>
-                </a:bodyPr>
-                <a:lstStyle/>
-                <a:p>
-                  <a14:m>
-                    <m:oMath xmlns:m="http://schemas.openxmlformats.org/officeDocument/2006/math">
-                      <m:sSub>
-                        <m:sSubPr>
-                          <m:ctrlPr>
-                            <a:rPr lang="en-GB" sz="1600" i="1" smtClean="0">
-                              <a:latin typeface="Cambria Math" panose="02040503050406030204" pitchFamily="18" charset="0"/>
-                            </a:rPr>
-                          </m:ctrlPr>
-                        </m:sSubPr>
-                        <m:e>
-                          <m:r>
-                            <a:rPr lang="en-GB" sz="1600" i="1">
-                              <a:latin typeface="Cambria Math" panose="02040503050406030204" pitchFamily="18" charset="0"/>
-                            </a:rPr>
-                            <m:t>𝑉</m:t>
-                          </m:r>
-                        </m:e>
-                        <m:sub>
-                          <m:r>
-                            <a:rPr lang="en-GB" sz="1600" i="1">
-                              <a:latin typeface="Cambria Math" panose="02040503050406030204" pitchFamily="18" charset="0"/>
-                            </a:rPr>
-                            <m:t>𝑖𝑛</m:t>
-                          </m:r>
-                        </m:sub>
-                      </m:sSub>
-                    </m:oMath>
-                  </a14:m>
-                  <a:r>
-                    <a:rPr lang="en-GB" dirty="0"/>
-                    <a:t>=</a:t>
-                  </a:r>
-                </a:p>
-              </p:txBody>
-            </p:sp>
-          </mc:Choice>
-          <mc:Fallback xmlns="">
-            <p:sp>
-              <p:nvSpPr>
-                <p:cNvPr id="26" name="Rectangle 25">
-                  <a:extLst>
-                    <a:ext uri="{FF2B5EF4-FFF2-40B4-BE49-F238E27FC236}">
-                      <a16:creationId xmlns:a16="http://schemas.microsoft.com/office/drawing/2014/main" id="{DCC148BC-DFD1-4025-8246-4FF63E341A6F}"/>
-                    </a:ext>
-                  </a:extLst>
-                </p:cNvPr>
-                <p:cNvSpPr>
-                  <a:spLocks noRot="1" noChangeAspect="1" noMove="1" noResize="1" noEditPoints="1" noAdjustHandles="1" noChangeArrowheads="1" noChangeShapeType="1" noTextEdit="1"/>
-                </p:cNvSpPr>
-                <p:nvPr/>
-              </p:nvSpPr>
-              <p:spPr>
-                <a:xfrm>
-                  <a:off x="3937045" y="5317306"/>
-                  <a:ext cx="899885" cy="369332"/>
-                </a:xfrm>
-                <a:prstGeom prst="rect">
-                  <a:avLst/>
-                </a:prstGeom>
-                <a:blipFill>
-                  <a:blip r:embed="rId12"/>
-                  <a:stretch>
-                    <a:fillRect t="-8197" b="-24590"/>
+                    <a:fillRect r="-14679"/>
                   </a:stretch>
                 </a:blipFill>
               </p:spPr>
@@ -8457,118 +9536,9 @@
             </a:p>
           </p:txBody>
         </p:sp>
-        <mc:AlternateContent xmlns:mc="http://schemas.openxmlformats.org/markup-compatibility/2006" xmlns:a14="http://schemas.microsoft.com/office/drawing/2010/main">
-          <mc:Choice Requires="a14">
-            <p:sp>
-              <p:nvSpPr>
-                <p:cNvPr id="30" name="TextBox 29">
-                  <a:extLst>
-                    <a:ext uri="{FF2B5EF4-FFF2-40B4-BE49-F238E27FC236}">
-                      <a16:creationId xmlns:a16="http://schemas.microsoft.com/office/drawing/2014/main" id="{CB878A4C-518A-41A9-81B7-DE72F5848C89}"/>
-                    </a:ext>
-                  </a:extLst>
-                </p:cNvPr>
-                <p:cNvSpPr txBox="1"/>
-                <p:nvPr/>
-              </p:nvSpPr>
-              <p:spPr>
-                <a:xfrm>
-                  <a:off x="1871085" y="4908515"/>
-                  <a:ext cx="666714" cy="307777"/>
-                </a:xfrm>
-                <a:prstGeom prst="rect">
-                  <a:avLst/>
-                </a:prstGeom>
-                <a:solidFill>
-                  <a:schemeClr val="bg1"/>
-                </a:solidFill>
-              </p:spPr>
-              <p:txBody>
-                <a:bodyPr wrap="square" rtlCol="0">
-                  <a:spAutoFit/>
-                </a:bodyPr>
-                <a:lstStyle/>
-                <a:p>
-                  <a:pPr/>
-                  <a14:m>
-                    <m:oMathPara xmlns:m="http://schemas.openxmlformats.org/officeDocument/2006/math">
-                      <m:oMathParaPr>
-                        <m:jc m:val="centerGroup"/>
-                      </m:oMathParaPr>
-                      <m:oMath xmlns:m="http://schemas.openxmlformats.org/officeDocument/2006/math">
-                        <m:r>
-                          <a:rPr lang="en-GB" sz="1400" b="0" i="1" smtClean="0">
-                            <a:latin typeface="Cambria Math" panose="02040503050406030204" pitchFamily="18" charset="0"/>
-                          </a:rPr>
-                          <m:t>510</m:t>
-                        </m:r>
-                        <m:r>
-                          <m:rPr>
-                            <m:sty m:val="p"/>
-                          </m:rPr>
-                          <a:rPr lang="el-GR" sz="1400" b="0" i="1" smtClean="0">
-                            <a:latin typeface="Cambria Math" panose="02040503050406030204" pitchFamily="18" charset="0"/>
-                          </a:rPr>
-                          <m:t>Ω</m:t>
-                        </m:r>
-                      </m:oMath>
-                    </m:oMathPara>
-                  </a14:m>
-                  <a:endParaRPr lang="en-GB" sz="1400" dirty="0">
-                    <a:latin typeface="HelveticaNeue"/>
-                  </a:endParaRPr>
-                </a:p>
-              </p:txBody>
-            </p:sp>
-          </mc:Choice>
-          <mc:Fallback xmlns="">
-            <p:sp>
-              <p:nvSpPr>
-                <p:cNvPr id="30" name="TextBox 29">
-                  <a:extLst>
-                    <a:ext uri="{FF2B5EF4-FFF2-40B4-BE49-F238E27FC236}">
-                      <a16:creationId xmlns:a16="http://schemas.microsoft.com/office/drawing/2014/main" id="{CB878A4C-518A-41A9-81B7-DE72F5848C89}"/>
-                    </a:ext>
-                  </a:extLst>
-                </p:cNvPr>
-                <p:cNvSpPr txBox="1">
-                  <a:spLocks noRot="1" noChangeAspect="1" noMove="1" noResize="1" noEditPoints="1" noAdjustHandles="1" noChangeArrowheads="1" noChangeShapeType="1" noTextEdit="1"/>
-                </p:cNvSpPr>
-                <p:nvPr/>
-              </p:nvSpPr>
-              <p:spPr>
-                <a:xfrm>
-                  <a:off x="1871085" y="4908515"/>
-                  <a:ext cx="666714" cy="307777"/>
-                </a:xfrm>
-                <a:prstGeom prst="rect">
-                  <a:avLst/>
-                </a:prstGeom>
-                <a:blipFill>
-                  <a:blip r:embed="rId13"/>
-                  <a:stretch>
-                    <a:fillRect/>
-                  </a:stretch>
-                </a:blipFill>
-              </p:spPr>
-              <p:txBody>
-                <a:bodyPr/>
-                <a:lstStyle/>
-                <a:p>
-                  <a:r>
-                    <a:rPr lang="en-GB">
-                      <a:noFill/>
-                    </a:rPr>
-                    <a:t> </a:t>
-                  </a:r>
-                </a:p>
-              </p:txBody>
-            </p:sp>
-          </mc:Fallback>
-        </mc:AlternateContent>
       </p:grpSp>
-      <mc:AlternateContent xmlns:mc="http://schemas.openxmlformats.org/markup-compatibility/2006" xmlns:a14="http://schemas.microsoft.com/office/drawing/2010/main">
-        <mc:Choice Requires="a14">
+      <mc:AlternateContent xmlns:mc="http://schemas.openxmlformats.org/markup-compatibility/2006">
+        <mc:Choice xmlns:a14="http://schemas.microsoft.com/office/drawing/2010/main" Requires="a14">
           <p:sp>
             <p:nvSpPr>
               <p:cNvPr id="34" name="Rectangle 33">
@@ -8583,8 +9553,8 @@
             </p:nvSpPr>
             <p:spPr>
               <a:xfrm>
-                <a:off x="4357302" y="5149302"/>
-                <a:ext cx="445955" cy="307777"/>
+                <a:off x="4349571" y="5178355"/>
+                <a:ext cx="697913" cy="307777"/>
               </a:xfrm>
               <a:prstGeom prst="rect">
                 <a:avLst/>
@@ -8594,42 +9564,31 @@
               </a:solidFill>
             </p:spPr>
             <p:txBody>
-              <a:bodyPr wrap="none">
+              <a:bodyPr wrap="square">
                 <a:spAutoFit/>
               </a:bodyPr>
               <a:lstStyle/>
               <a:p>
                 <a:pPr/>
                 <a14:m>
-                  <m:oMathPara xmlns:m="http://schemas.openxmlformats.org/officeDocument/2006/math">
-                    <m:oMathParaPr>
-                      <m:jc m:val="centerGroup"/>
-                    </m:oMathParaPr>
-                    <m:oMath xmlns:m="http://schemas.openxmlformats.org/officeDocument/2006/math">
-                      <m:r>
-                        <a:rPr lang="en-GB" sz="1400" b="0" i="1" smtClean="0">
-                          <a:latin typeface="Cambria Math" panose="02040503050406030204" pitchFamily="18" charset="0"/>
-                        </a:rPr>
-                        <m:t>0</m:t>
-                      </m:r>
-                      <m:r>
-                        <m:rPr>
-                          <m:sty m:val="p"/>
-                        </m:rPr>
-                        <a:rPr lang="el-GR" sz="1400" b="0" i="1" smtClean="0">
-                          <a:latin typeface="Cambria Math" panose="02040503050406030204" pitchFamily="18" charset="0"/>
-                        </a:rPr>
-                        <m:t>Ω</m:t>
-                      </m:r>
-                    </m:oMath>
-                  </m:oMathPara>
+                  <m:oMath xmlns:m="http://schemas.openxmlformats.org/officeDocument/2006/math">
+                    <m:r>
+                      <a:rPr lang="en-GB" sz="1400" b="0" i="1" smtClean="0">
+                        <a:latin typeface="Cambria Math" panose="02040503050406030204" pitchFamily="18" charset="0"/>
+                      </a:rPr>
+                      <m:t>0.00</m:t>
+                    </m:r>
+                  </m:oMath>
                 </a14:m>
-                <a:endParaRPr lang="en-GB" sz="1400" dirty="0"/>
+                <a:r>
+                  <a:rPr lang="en-GB" sz="1400" dirty="0"/>
+                  <a:t>v</a:t>
+                </a:r>
               </a:p>
             </p:txBody>
           </p:sp>
         </mc:Choice>
-        <mc:Fallback xmlns="">
+        <mc:Fallback>
           <p:sp>
             <p:nvSpPr>
               <p:cNvPr id="34" name="Rectangle 33">
@@ -8646,16 +9605,16 @@
             </p:nvSpPr>
             <p:spPr>
               <a:xfrm>
-                <a:off x="4357302" y="5149302"/>
-                <a:ext cx="445955" cy="307777"/>
+                <a:off x="4349571" y="5178355"/>
+                <a:ext cx="697913" cy="307777"/>
               </a:xfrm>
               <a:prstGeom prst="rect">
                 <a:avLst/>
               </a:prstGeom>
               <a:blipFill>
-                <a:blip r:embed="rId14"/>
+                <a:blip r:embed="rId12"/>
                 <a:stretch>
-                  <a:fillRect/>
+                  <a:fillRect t="-1961" b="-19608"/>
                 </a:stretch>
               </a:blipFill>
             </p:spPr>
@@ -8709,7 +9668,7 @@
             <p:nvPr/>
           </p:nvPicPr>
           <p:blipFill>
-            <a:blip r:embed="rId6">
+            <a:blip r:embed="rId7">
               <a:extLst>
                 <a:ext uri="{28A0092B-C50C-407E-A947-70E740481C1C}">
                   <a14:useLocalDpi xmlns:a14="http://schemas.microsoft.com/office/drawing/2010/main" val="0"/>
@@ -8764,46 +9723,7 @@
                 <a:rPr lang="en-GB" sz="1400" dirty="0">
                   <a:latin typeface="HelveticaNeue"/>
                 </a:rPr>
-                <a:t>5V</a:t>
-              </a:r>
-            </a:p>
-          </p:txBody>
-        </p:sp>
-        <p:sp>
-          <p:nvSpPr>
-            <p:cNvPr id="32" name="TextBox 31">
-              <a:extLst>
-                <a:ext uri="{FF2B5EF4-FFF2-40B4-BE49-F238E27FC236}">
-                  <a16:creationId xmlns:a16="http://schemas.microsoft.com/office/drawing/2014/main" id="{1A16C634-8303-4E1C-88FB-0CE68D7A4A96}"/>
-                </a:ext>
-              </a:extLst>
-            </p:cNvPr>
-            <p:cNvSpPr txBox="1"/>
-            <p:nvPr/>
-          </p:nvSpPr>
-          <p:spPr>
-            <a:xfrm>
-              <a:off x="6836165" y="2875394"/>
-              <a:ext cx="448887" cy="307777"/>
-            </a:xfrm>
-            <a:prstGeom prst="rect">
-              <a:avLst/>
-            </a:prstGeom>
-            <a:solidFill>
-              <a:schemeClr val="bg1"/>
-            </a:solidFill>
-          </p:spPr>
-          <p:txBody>
-            <a:bodyPr wrap="square" rtlCol="0">
-              <a:spAutoFit/>
-            </a:bodyPr>
-            <a:lstStyle/>
-            <a:p>
-              <a:r>
-                <a:rPr lang="en-GB" sz="1400" dirty="0">
-                  <a:latin typeface="HelveticaNeue"/>
-                </a:rPr>
-                <a:t>5V</a:t>
+                <a:t>5v</a:t>
               </a:r>
             </a:p>
           </p:txBody>
@@ -8915,117 +9835,6 @@
             </p:sp>
           </mc:Fallback>
         </mc:AlternateContent>
-        <mc:AlternateContent xmlns:mc="http://schemas.openxmlformats.org/markup-compatibility/2006" xmlns:a14="http://schemas.microsoft.com/office/drawing/2010/main">
-          <mc:Choice Requires="a14">
-            <p:sp>
-              <p:nvSpPr>
-                <p:cNvPr id="35" name="Rectangle 34">
-                  <a:extLst>
-                    <a:ext uri="{FF2B5EF4-FFF2-40B4-BE49-F238E27FC236}">
-                      <a16:creationId xmlns:a16="http://schemas.microsoft.com/office/drawing/2014/main" id="{103B0548-42E9-450E-A21F-BCF4805761AF}"/>
-                    </a:ext>
-                  </a:extLst>
-                </p:cNvPr>
-                <p:cNvSpPr/>
-                <p:nvPr/>
-              </p:nvSpPr>
-              <p:spPr>
-                <a:xfrm>
-                  <a:off x="7340010" y="2829354"/>
-                  <a:ext cx="624145" cy="369332"/>
-                </a:xfrm>
-                <a:prstGeom prst="rect">
-                  <a:avLst/>
-                </a:prstGeom>
-              </p:spPr>
-              <p:txBody>
-                <a:bodyPr wrap="none">
-                  <a:spAutoFit/>
-                </a:bodyPr>
-                <a:lstStyle/>
-                <a:p>
-                  <a14:m>
-                    <m:oMath xmlns:m="http://schemas.openxmlformats.org/officeDocument/2006/math">
-                      <m:sSub>
-                        <m:sSubPr>
-                          <m:ctrlPr>
-                            <a:rPr lang="en-GB" sz="1600" i="1" smtClean="0">
-                              <a:latin typeface="Cambria Math" panose="02040503050406030204" pitchFamily="18" charset="0"/>
-                            </a:rPr>
-                          </m:ctrlPr>
-                        </m:sSubPr>
-                        <m:e>
-                          <m:r>
-                            <a:rPr lang="en-GB" sz="1600" i="1">
-                              <a:latin typeface="Cambria Math" panose="02040503050406030204" pitchFamily="18" charset="0"/>
-                            </a:rPr>
-                            <m:t>𝑅</m:t>
-                          </m:r>
-                        </m:e>
-                        <m:sub>
-                          <m:r>
-                            <a:rPr lang="en-GB" sz="1600" b="0" i="1" smtClean="0">
-                              <a:latin typeface="Cambria Math" panose="02040503050406030204" pitchFamily="18" charset="0"/>
-                            </a:rPr>
-                            <m:t>1</m:t>
-                          </m:r>
-                        </m:sub>
-                      </m:sSub>
-                    </m:oMath>
-                  </a14:m>
-                  <a:r>
-                    <a:rPr lang="en-GB" dirty="0"/>
-                    <a:t>  =</a:t>
-                  </a:r>
-                </a:p>
-              </p:txBody>
-            </p:sp>
-          </mc:Choice>
-          <mc:Fallback xmlns="">
-            <p:sp>
-              <p:nvSpPr>
-                <p:cNvPr id="35" name="Rectangle 34">
-                  <a:extLst>
-                    <a:ext uri="{FF2B5EF4-FFF2-40B4-BE49-F238E27FC236}">
-                      <a16:creationId xmlns:a16="http://schemas.microsoft.com/office/drawing/2014/main" id="{103B0548-42E9-450E-A21F-BCF4805761AF}"/>
-                    </a:ext>
-                  </a:extLst>
-                </p:cNvPr>
-                <p:cNvSpPr>
-                  <a:spLocks noRot="1" noChangeAspect="1" noMove="1" noResize="1" noEditPoints="1" noAdjustHandles="1" noChangeArrowheads="1" noChangeShapeType="1" noTextEdit="1"/>
-                </p:cNvSpPr>
-                <p:nvPr/>
-              </p:nvSpPr>
-              <p:spPr>
-                <a:xfrm>
-                  <a:off x="7340010" y="2829354"/>
-                  <a:ext cx="624145" cy="369332"/>
-                </a:xfrm>
-                <a:prstGeom prst="rect">
-                  <a:avLst/>
-                </a:prstGeom>
-                <a:blipFill>
-                  <a:blip r:embed="rId16"/>
-                  <a:stretch>
-                    <a:fillRect t="-8197" r="-6863" b="-24590"/>
-                  </a:stretch>
-                </a:blipFill>
-              </p:spPr>
-              <p:txBody>
-                <a:bodyPr/>
-                <a:lstStyle/>
-                <a:p>
-                  <a:r>
-                    <a:rPr lang="en-GB">
-                      <a:noFill/>
-                    </a:rPr>
-                    <a:t> </a:t>
-                  </a:r>
-                </a:p>
-              </p:txBody>
-            </p:sp>
-          </mc:Fallback>
-        </mc:AlternateContent>
         <p:sp>
           <p:nvSpPr>
             <p:cNvPr id="36" name="Rectangle 35">
@@ -9108,7 +9917,7 @@
               <a:rPr lang="en-GB" sz="1400" dirty="0">
                 <a:latin typeface="HelveticaNeue"/>
               </a:rPr>
-              <a:t>2.64V</a:t>
+              <a:t>2.64v</a:t>
             </a:r>
           </a:p>
         </p:txBody>
@@ -9148,7 +9957,7 @@
             <p:nvPr/>
           </p:nvPicPr>
           <p:blipFill>
-            <a:blip r:embed="rId6">
+            <a:blip r:embed="rId7">
               <a:extLst>
                 <a:ext uri="{28A0092B-C50C-407E-A947-70E740481C1C}">
                   <a14:useLocalDpi xmlns:a14="http://schemas.microsoft.com/office/drawing/2010/main" val="0"/>
@@ -9203,7 +10012,7 @@
                 <a:rPr lang="en-GB" sz="1400" dirty="0">
                   <a:latin typeface="HelveticaNeue"/>
                 </a:rPr>
-                <a:t>3.3V</a:t>
+                <a:t>3.3v</a:t>
               </a:r>
             </a:p>
           </p:txBody>
@@ -9315,8 +10124,8 @@
             </p:sp>
           </mc:Fallback>
         </mc:AlternateContent>
-        <mc:AlternateContent xmlns:mc="http://schemas.openxmlformats.org/markup-compatibility/2006" xmlns:a14="http://schemas.microsoft.com/office/drawing/2010/main">
-          <mc:Choice Requires="a14">
+        <mc:AlternateContent xmlns:mc="http://schemas.openxmlformats.org/markup-compatibility/2006">
+          <mc:Choice xmlns:a14="http://schemas.microsoft.com/office/drawing/2010/main" Requires="a14">
             <p:sp>
               <p:nvSpPr>
                 <p:cNvPr id="41" name="Rectangle 40">
@@ -9332,7 +10141,7 @@
               <p:spPr>
                 <a:xfrm>
                   <a:off x="7333470" y="5337869"/>
-                  <a:ext cx="771109" cy="369332"/>
+                  <a:ext cx="718210" cy="369332"/>
                 </a:xfrm>
                 <a:prstGeom prst="rect">
                   <a:avLst/>
@@ -9375,13 +10184,13 @@
                   </a14:m>
                   <a:r>
                     <a:rPr lang="en-GB" dirty="0"/>
-                    <a:t>  =</a:t>
+                    <a:t> =</a:t>
                   </a:r>
                 </a:p>
               </p:txBody>
             </p:sp>
           </mc:Choice>
-          <mc:Fallback xmlns="">
+          <mc:Fallback>
             <p:sp>
               <p:nvSpPr>
                 <p:cNvPr id="41" name="Rectangle 40">
@@ -9399,7 +10208,7 @@
               <p:spPr>
                 <a:xfrm>
                   <a:off x="7333470" y="5337869"/>
-                  <a:ext cx="771109" cy="369332"/>
+                  <a:ext cx="718210" cy="369332"/>
                 </a:xfrm>
                 <a:prstGeom prst="rect">
                   <a:avLst/>
@@ -9407,7 +10216,7 @@
                 <a:blipFill>
                   <a:blip r:embed="rId18"/>
                   <a:stretch>
-                    <a:fillRect t="-10000" r="-5556" b="-26667"/>
+                    <a:fillRect t="-8197" r="-5932" b="-24590"/>
                   </a:stretch>
                 </a:blipFill>
               </p:spPr>
@@ -9617,6 +10426,930 @@
           </a:prstGeom>
         </p:spPr>
       </p:pic>
+      <mc:AlternateContent xmlns:mc="http://schemas.openxmlformats.org/markup-compatibility/2006">
+        <mc:Choice xmlns:a14="http://schemas.microsoft.com/office/drawing/2010/main" Requires="a14">
+          <p:sp>
+            <p:nvSpPr>
+              <p:cNvPr id="46" name="Rectangle 45">
+                <a:extLst>
+                  <a:ext uri="{FF2B5EF4-FFF2-40B4-BE49-F238E27FC236}">
+                    <a16:creationId xmlns:a16="http://schemas.microsoft.com/office/drawing/2014/main" id="{F84ED151-621C-4FB5-9038-96FB408D5D7F}"/>
+                  </a:ext>
+                </a:extLst>
+              </p:cNvPr>
+              <p:cNvSpPr/>
+              <p:nvPr/>
+            </p:nvSpPr>
+            <p:spPr>
+              <a:xfrm>
+                <a:off x="2271668" y="4770447"/>
+                <a:ext cx="445955" cy="307777"/>
+              </a:xfrm>
+              <a:prstGeom prst="rect">
+                <a:avLst/>
+              </a:prstGeom>
+              <a:solidFill>
+                <a:schemeClr val="bg1"/>
+              </a:solidFill>
+            </p:spPr>
+            <p:txBody>
+              <a:bodyPr wrap="none">
+                <a:spAutoFit/>
+              </a:bodyPr>
+              <a:lstStyle/>
+              <a:p>
+                <a:pPr/>
+                <a14:m>
+                  <m:oMathPara xmlns:m="http://schemas.openxmlformats.org/officeDocument/2006/math">
+                    <m:oMathParaPr>
+                      <m:jc m:val="centerGroup"/>
+                    </m:oMathParaPr>
+                    <m:oMath xmlns:m="http://schemas.openxmlformats.org/officeDocument/2006/math">
+                      <m:r>
+                        <a:rPr lang="en-GB" sz="1400" b="0" i="1" smtClean="0">
+                          <a:latin typeface="Cambria Math" panose="02040503050406030204" pitchFamily="18" charset="0"/>
+                        </a:rPr>
+                        <m:t>0</m:t>
+                      </m:r>
+                      <m:r>
+                        <m:rPr>
+                          <m:sty m:val="p"/>
+                        </m:rPr>
+                        <a:rPr lang="el-GR" sz="1400" b="0" i="1" smtClean="0">
+                          <a:latin typeface="Cambria Math" panose="02040503050406030204" pitchFamily="18" charset="0"/>
+                        </a:rPr>
+                        <m:t>Ω</m:t>
+                      </m:r>
+                    </m:oMath>
+                  </m:oMathPara>
+                </a14:m>
+                <a:endParaRPr lang="en-GB" sz="1400" dirty="0"/>
+              </a:p>
+            </p:txBody>
+          </p:sp>
+        </mc:Choice>
+        <mc:Fallback>
+          <p:sp>
+            <p:nvSpPr>
+              <p:cNvPr id="46" name="Rectangle 45">
+                <a:extLst>
+                  <a:ext uri="{FF2B5EF4-FFF2-40B4-BE49-F238E27FC236}">
+                    <a16:creationId xmlns:a16="http://schemas.microsoft.com/office/drawing/2014/main" id="{F84ED151-621C-4FB5-9038-96FB408D5D7F}"/>
+                  </a:ext>
+                </a:extLst>
+              </p:cNvPr>
+              <p:cNvSpPr>
+                <a:spLocks noRot="1" noChangeAspect="1" noMove="1" noResize="1" noEditPoints="1" noAdjustHandles="1" noChangeArrowheads="1" noChangeShapeType="1" noTextEdit="1"/>
+              </p:cNvSpPr>
+              <p:nvPr/>
+            </p:nvSpPr>
+            <p:spPr>
+              <a:xfrm>
+                <a:off x="2271668" y="4770447"/>
+                <a:ext cx="445955" cy="307777"/>
+              </a:xfrm>
+              <a:prstGeom prst="rect">
+                <a:avLst/>
+              </a:prstGeom>
+              <a:blipFill>
+                <a:blip r:embed="rId21"/>
+                <a:stretch>
+                  <a:fillRect/>
+                </a:stretch>
+              </a:blipFill>
+            </p:spPr>
+            <p:txBody>
+              <a:bodyPr/>
+              <a:lstStyle/>
+              <a:p>
+                <a:r>
+                  <a:rPr lang="en-GB">
+                    <a:noFill/>
+                  </a:rPr>
+                  <a:t> </a:t>
+                </a:r>
+              </a:p>
+            </p:txBody>
+          </p:sp>
+        </mc:Fallback>
+      </mc:AlternateContent>
+      <mc:AlternateContent xmlns:mc="http://schemas.openxmlformats.org/markup-compatibility/2006">
+        <mc:Choice xmlns:a14="http://schemas.microsoft.com/office/drawing/2010/main" Requires="a14">
+          <p:sp>
+            <p:nvSpPr>
+              <p:cNvPr id="48" name="Rectangle 47">
+                <a:extLst>
+                  <a:ext uri="{FF2B5EF4-FFF2-40B4-BE49-F238E27FC236}">
+                    <a16:creationId xmlns:a16="http://schemas.microsoft.com/office/drawing/2014/main" id="{0FF06889-D8C6-48E0-8CEB-5266BCA6A953}"/>
+                  </a:ext>
+                </a:extLst>
+              </p:cNvPr>
+              <p:cNvSpPr/>
+              <p:nvPr/>
+            </p:nvSpPr>
+            <p:spPr>
+              <a:xfrm>
+                <a:off x="3758524" y="5116800"/>
+                <a:ext cx="718210" cy="369332"/>
+              </a:xfrm>
+              <a:prstGeom prst="rect">
+                <a:avLst/>
+              </a:prstGeom>
+            </p:spPr>
+            <p:txBody>
+              <a:bodyPr wrap="none">
+                <a:spAutoFit/>
+              </a:bodyPr>
+              <a:lstStyle/>
+              <a:p>
+                <a14:m>
+                  <m:oMath xmlns:m="http://schemas.openxmlformats.org/officeDocument/2006/math">
+                    <m:sSub>
+                      <m:sSubPr>
+                        <m:ctrlPr>
+                          <a:rPr lang="en-GB" sz="1600" i="1" smtClean="0">
+                            <a:latin typeface="Cambria Math" panose="02040503050406030204" pitchFamily="18" charset="0"/>
+                          </a:rPr>
+                        </m:ctrlPr>
+                      </m:sSubPr>
+                      <m:e>
+                        <m:r>
+                          <a:rPr lang="en-GB" sz="1600" b="0" i="1" smtClean="0">
+                            <a:latin typeface="Cambria Math" panose="02040503050406030204" pitchFamily="18" charset="0"/>
+                          </a:rPr>
+                          <m:t>𝑉</m:t>
+                        </m:r>
+                      </m:e>
+                      <m:sub>
+                        <m:r>
+                          <a:rPr lang="en-GB" sz="1600" b="0" i="1" smtClean="0">
+                            <a:latin typeface="Cambria Math" panose="02040503050406030204" pitchFamily="18" charset="0"/>
+                          </a:rPr>
+                          <m:t>𝑜𝑢𝑡</m:t>
+                        </m:r>
+                      </m:sub>
+                    </m:sSub>
+                  </m:oMath>
+                </a14:m>
+                <a:r>
+                  <a:rPr lang="en-GB" dirty="0"/>
+                  <a:t> =</a:t>
+                </a:r>
+              </a:p>
+            </p:txBody>
+          </p:sp>
+        </mc:Choice>
+        <mc:Fallback>
+          <p:sp>
+            <p:nvSpPr>
+              <p:cNvPr id="48" name="Rectangle 47">
+                <a:extLst>
+                  <a:ext uri="{FF2B5EF4-FFF2-40B4-BE49-F238E27FC236}">
+                    <a16:creationId xmlns:a16="http://schemas.microsoft.com/office/drawing/2014/main" id="{0FF06889-D8C6-48E0-8CEB-5266BCA6A953}"/>
+                  </a:ext>
+                </a:extLst>
+              </p:cNvPr>
+              <p:cNvSpPr>
+                <a:spLocks noRot="1" noChangeAspect="1" noMove="1" noResize="1" noEditPoints="1" noAdjustHandles="1" noChangeArrowheads="1" noChangeShapeType="1" noTextEdit="1"/>
+              </p:cNvSpPr>
+              <p:nvPr/>
+            </p:nvSpPr>
+            <p:spPr>
+              <a:xfrm>
+                <a:off x="3758524" y="5116800"/>
+                <a:ext cx="718210" cy="369332"/>
+              </a:xfrm>
+              <a:prstGeom prst="rect">
+                <a:avLst/>
+              </a:prstGeom>
+              <a:blipFill>
+                <a:blip r:embed="rId22"/>
+                <a:stretch>
+                  <a:fillRect t="-8197" r="-6838" b="-24590"/>
+                </a:stretch>
+              </a:blipFill>
+            </p:spPr>
+            <p:txBody>
+              <a:bodyPr/>
+              <a:lstStyle/>
+              <a:p>
+                <a:r>
+                  <a:rPr lang="en-GB">
+                    <a:noFill/>
+                  </a:rPr>
+                  <a:t> </a:t>
+                </a:r>
+              </a:p>
+            </p:txBody>
+          </p:sp>
+        </mc:Fallback>
+      </mc:AlternateContent>
+      <p:sp>
+        <p:nvSpPr>
+          <p:cNvPr id="49" name="TextBox 48">
+            <a:extLst>
+              <a:ext uri="{FF2B5EF4-FFF2-40B4-BE49-F238E27FC236}">
+                <a16:creationId xmlns:a16="http://schemas.microsoft.com/office/drawing/2014/main" id="{AD6C9039-495C-45E0-ADF7-227C6D6BDA8A}"/>
+              </a:ext>
+            </a:extLst>
+          </p:cNvPr>
+          <p:cNvSpPr txBox="1"/>
+          <p:nvPr/>
+        </p:nvSpPr>
+        <p:spPr>
+          <a:xfrm>
+            <a:off x="6575566" y="1816989"/>
+            <a:ext cx="618038" cy="307777"/>
+          </a:xfrm>
+          <a:prstGeom prst="rect">
+            <a:avLst/>
+          </a:prstGeom>
+          <a:solidFill>
+            <a:schemeClr val="bg1"/>
+          </a:solidFill>
+        </p:spPr>
+        <p:txBody>
+          <a:bodyPr wrap="square" rtlCol="0">
+            <a:spAutoFit/>
+          </a:bodyPr>
+          <a:lstStyle/>
+          <a:p>
+            <a:r>
+              <a:rPr lang="en-GB" sz="1400" dirty="0">
+                <a:latin typeface="HelveticaNeue"/>
+              </a:rPr>
+              <a:t>19.1v</a:t>
+            </a:r>
+          </a:p>
+        </p:txBody>
+      </p:sp>
+      <mc:AlternateContent xmlns:mc="http://schemas.openxmlformats.org/markup-compatibility/2006">
+        <mc:Choice xmlns:a14="http://schemas.microsoft.com/office/drawing/2010/main" Requires="a14">
+          <p:sp>
+            <p:nvSpPr>
+              <p:cNvPr id="50" name="TextBox 49">
+                <a:extLst>
+                  <a:ext uri="{FF2B5EF4-FFF2-40B4-BE49-F238E27FC236}">
+                    <a16:creationId xmlns:a16="http://schemas.microsoft.com/office/drawing/2014/main" id="{65F35123-CA3D-4811-92FB-F3D36B1EBC0D}"/>
+                  </a:ext>
+                </a:extLst>
+              </p:cNvPr>
+              <p:cNvSpPr txBox="1"/>
+              <p:nvPr/>
+            </p:nvSpPr>
+            <p:spPr>
+              <a:xfrm>
+                <a:off x="6716859" y="2243071"/>
+                <a:ext cx="666714" cy="307777"/>
+              </a:xfrm>
+              <a:prstGeom prst="rect">
+                <a:avLst/>
+              </a:prstGeom>
+              <a:solidFill>
+                <a:schemeClr val="bg1"/>
+              </a:solidFill>
+            </p:spPr>
+            <p:txBody>
+              <a:bodyPr wrap="square" rtlCol="0">
+                <a:spAutoFit/>
+              </a:bodyPr>
+              <a:lstStyle/>
+              <a:p>
+                <a:pPr/>
+                <a14:m>
+                  <m:oMathPara xmlns:m="http://schemas.openxmlformats.org/officeDocument/2006/math">
+                    <m:oMathParaPr>
+                      <m:jc m:val="centerGroup"/>
+                    </m:oMathParaPr>
+                    <m:oMath xmlns:m="http://schemas.openxmlformats.org/officeDocument/2006/math">
+                      <m:r>
+                        <a:rPr lang="en-GB" sz="1400" i="1" smtClean="0">
+                          <a:latin typeface="Cambria Math" panose="02040503050406030204" pitchFamily="18" charset="0"/>
+                        </a:rPr>
+                        <m:t>1</m:t>
+                      </m:r>
+                      <m:r>
+                        <a:rPr lang="en-GB" sz="1400" b="0" i="1" smtClean="0">
+                          <a:latin typeface="Cambria Math" panose="02040503050406030204" pitchFamily="18" charset="0"/>
+                        </a:rPr>
+                        <m:t>2732</m:t>
+                      </m:r>
+                      <m:r>
+                        <m:rPr>
+                          <m:sty m:val="p"/>
+                        </m:rPr>
+                        <a:rPr lang="el-GR" sz="1400" b="0" i="1" smtClean="0">
+                          <a:latin typeface="Cambria Math" panose="02040503050406030204" pitchFamily="18" charset="0"/>
+                        </a:rPr>
+                        <m:t>Ω</m:t>
+                      </m:r>
+                    </m:oMath>
+                  </m:oMathPara>
+                </a14:m>
+                <a:endParaRPr lang="en-GB" sz="1400" dirty="0">
+                  <a:latin typeface="HelveticaNeue"/>
+                </a:endParaRPr>
+              </a:p>
+            </p:txBody>
+          </p:sp>
+        </mc:Choice>
+        <mc:Fallback>
+          <p:sp>
+            <p:nvSpPr>
+              <p:cNvPr id="50" name="TextBox 49">
+                <a:extLst>
+                  <a:ext uri="{FF2B5EF4-FFF2-40B4-BE49-F238E27FC236}">
+                    <a16:creationId xmlns:a16="http://schemas.microsoft.com/office/drawing/2014/main" id="{65F35123-CA3D-4811-92FB-F3D36B1EBC0D}"/>
+                  </a:ext>
+                </a:extLst>
+              </p:cNvPr>
+              <p:cNvSpPr txBox="1">
+                <a:spLocks noRot="1" noChangeAspect="1" noMove="1" noResize="1" noEditPoints="1" noAdjustHandles="1" noChangeArrowheads="1" noChangeShapeType="1" noTextEdit="1"/>
+              </p:cNvSpPr>
+              <p:nvPr/>
+            </p:nvSpPr>
+            <p:spPr>
+              <a:xfrm>
+                <a:off x="6716859" y="2243071"/>
+                <a:ext cx="666714" cy="307777"/>
+              </a:xfrm>
+              <a:prstGeom prst="rect">
+                <a:avLst/>
+              </a:prstGeom>
+              <a:blipFill>
+                <a:blip r:embed="rId23"/>
+                <a:stretch>
+                  <a:fillRect r="-14679"/>
+                </a:stretch>
+              </a:blipFill>
+            </p:spPr>
+            <p:txBody>
+              <a:bodyPr/>
+              <a:lstStyle/>
+              <a:p>
+                <a:r>
+                  <a:rPr lang="en-GB">
+                    <a:noFill/>
+                  </a:rPr>
+                  <a:t> </a:t>
+                </a:r>
+              </a:p>
+            </p:txBody>
+          </p:sp>
+        </mc:Fallback>
+      </mc:AlternateContent>
+      <mc:AlternateContent xmlns:mc="http://schemas.openxmlformats.org/markup-compatibility/2006">
+        <mc:Choice xmlns:a14="http://schemas.microsoft.com/office/drawing/2010/main" Requires="a14">
+          <p:sp>
+            <p:nvSpPr>
+              <p:cNvPr id="51" name="Rectangle 50">
+                <a:extLst>
+                  <a:ext uri="{FF2B5EF4-FFF2-40B4-BE49-F238E27FC236}">
+                    <a16:creationId xmlns:a16="http://schemas.microsoft.com/office/drawing/2014/main" id="{7B0D4491-8668-4A3A-8ECE-00E0E179FC18}"/>
+                  </a:ext>
+                </a:extLst>
+              </p:cNvPr>
+              <p:cNvSpPr/>
+              <p:nvPr/>
+            </p:nvSpPr>
+            <p:spPr>
+              <a:xfrm>
+                <a:off x="8721514" y="2621237"/>
+                <a:ext cx="806764" cy="369332"/>
+              </a:xfrm>
+              <a:prstGeom prst="rect">
+                <a:avLst/>
+              </a:prstGeom>
+            </p:spPr>
+            <p:txBody>
+              <a:bodyPr wrap="square">
+                <a:spAutoFit/>
+              </a:bodyPr>
+              <a:lstStyle/>
+              <a:p>
+                <a14:m>
+                  <m:oMath xmlns:m="http://schemas.openxmlformats.org/officeDocument/2006/math">
+                    <m:sSub>
+                      <m:sSubPr>
+                        <m:ctrlPr>
+                          <a:rPr lang="en-GB" sz="1600" i="1" smtClean="0">
+                            <a:latin typeface="Cambria Math" panose="02040503050406030204" pitchFamily="18" charset="0"/>
+                          </a:rPr>
+                        </m:ctrlPr>
+                      </m:sSubPr>
+                      <m:e>
+                        <m:r>
+                          <a:rPr lang="en-GB" sz="1600" b="0" i="1" smtClean="0">
+                            <a:latin typeface="Cambria Math" panose="02040503050406030204" pitchFamily="18" charset="0"/>
+                          </a:rPr>
+                          <m:t>𝑉</m:t>
+                        </m:r>
+                      </m:e>
+                      <m:sub>
+                        <m:r>
+                          <a:rPr lang="en-GB" sz="1600" b="0" i="1" smtClean="0">
+                            <a:latin typeface="Cambria Math" panose="02040503050406030204" pitchFamily="18" charset="0"/>
+                          </a:rPr>
+                          <m:t>𝑜𝑢𝑡</m:t>
+                        </m:r>
+                        <m:r>
+                          <a:rPr lang="en-GB" sz="1600" b="0" i="1" smtClean="0">
+                            <a:latin typeface="Cambria Math" panose="02040503050406030204" pitchFamily="18" charset="0"/>
+                          </a:rPr>
+                          <m:t> </m:t>
+                        </m:r>
+                      </m:sub>
+                    </m:sSub>
+                  </m:oMath>
+                </a14:m>
+                <a:r>
+                  <a:rPr lang="en-GB" dirty="0"/>
+                  <a:t>=</a:t>
+                </a:r>
+              </a:p>
+            </p:txBody>
+          </p:sp>
+        </mc:Choice>
+        <mc:Fallback>
+          <p:sp>
+            <p:nvSpPr>
+              <p:cNvPr id="51" name="Rectangle 50">
+                <a:extLst>
+                  <a:ext uri="{FF2B5EF4-FFF2-40B4-BE49-F238E27FC236}">
+                    <a16:creationId xmlns:a16="http://schemas.microsoft.com/office/drawing/2014/main" id="{7B0D4491-8668-4A3A-8ECE-00E0E179FC18}"/>
+                  </a:ext>
+                </a:extLst>
+              </p:cNvPr>
+              <p:cNvSpPr>
+                <a:spLocks noRot="1" noChangeAspect="1" noMove="1" noResize="1" noEditPoints="1" noAdjustHandles="1" noChangeArrowheads="1" noChangeShapeType="1" noTextEdit="1"/>
+              </p:cNvSpPr>
+              <p:nvPr/>
+            </p:nvSpPr>
+            <p:spPr>
+              <a:xfrm>
+                <a:off x="8721514" y="2621237"/>
+                <a:ext cx="806764" cy="369332"/>
+              </a:xfrm>
+              <a:prstGeom prst="rect">
+                <a:avLst/>
+              </a:prstGeom>
+              <a:blipFill>
+                <a:blip r:embed="rId24"/>
+                <a:stretch>
+                  <a:fillRect t="-9836" b="-24590"/>
+                </a:stretch>
+              </a:blipFill>
+            </p:spPr>
+            <p:txBody>
+              <a:bodyPr/>
+              <a:lstStyle/>
+              <a:p>
+                <a:r>
+                  <a:rPr lang="en-GB">
+                    <a:noFill/>
+                  </a:rPr>
+                  <a:t> </a:t>
+                </a:r>
+              </a:p>
+            </p:txBody>
+          </p:sp>
+        </mc:Fallback>
+      </mc:AlternateContent>
+      <mc:AlternateContent xmlns:mc="http://schemas.openxmlformats.org/markup-compatibility/2006">
+        <mc:Choice xmlns:a14="http://schemas.microsoft.com/office/drawing/2010/main" Requires="a14">
+          <p:sp>
+            <p:nvSpPr>
+              <p:cNvPr id="53" name="TextBox 52">
+                <a:extLst>
+                  <a:ext uri="{FF2B5EF4-FFF2-40B4-BE49-F238E27FC236}">
+                    <a16:creationId xmlns:a16="http://schemas.microsoft.com/office/drawing/2014/main" id="{CF53CFED-216B-43B2-ABB4-5E22977DE78C}"/>
+                  </a:ext>
+                </a:extLst>
+              </p:cNvPr>
+              <p:cNvSpPr txBox="1"/>
+              <p:nvPr/>
+            </p:nvSpPr>
+            <p:spPr>
+              <a:xfrm>
+                <a:off x="6890063" y="5596469"/>
+                <a:ext cx="666714" cy="307777"/>
+              </a:xfrm>
+              <a:prstGeom prst="rect">
+                <a:avLst/>
+              </a:prstGeom>
+              <a:solidFill>
+                <a:schemeClr val="bg1"/>
+              </a:solidFill>
+            </p:spPr>
+            <p:txBody>
+              <a:bodyPr wrap="square" rtlCol="0">
+                <a:spAutoFit/>
+              </a:bodyPr>
+              <a:lstStyle/>
+              <a:p>
+                <a:pPr/>
+                <a14:m>
+                  <m:oMathPara xmlns:m="http://schemas.openxmlformats.org/officeDocument/2006/math">
+                    <m:oMathParaPr>
+                      <m:jc m:val="centerGroup"/>
+                    </m:oMathParaPr>
+                    <m:oMath xmlns:m="http://schemas.openxmlformats.org/officeDocument/2006/math">
+                      <m:r>
+                        <a:rPr lang="en-GB" sz="1400" b="0" i="1" smtClean="0">
+                          <a:latin typeface="Cambria Math" panose="02040503050406030204" pitchFamily="18" charset="0"/>
+                        </a:rPr>
+                        <m:t>49</m:t>
+                      </m:r>
+                      <m:r>
+                        <m:rPr>
+                          <m:sty m:val="p"/>
+                        </m:rPr>
+                        <a:rPr lang="el-GR" sz="1400" b="0" i="1" smtClean="0">
+                          <a:latin typeface="Cambria Math" panose="02040503050406030204" pitchFamily="18" charset="0"/>
+                        </a:rPr>
+                        <m:t>Ω</m:t>
+                      </m:r>
+                    </m:oMath>
+                  </m:oMathPara>
+                </a14:m>
+                <a:endParaRPr lang="en-GB" sz="1400" dirty="0">
+                  <a:latin typeface="HelveticaNeue"/>
+                </a:endParaRPr>
+              </a:p>
+            </p:txBody>
+          </p:sp>
+        </mc:Choice>
+        <mc:Fallback>
+          <p:sp>
+            <p:nvSpPr>
+              <p:cNvPr id="53" name="TextBox 52">
+                <a:extLst>
+                  <a:ext uri="{FF2B5EF4-FFF2-40B4-BE49-F238E27FC236}">
+                    <a16:creationId xmlns:a16="http://schemas.microsoft.com/office/drawing/2014/main" id="{CF53CFED-216B-43B2-ABB4-5E22977DE78C}"/>
+                  </a:ext>
+                </a:extLst>
+              </p:cNvPr>
+              <p:cNvSpPr txBox="1">
+                <a:spLocks noRot="1" noChangeAspect="1" noMove="1" noResize="1" noEditPoints="1" noAdjustHandles="1" noChangeArrowheads="1" noChangeShapeType="1" noTextEdit="1"/>
+              </p:cNvSpPr>
+              <p:nvPr/>
+            </p:nvSpPr>
+            <p:spPr>
+              <a:xfrm>
+                <a:off x="6890063" y="5596469"/>
+                <a:ext cx="666714" cy="307777"/>
+              </a:xfrm>
+              <a:prstGeom prst="rect">
+                <a:avLst/>
+              </a:prstGeom>
+              <a:blipFill>
+                <a:blip r:embed="rId25"/>
+                <a:stretch>
+                  <a:fillRect/>
+                </a:stretch>
+              </a:blipFill>
+            </p:spPr>
+            <p:txBody>
+              <a:bodyPr/>
+              <a:lstStyle/>
+              <a:p>
+                <a:r>
+                  <a:rPr lang="en-GB">
+                    <a:noFill/>
+                  </a:rPr>
+                  <a:t> </a:t>
+                </a:r>
+              </a:p>
+            </p:txBody>
+          </p:sp>
+        </mc:Fallback>
+      </mc:AlternateContent>
+      <p:grpSp>
+        <p:nvGrpSpPr>
+          <p:cNvPr id="6" name="Group 5">
+            <a:extLst>
+              <a:ext uri="{FF2B5EF4-FFF2-40B4-BE49-F238E27FC236}">
+                <a16:creationId xmlns:a16="http://schemas.microsoft.com/office/drawing/2014/main" id="{9575109E-6207-434D-8626-D22B76CF048A}"/>
+              </a:ext>
+            </a:extLst>
+          </p:cNvPr>
+          <p:cNvGrpSpPr/>
+          <p:nvPr/>
+        </p:nvGrpSpPr>
+        <p:grpSpPr>
+          <a:xfrm>
+            <a:off x="8502969" y="3828004"/>
+            <a:ext cx="1788340" cy="1153488"/>
+            <a:chOff x="8502969" y="3828004"/>
+            <a:chExt cx="1788340" cy="1153488"/>
+          </a:xfrm>
+        </p:grpSpPr>
+        <mc:AlternateContent xmlns:mc="http://schemas.openxmlformats.org/markup-compatibility/2006">
+          <mc:Choice xmlns:a14="http://schemas.microsoft.com/office/drawing/2010/main" Requires="a14">
+            <p:sp>
+              <p:nvSpPr>
+                <p:cNvPr id="2" name="Rectangle 1">
+                  <a:extLst>
+                    <a:ext uri="{FF2B5EF4-FFF2-40B4-BE49-F238E27FC236}">
+                      <a16:creationId xmlns:a16="http://schemas.microsoft.com/office/drawing/2014/main" id="{10835C85-9E0B-4BD8-BEA7-8C4DD0B00573}"/>
+                    </a:ext>
+                  </a:extLst>
+                </p:cNvPr>
+                <p:cNvSpPr/>
+                <p:nvPr/>
+              </p:nvSpPr>
+              <p:spPr>
+                <a:xfrm>
+                  <a:off x="8502969" y="3983217"/>
+                  <a:ext cx="1679754" cy="903902"/>
+                </a:xfrm>
+                <a:prstGeom prst="rect">
+                  <a:avLst/>
+                </a:prstGeom>
+              </p:spPr>
+              <p:txBody>
+                <a:bodyPr wrap="none">
+                  <a:spAutoFit/>
+                </a:bodyPr>
+                <a:lstStyle/>
+                <a:p>
+                  <a14:m>
+                    <m:oMathPara xmlns:m="http://schemas.openxmlformats.org/officeDocument/2006/math">
+                      <m:oMathParaPr>
+                        <m:jc m:val="centerGroup"/>
+                      </m:oMathParaPr>
+                      <m:oMath xmlns:m="http://schemas.openxmlformats.org/officeDocument/2006/math">
+                        <m:sSub>
+                          <m:sSubPr>
+                            <m:ctrlPr>
+                              <a:rPr lang="en-GB" i="1" smtClean="0">
+                                <a:latin typeface="Cambria Math" panose="02040503050406030204" pitchFamily="18" charset="0"/>
+                              </a:rPr>
+                            </m:ctrlPr>
+                          </m:sSubPr>
+                          <m:e>
+                            <m:r>
+                              <a:rPr lang="en-GB" i="1">
+                                <a:latin typeface="Cambria Math" panose="02040503050406030204" pitchFamily="18" charset="0"/>
+                              </a:rPr>
+                              <m:t>𝑉</m:t>
+                            </m:r>
+                          </m:e>
+                          <m:sub>
+                            <m:r>
+                              <a:rPr lang="en-GB" b="0" i="1" smtClean="0">
+                                <a:latin typeface="Cambria Math" panose="02040503050406030204" pitchFamily="18" charset="0"/>
+                              </a:rPr>
+                              <m:t>𝑖𝑛</m:t>
+                            </m:r>
+                          </m:sub>
+                        </m:sSub>
+                        <m:r>
+                          <a:rPr lang="en-GB" i="1">
+                            <a:latin typeface="Cambria Math" panose="02040503050406030204" pitchFamily="18" charset="0"/>
+                          </a:rPr>
+                          <m:t>= </m:t>
+                        </m:r>
+                        <m:f>
+                          <m:fPr>
+                            <m:ctrlPr>
+                              <a:rPr lang="en-GB" i="1" smtClean="0">
+                                <a:latin typeface="Cambria Math" panose="02040503050406030204" pitchFamily="18" charset="0"/>
+                              </a:rPr>
+                            </m:ctrlPr>
+                          </m:fPr>
+                          <m:num>
+                            <m:sSub>
+                              <m:sSubPr>
+                                <m:ctrlPr>
+                                  <a:rPr lang="en-GB" i="1" smtClean="0">
+                                    <a:latin typeface="Cambria Math" panose="02040503050406030204" pitchFamily="18" charset="0"/>
+                                  </a:rPr>
+                                </m:ctrlPr>
+                              </m:sSubPr>
+                              <m:e>
+                                <m:r>
+                                  <a:rPr lang="en-GB" b="0" i="1" smtClean="0">
+                                    <a:latin typeface="Cambria Math" panose="02040503050406030204" pitchFamily="18" charset="0"/>
+                                  </a:rPr>
+                                  <m:t>𝑉</m:t>
+                                </m:r>
+                              </m:e>
+                              <m:sub>
+                                <m:r>
+                                  <a:rPr lang="en-GB" b="0" i="1" smtClean="0">
+                                    <a:latin typeface="Cambria Math" panose="02040503050406030204" pitchFamily="18" charset="0"/>
+                                  </a:rPr>
+                                  <m:t>𝑜𝑢𝑡</m:t>
+                                </m:r>
+                              </m:sub>
+                            </m:sSub>
+                          </m:num>
+                          <m:den>
+                            <m:f>
+                              <m:fPr>
+                                <m:ctrlPr>
+                                  <a:rPr lang="en-GB" i="1">
+                                    <a:latin typeface="Cambria Math" panose="02040503050406030204" pitchFamily="18" charset="0"/>
+                                  </a:rPr>
+                                </m:ctrlPr>
+                              </m:fPr>
+                              <m:num>
+                                <m:sSub>
+                                  <m:sSubPr>
+                                    <m:ctrlPr>
+                                      <a:rPr lang="en-GB" i="1">
+                                        <a:latin typeface="Cambria Math" panose="02040503050406030204" pitchFamily="18" charset="0"/>
+                                      </a:rPr>
+                                    </m:ctrlPr>
+                                  </m:sSubPr>
+                                  <m:e>
+                                    <m:r>
+                                      <a:rPr lang="en-GB" i="1">
+                                        <a:latin typeface="Cambria Math" panose="02040503050406030204" pitchFamily="18" charset="0"/>
+                                      </a:rPr>
+                                      <m:t>𝑅</m:t>
+                                    </m:r>
+                                  </m:e>
+                                  <m:sub>
+                                    <m:r>
+                                      <a:rPr lang="en-GB" i="1">
+                                        <a:latin typeface="Cambria Math" panose="02040503050406030204" pitchFamily="18" charset="0"/>
+                                      </a:rPr>
+                                      <m:t>2</m:t>
+                                    </m:r>
+                                  </m:sub>
+                                </m:sSub>
+                              </m:num>
+                              <m:den>
+                                <m:sSub>
+                                  <m:sSubPr>
+                                    <m:ctrlPr>
+                                      <a:rPr lang="en-GB" i="1">
+                                        <a:latin typeface="Cambria Math" panose="02040503050406030204" pitchFamily="18" charset="0"/>
+                                      </a:rPr>
+                                    </m:ctrlPr>
+                                  </m:sSubPr>
+                                  <m:e>
+                                    <m:r>
+                                      <a:rPr lang="en-GB" i="1">
+                                        <a:latin typeface="Cambria Math" panose="02040503050406030204" pitchFamily="18" charset="0"/>
+                                      </a:rPr>
+                                      <m:t>𝑅</m:t>
+                                    </m:r>
+                                  </m:e>
+                                  <m:sub>
+                                    <m:r>
+                                      <a:rPr lang="en-GB" i="1">
+                                        <a:latin typeface="Cambria Math" panose="02040503050406030204" pitchFamily="18" charset="0"/>
+                                      </a:rPr>
+                                      <m:t>1</m:t>
+                                    </m:r>
+                                  </m:sub>
+                                </m:sSub>
+                                <m:r>
+                                  <a:rPr lang="en-GB" i="1">
+                                    <a:latin typeface="Cambria Math" panose="02040503050406030204" pitchFamily="18" charset="0"/>
+                                  </a:rPr>
+                                  <m:t>+</m:t>
+                                </m:r>
+                                <m:sSub>
+                                  <m:sSubPr>
+                                    <m:ctrlPr>
+                                      <a:rPr lang="en-GB" i="1">
+                                        <a:latin typeface="Cambria Math" panose="02040503050406030204" pitchFamily="18" charset="0"/>
+                                      </a:rPr>
+                                    </m:ctrlPr>
+                                  </m:sSubPr>
+                                  <m:e>
+                                    <m:r>
+                                      <a:rPr lang="en-GB" i="1">
+                                        <a:latin typeface="Cambria Math" panose="02040503050406030204" pitchFamily="18" charset="0"/>
+                                      </a:rPr>
+                                      <m:t>𝑅</m:t>
+                                    </m:r>
+                                  </m:e>
+                                  <m:sub>
+                                    <m:r>
+                                      <a:rPr lang="en-GB" i="1">
+                                        <a:latin typeface="Cambria Math" panose="02040503050406030204" pitchFamily="18" charset="0"/>
+                                      </a:rPr>
+                                      <m:t>2</m:t>
+                                    </m:r>
+                                  </m:sub>
+                                </m:sSub>
+                              </m:den>
+                            </m:f>
+                          </m:den>
+                        </m:f>
+                      </m:oMath>
+                    </m:oMathPara>
+                  </a14:m>
+                  <a:endParaRPr lang="en-GB" dirty="0"/>
+                </a:p>
+              </p:txBody>
+            </p:sp>
+          </mc:Choice>
+          <mc:Fallback>
+            <p:sp>
+              <p:nvSpPr>
+                <p:cNvPr id="2" name="Rectangle 1">
+                  <a:extLst>
+                    <a:ext uri="{FF2B5EF4-FFF2-40B4-BE49-F238E27FC236}">
+                      <a16:creationId xmlns:a16="http://schemas.microsoft.com/office/drawing/2014/main" id="{10835C85-9E0B-4BD8-BEA7-8C4DD0B00573}"/>
+                    </a:ext>
+                  </a:extLst>
+                </p:cNvPr>
+                <p:cNvSpPr>
+                  <a:spLocks noRot="1" noChangeAspect="1" noMove="1" noResize="1" noEditPoints="1" noAdjustHandles="1" noChangeArrowheads="1" noChangeShapeType="1" noTextEdit="1"/>
+                </p:cNvSpPr>
+                <p:nvPr/>
+              </p:nvSpPr>
+              <p:spPr>
+                <a:xfrm>
+                  <a:off x="8502969" y="3983217"/>
+                  <a:ext cx="1679754" cy="903902"/>
+                </a:xfrm>
+                <a:prstGeom prst="rect">
+                  <a:avLst/>
+                </a:prstGeom>
+                <a:blipFill>
+                  <a:blip r:embed="rId26"/>
+                  <a:stretch>
+                    <a:fillRect/>
+                  </a:stretch>
+                </a:blipFill>
+              </p:spPr>
+              <p:txBody>
+                <a:bodyPr/>
+                <a:lstStyle/>
+                <a:p>
+                  <a:r>
+                    <a:rPr lang="en-GB">
+                      <a:noFill/>
+                    </a:rPr>
+                    <a:t> </a:t>
+                  </a:r>
+                </a:p>
+              </p:txBody>
+            </p:sp>
+          </mc:Fallback>
+        </mc:AlternateContent>
+        <p:sp>
+          <p:nvSpPr>
+            <p:cNvPr id="3" name="Rectangle 2">
+              <a:extLst>
+                <a:ext uri="{FF2B5EF4-FFF2-40B4-BE49-F238E27FC236}">
+                  <a16:creationId xmlns:a16="http://schemas.microsoft.com/office/drawing/2014/main" id="{8E4D5A27-DE13-45CC-85CA-54D5C43F4878}"/>
+                </a:ext>
+              </a:extLst>
+            </p:cNvPr>
+            <p:cNvSpPr/>
+            <p:nvPr/>
+          </p:nvSpPr>
+          <p:spPr>
+            <a:xfrm>
+              <a:off x="8534979" y="3828004"/>
+              <a:ext cx="1756330" cy="1153488"/>
+            </a:xfrm>
+            <a:prstGeom prst="rect">
+              <a:avLst/>
+            </a:prstGeom>
+            <a:noFill/>
+            <a:ln w="9525" cap="flat" cmpd="sng" algn="ctr">
+              <a:solidFill>
+                <a:schemeClr val="accent1"/>
+              </a:solidFill>
+              <a:prstDash val="solid"/>
+              <a:round/>
+              <a:headEnd type="none" w="med" len="med"/>
+              <a:tailEnd type="none" w="med" len="med"/>
+            </a:ln>
+          </p:spPr>
+          <p:style>
+            <a:lnRef idx="0">
+              <a:scrgbClr r="0" g="0" b="0"/>
+            </a:lnRef>
+            <a:fillRef idx="0">
+              <a:scrgbClr r="0" g="0" b="0"/>
+            </a:fillRef>
+            <a:effectRef idx="0">
+              <a:scrgbClr r="0" g="0" b="0"/>
+            </a:effectRef>
+            <a:fontRef idx="minor">
+              <a:schemeClr val="accent1"/>
+            </a:fontRef>
+          </p:style>
+          <p:txBody>
+            <a:bodyPr rtlCol="0" anchor="ctr"/>
+            <a:lstStyle/>
+            <a:p>
+              <a:pPr algn="ctr"/>
+              <a:endParaRPr lang="en-GB"/>
+            </a:p>
+          </p:txBody>
+        </p:sp>
+      </p:grpSp>
     </p:spTree>
     <p:extLst>
       <p:ext uri="{BB962C8B-B14F-4D97-AF65-F5344CB8AC3E}">
@@ -9809,6 +11542,33 @@
                                   </p:childTnLst>
                                 </p:cTn>
                               </p:par>
+                              <p:par>
+                                <p:cTn id="19" presetID="1" presetClass="entr" presetSubtype="0" fill="hold" nodeType="withEffect">
+                                  <p:stCondLst>
+                                    <p:cond delay="0"/>
+                                  </p:stCondLst>
+                                  <p:childTnLst>
+                                    <p:set>
+                                      <p:cBhvr>
+                                        <p:cTn id="20" dur="1" fill="hold">
+                                          <p:stCondLst>
+                                            <p:cond delay="0"/>
+                                          </p:stCondLst>
+                                        </p:cTn>
+                                        <p:tgtEl>
+                                          <p:spTgt spid="6"/>
+                                        </p:tgtEl>
+                                        <p:attrNameLst>
+                                          <p:attrName>style.visibility</p:attrName>
+                                        </p:attrNameLst>
+                                      </p:cBhvr>
+                                      <p:to>
+                                        <p:strVal val="visible"/>
+                                      </p:to>
+                                    </p:set>
+                                  </p:childTnLst>
+                                </p:cTn>
+                              </p:par>
                             </p:childTnLst>
                           </p:cTn>
                         </p:par>
@@ -9868,7 +11628,7 @@
           <p:cNvPr id="4" name="Picture 6" descr="IoT Power Management">
             <a:extLst>
               <a:ext uri="{FF2B5EF4-FFF2-40B4-BE49-F238E27FC236}">
-                <a16:creationId xmlns:a16="http://schemas.microsoft.com/office/drawing/2014/main" id="{AB56906E-A5BF-4A43-B5A5-A4D35A10214B}"/>
+                <a16:creationId xmlns:a16="http://schemas.microsoft.com/office/drawing/2014/main" id="{46ECB3ED-E9B9-4CA7-BD77-0F20654B34C4}"/>
               </a:ext>
             </a:extLst>
           </p:cNvPr>
@@ -9878,13 +11638,13 @@
           <p:nvPr/>
         </p:nvPicPr>
         <p:blipFill rotWithShape="1">
-          <a:blip r:embed="rId2">
+          <a:blip r:embed="rId3">
             <a:duotone>
+              <a:prstClr val="black"/>
               <a:schemeClr val="accent6">
-                <a:shade val="45000"/>
-                <a:satMod val="135000"/>
+                <a:tint val="45000"/>
+                <a:satMod val="400000"/>
               </a:schemeClr>
-              <a:prstClr val="white"/>
             </a:duotone>
             <a:extLst>
               <a:ext uri="{28A0092B-C50C-407E-A947-70E740481C1C}">
@@ -9897,8 +11657,8 @@
         </p:blipFill>
         <p:spPr bwMode="auto">
           <a:xfrm>
-            <a:off x="9525" y="5388348"/>
-            <a:ext cx="1469651" cy="1469651"/>
+            <a:off x="9525" y="5393006"/>
+            <a:ext cx="1464993" cy="1464993"/>
           </a:xfrm>
           <a:prstGeom prst="rect">
             <a:avLst/>
@@ -9920,7 +11680,7 @@
           <p:cNvPr id="5" name="Rectangle 4">
             <a:extLst>
               <a:ext uri="{FF2B5EF4-FFF2-40B4-BE49-F238E27FC236}">
-                <a16:creationId xmlns:a16="http://schemas.microsoft.com/office/drawing/2014/main" id="{51F822E3-A136-4C05-A248-D51173F93D31}"/>
+                <a16:creationId xmlns:a16="http://schemas.microsoft.com/office/drawing/2014/main" id="{0C70E65E-6D1D-4B65-8564-13836D36E795}"/>
               </a:ext>
             </a:extLst>
           </p:cNvPr>
@@ -9969,156 +11729,12 @@
           </a:p>
         </p:txBody>
       </p:sp>
-      <p:pic>
-        <p:nvPicPr>
-          <p:cNvPr id="8" name="Picture 7" descr="A close up of a device&#10;&#10;Description automatically generated">
-            <a:extLst>
-              <a:ext uri="{FF2B5EF4-FFF2-40B4-BE49-F238E27FC236}">
-                <a16:creationId xmlns:a16="http://schemas.microsoft.com/office/drawing/2014/main" id="{D121135D-650E-48D8-AB3E-73C74192B340}"/>
-              </a:ext>
-            </a:extLst>
-          </p:cNvPr>
-          <p:cNvPicPr>
-            <a:picLocks noChangeAspect="1"/>
-          </p:cNvPicPr>
-          <p:nvPr/>
-        </p:nvPicPr>
-        <p:blipFill>
-          <a:blip r:embed="rId3">
-            <a:extLst>
-              <a:ext uri="{28A0092B-C50C-407E-A947-70E740481C1C}">
-                <a14:useLocalDpi xmlns:a14="http://schemas.microsoft.com/office/drawing/2010/main" val="0"/>
-              </a:ext>
-            </a:extLst>
-          </a:blip>
-          <a:stretch>
-            <a:fillRect/>
-          </a:stretch>
-        </p:blipFill>
-        <p:spPr>
-          <a:xfrm>
-            <a:off x="3622078" y="3698474"/>
-            <a:ext cx="1933575" cy="2181225"/>
-          </a:xfrm>
-          <a:prstGeom prst="rect">
-            <a:avLst/>
-          </a:prstGeom>
-        </p:spPr>
-      </p:pic>
-      <p:pic>
-        <p:nvPicPr>
-          <p:cNvPr id="12" name="Picture 11">
-            <a:extLst>
-              <a:ext uri="{FF2B5EF4-FFF2-40B4-BE49-F238E27FC236}">
-                <a16:creationId xmlns:a16="http://schemas.microsoft.com/office/drawing/2014/main" id="{3E584233-0115-44F7-90ED-7F748B2E404D}"/>
-              </a:ext>
-            </a:extLst>
-          </p:cNvPr>
-          <p:cNvPicPr>
-            <a:picLocks noChangeAspect="1"/>
-          </p:cNvPicPr>
-          <p:nvPr/>
-        </p:nvPicPr>
-        <p:blipFill>
-          <a:blip r:embed="rId4">
-            <a:extLst>
-              <a:ext uri="{28A0092B-C50C-407E-A947-70E740481C1C}">
-                <a14:useLocalDpi xmlns:a14="http://schemas.microsoft.com/office/drawing/2010/main" val="0"/>
-              </a:ext>
-            </a:extLst>
-          </a:blip>
-          <a:stretch>
-            <a:fillRect/>
-          </a:stretch>
-        </p:blipFill>
-        <p:spPr>
-          <a:xfrm rot="5400000">
-            <a:off x="9128476" y="2522973"/>
-            <a:ext cx="1857375" cy="3267075"/>
-          </a:xfrm>
-          <a:prstGeom prst="rect">
-            <a:avLst/>
-          </a:prstGeom>
-        </p:spPr>
-      </p:pic>
-      <p:pic>
-        <p:nvPicPr>
-          <p:cNvPr id="16" name="Picture 15" descr="A close up of a device&#10;&#10;Description automatically generated">
-            <a:extLst>
-              <a:ext uri="{FF2B5EF4-FFF2-40B4-BE49-F238E27FC236}">
-                <a16:creationId xmlns:a16="http://schemas.microsoft.com/office/drawing/2014/main" id="{877B6725-5F56-4A29-999B-D6D8CC1D7B34}"/>
-              </a:ext>
-            </a:extLst>
-          </p:cNvPr>
-          <p:cNvPicPr>
-            <a:picLocks noChangeAspect="1"/>
-          </p:cNvPicPr>
-          <p:nvPr/>
-        </p:nvPicPr>
-        <p:blipFill>
-          <a:blip r:embed="rId5">
-            <a:extLst>
-              <a:ext uri="{28A0092B-C50C-407E-A947-70E740481C1C}">
-                <a14:useLocalDpi xmlns:a14="http://schemas.microsoft.com/office/drawing/2010/main" val="0"/>
-              </a:ext>
-            </a:extLst>
-          </a:blip>
-          <a:stretch>
-            <a:fillRect/>
-          </a:stretch>
-        </p:blipFill>
-        <p:spPr>
-          <a:xfrm>
-            <a:off x="196514" y="771595"/>
-            <a:ext cx="3571862" cy="2783541"/>
-          </a:xfrm>
-          <a:prstGeom prst="rect">
-            <a:avLst/>
-          </a:prstGeom>
-        </p:spPr>
-      </p:pic>
-      <p:pic>
-        <p:nvPicPr>
-          <p:cNvPr id="18" name="Picture 17" descr="A close up of a device&#10;&#10;Description automatically generated">
-            <a:extLst>
-              <a:ext uri="{FF2B5EF4-FFF2-40B4-BE49-F238E27FC236}">
-                <a16:creationId xmlns:a16="http://schemas.microsoft.com/office/drawing/2014/main" id="{EDB71E5F-7FD6-49C3-BCC9-696884EC09DE}"/>
-              </a:ext>
-            </a:extLst>
-          </p:cNvPr>
-          <p:cNvPicPr>
-            <a:picLocks noChangeAspect="1"/>
-          </p:cNvPicPr>
-          <p:nvPr/>
-        </p:nvPicPr>
-        <p:blipFill>
-          <a:blip r:embed="rId6">
-            <a:extLst>
-              <a:ext uri="{28A0092B-C50C-407E-A947-70E740481C1C}">
-                <a14:useLocalDpi xmlns:a14="http://schemas.microsoft.com/office/drawing/2010/main" val="0"/>
-              </a:ext>
-            </a:extLst>
-          </a:blip>
-          <a:stretch>
-            <a:fillRect/>
-          </a:stretch>
-        </p:blipFill>
-        <p:spPr>
-          <a:xfrm>
-            <a:off x="6553676" y="717806"/>
-            <a:ext cx="3048000" cy="2286000"/>
-          </a:xfrm>
-          <a:prstGeom prst="rect">
-            <a:avLst/>
-          </a:prstGeom>
-        </p:spPr>
-      </p:pic>
       <p:sp>
         <p:nvSpPr>
-          <p:cNvPr id="19" name="TextBox 18">
+          <p:cNvPr id="7" name="TextBox 6">
             <a:extLst>
               <a:ext uri="{FF2B5EF4-FFF2-40B4-BE49-F238E27FC236}">
-                <a16:creationId xmlns:a16="http://schemas.microsoft.com/office/drawing/2014/main" id="{69D8B01E-5EE5-4A5D-8133-805041783EA2}"/>
+                <a16:creationId xmlns:a16="http://schemas.microsoft.com/office/drawing/2014/main" id="{CCB58016-D133-4B6B-AEAB-99495F16BB75}"/>
               </a:ext>
             </a:extLst>
           </p:cNvPr>
@@ -10127,8 +11743,8 @@
         </p:nvSpPr>
         <p:spPr>
           <a:xfrm>
-            <a:off x="3375212" y="197629"/>
-            <a:ext cx="3685397" cy="646331"/>
+            <a:off x="1354250" y="1242430"/>
+            <a:ext cx="8438927" cy="1119281"/>
           </a:xfrm>
           <a:prstGeom prst="rect">
             <a:avLst/>
@@ -10141,6 +11757,136 @@
           </a:bodyPr>
           <a:lstStyle/>
           <a:p>
+            <a:r>
+              <a:rPr lang="en-GB" sz="1820" dirty="0">
+                <a:latin typeface="HelveticaNeue"/>
+              </a:rPr>
+              <a:t>The </a:t>
+            </a:r>
+            <a:r>
+              <a:rPr lang="en-GB" sz="1820" dirty="0">
+                <a:solidFill>
+                  <a:schemeClr val="accent1">
+                    <a:lumMod val="75000"/>
+                  </a:schemeClr>
+                </a:solidFill>
+                <a:latin typeface="HelveticaNeue"/>
+              </a:rPr>
+              <a:t>Microcontroller</a:t>
+            </a:r>
+            <a:r>
+              <a:rPr lang="en-GB" sz="1820" dirty="0">
+                <a:latin typeface="HelveticaNeue"/>
+              </a:rPr>
+              <a:t> a is device that can process </a:t>
+            </a:r>
+            <a:r>
+              <a:rPr lang="en-GB" sz="1820" dirty="0">
+                <a:solidFill>
+                  <a:schemeClr val="accent1">
+                    <a:lumMod val="75000"/>
+                  </a:schemeClr>
+                </a:solidFill>
+                <a:latin typeface="HelveticaNeue"/>
+              </a:rPr>
+              <a:t>one</a:t>
+            </a:r>
+            <a:r>
+              <a:rPr lang="en-GB" sz="1820" dirty="0">
+                <a:latin typeface="HelveticaNeue"/>
+              </a:rPr>
+              <a:t> action at a time.  For this project we are using the providing power for a </a:t>
+            </a:r>
+            <a:r>
+              <a:rPr lang="en-GB" sz="1820" dirty="0">
+                <a:solidFill>
+                  <a:schemeClr val="accent1">
+                    <a:lumMod val="75000"/>
+                  </a:schemeClr>
+                </a:solidFill>
+                <a:latin typeface="HelveticaNeue"/>
+              </a:rPr>
+              <a:t>Ardunio MKR1010 </a:t>
+            </a:r>
+            <a:r>
+              <a:rPr lang="en-GB" sz="1820" dirty="0" err="1">
+                <a:solidFill>
+                  <a:schemeClr val="accent1">
+                    <a:lumMod val="75000"/>
+                  </a:schemeClr>
+                </a:solidFill>
+                <a:latin typeface="HelveticaNeue"/>
+              </a:rPr>
+              <a:t>WiFi</a:t>
+            </a:r>
+            <a:r>
+              <a:rPr lang="en-GB" sz="1820" dirty="0">
+                <a:solidFill>
+                  <a:schemeClr val="accent1">
+                    <a:lumMod val="75000"/>
+                  </a:schemeClr>
+                </a:solidFill>
+                <a:latin typeface="HelveticaNeue"/>
+              </a:rPr>
+              <a:t>. </a:t>
+            </a:r>
+            <a:r>
+              <a:rPr lang="en-GB" sz="1820" dirty="0">
+                <a:latin typeface="HelveticaNeue"/>
+              </a:rPr>
+              <a:t>Other than sending our data over </a:t>
+            </a:r>
+            <a:r>
+              <a:rPr lang="en-GB" sz="1820" dirty="0" err="1">
+                <a:latin typeface="HelveticaNeue"/>
+              </a:rPr>
+              <a:t>WiFi</a:t>
+            </a:r>
+            <a:r>
+              <a:rPr lang="en-GB" sz="1820" dirty="0">
+                <a:latin typeface="HelveticaNeue"/>
+              </a:rPr>
+              <a:t> and sensors it serves another function.  </a:t>
+            </a:r>
+            <a:endParaRPr lang="en-GB" sz="1820" baseline="-25000" dirty="0">
+              <a:latin typeface="HelveticaNeue"/>
+            </a:endParaRPr>
+          </a:p>
+          <a:p>
+            <a:endParaRPr lang="en-GB" sz="1820" baseline="-25000" dirty="0">
+              <a:latin typeface="HelveticaNeue"/>
+            </a:endParaRPr>
+          </a:p>
+        </p:txBody>
+      </p:sp>
+      <p:sp>
+        <p:nvSpPr>
+          <p:cNvPr id="10" name="TextBox 9">
+            <a:extLst>
+              <a:ext uri="{FF2B5EF4-FFF2-40B4-BE49-F238E27FC236}">
+                <a16:creationId xmlns:a16="http://schemas.microsoft.com/office/drawing/2014/main" id="{F6D0DE25-9A5B-4C9A-AE29-378CE9BEB346}"/>
+              </a:ext>
+            </a:extLst>
+          </p:cNvPr>
+          <p:cNvSpPr txBox="1"/>
+          <p:nvPr/>
+        </p:nvSpPr>
+        <p:spPr>
+          <a:xfrm>
+            <a:off x="2293013" y="231391"/>
+            <a:ext cx="7292102" cy="646331"/>
+          </a:xfrm>
+          <a:prstGeom prst="rect">
+            <a:avLst/>
+          </a:prstGeom>
+          <a:noFill/>
+        </p:spPr>
+        <p:txBody>
+          <a:bodyPr wrap="square" rtlCol="0">
+            <a:spAutoFit/>
+          </a:bodyPr>
+          <a:lstStyle/>
+          <a:p>
             <a:pPr algn="ctr"/>
             <a:r>
               <a:rPr lang="en-GB" sz="3600" dirty="0">
@@ -10151,17 +11897,17 @@
                 </a:solidFill>
                 <a:latin typeface="3ds" panose="02000503020000020004" pitchFamily="2" charset="0"/>
               </a:rPr>
-              <a:t>Project Sensors</a:t>
+              <a:t>Analogue to Digital Converter </a:t>
             </a:r>
           </a:p>
         </p:txBody>
       </p:sp>
       <p:pic>
         <p:nvPicPr>
-          <p:cNvPr id="20" name="Picture 19" descr="A picture containing object&#10;&#10;Description automatically generated">
+          <p:cNvPr id="12" name="Picture 11">
             <a:extLst>
               <a:ext uri="{FF2B5EF4-FFF2-40B4-BE49-F238E27FC236}">
-                <a16:creationId xmlns:a16="http://schemas.microsoft.com/office/drawing/2014/main" id="{84D6A698-1D8A-4E49-BFE8-C779D4619DB0}"/>
+                <a16:creationId xmlns:a16="http://schemas.microsoft.com/office/drawing/2014/main" id="{A374DB3F-FBE9-40C4-9ABA-B9991BF64BCE}"/>
               </a:ext>
             </a:extLst>
           </p:cNvPr>
@@ -10171,194 +11917,7 @@
           <p:nvPr/>
         </p:nvPicPr>
         <p:blipFill>
-          <a:blip r:embed="rId7">
-            <a:duotone>
-              <a:prstClr val="black"/>
-              <a:schemeClr val="accent1">
-                <a:tint val="45000"/>
-                <a:satMod val="400000"/>
-              </a:schemeClr>
-            </a:duotone>
-            <a:extLst>
-              <a:ext uri="{28A0092B-C50C-407E-A947-70E740481C1C}">
-                <a14:useLocalDpi xmlns:a14="http://schemas.microsoft.com/office/drawing/2010/main" val="0"/>
-              </a:ext>
-            </a:extLst>
-          </a:blip>
-          <a:stretch>
-            <a:fillRect/>
-          </a:stretch>
-        </p:blipFill>
-        <p:spPr>
-          <a:xfrm>
-            <a:off x="7060608" y="51487"/>
-            <a:ext cx="923330" cy="923330"/>
-          </a:xfrm>
-          <a:prstGeom prst="rect">
-            <a:avLst/>
-          </a:prstGeom>
-        </p:spPr>
-      </p:pic>
-      <p:sp>
-        <p:nvSpPr>
-          <p:cNvPr id="22" name="Rectangle 21">
-            <a:extLst>
-              <a:ext uri="{FF2B5EF4-FFF2-40B4-BE49-F238E27FC236}">
-                <a16:creationId xmlns:a16="http://schemas.microsoft.com/office/drawing/2014/main" id="{4A8A09AA-77BC-4F18-A10E-3602AF130FB6}"/>
-              </a:ext>
-            </a:extLst>
-          </p:cNvPr>
-          <p:cNvSpPr/>
-          <p:nvPr/>
-        </p:nvSpPr>
-        <p:spPr>
-          <a:xfrm>
-            <a:off x="725008" y="3362293"/>
-            <a:ext cx="2720788" cy="646331"/>
-          </a:xfrm>
-          <a:prstGeom prst="rect">
-            <a:avLst/>
-          </a:prstGeom>
-        </p:spPr>
-        <p:txBody>
-          <a:bodyPr wrap="square">
-            <a:spAutoFit/>
-          </a:bodyPr>
-          <a:lstStyle/>
-          <a:p>
-            <a:r>
-              <a:rPr lang="en-GB" dirty="0">
-                <a:latin typeface="HelveticaNeue"/>
-              </a:rPr>
-              <a:t>Dust Concentration Sensor</a:t>
-            </a:r>
-          </a:p>
-        </p:txBody>
-      </p:sp>
-      <p:sp>
-        <p:nvSpPr>
-          <p:cNvPr id="23" name="Rectangle 22">
-            <a:extLst>
-              <a:ext uri="{FF2B5EF4-FFF2-40B4-BE49-F238E27FC236}">
-                <a16:creationId xmlns:a16="http://schemas.microsoft.com/office/drawing/2014/main" id="{553FA097-C6D2-45C2-8865-0066A976590B}"/>
-              </a:ext>
-            </a:extLst>
-          </p:cNvPr>
-          <p:cNvSpPr/>
-          <p:nvPr/>
-        </p:nvSpPr>
-        <p:spPr>
-          <a:xfrm>
-            <a:off x="3445796" y="5865519"/>
-            <a:ext cx="2720788" cy="369332"/>
-          </a:xfrm>
-          <a:prstGeom prst="rect">
-            <a:avLst/>
-          </a:prstGeom>
-        </p:spPr>
-        <p:txBody>
-          <a:bodyPr wrap="square">
-            <a:spAutoFit/>
-          </a:bodyPr>
-          <a:lstStyle/>
-          <a:p>
-            <a:r>
-              <a:rPr lang="en-GB" dirty="0">
-                <a:latin typeface="HelveticaNeue"/>
-              </a:rPr>
-              <a:t>Light Intensity Sensor</a:t>
-            </a:r>
-          </a:p>
-        </p:txBody>
-      </p:sp>
-      <p:sp>
-        <p:nvSpPr>
-          <p:cNvPr id="24" name="Rectangle 23">
-            <a:extLst>
-              <a:ext uri="{FF2B5EF4-FFF2-40B4-BE49-F238E27FC236}">
-                <a16:creationId xmlns:a16="http://schemas.microsoft.com/office/drawing/2014/main" id="{9D9D7BB0-969E-4FE7-B1D4-093837449124}"/>
-              </a:ext>
-            </a:extLst>
-          </p:cNvPr>
-          <p:cNvSpPr/>
-          <p:nvPr/>
-        </p:nvSpPr>
-        <p:spPr>
-          <a:xfrm>
-            <a:off x="6880888" y="2615576"/>
-            <a:ext cx="2720788" cy="369332"/>
-          </a:xfrm>
-          <a:prstGeom prst="rect">
-            <a:avLst/>
-          </a:prstGeom>
-        </p:spPr>
-        <p:txBody>
-          <a:bodyPr wrap="square">
-            <a:spAutoFit/>
-          </a:bodyPr>
-          <a:lstStyle/>
-          <a:p>
-            <a:r>
-              <a:rPr lang="en-GB" dirty="0">
-                <a:latin typeface="HelveticaNeue"/>
-              </a:rPr>
-              <a:t>MQ5 Gas Sensor</a:t>
-            </a:r>
-          </a:p>
-        </p:txBody>
-      </p:sp>
-      <p:sp>
-        <p:nvSpPr>
-          <p:cNvPr id="25" name="Rectangle 24">
-            <a:extLst>
-              <a:ext uri="{FF2B5EF4-FFF2-40B4-BE49-F238E27FC236}">
-                <a16:creationId xmlns:a16="http://schemas.microsoft.com/office/drawing/2014/main" id="{ABE21C56-A126-4BAD-AD20-AC6C54CE4F03}"/>
-              </a:ext>
-            </a:extLst>
-          </p:cNvPr>
-          <p:cNvSpPr/>
-          <p:nvPr/>
-        </p:nvSpPr>
-        <p:spPr>
-          <a:xfrm>
-            <a:off x="8339329" y="5065182"/>
-            <a:ext cx="3905560" cy="646331"/>
-          </a:xfrm>
-          <a:prstGeom prst="rect">
-            <a:avLst/>
-          </a:prstGeom>
-        </p:spPr>
-        <p:txBody>
-          <a:bodyPr wrap="square">
-            <a:spAutoFit/>
-          </a:bodyPr>
-          <a:lstStyle/>
-          <a:p>
-            <a:r>
-              <a:rPr lang="en-GB" dirty="0">
-                <a:latin typeface="HelveticaNeue"/>
-              </a:rPr>
-              <a:t>BME280 Pressure, Humidity and Temperature Sensor</a:t>
-            </a:r>
-          </a:p>
-        </p:txBody>
-      </p:sp>
-      <p:pic>
-        <p:nvPicPr>
-          <p:cNvPr id="15" name="Picture 14">
-            <a:extLst>
-              <a:ext uri="{FF2B5EF4-FFF2-40B4-BE49-F238E27FC236}">
-                <a16:creationId xmlns:a16="http://schemas.microsoft.com/office/drawing/2014/main" id="{8F74384E-0615-423D-B44B-27FD3F67F250}"/>
-              </a:ext>
-            </a:extLst>
-          </p:cNvPr>
-          <p:cNvPicPr>
-            <a:picLocks noChangeAspect="1"/>
-          </p:cNvPicPr>
-          <p:nvPr/>
-        </p:nvPicPr>
-        <p:blipFill>
-          <a:blip r:embed="rId8">
+          <a:blip r:embed="rId4">
             <a:extLst>
               <a:ext uri="{28A0092B-C50C-407E-A947-70E740481C1C}">
                 <a14:useLocalDpi xmlns:a14="http://schemas.microsoft.com/office/drawing/2010/main" val="0"/>
@@ -10379,10 +11938,124 @@
           </a:prstGeom>
         </p:spPr>
       </p:pic>
+      <p:pic>
+        <p:nvPicPr>
+          <p:cNvPr id="3" name="Picture 2" descr="A close up of a logo&#10;&#10;Description automatically generated">
+            <a:extLst>
+              <a:ext uri="{FF2B5EF4-FFF2-40B4-BE49-F238E27FC236}">
+                <a16:creationId xmlns:a16="http://schemas.microsoft.com/office/drawing/2014/main" id="{B8868298-4D38-4771-B7AE-F5DD63D15DAC}"/>
+              </a:ext>
+            </a:extLst>
+          </p:cNvPr>
+          <p:cNvPicPr>
+            <a:picLocks noChangeAspect="1"/>
+          </p:cNvPicPr>
+          <p:nvPr/>
+        </p:nvPicPr>
+        <p:blipFill>
+          <a:blip r:embed="rId5">
+            <a:duotone>
+              <a:schemeClr val="accent5">
+                <a:shade val="45000"/>
+                <a:satMod val="135000"/>
+              </a:schemeClr>
+              <a:prstClr val="white"/>
+            </a:duotone>
+            <a:extLst>
+              <a:ext uri="{28A0092B-C50C-407E-A947-70E740481C1C}">
+                <a14:useLocalDpi xmlns:a14="http://schemas.microsoft.com/office/drawing/2010/main" val="0"/>
+              </a:ext>
+            </a:extLst>
+          </a:blip>
+          <a:stretch>
+            <a:fillRect/>
+          </a:stretch>
+        </p:blipFill>
+        <p:spPr>
+          <a:xfrm>
+            <a:off x="9485071" y="147784"/>
+            <a:ext cx="1837078" cy="839759"/>
+          </a:xfrm>
+          <a:prstGeom prst="rect">
+            <a:avLst/>
+          </a:prstGeom>
+        </p:spPr>
+      </p:pic>
+      <p:pic>
+        <p:nvPicPr>
+          <p:cNvPr id="13" name="Picture 12" descr="A circuit board&#10;&#10;Description automatically generated">
+            <a:extLst>
+              <a:ext uri="{FF2B5EF4-FFF2-40B4-BE49-F238E27FC236}">
+                <a16:creationId xmlns:a16="http://schemas.microsoft.com/office/drawing/2014/main" id="{FB28CF01-0D08-4A44-BE03-1ABD31C9D82B}"/>
+              </a:ext>
+            </a:extLst>
+          </p:cNvPr>
+          <p:cNvPicPr>
+            <a:picLocks noChangeAspect="1"/>
+          </p:cNvPicPr>
+          <p:nvPr/>
+        </p:nvPicPr>
+        <p:blipFill rotWithShape="1">
+          <a:blip r:embed="rId6">
+            <a:extLst>
+              <a:ext uri="{28A0092B-C50C-407E-A947-70E740481C1C}">
+                <a14:useLocalDpi xmlns:a14="http://schemas.microsoft.com/office/drawing/2010/main" val="0"/>
+              </a:ext>
+            </a:extLst>
+          </a:blip>
+          <a:srcRect l="11986" t="25604" r="12298" b="24576"/>
+          <a:stretch/>
+        </p:blipFill>
+        <p:spPr>
+          <a:xfrm rot="16200000">
+            <a:off x="8701068" y="2330846"/>
+            <a:ext cx="3750197" cy="1565976"/>
+          </a:xfrm>
+          <a:prstGeom prst="rect">
+            <a:avLst/>
+          </a:prstGeom>
+        </p:spPr>
+      </p:pic>
+      <p:sp>
+        <p:nvSpPr>
+          <p:cNvPr id="15" name="Rectangle 14">
+            <a:extLst>
+              <a:ext uri="{FF2B5EF4-FFF2-40B4-BE49-F238E27FC236}">
+                <a16:creationId xmlns:a16="http://schemas.microsoft.com/office/drawing/2014/main" id="{13203EF2-2900-4C39-A0A6-EF957D2EF753}"/>
+              </a:ext>
+            </a:extLst>
+          </p:cNvPr>
+          <p:cNvSpPr/>
+          <p:nvPr/>
+        </p:nvSpPr>
+        <p:spPr>
+          <a:xfrm>
+            <a:off x="1354250" y="2493534"/>
+            <a:ext cx="7789750" cy="465769"/>
+          </a:xfrm>
+          <a:prstGeom prst="rect">
+            <a:avLst/>
+          </a:prstGeom>
+        </p:spPr>
+        <p:txBody>
+          <a:bodyPr wrap="square">
+            <a:spAutoFit/>
+          </a:bodyPr>
+          <a:lstStyle/>
+          <a:p>
+            <a:r>
+              <a:rPr lang="en-GB" sz="1820" baseline="-25000" dirty="0">
+                <a:latin typeface="HelveticaNeue"/>
+              </a:rPr>
+              <a:t>That function is the Analogue Digital Converter (ADC) this takes the voltage reading as wave, much like the right hand side of the icon and converts into a number consisting of 1s and 0s (Binary)</a:t>
+            </a:r>
+          </a:p>
+        </p:txBody>
+      </p:sp>
     </p:spTree>
     <p:extLst>
       <p:ext uri="{BB962C8B-B14F-4D97-AF65-F5344CB8AC3E}">
-        <p14:creationId xmlns:p14="http://schemas.microsoft.com/office/powerpoint/2010/main" val="4045926296"/>
+        <p14:creationId xmlns:p14="http://schemas.microsoft.com/office/powerpoint/2010/main" val="3677404253"/>
       </p:ext>
     </p:extLst>
   </p:cSld>
@@ -10411,10 +12084,10 @@
       </p:grpSpPr>
       <p:pic>
         <p:nvPicPr>
-          <p:cNvPr id="1030" name="Picture 6" descr="IoT Power Management">
+          <p:cNvPr id="4" name="Picture 6" descr="IoT Power Management">
             <a:extLst>
               <a:ext uri="{FF2B5EF4-FFF2-40B4-BE49-F238E27FC236}">
-                <a16:creationId xmlns:a16="http://schemas.microsoft.com/office/drawing/2014/main" id="{F9844D2D-635D-44A0-B958-1E4C39246144}"/>
+                <a16:creationId xmlns:a16="http://schemas.microsoft.com/office/drawing/2014/main" id="{AB56906E-A5BF-4A43-B5A5-A4D35A10214B}"/>
               </a:ext>
             </a:extLst>
           </p:cNvPr>
@@ -10425,6 +12098,13 @@
         </p:nvPicPr>
         <p:blipFill rotWithShape="1">
           <a:blip r:embed="rId3">
+            <a:duotone>
+              <a:schemeClr val="accent6">
+                <a:shade val="45000"/>
+                <a:satMod val="135000"/>
+              </a:schemeClr>
+              <a:prstClr val="white"/>
+            </a:duotone>
             <a:extLst>
               <a:ext uri="{28A0092B-C50C-407E-A947-70E740481C1C}">
                 <a14:useLocalDpi xmlns:a14="http://schemas.microsoft.com/office/drawing/2010/main" val="0"/>
@@ -10456,10 +12136,10 @@
       </p:pic>
       <p:sp>
         <p:nvSpPr>
-          <p:cNvPr id="4" name="Rectangle 3">
+          <p:cNvPr id="5" name="Rectangle 4">
             <a:extLst>
               <a:ext uri="{FF2B5EF4-FFF2-40B4-BE49-F238E27FC236}">
-                <a16:creationId xmlns:a16="http://schemas.microsoft.com/office/drawing/2014/main" id="{9D476336-A01A-47A0-975E-B9D85496F266}"/>
+                <a16:creationId xmlns:a16="http://schemas.microsoft.com/office/drawing/2014/main" id="{51F822E3-A136-4C05-A248-D51173F93D31}"/>
               </a:ext>
             </a:extLst>
           </p:cNvPr>
@@ -10508,12 +12188,156 @@
           </a:p>
         </p:txBody>
       </p:sp>
+      <p:pic>
+        <p:nvPicPr>
+          <p:cNvPr id="8" name="Picture 7" descr="A close up of a device&#10;&#10;Description automatically generated">
+            <a:extLst>
+              <a:ext uri="{FF2B5EF4-FFF2-40B4-BE49-F238E27FC236}">
+                <a16:creationId xmlns:a16="http://schemas.microsoft.com/office/drawing/2014/main" id="{D121135D-650E-48D8-AB3E-73C74192B340}"/>
+              </a:ext>
+            </a:extLst>
+          </p:cNvPr>
+          <p:cNvPicPr>
+            <a:picLocks noChangeAspect="1"/>
+          </p:cNvPicPr>
+          <p:nvPr/>
+        </p:nvPicPr>
+        <p:blipFill>
+          <a:blip r:embed="rId4">
+            <a:extLst>
+              <a:ext uri="{28A0092B-C50C-407E-A947-70E740481C1C}">
+                <a14:useLocalDpi xmlns:a14="http://schemas.microsoft.com/office/drawing/2010/main" val="0"/>
+              </a:ext>
+            </a:extLst>
+          </a:blip>
+          <a:stretch>
+            <a:fillRect/>
+          </a:stretch>
+        </p:blipFill>
+        <p:spPr>
+          <a:xfrm>
+            <a:off x="3622078" y="3698474"/>
+            <a:ext cx="1933575" cy="2181225"/>
+          </a:xfrm>
+          <a:prstGeom prst="rect">
+            <a:avLst/>
+          </a:prstGeom>
+        </p:spPr>
+      </p:pic>
+      <p:pic>
+        <p:nvPicPr>
+          <p:cNvPr id="12" name="Picture 11">
+            <a:extLst>
+              <a:ext uri="{FF2B5EF4-FFF2-40B4-BE49-F238E27FC236}">
+                <a16:creationId xmlns:a16="http://schemas.microsoft.com/office/drawing/2014/main" id="{3E584233-0115-44F7-90ED-7F748B2E404D}"/>
+              </a:ext>
+            </a:extLst>
+          </p:cNvPr>
+          <p:cNvPicPr>
+            <a:picLocks noChangeAspect="1"/>
+          </p:cNvPicPr>
+          <p:nvPr/>
+        </p:nvPicPr>
+        <p:blipFill>
+          <a:blip r:embed="rId5">
+            <a:extLst>
+              <a:ext uri="{28A0092B-C50C-407E-A947-70E740481C1C}">
+                <a14:useLocalDpi xmlns:a14="http://schemas.microsoft.com/office/drawing/2010/main" val="0"/>
+              </a:ext>
+            </a:extLst>
+          </a:blip>
+          <a:stretch>
+            <a:fillRect/>
+          </a:stretch>
+        </p:blipFill>
+        <p:spPr>
+          <a:xfrm rot="5400000">
+            <a:off x="9128476" y="2522973"/>
+            <a:ext cx="1857375" cy="3267075"/>
+          </a:xfrm>
+          <a:prstGeom prst="rect">
+            <a:avLst/>
+          </a:prstGeom>
+        </p:spPr>
+      </p:pic>
+      <p:pic>
+        <p:nvPicPr>
+          <p:cNvPr id="16" name="Picture 15" descr="A close up of a device&#10;&#10;Description automatically generated">
+            <a:extLst>
+              <a:ext uri="{FF2B5EF4-FFF2-40B4-BE49-F238E27FC236}">
+                <a16:creationId xmlns:a16="http://schemas.microsoft.com/office/drawing/2014/main" id="{877B6725-5F56-4A29-999B-D6D8CC1D7B34}"/>
+              </a:ext>
+            </a:extLst>
+          </p:cNvPr>
+          <p:cNvPicPr>
+            <a:picLocks noChangeAspect="1"/>
+          </p:cNvPicPr>
+          <p:nvPr/>
+        </p:nvPicPr>
+        <p:blipFill>
+          <a:blip r:embed="rId6">
+            <a:extLst>
+              <a:ext uri="{28A0092B-C50C-407E-A947-70E740481C1C}">
+                <a14:useLocalDpi xmlns:a14="http://schemas.microsoft.com/office/drawing/2010/main" val="0"/>
+              </a:ext>
+            </a:extLst>
+          </a:blip>
+          <a:stretch>
+            <a:fillRect/>
+          </a:stretch>
+        </p:blipFill>
+        <p:spPr>
+          <a:xfrm>
+            <a:off x="196514" y="771595"/>
+            <a:ext cx="3571862" cy="2783541"/>
+          </a:xfrm>
+          <a:prstGeom prst="rect">
+            <a:avLst/>
+          </a:prstGeom>
+        </p:spPr>
+      </p:pic>
+      <p:pic>
+        <p:nvPicPr>
+          <p:cNvPr id="18" name="Picture 17" descr="A close up of a device&#10;&#10;Description automatically generated">
+            <a:extLst>
+              <a:ext uri="{FF2B5EF4-FFF2-40B4-BE49-F238E27FC236}">
+                <a16:creationId xmlns:a16="http://schemas.microsoft.com/office/drawing/2014/main" id="{EDB71E5F-7FD6-49C3-BCC9-696884EC09DE}"/>
+              </a:ext>
+            </a:extLst>
+          </p:cNvPr>
+          <p:cNvPicPr>
+            <a:picLocks noChangeAspect="1"/>
+          </p:cNvPicPr>
+          <p:nvPr/>
+        </p:nvPicPr>
+        <p:blipFill>
+          <a:blip r:embed="rId7">
+            <a:extLst>
+              <a:ext uri="{28A0092B-C50C-407E-A947-70E740481C1C}">
+                <a14:useLocalDpi xmlns:a14="http://schemas.microsoft.com/office/drawing/2010/main" val="0"/>
+              </a:ext>
+            </a:extLst>
+          </a:blip>
+          <a:stretch>
+            <a:fillRect/>
+          </a:stretch>
+        </p:blipFill>
+        <p:spPr>
+          <a:xfrm>
+            <a:off x="6553676" y="717806"/>
+            <a:ext cx="3048000" cy="2286000"/>
+          </a:xfrm>
+          <a:prstGeom prst="rect">
+            <a:avLst/>
+          </a:prstGeom>
+        </p:spPr>
+      </p:pic>
       <p:sp>
         <p:nvSpPr>
-          <p:cNvPr id="8" name="TextBox 7">
+          <p:cNvPr id="19" name="TextBox 18">
             <a:extLst>
               <a:ext uri="{FF2B5EF4-FFF2-40B4-BE49-F238E27FC236}">
-                <a16:creationId xmlns:a16="http://schemas.microsoft.com/office/drawing/2014/main" id="{24A75D75-D1DC-4ACC-A162-A04A5C0F3B5F}"/>
+                <a16:creationId xmlns:a16="http://schemas.microsoft.com/office/drawing/2014/main" id="{69D8B01E-5EE5-4A5D-8133-805041783EA2}"/>
               </a:ext>
             </a:extLst>
           </p:cNvPr>
@@ -10546,6 +12370,401 @@
                 </a:solidFill>
                 <a:latin typeface="3ds" panose="02000503020000020004" pitchFamily="2" charset="0"/>
               </a:rPr>
+              <a:t>Project Sensors</a:t>
+            </a:r>
+          </a:p>
+        </p:txBody>
+      </p:sp>
+      <p:pic>
+        <p:nvPicPr>
+          <p:cNvPr id="20" name="Picture 19" descr="A picture containing object&#10;&#10;Description automatically generated">
+            <a:extLst>
+              <a:ext uri="{FF2B5EF4-FFF2-40B4-BE49-F238E27FC236}">
+                <a16:creationId xmlns:a16="http://schemas.microsoft.com/office/drawing/2014/main" id="{84D6A698-1D8A-4E49-BFE8-C779D4619DB0}"/>
+              </a:ext>
+            </a:extLst>
+          </p:cNvPr>
+          <p:cNvPicPr>
+            <a:picLocks noChangeAspect="1"/>
+          </p:cNvPicPr>
+          <p:nvPr/>
+        </p:nvPicPr>
+        <p:blipFill>
+          <a:blip r:embed="rId8">
+            <a:duotone>
+              <a:prstClr val="black"/>
+              <a:schemeClr val="accent1">
+                <a:tint val="45000"/>
+                <a:satMod val="400000"/>
+              </a:schemeClr>
+            </a:duotone>
+            <a:extLst>
+              <a:ext uri="{28A0092B-C50C-407E-A947-70E740481C1C}">
+                <a14:useLocalDpi xmlns:a14="http://schemas.microsoft.com/office/drawing/2010/main" val="0"/>
+              </a:ext>
+            </a:extLst>
+          </a:blip>
+          <a:stretch>
+            <a:fillRect/>
+          </a:stretch>
+        </p:blipFill>
+        <p:spPr>
+          <a:xfrm>
+            <a:off x="7060608" y="51487"/>
+            <a:ext cx="923330" cy="923330"/>
+          </a:xfrm>
+          <a:prstGeom prst="rect">
+            <a:avLst/>
+          </a:prstGeom>
+        </p:spPr>
+      </p:pic>
+      <p:sp>
+        <p:nvSpPr>
+          <p:cNvPr id="22" name="Rectangle 21">
+            <a:extLst>
+              <a:ext uri="{FF2B5EF4-FFF2-40B4-BE49-F238E27FC236}">
+                <a16:creationId xmlns:a16="http://schemas.microsoft.com/office/drawing/2014/main" id="{4A8A09AA-77BC-4F18-A10E-3602AF130FB6}"/>
+              </a:ext>
+            </a:extLst>
+          </p:cNvPr>
+          <p:cNvSpPr/>
+          <p:nvPr/>
+        </p:nvSpPr>
+        <p:spPr>
+          <a:xfrm>
+            <a:off x="725008" y="3362293"/>
+            <a:ext cx="2720788" cy="646331"/>
+          </a:xfrm>
+          <a:prstGeom prst="rect">
+            <a:avLst/>
+          </a:prstGeom>
+        </p:spPr>
+        <p:txBody>
+          <a:bodyPr wrap="square">
+            <a:spAutoFit/>
+          </a:bodyPr>
+          <a:lstStyle/>
+          <a:p>
+            <a:r>
+              <a:rPr lang="en-GB" dirty="0">
+                <a:latin typeface="HelveticaNeue"/>
+              </a:rPr>
+              <a:t>Dust Concentration Sensor</a:t>
+            </a:r>
+          </a:p>
+        </p:txBody>
+      </p:sp>
+      <p:sp>
+        <p:nvSpPr>
+          <p:cNvPr id="23" name="Rectangle 22">
+            <a:extLst>
+              <a:ext uri="{FF2B5EF4-FFF2-40B4-BE49-F238E27FC236}">
+                <a16:creationId xmlns:a16="http://schemas.microsoft.com/office/drawing/2014/main" id="{553FA097-C6D2-45C2-8865-0066A976590B}"/>
+              </a:ext>
+            </a:extLst>
+          </p:cNvPr>
+          <p:cNvSpPr/>
+          <p:nvPr/>
+        </p:nvSpPr>
+        <p:spPr>
+          <a:xfrm>
+            <a:off x="3445796" y="5865519"/>
+            <a:ext cx="2720788" cy="369332"/>
+          </a:xfrm>
+          <a:prstGeom prst="rect">
+            <a:avLst/>
+          </a:prstGeom>
+        </p:spPr>
+        <p:txBody>
+          <a:bodyPr wrap="square">
+            <a:spAutoFit/>
+          </a:bodyPr>
+          <a:lstStyle/>
+          <a:p>
+            <a:r>
+              <a:rPr lang="en-GB" dirty="0">
+                <a:latin typeface="HelveticaNeue"/>
+              </a:rPr>
+              <a:t>Light Intensity Sensor</a:t>
+            </a:r>
+          </a:p>
+        </p:txBody>
+      </p:sp>
+      <p:sp>
+        <p:nvSpPr>
+          <p:cNvPr id="24" name="Rectangle 23">
+            <a:extLst>
+              <a:ext uri="{FF2B5EF4-FFF2-40B4-BE49-F238E27FC236}">
+                <a16:creationId xmlns:a16="http://schemas.microsoft.com/office/drawing/2014/main" id="{9D9D7BB0-969E-4FE7-B1D4-093837449124}"/>
+              </a:ext>
+            </a:extLst>
+          </p:cNvPr>
+          <p:cNvSpPr/>
+          <p:nvPr/>
+        </p:nvSpPr>
+        <p:spPr>
+          <a:xfrm>
+            <a:off x="6880888" y="2615576"/>
+            <a:ext cx="2720788" cy="369332"/>
+          </a:xfrm>
+          <a:prstGeom prst="rect">
+            <a:avLst/>
+          </a:prstGeom>
+        </p:spPr>
+        <p:txBody>
+          <a:bodyPr wrap="square">
+            <a:spAutoFit/>
+          </a:bodyPr>
+          <a:lstStyle/>
+          <a:p>
+            <a:r>
+              <a:rPr lang="en-GB" dirty="0">
+                <a:latin typeface="HelveticaNeue"/>
+              </a:rPr>
+              <a:t>MQ5 Gas Sensor</a:t>
+            </a:r>
+          </a:p>
+        </p:txBody>
+      </p:sp>
+      <p:sp>
+        <p:nvSpPr>
+          <p:cNvPr id="25" name="Rectangle 24">
+            <a:extLst>
+              <a:ext uri="{FF2B5EF4-FFF2-40B4-BE49-F238E27FC236}">
+                <a16:creationId xmlns:a16="http://schemas.microsoft.com/office/drawing/2014/main" id="{ABE21C56-A126-4BAD-AD20-AC6C54CE4F03}"/>
+              </a:ext>
+            </a:extLst>
+          </p:cNvPr>
+          <p:cNvSpPr/>
+          <p:nvPr/>
+        </p:nvSpPr>
+        <p:spPr>
+          <a:xfrm>
+            <a:off x="8339329" y="5065182"/>
+            <a:ext cx="3905560" cy="646331"/>
+          </a:xfrm>
+          <a:prstGeom prst="rect">
+            <a:avLst/>
+          </a:prstGeom>
+        </p:spPr>
+        <p:txBody>
+          <a:bodyPr wrap="square">
+            <a:spAutoFit/>
+          </a:bodyPr>
+          <a:lstStyle/>
+          <a:p>
+            <a:r>
+              <a:rPr lang="en-GB" dirty="0">
+                <a:latin typeface="HelveticaNeue"/>
+              </a:rPr>
+              <a:t>BME680 Pressure, Humidity and Temperature, VOC Sensor</a:t>
+            </a:r>
+          </a:p>
+        </p:txBody>
+      </p:sp>
+      <p:pic>
+        <p:nvPicPr>
+          <p:cNvPr id="15" name="Picture 14">
+            <a:extLst>
+              <a:ext uri="{FF2B5EF4-FFF2-40B4-BE49-F238E27FC236}">
+                <a16:creationId xmlns:a16="http://schemas.microsoft.com/office/drawing/2014/main" id="{8F74384E-0615-423D-B44B-27FD3F67F250}"/>
+              </a:ext>
+            </a:extLst>
+          </p:cNvPr>
+          <p:cNvPicPr>
+            <a:picLocks noChangeAspect="1"/>
+          </p:cNvPicPr>
+          <p:nvPr/>
+        </p:nvPicPr>
+        <p:blipFill>
+          <a:blip r:embed="rId9">
+            <a:extLst>
+              <a:ext uri="{28A0092B-C50C-407E-A947-70E740481C1C}">
+                <a14:useLocalDpi xmlns:a14="http://schemas.microsoft.com/office/drawing/2010/main" val="0"/>
+              </a:ext>
+            </a:extLst>
+          </a:blip>
+          <a:stretch>
+            <a:fillRect/>
+          </a:stretch>
+        </p:blipFill>
+        <p:spPr>
+          <a:xfrm>
+            <a:off x="10218865" y="6134793"/>
+            <a:ext cx="1576589" cy="723206"/>
+          </a:xfrm>
+          <a:prstGeom prst="rect">
+            <a:avLst/>
+          </a:prstGeom>
+        </p:spPr>
+      </p:pic>
+    </p:spTree>
+    <p:extLst>
+      <p:ext uri="{BB962C8B-B14F-4D97-AF65-F5344CB8AC3E}">
+        <p14:creationId xmlns:p14="http://schemas.microsoft.com/office/powerpoint/2010/main" val="4045926296"/>
+      </p:ext>
+    </p:extLst>
+  </p:cSld>
+  <p:clrMapOvr>
+    <a:masterClrMapping/>
+  </p:clrMapOvr>
+</p:sld>
+</file>
+
+<file path=ppt/slides/slide8.xml><?xml version="1.0" encoding="utf-8"?>
+<p:sld xmlns:a="http://schemas.openxmlformats.org/drawingml/2006/main" xmlns:r="http://schemas.openxmlformats.org/officeDocument/2006/relationships" xmlns:p="http://schemas.openxmlformats.org/presentationml/2006/main">
+  <p:cSld>
+    <p:spTree>
+      <p:nvGrpSpPr>
+        <p:cNvPr id="1" name=""/>
+        <p:cNvGrpSpPr/>
+        <p:nvPr/>
+      </p:nvGrpSpPr>
+      <p:grpSpPr>
+        <a:xfrm>
+          <a:off x="0" y="0"/>
+          <a:ext cx="0" cy="0"/>
+          <a:chOff x="0" y="0"/>
+          <a:chExt cx="0" cy="0"/>
+        </a:xfrm>
+      </p:grpSpPr>
+      <p:pic>
+        <p:nvPicPr>
+          <p:cNvPr id="1030" name="Picture 6" descr="IoT Power Management">
+            <a:extLst>
+              <a:ext uri="{FF2B5EF4-FFF2-40B4-BE49-F238E27FC236}">
+                <a16:creationId xmlns:a16="http://schemas.microsoft.com/office/drawing/2014/main" id="{F9844D2D-635D-44A0-B958-1E4C39246144}"/>
+              </a:ext>
+            </a:extLst>
+          </p:cNvPr>
+          <p:cNvPicPr>
+            <a:picLocks noChangeAspect="1" noChangeArrowheads="1"/>
+          </p:cNvPicPr>
+          <p:nvPr/>
+        </p:nvPicPr>
+        <p:blipFill rotWithShape="1">
+          <a:blip r:embed="rId3">
+            <a:extLst>
+              <a:ext uri="{28A0092B-C50C-407E-A947-70E740481C1C}">
+                <a14:useLocalDpi xmlns:a14="http://schemas.microsoft.com/office/drawing/2010/main" val="0"/>
+              </a:ext>
+            </a:extLst>
+          </a:blip>
+          <a:srcRect l="17628" t="11071" r="17690" b="10896"/>
+          <a:stretch/>
+        </p:blipFill>
+        <p:spPr bwMode="auto">
+          <a:xfrm>
+            <a:off x="9525" y="5388348"/>
+            <a:ext cx="1469651" cy="1469651"/>
+          </a:xfrm>
+          <a:prstGeom prst="rect">
+            <a:avLst/>
+          </a:prstGeom>
+          <a:noFill/>
+          <a:extLst>
+            <a:ext uri="{909E8E84-426E-40DD-AFC4-6F175D3DCCD1}">
+              <a14:hiddenFill xmlns:a14="http://schemas.microsoft.com/office/drawing/2010/main">
+                <a:solidFill>
+                  <a:srgbClr val="FFFFFF"/>
+                </a:solidFill>
+              </a14:hiddenFill>
+            </a:ext>
+          </a:extLst>
+        </p:spPr>
+      </p:pic>
+      <p:sp>
+        <p:nvSpPr>
+          <p:cNvPr id="4" name="Rectangle 3">
+            <a:extLst>
+              <a:ext uri="{FF2B5EF4-FFF2-40B4-BE49-F238E27FC236}">
+                <a16:creationId xmlns:a16="http://schemas.microsoft.com/office/drawing/2014/main" id="{9D476336-A01A-47A0-975E-B9D85496F266}"/>
+              </a:ext>
+            </a:extLst>
+          </p:cNvPr>
+          <p:cNvSpPr/>
+          <p:nvPr/>
+        </p:nvSpPr>
+        <p:spPr>
+          <a:xfrm rot="5400000">
+            <a:off x="8578368" y="3220641"/>
+            <a:ext cx="6874669" cy="400050"/>
+          </a:xfrm>
+          <a:prstGeom prst="rect">
+            <a:avLst/>
+          </a:prstGeom>
+          <a:solidFill>
+            <a:srgbClr val="194B89"/>
+          </a:solidFill>
+          <a:ln>
+            <a:solidFill>
+              <a:srgbClr val="194B89"/>
+            </a:solidFill>
+          </a:ln>
+        </p:spPr>
+        <p:style>
+          <a:lnRef idx="2">
+            <a:schemeClr val="accent1">
+              <a:shade val="50000"/>
+            </a:schemeClr>
+          </a:lnRef>
+          <a:fillRef idx="1">
+            <a:schemeClr val="accent1"/>
+          </a:fillRef>
+          <a:effectRef idx="0">
+            <a:schemeClr val="accent1"/>
+          </a:effectRef>
+          <a:fontRef idx="minor">
+            <a:schemeClr val="lt1"/>
+          </a:fontRef>
+        </p:style>
+        <p:txBody>
+          <a:bodyPr rtlCol="0" anchor="ctr"/>
+          <a:lstStyle/>
+          <a:p>
+            <a:pPr algn="ctr"/>
+            <a:endParaRPr lang="en-GB"/>
+          </a:p>
+        </p:txBody>
+      </p:sp>
+      <p:sp>
+        <p:nvSpPr>
+          <p:cNvPr id="8" name="TextBox 7">
+            <a:extLst>
+              <a:ext uri="{FF2B5EF4-FFF2-40B4-BE49-F238E27FC236}">
+                <a16:creationId xmlns:a16="http://schemas.microsoft.com/office/drawing/2014/main" id="{24A75D75-D1DC-4ACC-A162-A04A5C0F3B5F}"/>
+              </a:ext>
+            </a:extLst>
+          </p:cNvPr>
+          <p:cNvSpPr txBox="1"/>
+          <p:nvPr/>
+        </p:nvSpPr>
+        <p:spPr>
+          <a:xfrm>
+            <a:off x="3375212" y="197629"/>
+            <a:ext cx="3685397" cy="646331"/>
+          </a:xfrm>
+          <a:prstGeom prst="rect">
+            <a:avLst/>
+          </a:prstGeom>
+          <a:noFill/>
+        </p:spPr>
+        <p:txBody>
+          <a:bodyPr wrap="square" rtlCol="0">
+            <a:spAutoFit/>
+          </a:bodyPr>
+          <a:lstStyle/>
+          <a:p>
+            <a:pPr algn="ctr"/>
+            <a:r>
+              <a:rPr lang="en-GB" sz="3600" dirty="0">
+                <a:solidFill>
+                  <a:schemeClr val="bg2">
+                    <a:lumMod val="25000"/>
+                  </a:schemeClr>
+                </a:solidFill>
+                <a:latin typeface="3ds" panose="02000503020000020004" pitchFamily="2" charset="0"/>
+              </a:rPr>
               <a:t>Dust Sensor</a:t>
             </a:r>
           </a:p>
@@ -10621,7 +12840,7 @@
         </p:blipFill>
         <p:spPr>
           <a:xfrm>
-            <a:off x="8923548" y="1292766"/>
+            <a:off x="9027607" y="1488397"/>
             <a:ext cx="2696077" cy="1989717"/>
           </a:xfrm>
           <a:prstGeom prst="rect">
@@ -10693,7 +12912,7 @@
         </p:nvSpPr>
         <p:spPr>
           <a:xfrm>
-            <a:off x="9016103" y="3383018"/>
+            <a:off x="9027607" y="3449950"/>
             <a:ext cx="2779351" cy="369332"/>
           </a:xfrm>
           <a:prstGeom prst="rect">
@@ -10714,75 +12933,6 @@
                 <a:latin typeface="HelveticaNeue"/>
               </a:rPr>
               <a:t>Unit: pcs/L or pcs/0.01cf. </a:t>
-            </a:r>
-            <a:endParaRPr lang="en-GB" dirty="0"/>
-          </a:p>
-        </p:txBody>
-      </p:sp>
-      <p:pic>
-        <p:nvPicPr>
-          <p:cNvPr id="13" name="Picture 12">
-            <a:extLst>
-              <a:ext uri="{FF2B5EF4-FFF2-40B4-BE49-F238E27FC236}">
-                <a16:creationId xmlns:a16="http://schemas.microsoft.com/office/drawing/2014/main" id="{AC04CA78-D1C7-4CA7-8246-545A6D7ED2B8}"/>
-              </a:ext>
-            </a:extLst>
-          </p:cNvPr>
-          <p:cNvPicPr>
-            <a:picLocks noChangeAspect="1"/>
-          </p:cNvPicPr>
-          <p:nvPr/>
-        </p:nvPicPr>
-        <p:blipFill rotWithShape="1">
-          <a:blip r:embed="rId6"/>
-          <a:srcRect l="5260"/>
-          <a:stretch/>
-        </p:blipFill>
-        <p:spPr>
-          <a:xfrm>
-            <a:off x="5411687" y="3770707"/>
-            <a:ext cx="6403990" cy="1628391"/>
-          </a:xfrm>
-          <a:prstGeom prst="rect">
-            <a:avLst/>
-          </a:prstGeom>
-        </p:spPr>
-      </p:pic>
-      <p:sp>
-        <p:nvSpPr>
-          <p:cNvPr id="14" name="Rectangle 13">
-            <a:extLst>
-              <a:ext uri="{FF2B5EF4-FFF2-40B4-BE49-F238E27FC236}">
-                <a16:creationId xmlns:a16="http://schemas.microsoft.com/office/drawing/2014/main" id="{AE073C41-8BC6-43A6-96C0-081E823C45A1}"/>
-              </a:ext>
-            </a:extLst>
-          </p:cNvPr>
-          <p:cNvSpPr/>
-          <p:nvPr/>
-        </p:nvSpPr>
-        <p:spPr>
-          <a:xfrm>
-            <a:off x="5626280" y="5382949"/>
-            <a:ext cx="6096000" cy="646331"/>
-          </a:xfrm>
-          <a:prstGeom prst="rect">
-            <a:avLst/>
-          </a:prstGeom>
-        </p:spPr>
-        <p:txBody>
-          <a:bodyPr>
-            <a:spAutoFit/>
-          </a:bodyPr>
-          <a:lstStyle/>
-          <a:p>
-            <a:r>
-              <a:rPr lang="en-GB" dirty="0">
-                <a:solidFill>
-                  <a:srgbClr val="222222"/>
-                </a:solidFill>
-                <a:latin typeface="HelveticaNeue"/>
-              </a:rPr>
-              <a:t>We can see the concentration of dust is very low in the evening, but it is higher in the afternoon</a:t>
             </a:r>
             <a:endParaRPr lang="en-GB" dirty="0"/>
           </a:p>
@@ -10930,7 +13080,7 @@
           <p:nvPr/>
         </p:nvPicPr>
         <p:blipFill>
-          <a:blip r:embed="rId7">
+          <a:blip r:embed="rId6">
             <a:extLst>
               <a:ext uri="{28A0092B-C50C-407E-A947-70E740481C1C}">
                 <a14:useLocalDpi xmlns:a14="http://schemas.microsoft.com/office/drawing/2010/main" val="0"/>
@@ -10951,8 +13101,8 @@
           </a:prstGeom>
         </p:spPr>
       </p:pic>
-      <mc:AlternateContent xmlns:mc="http://schemas.openxmlformats.org/markup-compatibility/2006" xmlns:a14="http://schemas.microsoft.com/office/drawing/2010/main">
-        <mc:Choice Requires="a14">
+      <mc:AlternateContent xmlns:mc="http://schemas.openxmlformats.org/markup-compatibility/2006">
+        <mc:Choice xmlns:a14="http://schemas.microsoft.com/office/drawing/2010/main" Requires="a14">
           <p:sp>
             <p:nvSpPr>
               <p:cNvPr id="16" name="Text Box 2">
@@ -10969,8 +13119,8 @@
             </p:nvSpPr>
             <p:spPr bwMode="auto">
               <a:xfrm>
-                <a:off x="5806097" y="1463109"/>
-                <a:ext cx="3019425" cy="2247900"/>
+                <a:off x="5726496" y="1468701"/>
+                <a:ext cx="3189783" cy="2247900"/>
               </a:xfrm>
               <a:prstGeom prst="rect">
                 <a:avLst/>
@@ -11002,7 +13152,7 @@
                   </a:spcAft>
                 </a:pPr>
                 <a:r>
-                  <a:rPr lang="en-GB" sz="1100" dirty="0">
+                  <a:rPr lang="en-GB" sz="1200" dirty="0">
                     <a:effectLst/>
                     <a:latin typeface="Calibri" panose="020F0502020204030204" pitchFamily="34" charset="0"/>
                     <a:ea typeface="Times New Roman" panose="02020603050405020304" pitchFamily="18" charset="0"/>
@@ -11011,7 +13161,7 @@
                   <a:t>Get </a:t>
                 </a:r>
                 <a:r>
-                  <a:rPr lang="en-GB" sz="1100" dirty="0">
+                  <a:rPr lang="en-GB" sz="1200" dirty="0">
                     <a:solidFill>
                       <a:srgbClr val="FF0000"/>
                     </a:solidFill>
@@ -11022,7 +13172,7 @@
                   </a:rPr>
                   <a:t>Con</a:t>
                 </a:r>
-                <a:endParaRPr lang="en-GB" sz="1100" dirty="0">
+                <a:endParaRPr lang="en-GB" sz="1200" dirty="0">
                   <a:effectLst/>
                   <a:latin typeface="Calibri" panose="020F0502020204030204" pitchFamily="34" charset="0"/>
                   <a:ea typeface="Calibri" panose="020F0502020204030204" pitchFamily="34" charset="0"/>
@@ -11047,7 +13197,7 @@
                       <m:sSub>
                         <m:sSubPr>
                           <m:ctrlPr>
-                            <a:rPr lang="en-GB" sz="1100" i="1">
+                            <a:rPr lang="en-GB" sz="1200" i="1">
                               <a:effectLst/>
                               <a:latin typeface="Cambria Math" panose="02040503050406030204" pitchFamily="18" charset="0"/>
                               <a:ea typeface="Calibri" panose="020F0502020204030204" pitchFamily="34" charset="0"/>
@@ -11057,7 +13207,7 @@
                         </m:sSubPr>
                         <m:e>
                           <m:r>
-                            <a:rPr lang="en-GB" sz="1100" i="1">
+                            <a:rPr lang="en-GB" sz="1200" i="1">
                               <a:effectLst/>
                               <a:latin typeface="Cambria Math" panose="02040503050406030204" pitchFamily="18" charset="0"/>
                               <a:ea typeface="Calibri" panose="020F0502020204030204" pitchFamily="34" charset="0"/>
@@ -11068,7 +13218,7 @@
                         </m:e>
                         <m:sub>
                           <m:r>
-                            <a:rPr lang="en-GB" sz="1100" i="1">
+                            <a:rPr lang="en-GB" sz="1200" i="1">
                               <a:effectLst/>
                               <a:latin typeface="Cambria Math" panose="02040503050406030204" pitchFamily="18" charset="0"/>
                               <a:ea typeface="Calibri" panose="020F0502020204030204" pitchFamily="34" charset="0"/>
@@ -11079,7 +13229,7 @@
                         </m:sub>
                       </m:sSub>
                       <m:r>
-                        <a:rPr lang="en-GB" sz="1100" i="1">
+                        <a:rPr lang="en-GB" sz="1200" i="1">
                           <a:effectLst/>
                           <a:latin typeface="Cambria Math" panose="02040503050406030204" pitchFamily="18" charset="0"/>
                           <a:ea typeface="Calibri" panose="020F0502020204030204" pitchFamily="34" charset="0"/>
@@ -11090,7 +13240,7 @@
                       <m:sSub>
                         <m:sSubPr>
                           <m:ctrlPr>
-                            <a:rPr lang="en-GB" sz="1100" i="1">
+                            <a:rPr lang="en-GB" sz="1200" i="1">
                               <a:effectLst/>
                               <a:latin typeface="Cambria Math" panose="02040503050406030204" pitchFamily="18" charset="0"/>
                               <a:ea typeface="Calibri" panose="020F0502020204030204" pitchFamily="34" charset="0"/>
@@ -11100,7 +13250,7 @@
                         </m:sSubPr>
                         <m:e>
                           <m:r>
-                            <a:rPr lang="en-GB" sz="1100" i="1">
+                            <a:rPr lang="en-GB" sz="1200" i="1">
                               <a:effectLst/>
                               <a:latin typeface="Cambria Math" panose="02040503050406030204" pitchFamily="18" charset="0"/>
                               <a:ea typeface="Calibri" panose="020F0502020204030204" pitchFamily="34" charset="0"/>
@@ -11111,7 +13261,7 @@
                         </m:e>
                         <m:sub>
                           <m:r>
-                            <a:rPr lang="en-GB" sz="1100" i="1">
+                            <a:rPr lang="en-GB" sz="1200" i="1">
                               <a:effectLst/>
                               <a:latin typeface="Cambria Math" panose="02040503050406030204" pitchFamily="18" charset="0"/>
                               <a:ea typeface="Calibri" panose="020F0502020204030204" pitchFamily="34" charset="0"/>
@@ -11122,7 +13272,7 @@
                         </m:sub>
                       </m:sSub>
                       <m:r>
-                        <a:rPr lang="en-GB" sz="1100" i="1">
+                        <a:rPr lang="en-GB" sz="1200" i="1">
                           <a:effectLst/>
                           <a:latin typeface="Cambria Math" panose="02040503050406030204" pitchFamily="18" charset="0"/>
                           <a:ea typeface="Calibri" panose="020F0502020204030204" pitchFamily="34" charset="0"/>
@@ -11131,7 +13281,7 @@
                         <m:t>+</m:t>
                       </m:r>
                       <m:r>
-                        <a:rPr lang="en-GB" sz="1100" i="1">
+                        <a:rPr lang="en-GB" sz="1200" i="1">
                           <a:effectLst/>
                           <a:latin typeface="Cambria Math" panose="02040503050406030204" pitchFamily="18" charset="0"/>
                           <a:ea typeface="Calibri" panose="020F0502020204030204" pitchFamily="34" charset="0"/>
@@ -11142,7 +13292,7 @@
                     </m:oMath>
                   </m:oMathPara>
                 </a14:m>
-                <a:endParaRPr lang="en-GB" sz="1100" dirty="0">
+                <a:endParaRPr lang="en-GB" sz="1200" dirty="0">
                   <a:effectLst/>
                   <a:latin typeface="Calibri" panose="020F0502020204030204" pitchFamily="34" charset="0"/>
                   <a:ea typeface="Calibri" panose="020F0502020204030204" pitchFamily="34" charset="0"/>
@@ -11159,7 +13309,7 @@
                   </a:spcAft>
                 </a:pPr>
                 <a:r>
-                  <a:rPr lang="en-GB" sz="1100" dirty="0">
+                  <a:rPr lang="en-GB" sz="1200" dirty="0">
                     <a:effectLst/>
                     <a:latin typeface="Calibri" panose="020F0502020204030204" pitchFamily="34" charset="0"/>
                     <a:ea typeface="Times New Roman" panose="02020603050405020304" pitchFamily="18" charset="0"/>
@@ -11167,7 +13317,7 @@
                   </a:rPr>
                   <a:t> </a:t>
                 </a:r>
-                <a:endParaRPr lang="en-GB" sz="1100" dirty="0">
+                <a:endParaRPr lang="en-GB" sz="1200" dirty="0">
                   <a:effectLst/>
                   <a:latin typeface="Calibri" panose="020F0502020204030204" pitchFamily="34" charset="0"/>
                   <a:ea typeface="Calibri" panose="020F0502020204030204" pitchFamily="34" charset="0"/>
@@ -11190,7 +13340,7 @@
                     </m:oMathParaPr>
                     <m:oMath xmlns:m="http://schemas.openxmlformats.org/officeDocument/2006/math">
                       <m:r>
-                        <a:rPr lang="en-GB" sz="1100" i="1">
+                        <a:rPr lang="en-GB" sz="1200" i="1">
                           <a:effectLst/>
                           <a:latin typeface="Cambria Math" panose="02040503050406030204" pitchFamily="18" charset="0"/>
                           <a:ea typeface="Calibri" panose="020F0502020204030204" pitchFamily="34" charset="0"/>
@@ -11199,7 +13349,7 @@
                         <m:t>𝑅</m:t>
                       </m:r>
                       <m:r>
-                        <a:rPr lang="en-GB" sz="1100" i="1">
+                        <a:rPr lang="en-GB" sz="1200" i="1">
                           <a:effectLst/>
                           <a:latin typeface="Cambria Math" panose="02040503050406030204" pitchFamily="18" charset="0"/>
                           <a:ea typeface="Calibri" panose="020F0502020204030204" pitchFamily="34" charset="0"/>
@@ -11210,7 +13360,7 @@
                       <m:f>
                         <m:fPr>
                           <m:ctrlPr>
-                            <a:rPr lang="en-GB" sz="1100" i="1">
+                            <a:rPr lang="en-GB" sz="1200" i="1">
                               <a:effectLst/>
                               <a:latin typeface="Cambria Math" panose="02040503050406030204" pitchFamily="18" charset="0"/>
                               <a:ea typeface="Calibri" panose="020F0502020204030204" pitchFamily="34" charset="0"/>
@@ -11222,7 +13372,7 @@
                           <m:sSub>
                             <m:sSubPr>
                               <m:ctrlPr>
-                                <a:rPr lang="en-GB" sz="1100" i="1">
+                                <a:rPr lang="en-GB" sz="1200" i="1">
                                   <a:effectLst/>
                                   <a:latin typeface="Cambria Math" panose="02040503050406030204" pitchFamily="18" charset="0"/>
                                   <a:ea typeface="Calibri" panose="020F0502020204030204" pitchFamily="34" charset="0"/>
@@ -11232,7 +13382,7 @@
                             </m:sSubPr>
                             <m:e>
                               <m:r>
-                                <a:rPr lang="en-GB" sz="1100" i="1">
+                                <a:rPr lang="en-GB" sz="1200" i="1">
                                   <a:effectLst/>
                                   <a:latin typeface="Cambria Math" panose="02040503050406030204" pitchFamily="18" charset="0"/>
                                   <a:ea typeface="Calibri" panose="020F0502020204030204" pitchFamily="34" charset="0"/>
@@ -11243,7 +13393,7 @@
                             </m:e>
                             <m:sub>
                               <m:r>
-                                <a:rPr lang="en-GB" sz="1100" i="1">
+                                <a:rPr lang="en-GB" sz="1200" i="1">
                                   <a:effectLst/>
                                   <a:latin typeface="Cambria Math" panose="02040503050406030204" pitchFamily="18" charset="0"/>
                                   <a:ea typeface="Calibri" panose="020F0502020204030204" pitchFamily="34" charset="0"/>
@@ -11254,7 +13404,7 @@
                             </m:sub>
                           </m:sSub>
                           <m:r>
-                            <a:rPr lang="en-GB" sz="1100" i="1">
+                            <a:rPr lang="en-GB" sz="1200" i="1">
                               <a:effectLst/>
                               <a:latin typeface="Cambria Math" panose="02040503050406030204" pitchFamily="18" charset="0"/>
                               <a:ea typeface="Calibri" panose="020F0502020204030204" pitchFamily="34" charset="0"/>
@@ -11267,7 +13417,7 @@
                           <m:sSub>
                             <m:sSubPr>
                               <m:ctrlPr>
-                                <a:rPr lang="en-GB" sz="1100" i="1">
+                                <a:rPr lang="en-GB" sz="1200" i="1">
                                   <a:effectLst/>
                                   <a:latin typeface="Cambria Math" panose="02040503050406030204" pitchFamily="18" charset="0"/>
                                   <a:ea typeface="Calibri" panose="020F0502020204030204" pitchFamily="34" charset="0"/>
@@ -11277,7 +13427,7 @@
                             </m:sSubPr>
                             <m:e>
                               <m:r>
-                                <a:rPr lang="en-GB" sz="1100" i="1">
+                                <a:rPr lang="en-GB" sz="1200" i="1">
                                   <a:effectLst/>
                                   <a:latin typeface="Cambria Math" panose="02040503050406030204" pitchFamily="18" charset="0"/>
                                   <a:ea typeface="Calibri" panose="020F0502020204030204" pitchFamily="34" charset="0"/>
@@ -11288,7 +13438,7 @@
                             </m:e>
                             <m:sub>
                               <m:r>
-                                <a:rPr lang="en-GB" sz="1100" i="1">
+                                <a:rPr lang="en-GB" sz="1200" i="1">
                                   <a:effectLst/>
                                   <a:latin typeface="Cambria Math" panose="02040503050406030204" pitchFamily="18" charset="0"/>
                                   <a:ea typeface="Calibri" panose="020F0502020204030204" pitchFamily="34" charset="0"/>
@@ -11299,7 +13449,7 @@
                             </m:sub>
                           </m:sSub>
                           <m:r>
-                            <a:rPr lang="en-GB" sz="1100" i="1">
+                            <a:rPr lang="en-GB" sz="1200" i="1">
                               <a:effectLst/>
                               <a:latin typeface="Cambria Math" panose="02040503050406030204" pitchFamily="18" charset="0"/>
                               <a:ea typeface="Calibri" panose="020F0502020204030204" pitchFamily="34" charset="0"/>
@@ -11312,7 +13462,7 @@
                     </m:oMath>
                   </m:oMathPara>
                 </a14:m>
-                <a:endParaRPr lang="en-GB" sz="1100" dirty="0">
+                <a:endParaRPr lang="en-GB" sz="1200" dirty="0">
                   <a:effectLst/>
                   <a:latin typeface="Calibri" panose="020F0502020204030204" pitchFamily="34" charset="0"/>
                   <a:ea typeface="Calibri" panose="020F0502020204030204" pitchFamily="34" charset="0"/>
@@ -11329,7 +13479,7 @@
                   </a:spcAft>
                 </a:pPr>
                 <a:r>
-                  <a:rPr lang="en-GB" sz="1100" dirty="0">
+                  <a:rPr lang="en-GB" sz="1200" dirty="0">
                     <a:effectLst/>
                     <a:latin typeface="Calibri" panose="020F0502020204030204" pitchFamily="34" charset="0"/>
                     <a:ea typeface="Times New Roman" panose="02020603050405020304" pitchFamily="18" charset="0"/>
@@ -11337,7 +13487,7 @@
                   </a:rPr>
                   <a:t> </a:t>
                 </a:r>
-                <a:endParaRPr lang="en-GB" sz="1100" dirty="0">
+                <a:endParaRPr lang="en-GB" sz="1200" dirty="0">
                   <a:effectLst/>
                   <a:latin typeface="Calibri" panose="020F0502020204030204" pitchFamily="34" charset="0"/>
                   <a:ea typeface="Calibri" panose="020F0502020204030204" pitchFamily="34" charset="0"/>
@@ -11360,7 +13510,7 @@
                     </m:oMathParaPr>
                     <m:oMath xmlns:m="http://schemas.openxmlformats.org/officeDocument/2006/math">
                       <m:r>
-                        <a:rPr lang="en-GB" sz="1100" i="1">
+                        <a:rPr lang="en-GB" sz="1200" i="1">
                           <a:solidFill>
                             <a:srgbClr val="FF0000"/>
                           </a:solidFill>
@@ -11372,7 +13522,7 @@
                         <m:t>𝐶𝑜𝑛</m:t>
                       </m:r>
                       <m:r>
-                        <a:rPr lang="en-GB" sz="1100" i="1">
+                        <a:rPr lang="en-GB" sz="1200" i="1">
                           <a:effectLst/>
                           <a:latin typeface="Cambria Math" panose="02040503050406030204" pitchFamily="18" charset="0"/>
                           <a:ea typeface="Calibri" panose="020F0502020204030204" pitchFamily="34" charset="0"/>
@@ -11383,7 +13533,7 @@
                       <m:sSup>
                         <m:sSupPr>
                           <m:ctrlPr>
-                            <a:rPr lang="en-GB" sz="1100" i="1">
+                            <a:rPr lang="en-GB" sz="1200" i="1">
                               <a:effectLst/>
                               <a:latin typeface="Cambria Math" panose="02040503050406030204" pitchFamily="18" charset="0"/>
                               <a:ea typeface="Calibri" panose="020F0502020204030204" pitchFamily="34" charset="0"/>
@@ -11393,7 +13543,7 @@
                         </m:sSupPr>
                         <m:e>
                           <m:r>
-                            <a:rPr lang="en-GB" sz="1100" i="1">
+                            <a:rPr lang="en-GB" sz="1200" i="1">
                               <a:effectLst/>
                               <a:latin typeface="Cambria Math" panose="02040503050406030204" pitchFamily="18" charset="0"/>
                               <a:ea typeface="Calibri" panose="020F0502020204030204" pitchFamily="34" charset="0"/>
@@ -11404,7 +13554,7 @@
                         </m:e>
                         <m:sup>
                           <m:r>
-                            <a:rPr lang="en-GB" sz="1100" i="1">
+                            <a:rPr lang="en-GB" sz="1200" i="1">
                               <a:effectLst/>
                               <a:latin typeface="Cambria Math" panose="02040503050406030204" pitchFamily="18" charset="0"/>
                               <a:ea typeface="Calibri" panose="020F0502020204030204" pitchFamily="34" charset="0"/>
@@ -11415,7 +13565,7 @@
                         </m:sup>
                       </m:sSup>
                       <m:r>
-                        <a:rPr lang="en-GB" sz="1100" i="1">
+                        <a:rPr lang="en-GB" sz="1200" i="1">
                           <a:effectLst/>
                           <a:latin typeface="Cambria Math" panose="02040503050406030204" pitchFamily="18" charset="0"/>
                           <a:ea typeface="Calibri" panose="020F0502020204030204" pitchFamily="34" charset="0"/>
@@ -11426,7 +13576,7 @@
                       <m:sSup>
                         <m:sSupPr>
                           <m:ctrlPr>
-                            <a:rPr lang="en-GB" sz="1100" i="1">
+                            <a:rPr lang="en-GB" sz="1200" i="1">
                               <a:effectLst/>
                               <a:latin typeface="Cambria Math" panose="02040503050406030204" pitchFamily="18" charset="0"/>
                               <a:ea typeface="Calibri" panose="020F0502020204030204" pitchFamily="34" charset="0"/>
@@ -11436,7 +13586,7 @@
                         </m:sSupPr>
                         <m:e>
                           <m:r>
-                            <a:rPr lang="en-GB" sz="1100" i="1">
+                            <a:rPr lang="en-GB" sz="1200" i="1">
                               <a:effectLst/>
                               <a:latin typeface="Cambria Math" panose="02040503050406030204" pitchFamily="18" charset="0"/>
                               <a:ea typeface="Calibri" panose="020F0502020204030204" pitchFamily="34" charset="0"/>
@@ -11447,7 +13597,7 @@
                         </m:e>
                         <m:sup>
                           <m:r>
-                            <a:rPr lang="en-GB" sz="1100" i="1">
+                            <a:rPr lang="en-GB" sz="1200" i="1">
                               <a:effectLst/>
                               <a:latin typeface="Cambria Math" panose="02040503050406030204" pitchFamily="18" charset="0"/>
                               <a:ea typeface="Calibri" panose="020F0502020204030204" pitchFamily="34" charset="0"/>
@@ -11458,7 +13608,7 @@
                         </m:sup>
                       </m:sSup>
                       <m:r>
-                        <a:rPr lang="en-GB" sz="1100" i="1">
+                        <a:rPr lang="en-GB" sz="1200" i="1">
                           <a:effectLst/>
                           <a:latin typeface="Cambria Math" panose="02040503050406030204" pitchFamily="18" charset="0"/>
                           <a:ea typeface="Calibri" panose="020F0502020204030204" pitchFamily="34" charset="0"/>
@@ -11467,7 +13617,7 @@
                         <m:t>+520−</m:t>
                       </m:r>
                       <m:r>
-                        <a:rPr lang="en-GB" sz="1100" i="1">
+                        <a:rPr lang="en-GB" sz="1200" i="1">
                           <a:effectLst/>
                           <a:latin typeface="Cambria Math" panose="02040503050406030204" pitchFamily="18" charset="0"/>
                           <a:ea typeface="Calibri" panose="020F0502020204030204" pitchFamily="34" charset="0"/>
@@ -11476,7 +13626,7 @@
                         <m:t>𝑅</m:t>
                       </m:r>
                       <m:r>
-                        <a:rPr lang="en-GB" sz="1100" i="1">
+                        <a:rPr lang="en-GB" sz="1200" i="1">
                           <a:effectLst/>
                           <a:latin typeface="Cambria Math" panose="02040503050406030204" pitchFamily="18" charset="0"/>
                           <a:ea typeface="Calibri" panose="020F0502020204030204" pitchFamily="34" charset="0"/>
@@ -11487,7 +13637,7 @@
                     </m:oMath>
                   </m:oMathPara>
                 </a14:m>
-                <a:endParaRPr lang="en-GB" sz="1100" dirty="0">
+                <a:endParaRPr lang="en-GB" sz="1200" dirty="0">
                   <a:effectLst/>
                   <a:latin typeface="Calibri" panose="020F0502020204030204" pitchFamily="34" charset="0"/>
                   <a:ea typeface="Calibri" panose="020F0502020204030204" pitchFamily="34" charset="0"/>
@@ -11535,7 +13685,7 @@
             </p:txBody>
           </p:sp>
         </mc:Choice>
-        <mc:Fallback xmlns="">
+        <mc:Fallback>
           <p:sp>
             <p:nvSpPr>
               <p:cNvPr id="16" name="Text Box 2">
@@ -11552,14 +13702,14 @@
             </p:nvSpPr>
             <p:spPr bwMode="auto">
               <a:xfrm>
-                <a:off x="5806097" y="1463109"/>
-                <a:ext cx="3019425" cy="2247900"/>
+                <a:off x="5726496" y="1468701"/>
+                <a:ext cx="3189783" cy="2247900"/>
               </a:xfrm>
               <a:prstGeom prst="rect">
                 <a:avLst/>
               </a:prstGeom>
               <a:blipFill>
-                <a:blip r:embed="rId8"/>
+                <a:blip r:embed="rId7"/>
                 <a:stretch>
                   <a:fillRect/>
                 </a:stretch>
@@ -11588,6 +13738,679 @@
           </p:sp>
         </mc:Fallback>
       </mc:AlternateContent>
+      <mc:AlternateContent xmlns:mc="http://schemas.openxmlformats.org/markup-compatibility/2006">
+        <mc:Choice xmlns:a14="http://schemas.microsoft.com/office/drawing/2010/main" Requires="a14">
+          <p:sp>
+            <p:nvSpPr>
+              <p:cNvPr id="17" name="Text Box 2">
+                <a:extLst>
+                  <a:ext uri="{FF2B5EF4-FFF2-40B4-BE49-F238E27FC236}">
+                    <a16:creationId xmlns:a16="http://schemas.microsoft.com/office/drawing/2014/main" id="{DB11D2CE-CCDF-4660-88A0-A1363EDAA0A0}"/>
+                  </a:ext>
+                </a:extLst>
+              </p:cNvPr>
+              <p:cNvSpPr txBox="1">
+                <a:spLocks noChangeArrowheads="1"/>
+              </p:cNvSpPr>
+              <p:nvPr/>
+            </p:nvSpPr>
+            <p:spPr bwMode="auto">
+              <a:xfrm>
+                <a:off x="5554378" y="4234706"/>
+                <a:ext cx="6169306" cy="1750826"/>
+              </a:xfrm>
+              <a:prstGeom prst="rect">
+                <a:avLst/>
+              </a:prstGeom>
+              <a:solidFill>
+                <a:srgbClr val="FFFFFF"/>
+              </a:solidFill>
+              <a:ln w="9525">
+                <a:solidFill>
+                  <a:srgbClr val="000000"/>
+                </a:solidFill>
+                <a:miter lim="800000"/>
+                <a:headEnd/>
+                <a:tailEnd/>
+              </a:ln>
+            </p:spPr>
+            <p:txBody>
+              <a:bodyPr rot="0" vert="horz" wrap="square" lIns="91440" tIns="45720" rIns="91440" bIns="45720" anchor="t" anchorCtr="0">
+                <a:noAutofit/>
+              </a:bodyPr>
+              <a:lstStyle/>
+              <a:p>
+                <a:pPr algn="ctr">
+                  <a:lnSpc>
+                    <a:spcPct val="107000"/>
+                  </a:lnSpc>
+                  <a:spcAft>
+                    <a:spcPts val="800"/>
+                  </a:spcAft>
+                </a:pPr>
+                <a:r>
+                  <a:rPr lang="en-GB" sz="1600" dirty="0">
+                    <a:effectLst/>
+                    <a:latin typeface="Calibri" panose="020F0502020204030204" pitchFamily="34" charset="0"/>
+                    <a:ea typeface="Times New Roman" panose="02020603050405020304" pitchFamily="18" charset="0"/>
+                    <a:cs typeface="Times New Roman" panose="02020603050405020304" pitchFamily="18" charset="0"/>
+                  </a:rPr>
+                  <a:t>Get </a:t>
+                </a:r>
+                <a:r>
+                  <a:rPr lang="en-GB" sz="1600" dirty="0">
+                    <a:solidFill>
+                      <a:srgbClr val="FF0000"/>
+                    </a:solidFill>
+                    <a:effectLst/>
+                    <a:latin typeface="Calibri" panose="020F0502020204030204" pitchFamily="34" charset="0"/>
+                    <a:ea typeface="Times New Roman" panose="02020603050405020304" pitchFamily="18" charset="0"/>
+                    <a:cs typeface="Times New Roman" panose="02020603050405020304" pitchFamily="18" charset="0"/>
+                  </a:rPr>
+                  <a:t>Con</a:t>
+                </a:r>
+                <a:endParaRPr lang="en-GB" sz="1600" dirty="0">
+                  <a:latin typeface="Calibri" panose="020F0502020204030204" pitchFamily="34" charset="0"/>
+                  <a:ea typeface="Times New Roman" panose="02020603050405020304" pitchFamily="18" charset="0"/>
+                  <a:cs typeface="Times New Roman" panose="02020603050405020304" pitchFamily="18" charset="0"/>
+                </a:endParaRPr>
+              </a:p>
+              <a:p>
+                <a:pPr algn="ctr">
+                  <a:lnSpc>
+                    <a:spcPct val="107000"/>
+                  </a:lnSpc>
+                  <a:spcAft>
+                    <a:spcPts val="800"/>
+                  </a:spcAft>
+                </a:pPr>
+                <a14:m>
+                  <m:oMathPara xmlns:m="http://schemas.openxmlformats.org/officeDocument/2006/math">
+                    <m:oMathParaPr>
+                      <m:jc m:val="center"/>
+                    </m:oMathParaPr>
+                    <m:oMath xmlns:m="http://schemas.openxmlformats.org/officeDocument/2006/math">
+                      <m:sSub>
+                        <m:sSubPr>
+                          <m:ctrlPr>
+                            <a:rPr lang="en-GB" sz="1600" i="1">
+                              <a:latin typeface="Cambria Math" panose="02040503050406030204" pitchFamily="18" charset="0"/>
+                              <a:cs typeface="Times New Roman" panose="02020603050405020304" pitchFamily="18" charset="0"/>
+                            </a:rPr>
+                          </m:ctrlPr>
+                        </m:sSubPr>
+                        <m:e>
+                          <m:r>
+                            <a:rPr lang="en-GB" sz="1600" i="1">
+                              <a:latin typeface="Cambria Math" panose="02040503050406030204" pitchFamily="18" charset="0"/>
+                              <a:ea typeface="Calibri" panose="020F0502020204030204" pitchFamily="34" charset="0"/>
+                              <a:cs typeface="Times New Roman" panose="02020603050405020304" pitchFamily="18" charset="0"/>
+                            </a:rPr>
+                            <m:t>1</m:t>
+                          </m:r>
+                          <m:r>
+                            <a:rPr lang="en-GB" sz="1600" b="0" i="1" smtClean="0">
+                              <a:latin typeface="Cambria Math" panose="02040503050406030204" pitchFamily="18" charset="0"/>
+                              <a:ea typeface="Calibri" panose="020F0502020204030204" pitchFamily="34" charset="0"/>
+                              <a:cs typeface="Times New Roman" panose="02020603050405020304" pitchFamily="18" charset="0"/>
+                            </a:rPr>
+                            <m:t>5</m:t>
+                          </m:r>
+                          <m:r>
+                            <a:rPr lang="en-GB" sz="1600" i="1">
+                              <a:latin typeface="Cambria Math" panose="02040503050406030204" pitchFamily="18" charset="0"/>
+                              <a:ea typeface="Calibri" panose="020F0502020204030204" pitchFamily="34" charset="0"/>
+                              <a:cs typeface="Times New Roman" panose="02020603050405020304" pitchFamily="18" charset="0"/>
+                            </a:rPr>
+                            <m:t>000</m:t>
+                          </m:r>
+                        </m:e>
+                        <m:sub>
+                          <m:r>
+                            <a:rPr lang="en-GB" sz="1600" i="1">
+                              <a:latin typeface="Cambria Math" panose="02040503050406030204" pitchFamily="18" charset="0"/>
+                              <a:cs typeface="Times New Roman" panose="02020603050405020304" pitchFamily="18" charset="0"/>
+                            </a:rPr>
+                            <m:t>𝑚𝑠</m:t>
+                          </m:r>
+                        </m:sub>
+                      </m:sSub>
+                      <m:r>
+                        <a:rPr lang="en-GB" sz="1600" i="1">
+                          <a:effectLst/>
+                          <a:latin typeface="Cambria Math" panose="02040503050406030204" pitchFamily="18" charset="0"/>
+                          <a:ea typeface="Calibri" panose="020F0502020204030204" pitchFamily="34" charset="0"/>
+                          <a:cs typeface="Times New Roman" panose="02020603050405020304" pitchFamily="18" charset="0"/>
+                        </a:rPr>
+                        <m:t>=</m:t>
+                      </m:r>
+                      <m:sSub>
+                        <m:sSubPr>
+                          <m:ctrlPr>
+                            <a:rPr lang="en-GB" sz="1600" i="1">
+                              <a:latin typeface="Cambria Math" panose="02040503050406030204" pitchFamily="18" charset="0"/>
+                              <a:cs typeface="Times New Roman" panose="02020603050405020304" pitchFamily="18" charset="0"/>
+                            </a:rPr>
+                          </m:ctrlPr>
+                        </m:sSubPr>
+                        <m:e>
+                          <m:r>
+                            <a:rPr lang="en-GB" sz="1600" b="0" i="1" smtClean="0">
+                              <a:latin typeface="Cambria Math" panose="02040503050406030204" pitchFamily="18" charset="0"/>
+                              <a:cs typeface="Times New Roman" panose="02020603050405020304" pitchFamily="18" charset="0"/>
+                            </a:rPr>
+                            <m:t>5</m:t>
+                          </m:r>
+                          <m:r>
+                            <a:rPr lang="en-GB" sz="1600" i="1">
+                              <a:latin typeface="Cambria Math" panose="02040503050406030204" pitchFamily="18" charset="0"/>
+                              <a:ea typeface="Calibri" panose="020F0502020204030204" pitchFamily="34" charset="0"/>
+                              <a:cs typeface="Times New Roman" panose="02020603050405020304" pitchFamily="18" charset="0"/>
+                            </a:rPr>
+                            <m:t>0</m:t>
+                          </m:r>
+                          <m:r>
+                            <a:rPr lang="en-GB" sz="1600" b="0" i="1" smtClean="0">
+                              <a:latin typeface="Cambria Math" panose="02040503050406030204" pitchFamily="18" charset="0"/>
+                              <a:ea typeface="Calibri" panose="020F0502020204030204" pitchFamily="34" charset="0"/>
+                              <a:cs typeface="Times New Roman" panose="02020603050405020304" pitchFamily="18" charset="0"/>
+                            </a:rPr>
+                            <m:t>0</m:t>
+                          </m:r>
+                          <m:r>
+                            <a:rPr lang="en-GB" sz="1600" i="1">
+                              <a:latin typeface="Cambria Math" panose="02040503050406030204" pitchFamily="18" charset="0"/>
+                              <a:ea typeface="Calibri" panose="020F0502020204030204" pitchFamily="34" charset="0"/>
+                              <a:cs typeface="Times New Roman" panose="02020603050405020304" pitchFamily="18" charset="0"/>
+                            </a:rPr>
+                            <m:t>0</m:t>
+                          </m:r>
+                        </m:e>
+                        <m:sub>
+                          <m:r>
+                            <a:rPr lang="en-GB" sz="1600" i="1">
+                              <a:latin typeface="Cambria Math" panose="02040503050406030204" pitchFamily="18" charset="0"/>
+                              <a:cs typeface="Times New Roman" panose="02020603050405020304" pitchFamily="18" charset="0"/>
+                            </a:rPr>
+                            <m:t>𝑚𝑠</m:t>
+                          </m:r>
+                        </m:sub>
+                      </m:sSub>
+                      <m:r>
+                        <a:rPr lang="en-GB" sz="1600" i="1">
+                          <a:effectLst/>
+                          <a:latin typeface="Cambria Math" panose="02040503050406030204" pitchFamily="18" charset="0"/>
+                          <a:ea typeface="Calibri" panose="020F0502020204030204" pitchFamily="34" charset="0"/>
+                          <a:cs typeface="Times New Roman" panose="02020603050405020304" pitchFamily="18" charset="0"/>
+                        </a:rPr>
+                        <m:t>+</m:t>
+                      </m:r>
+                      <m:sSub>
+                        <m:sSubPr>
+                          <m:ctrlPr>
+                            <a:rPr lang="en-GB" sz="1600" i="1" smtClean="0">
+                              <a:effectLst/>
+                              <a:latin typeface="Cambria Math" panose="02040503050406030204" pitchFamily="18" charset="0"/>
+                              <a:cs typeface="Times New Roman" panose="02020603050405020304" pitchFamily="18" charset="0"/>
+                            </a:rPr>
+                          </m:ctrlPr>
+                        </m:sSubPr>
+                        <m:e>
+                          <m:r>
+                            <a:rPr lang="en-GB" sz="1600" i="1">
+                              <a:latin typeface="Cambria Math" panose="02040503050406030204" pitchFamily="18" charset="0"/>
+                              <a:ea typeface="Calibri" panose="020F0502020204030204" pitchFamily="34" charset="0"/>
+                              <a:cs typeface="Times New Roman" panose="02020603050405020304" pitchFamily="18" charset="0"/>
+                            </a:rPr>
+                            <m:t>10000</m:t>
+                          </m:r>
+                        </m:e>
+                        <m:sub>
+                          <m:r>
+                            <a:rPr lang="en-GB" sz="1600" b="0" i="1" smtClean="0">
+                              <a:effectLst/>
+                              <a:latin typeface="Cambria Math" panose="02040503050406030204" pitchFamily="18" charset="0"/>
+                              <a:cs typeface="Times New Roman" panose="02020603050405020304" pitchFamily="18" charset="0"/>
+                            </a:rPr>
+                            <m:t>𝑚𝑠</m:t>
+                          </m:r>
+                        </m:sub>
+                      </m:sSub>
+                    </m:oMath>
+                  </m:oMathPara>
+                </a14:m>
+                <a:endParaRPr lang="en-GB" sz="1600" b="0" i="1" dirty="0">
+                  <a:effectLst/>
+                  <a:latin typeface="Cambria Math" panose="02040503050406030204" pitchFamily="18" charset="0"/>
+                  <a:ea typeface="Calibri" panose="020F0502020204030204" pitchFamily="34" charset="0"/>
+                  <a:cs typeface="Times New Roman" panose="02020603050405020304" pitchFamily="18" charset="0"/>
+                </a:endParaRPr>
+              </a:p>
+              <a:p>
+                <a:pPr algn="ctr">
+                  <a:lnSpc>
+                    <a:spcPct val="107000"/>
+                  </a:lnSpc>
+                  <a:spcAft>
+                    <a:spcPts val="800"/>
+                  </a:spcAft>
+                </a:pPr>
+                <a14:m>
+                  <m:oMathPara xmlns:m="http://schemas.openxmlformats.org/officeDocument/2006/math">
+                    <m:oMathParaPr>
+                      <m:jc m:val="center"/>
+                    </m:oMathParaPr>
+                    <m:oMath xmlns:m="http://schemas.openxmlformats.org/officeDocument/2006/math">
+                      <m:r>
+                        <a:rPr lang="en-GB" sz="1600" b="0" i="1" smtClean="0">
+                          <a:effectLst/>
+                          <a:latin typeface="Cambria Math" panose="02040503050406030204" pitchFamily="18" charset="0"/>
+                          <a:ea typeface="Calibri" panose="020F0502020204030204" pitchFamily="34" charset="0"/>
+                          <a:cs typeface="Times New Roman" panose="02020603050405020304" pitchFamily="18" charset="0"/>
+                        </a:rPr>
+                        <m:t> 0.05</m:t>
+                      </m:r>
+                      <m:r>
+                        <a:rPr lang="en-GB" sz="1600" i="1">
+                          <a:effectLst/>
+                          <a:latin typeface="Cambria Math" panose="02040503050406030204" pitchFamily="18" charset="0"/>
+                          <a:ea typeface="Calibri" panose="020F0502020204030204" pitchFamily="34" charset="0"/>
+                          <a:cs typeface="Times New Roman" panose="02020603050405020304" pitchFamily="18" charset="0"/>
+                        </a:rPr>
+                        <m:t>= </m:t>
+                      </m:r>
+                      <m:f>
+                        <m:fPr>
+                          <m:ctrlPr>
+                            <a:rPr lang="en-GB" sz="1600" i="1">
+                              <a:effectLst/>
+                              <a:latin typeface="Cambria Math" panose="02040503050406030204" pitchFamily="18" charset="0"/>
+                              <a:ea typeface="Calibri" panose="020F0502020204030204" pitchFamily="34" charset="0"/>
+                              <a:cs typeface="Times New Roman" panose="02020603050405020304" pitchFamily="18" charset="0"/>
+                            </a:rPr>
+                          </m:ctrlPr>
+                        </m:fPr>
+                        <m:num>
+                          <m:sSub>
+                            <m:sSubPr>
+                              <m:ctrlPr>
+                                <a:rPr lang="en-GB" sz="1600" i="1">
+                                  <a:latin typeface="Cambria Math" panose="02040503050406030204" pitchFamily="18" charset="0"/>
+                                  <a:cs typeface="Times New Roman" panose="02020603050405020304" pitchFamily="18" charset="0"/>
+                                </a:rPr>
+                              </m:ctrlPr>
+                            </m:sSubPr>
+                            <m:e>
+                              <m:r>
+                                <a:rPr lang="en-GB" sz="1600" i="1">
+                                  <a:latin typeface="Cambria Math" panose="02040503050406030204" pitchFamily="18" charset="0"/>
+                                  <a:ea typeface="Calibri" panose="020F0502020204030204" pitchFamily="34" charset="0"/>
+                                  <a:cs typeface="Times New Roman" panose="02020603050405020304" pitchFamily="18" charset="0"/>
+                                </a:rPr>
+                                <m:t>1</m:t>
+                              </m:r>
+                              <m:r>
+                                <a:rPr lang="en-GB" sz="1600" b="0" i="1" smtClean="0">
+                                  <a:latin typeface="Cambria Math" panose="02040503050406030204" pitchFamily="18" charset="0"/>
+                                  <a:ea typeface="Calibri" panose="020F0502020204030204" pitchFamily="34" charset="0"/>
+                                  <a:cs typeface="Times New Roman" panose="02020603050405020304" pitchFamily="18" charset="0"/>
+                                </a:rPr>
+                                <m:t>5</m:t>
+                              </m:r>
+                              <m:r>
+                                <a:rPr lang="en-GB" sz="1600" i="1">
+                                  <a:latin typeface="Cambria Math" panose="02040503050406030204" pitchFamily="18" charset="0"/>
+                                  <a:ea typeface="Calibri" panose="020F0502020204030204" pitchFamily="34" charset="0"/>
+                                  <a:cs typeface="Times New Roman" panose="02020603050405020304" pitchFamily="18" charset="0"/>
+                                </a:rPr>
+                                <m:t>000</m:t>
+                              </m:r>
+                            </m:e>
+                            <m:sub>
+                              <m:r>
+                                <a:rPr lang="en-GB" sz="1600" i="1">
+                                  <a:latin typeface="Cambria Math" panose="02040503050406030204" pitchFamily="18" charset="0"/>
+                                  <a:cs typeface="Times New Roman" panose="02020603050405020304" pitchFamily="18" charset="0"/>
+                                </a:rPr>
+                                <m:t>𝑚𝑠</m:t>
+                              </m:r>
+                            </m:sub>
+                          </m:sSub>
+                        </m:num>
+                        <m:den>
+                          <m:sSub>
+                            <m:sSubPr>
+                              <m:ctrlPr>
+                                <a:rPr lang="en-GB" sz="1600" i="1" smtClean="0">
+                                  <a:effectLst/>
+                                  <a:latin typeface="Cambria Math" panose="02040503050406030204" pitchFamily="18" charset="0"/>
+                                  <a:ea typeface="Calibri" panose="020F0502020204030204" pitchFamily="34" charset="0"/>
+                                  <a:cs typeface="Times New Roman" panose="02020603050405020304" pitchFamily="18" charset="0"/>
+                                </a:rPr>
+                              </m:ctrlPr>
+                            </m:sSubPr>
+                            <m:e>
+                              <m:r>
+                                <a:rPr lang="en-GB" sz="1600" b="0" i="1" smtClean="0">
+                                  <a:effectLst/>
+                                  <a:latin typeface="Cambria Math" panose="02040503050406030204" pitchFamily="18" charset="0"/>
+                                  <a:ea typeface="Calibri" panose="020F0502020204030204" pitchFamily="34" charset="0"/>
+                                  <a:cs typeface="Times New Roman" panose="02020603050405020304" pitchFamily="18" charset="0"/>
+                                </a:rPr>
+                                <m:t>30000</m:t>
+                              </m:r>
+                            </m:e>
+                            <m:sub>
+                              <m:r>
+                                <a:rPr lang="en-GB" sz="1600" b="0" i="1" smtClean="0">
+                                  <a:effectLst/>
+                                  <a:latin typeface="Cambria Math" panose="02040503050406030204" pitchFamily="18" charset="0"/>
+                                  <a:ea typeface="Calibri" panose="020F0502020204030204" pitchFamily="34" charset="0"/>
+                                  <a:cs typeface="Times New Roman" panose="02020603050405020304" pitchFamily="18" charset="0"/>
+                                </a:rPr>
+                                <m:t>𝑚𝑠</m:t>
+                              </m:r>
+                            </m:sub>
+                          </m:sSub>
+                          <m:r>
+                            <a:rPr lang="en-GB" sz="1600" i="1">
+                              <a:effectLst/>
+                              <a:latin typeface="Cambria Math" panose="02040503050406030204" pitchFamily="18" charset="0"/>
+                              <a:ea typeface="Calibri" panose="020F0502020204030204" pitchFamily="34" charset="0"/>
+                              <a:cs typeface="Times New Roman" panose="02020603050405020304" pitchFamily="18" charset="0"/>
+                            </a:rPr>
+                            <m:t> ∙10.00</m:t>
+                          </m:r>
+                        </m:den>
+                      </m:f>
+                    </m:oMath>
+                  </m:oMathPara>
+                </a14:m>
+                <a:endParaRPr lang="en-GB" sz="1600" dirty="0">
+                  <a:effectLst/>
+                  <a:latin typeface="Calibri" panose="020F0502020204030204" pitchFamily="34" charset="0"/>
+                  <a:ea typeface="Calibri" panose="020F0502020204030204" pitchFamily="34" charset="0"/>
+                  <a:cs typeface="Times New Roman" panose="02020603050405020304" pitchFamily="18" charset="0"/>
+                </a:endParaRPr>
+              </a:p>
+              <a:p>
+                <a:pPr algn="ctr">
+                  <a:lnSpc>
+                    <a:spcPct val="107000"/>
+                  </a:lnSpc>
+                  <a:spcAft>
+                    <a:spcPts val="800"/>
+                  </a:spcAft>
+                </a:pPr>
+                <a:r>
+                  <a:rPr lang="en-GB" sz="1600" dirty="0">
+                    <a:solidFill>
+                      <a:srgbClr val="FF0000"/>
+                    </a:solidFill>
+                    <a:effectLst/>
+                    <a:ea typeface="Calibri" panose="020F0502020204030204" pitchFamily="34" charset="0"/>
+                    <a:cs typeface="Times New Roman" panose="02020603050405020304" pitchFamily="18" charset="0"/>
+                  </a:rPr>
+                  <a:t>520 pcs/0.01cf </a:t>
+                </a:r>
+                <a14:m>
+                  <m:oMath xmlns:m="http://schemas.openxmlformats.org/officeDocument/2006/math">
+                    <m:r>
+                      <a:rPr lang="en-GB" sz="1600" i="1">
+                        <a:effectLst/>
+                        <a:latin typeface="Cambria Math" panose="02040503050406030204" pitchFamily="18" charset="0"/>
+                        <a:ea typeface="Calibri" panose="020F0502020204030204" pitchFamily="34" charset="0"/>
+                        <a:cs typeface="Times New Roman" panose="02020603050405020304" pitchFamily="18" charset="0"/>
+                      </a:rPr>
+                      <m:t>=1.1 ∙ </m:t>
+                    </m:r>
+                    <m:sSup>
+                      <m:sSupPr>
+                        <m:ctrlPr>
+                          <a:rPr lang="en-GB" sz="1600" i="1">
+                            <a:effectLst/>
+                            <a:latin typeface="Cambria Math" panose="02040503050406030204" pitchFamily="18" charset="0"/>
+                            <a:ea typeface="Calibri" panose="020F0502020204030204" pitchFamily="34" charset="0"/>
+                            <a:cs typeface="Times New Roman" panose="02020603050405020304" pitchFamily="18" charset="0"/>
+                          </a:rPr>
+                        </m:ctrlPr>
+                      </m:sSupPr>
+                      <m:e>
+                        <m:r>
+                          <a:rPr lang="en-GB" sz="1600" b="0" i="1" smtClean="0">
+                            <a:effectLst/>
+                            <a:latin typeface="Cambria Math" panose="02040503050406030204" pitchFamily="18" charset="0"/>
+                            <a:ea typeface="Calibri" panose="020F0502020204030204" pitchFamily="34" charset="0"/>
+                            <a:cs typeface="Times New Roman" panose="02020603050405020304" pitchFamily="18" charset="0"/>
+                          </a:rPr>
+                          <m:t>0.05</m:t>
+                        </m:r>
+                      </m:e>
+                      <m:sup>
+                        <m:r>
+                          <a:rPr lang="en-GB" sz="1600" i="1">
+                            <a:effectLst/>
+                            <a:latin typeface="Cambria Math" panose="02040503050406030204" pitchFamily="18" charset="0"/>
+                            <a:ea typeface="Calibri" panose="020F0502020204030204" pitchFamily="34" charset="0"/>
+                            <a:cs typeface="Times New Roman" panose="02020603050405020304" pitchFamily="18" charset="0"/>
+                          </a:rPr>
+                          <m:t>3</m:t>
+                        </m:r>
+                      </m:sup>
+                    </m:sSup>
+                    <m:r>
+                      <a:rPr lang="en-GB" sz="1600" i="1">
+                        <a:effectLst/>
+                        <a:latin typeface="Cambria Math" panose="02040503050406030204" pitchFamily="18" charset="0"/>
+                        <a:ea typeface="Calibri" panose="020F0502020204030204" pitchFamily="34" charset="0"/>
+                        <a:cs typeface="Times New Roman" panose="02020603050405020304" pitchFamily="18" charset="0"/>
+                      </a:rPr>
+                      <m:t>−3.8 ∙ </m:t>
+                    </m:r>
+                    <m:sSup>
+                      <m:sSupPr>
+                        <m:ctrlPr>
+                          <a:rPr lang="en-GB" sz="1600" i="1">
+                            <a:effectLst/>
+                            <a:latin typeface="Cambria Math" panose="02040503050406030204" pitchFamily="18" charset="0"/>
+                            <a:ea typeface="Calibri" panose="020F0502020204030204" pitchFamily="34" charset="0"/>
+                            <a:cs typeface="Times New Roman" panose="02020603050405020304" pitchFamily="18" charset="0"/>
+                          </a:rPr>
+                        </m:ctrlPr>
+                      </m:sSupPr>
+                      <m:e>
+                        <m:r>
+                          <a:rPr lang="en-GB" sz="1600" b="0" i="1" smtClean="0">
+                            <a:effectLst/>
+                            <a:latin typeface="Cambria Math" panose="02040503050406030204" pitchFamily="18" charset="0"/>
+                            <a:ea typeface="Calibri" panose="020F0502020204030204" pitchFamily="34" charset="0"/>
+                            <a:cs typeface="Times New Roman" panose="02020603050405020304" pitchFamily="18" charset="0"/>
+                          </a:rPr>
+                          <m:t>0.05</m:t>
+                        </m:r>
+                      </m:e>
+                      <m:sup>
+                        <m:r>
+                          <a:rPr lang="en-GB" sz="1600" i="1">
+                            <a:effectLst/>
+                            <a:latin typeface="Cambria Math" panose="02040503050406030204" pitchFamily="18" charset="0"/>
+                            <a:ea typeface="Calibri" panose="020F0502020204030204" pitchFamily="34" charset="0"/>
+                            <a:cs typeface="Times New Roman" panose="02020603050405020304" pitchFamily="18" charset="0"/>
+                          </a:rPr>
+                          <m:t>2</m:t>
+                        </m:r>
+                      </m:sup>
+                    </m:sSup>
+                    <m:r>
+                      <a:rPr lang="en-GB" sz="1600" i="1">
+                        <a:effectLst/>
+                        <a:latin typeface="Cambria Math" panose="02040503050406030204" pitchFamily="18" charset="0"/>
+                        <a:ea typeface="Calibri" panose="020F0502020204030204" pitchFamily="34" charset="0"/>
+                        <a:cs typeface="Times New Roman" panose="02020603050405020304" pitchFamily="18" charset="0"/>
+                      </a:rPr>
+                      <m:t>+520−</m:t>
+                    </m:r>
+                    <m:r>
+                      <a:rPr lang="en-GB" sz="1600" b="0" i="1" smtClean="0">
+                        <a:effectLst/>
+                        <a:latin typeface="Cambria Math" panose="02040503050406030204" pitchFamily="18" charset="0"/>
+                        <a:ea typeface="Calibri" panose="020F0502020204030204" pitchFamily="34" charset="0"/>
+                        <a:cs typeface="Times New Roman" panose="02020603050405020304" pitchFamily="18" charset="0"/>
+                      </a:rPr>
+                      <m:t>0.05</m:t>
+                    </m:r>
+                    <m:r>
+                      <a:rPr lang="en-GB" sz="1600" i="1">
+                        <a:effectLst/>
+                        <a:latin typeface="Cambria Math" panose="02040503050406030204" pitchFamily="18" charset="0"/>
+                        <a:ea typeface="Calibri" panose="020F0502020204030204" pitchFamily="34" charset="0"/>
+                        <a:cs typeface="Times New Roman" panose="02020603050405020304" pitchFamily="18" charset="0"/>
+                      </a:rPr>
+                      <m:t>+0.62 </m:t>
+                    </m:r>
+                  </m:oMath>
+                </a14:m>
+                <a:endParaRPr lang="en-GB" sz="1600" dirty="0">
+                  <a:effectLst/>
+                  <a:latin typeface="Calibri" panose="020F0502020204030204" pitchFamily="34" charset="0"/>
+                  <a:ea typeface="Calibri" panose="020F0502020204030204" pitchFamily="34" charset="0"/>
+                  <a:cs typeface="Times New Roman" panose="02020603050405020304" pitchFamily="18" charset="0"/>
+                </a:endParaRPr>
+              </a:p>
+              <a:p>
+                <a:pPr>
+                  <a:lnSpc>
+                    <a:spcPct val="107000"/>
+                  </a:lnSpc>
+                  <a:spcAft>
+                    <a:spcPts val="800"/>
+                  </a:spcAft>
+                </a:pPr>
+                <a:r>
+                  <a:rPr lang="en-GB" sz="1100" dirty="0">
+                    <a:effectLst/>
+                    <a:latin typeface="Calibri" panose="020F0502020204030204" pitchFamily="34" charset="0"/>
+                    <a:ea typeface="Calibri" panose="020F0502020204030204" pitchFamily="34" charset="0"/>
+                    <a:cs typeface="Times New Roman" panose="02020603050405020304" pitchFamily="18" charset="0"/>
+                  </a:rPr>
+                  <a:t> </a:t>
+                </a:r>
+              </a:p>
+              <a:p>
+                <a:pPr>
+                  <a:lnSpc>
+                    <a:spcPct val="107000"/>
+                  </a:lnSpc>
+                  <a:spcAft>
+                    <a:spcPts val="800"/>
+                  </a:spcAft>
+                </a:pPr>
+                <a:r>
+                  <a:rPr lang="en-GB" sz="1100" dirty="0">
+                    <a:effectLst/>
+                    <a:latin typeface="Calibri" panose="020F0502020204030204" pitchFamily="34" charset="0"/>
+                    <a:ea typeface="Calibri" panose="020F0502020204030204" pitchFamily="34" charset="0"/>
+                    <a:cs typeface="Times New Roman" panose="02020603050405020304" pitchFamily="18" charset="0"/>
+                  </a:rPr>
+                  <a:t> </a:t>
+                </a:r>
+              </a:p>
+            </p:txBody>
+          </p:sp>
+        </mc:Choice>
+        <mc:Fallback>
+          <p:sp>
+            <p:nvSpPr>
+              <p:cNvPr id="17" name="Text Box 2">
+                <a:extLst>
+                  <a:ext uri="{FF2B5EF4-FFF2-40B4-BE49-F238E27FC236}">
+                    <a16:creationId xmlns:a16="http://schemas.microsoft.com/office/drawing/2014/main" id="{DB11D2CE-CCDF-4660-88A0-A1363EDAA0A0}"/>
+                  </a:ext>
+                </a:extLst>
+              </p:cNvPr>
+              <p:cNvSpPr txBox="1">
+                <a:spLocks noRot="1" noChangeAspect="1" noMove="1" noResize="1" noEditPoints="1" noAdjustHandles="1" noChangeArrowheads="1" noChangeShapeType="1" noTextEdit="1"/>
+              </p:cNvSpPr>
+              <p:nvPr/>
+            </p:nvSpPr>
+            <p:spPr bwMode="auto">
+              <a:xfrm>
+                <a:off x="5554378" y="4234706"/>
+                <a:ext cx="6169306" cy="1750826"/>
+              </a:xfrm>
+              <a:prstGeom prst="rect">
+                <a:avLst/>
+              </a:prstGeom>
+              <a:blipFill>
+                <a:blip r:embed="rId8"/>
+                <a:stretch>
+                  <a:fillRect t="-346" b="-1730"/>
+                </a:stretch>
+              </a:blipFill>
+              <a:ln w="9525">
+                <a:solidFill>
+                  <a:srgbClr val="000000"/>
+                </a:solidFill>
+                <a:miter lim="800000"/>
+                <a:headEnd/>
+                <a:tailEnd/>
+              </a:ln>
+            </p:spPr>
+            <p:txBody>
+              <a:bodyPr/>
+              <a:lstStyle/>
+              <a:p>
+                <a:r>
+                  <a:rPr lang="en-GB">
+                    <a:noFill/>
+                  </a:rPr>
+                  <a:t> </a:t>
+                </a:r>
+              </a:p>
+            </p:txBody>
+          </p:sp>
+        </mc:Fallback>
+      </mc:AlternateContent>
+      <p:sp>
+        <p:nvSpPr>
+          <p:cNvPr id="18" name="Rectangle 17">
+            <a:extLst>
+              <a:ext uri="{FF2B5EF4-FFF2-40B4-BE49-F238E27FC236}">
+                <a16:creationId xmlns:a16="http://schemas.microsoft.com/office/drawing/2014/main" id="{411D06E2-CB8F-4947-9A80-99121DE60BA6}"/>
+              </a:ext>
+            </a:extLst>
+          </p:cNvPr>
+          <p:cNvSpPr/>
+          <p:nvPr/>
+        </p:nvSpPr>
+        <p:spPr>
+          <a:xfrm>
+            <a:off x="8113107" y="3893538"/>
+            <a:ext cx="1082348" cy="369332"/>
+          </a:xfrm>
+          <a:prstGeom prst="rect">
+            <a:avLst/>
+          </a:prstGeom>
+        </p:spPr>
+        <p:txBody>
+          <a:bodyPr wrap="none">
+            <a:spAutoFit/>
+          </a:bodyPr>
+          <a:lstStyle/>
+          <a:p>
+            <a:r>
+              <a:rPr lang="en-GB" dirty="0">
+                <a:solidFill>
+                  <a:srgbClr val="222222"/>
+                </a:solidFill>
+                <a:latin typeface="HelveticaNeue"/>
+              </a:rPr>
+              <a:t>Example</a:t>
+            </a:r>
+            <a:endParaRPr lang="en-GB" dirty="0"/>
+          </a:p>
+        </p:txBody>
+      </p:sp>
     </p:spTree>
     <p:extLst>
       <p:ext uri="{BB962C8B-B14F-4D97-AF65-F5344CB8AC3E}">
@@ -11601,7 +14424,7 @@
 </p:sld>
 </file>
 
-<file path=ppt/slides/slide8.xml><?xml version="1.0" encoding="utf-8"?>
+<file path=ppt/slides/slide9.xml><?xml version="1.0" encoding="utf-8"?>
 <p:sld xmlns:a="http://schemas.openxmlformats.org/drawingml/2006/main" xmlns:r="http://schemas.openxmlformats.org/officeDocument/2006/relationships" xmlns:p="http://schemas.openxmlformats.org/presentationml/2006/main">
   <p:cSld>
     <p:spTree>
@@ -13442,442 +16265,6 @@
 </p:sld>
 </file>
 
-<file path=ppt/slides/slide9.xml><?xml version="1.0" encoding="utf-8"?>
-<p:sld xmlns:a="http://schemas.openxmlformats.org/drawingml/2006/main" xmlns:r="http://schemas.openxmlformats.org/officeDocument/2006/relationships" xmlns:p="http://schemas.openxmlformats.org/presentationml/2006/main">
-  <p:cSld>
-    <p:spTree>
-      <p:nvGrpSpPr>
-        <p:cNvPr id="1" name=""/>
-        <p:cNvGrpSpPr/>
-        <p:nvPr/>
-      </p:nvGrpSpPr>
-      <p:grpSpPr>
-        <a:xfrm>
-          <a:off x="0" y="0"/>
-          <a:ext cx="0" cy="0"/>
-          <a:chOff x="0" y="0"/>
-          <a:chExt cx="0" cy="0"/>
-        </a:xfrm>
-      </p:grpSpPr>
-      <p:pic>
-        <p:nvPicPr>
-          <p:cNvPr id="1030" name="Picture 6" descr="IoT Power Management">
-            <a:extLst>
-              <a:ext uri="{FF2B5EF4-FFF2-40B4-BE49-F238E27FC236}">
-                <a16:creationId xmlns:a16="http://schemas.microsoft.com/office/drawing/2014/main" id="{F9844D2D-635D-44A0-B958-1E4C39246144}"/>
-              </a:ext>
-            </a:extLst>
-          </p:cNvPr>
-          <p:cNvPicPr>
-            <a:picLocks noChangeAspect="1" noChangeArrowheads="1"/>
-          </p:cNvPicPr>
-          <p:nvPr/>
-        </p:nvPicPr>
-        <p:blipFill rotWithShape="1">
-          <a:blip r:embed="rId3">
-            <a:extLst>
-              <a:ext uri="{28A0092B-C50C-407E-A947-70E740481C1C}">
-                <a14:useLocalDpi xmlns:a14="http://schemas.microsoft.com/office/drawing/2010/main" val="0"/>
-              </a:ext>
-            </a:extLst>
-          </a:blip>
-          <a:srcRect l="17628" t="11071" r="17690" b="10896"/>
-          <a:stretch/>
-        </p:blipFill>
-        <p:spPr bwMode="auto">
-          <a:xfrm>
-            <a:off x="9525" y="5388348"/>
-            <a:ext cx="1469651" cy="1469651"/>
-          </a:xfrm>
-          <a:prstGeom prst="rect">
-            <a:avLst/>
-          </a:prstGeom>
-          <a:noFill/>
-          <a:extLst>
-            <a:ext uri="{909E8E84-426E-40DD-AFC4-6F175D3DCCD1}">
-              <a14:hiddenFill xmlns:a14="http://schemas.microsoft.com/office/drawing/2010/main">
-                <a:solidFill>
-                  <a:srgbClr val="FFFFFF"/>
-                </a:solidFill>
-              </a14:hiddenFill>
-            </a:ext>
-          </a:extLst>
-        </p:spPr>
-      </p:pic>
-      <p:sp>
-        <p:nvSpPr>
-          <p:cNvPr id="4" name="Rectangle 3">
-            <a:extLst>
-              <a:ext uri="{FF2B5EF4-FFF2-40B4-BE49-F238E27FC236}">
-                <a16:creationId xmlns:a16="http://schemas.microsoft.com/office/drawing/2014/main" id="{9D476336-A01A-47A0-975E-B9D85496F266}"/>
-              </a:ext>
-            </a:extLst>
-          </p:cNvPr>
-          <p:cNvSpPr/>
-          <p:nvPr/>
-        </p:nvSpPr>
-        <p:spPr>
-          <a:xfrm rot="5400000">
-            <a:off x="8578368" y="3220641"/>
-            <a:ext cx="6874669" cy="400050"/>
-          </a:xfrm>
-          <a:prstGeom prst="rect">
-            <a:avLst/>
-          </a:prstGeom>
-          <a:solidFill>
-            <a:srgbClr val="194B89"/>
-          </a:solidFill>
-          <a:ln>
-            <a:solidFill>
-              <a:srgbClr val="194B89"/>
-            </a:solidFill>
-          </a:ln>
-        </p:spPr>
-        <p:style>
-          <a:lnRef idx="2">
-            <a:schemeClr val="accent1">
-              <a:shade val="50000"/>
-            </a:schemeClr>
-          </a:lnRef>
-          <a:fillRef idx="1">
-            <a:schemeClr val="accent1"/>
-          </a:fillRef>
-          <a:effectRef idx="0">
-            <a:schemeClr val="accent1"/>
-          </a:effectRef>
-          <a:fontRef idx="minor">
-            <a:schemeClr val="lt1"/>
-          </a:fontRef>
-        </p:style>
-        <p:txBody>
-          <a:bodyPr rtlCol="0" anchor="ctr"/>
-          <a:lstStyle/>
-          <a:p>
-            <a:pPr algn="ctr"/>
-            <a:endParaRPr lang="en-GB"/>
-          </a:p>
-        </p:txBody>
-      </p:sp>
-      <p:sp>
-        <p:nvSpPr>
-          <p:cNvPr id="8" name="TextBox 7">
-            <a:extLst>
-              <a:ext uri="{FF2B5EF4-FFF2-40B4-BE49-F238E27FC236}">
-                <a16:creationId xmlns:a16="http://schemas.microsoft.com/office/drawing/2014/main" id="{24A75D75-D1DC-4ACC-A162-A04A5C0F3B5F}"/>
-              </a:ext>
-            </a:extLst>
-          </p:cNvPr>
-          <p:cNvSpPr txBox="1"/>
-          <p:nvPr/>
-        </p:nvSpPr>
-        <p:spPr>
-          <a:xfrm>
-            <a:off x="3383289" y="197629"/>
-            <a:ext cx="4151154" cy="646331"/>
-          </a:xfrm>
-          <a:prstGeom prst="rect">
-            <a:avLst/>
-          </a:prstGeom>
-          <a:noFill/>
-        </p:spPr>
-        <p:txBody>
-          <a:bodyPr wrap="square" rtlCol="0">
-            <a:spAutoFit/>
-          </a:bodyPr>
-          <a:lstStyle/>
-          <a:p>
-            <a:pPr algn="ctr"/>
-            <a:r>
-              <a:rPr lang="en-GB" sz="3600" dirty="0">
-                <a:solidFill>
-                  <a:schemeClr val="bg2">
-                    <a:lumMod val="25000"/>
-                  </a:schemeClr>
-                </a:solidFill>
-                <a:latin typeface="3ds" panose="02000503020000020004" pitchFamily="2" charset="0"/>
-              </a:rPr>
-              <a:t>Light Level Sensor</a:t>
-            </a:r>
-          </a:p>
-        </p:txBody>
-      </p:sp>
-      <p:pic>
-        <p:nvPicPr>
-          <p:cNvPr id="9" name="Picture 8" descr="A picture containing object&#10;&#10;Description automatically generated">
-            <a:extLst>
-              <a:ext uri="{FF2B5EF4-FFF2-40B4-BE49-F238E27FC236}">
-                <a16:creationId xmlns:a16="http://schemas.microsoft.com/office/drawing/2014/main" id="{CCD379EC-9AF2-4339-BC08-EAF2C4B297BF}"/>
-              </a:ext>
-            </a:extLst>
-          </p:cNvPr>
-          <p:cNvPicPr>
-            <a:picLocks noChangeAspect="1"/>
-          </p:cNvPicPr>
-          <p:nvPr/>
-        </p:nvPicPr>
-        <p:blipFill>
-          <a:blip r:embed="rId4">
-            <a:duotone>
-              <a:prstClr val="black"/>
-              <a:schemeClr val="accent1">
-                <a:tint val="45000"/>
-                <a:satMod val="400000"/>
-              </a:schemeClr>
-            </a:duotone>
-            <a:extLst>
-              <a:ext uri="{28A0092B-C50C-407E-A947-70E740481C1C}">
-                <a14:useLocalDpi xmlns:a14="http://schemas.microsoft.com/office/drawing/2010/main" val="0"/>
-              </a:ext>
-            </a:extLst>
-          </a:blip>
-          <a:stretch>
-            <a:fillRect/>
-          </a:stretch>
-        </p:blipFill>
-        <p:spPr>
-          <a:xfrm>
-            <a:off x="7534441" y="51487"/>
-            <a:ext cx="923330" cy="923330"/>
-          </a:xfrm>
-          <a:prstGeom prst="rect">
-            <a:avLst/>
-          </a:prstGeom>
-        </p:spPr>
-      </p:pic>
-      <p:sp>
-        <p:nvSpPr>
-          <p:cNvPr id="2" name="Rectangle 1">
-            <a:extLst>
-              <a:ext uri="{FF2B5EF4-FFF2-40B4-BE49-F238E27FC236}">
-                <a16:creationId xmlns:a16="http://schemas.microsoft.com/office/drawing/2014/main" id="{5D6C4503-2E09-4487-BB00-9BE7FDE142D2}"/>
-              </a:ext>
-            </a:extLst>
-          </p:cNvPr>
-          <p:cNvSpPr/>
-          <p:nvPr/>
-        </p:nvSpPr>
-        <p:spPr>
-          <a:xfrm>
-            <a:off x="224117" y="1212425"/>
-            <a:ext cx="10416174" cy="923330"/>
-          </a:xfrm>
-          <a:prstGeom prst="rect">
-            <a:avLst/>
-          </a:prstGeom>
-        </p:spPr>
-        <p:txBody>
-          <a:bodyPr wrap="square">
-            <a:spAutoFit/>
-          </a:bodyPr>
-          <a:lstStyle/>
-          <a:p>
-            <a:r>
-              <a:rPr lang="en-GB" dirty="0">
-                <a:latin typeface="HelveticaNeue"/>
-              </a:rPr>
-              <a:t>The Grove - Light sensor integrates a photo-resistor(light dependent resistor) to detect the intensity of light. The resistance of photo-resistor decreases when the intensity of light increases. The output signal is analogue value, the brighter the light is, the larger the value.</a:t>
-            </a:r>
-          </a:p>
-        </p:txBody>
-      </p:sp>
-      <p:sp>
-        <p:nvSpPr>
-          <p:cNvPr id="5" name="Rectangle 4">
-            <a:extLst>
-              <a:ext uri="{FF2B5EF4-FFF2-40B4-BE49-F238E27FC236}">
-                <a16:creationId xmlns:a16="http://schemas.microsoft.com/office/drawing/2014/main" id="{FBD86A6D-F7ED-4EA8-91BB-5F6E9413151F}"/>
-              </a:ext>
-            </a:extLst>
-          </p:cNvPr>
-          <p:cNvSpPr/>
-          <p:nvPr/>
-        </p:nvSpPr>
-        <p:spPr>
-          <a:xfrm>
-            <a:off x="468292" y="2526892"/>
-            <a:ext cx="6096000" cy="3139321"/>
-          </a:xfrm>
-          <a:prstGeom prst="rect">
-            <a:avLst/>
-          </a:prstGeom>
-        </p:spPr>
-        <p:txBody>
-          <a:bodyPr>
-            <a:spAutoFit/>
-          </a:bodyPr>
-          <a:lstStyle/>
-          <a:p>
-            <a:pPr marL="285750" indent="-285750">
-              <a:buFont typeface="Arial" panose="020B0604020202020204" pitchFamily="34" charset="0"/>
-              <a:buChar char="•"/>
-            </a:pPr>
-            <a:r>
-              <a:rPr lang="en-GB" dirty="0">
-                <a:latin typeface="HelveticaNeue"/>
-              </a:rPr>
-              <a:t>This module can be used to build a light controlled switch i.e. switch off lights during day time and switch on lights during night time.</a:t>
-            </a:r>
-          </a:p>
-          <a:p>
-            <a:endParaRPr lang="en-GB" dirty="0">
-              <a:latin typeface="HelveticaNeue"/>
-            </a:endParaRPr>
-          </a:p>
-          <a:p>
-            <a:pPr marL="285750" indent="-285750">
-              <a:buFont typeface="Arial" panose="020B0604020202020204" pitchFamily="34" charset="0"/>
-              <a:buChar char="•"/>
-            </a:pPr>
-            <a:r>
-              <a:rPr lang="en-GB" dirty="0">
-                <a:latin typeface="HelveticaNeue"/>
-              </a:rPr>
-              <a:t>If a door has been opened during the day</a:t>
-            </a:r>
-          </a:p>
-          <a:p>
-            <a:endParaRPr lang="en-GB" dirty="0">
-              <a:latin typeface="HelveticaNeue"/>
-            </a:endParaRPr>
-          </a:p>
-          <a:p>
-            <a:pPr marL="285750" indent="-285750">
-              <a:buFont typeface="Arial" panose="020B0604020202020204" pitchFamily="34" charset="0"/>
-              <a:buChar char="•"/>
-            </a:pPr>
-            <a:r>
-              <a:rPr lang="en-GB" dirty="0">
-                <a:latin typeface="HelveticaNeue"/>
-              </a:rPr>
-              <a:t>Sun light in a greenhouse</a:t>
-            </a:r>
-          </a:p>
-          <a:p>
-            <a:pPr marL="285750" indent="-285750">
-              <a:buFont typeface="Arial" panose="020B0604020202020204" pitchFamily="34" charset="0"/>
-              <a:buChar char="•"/>
-            </a:pPr>
-            <a:endParaRPr lang="en-GB" dirty="0">
-              <a:latin typeface="HelveticaNeue"/>
-            </a:endParaRPr>
-          </a:p>
-          <a:p>
-            <a:pPr marL="285750" indent="-285750">
-              <a:buFont typeface="Arial" panose="020B0604020202020204" pitchFamily="34" charset="0"/>
-              <a:buChar char="•"/>
-            </a:pPr>
-            <a:r>
-              <a:rPr lang="en-GB" dirty="0">
-                <a:latin typeface="HelveticaNeue"/>
-              </a:rPr>
-              <a:t>A robot that reacts to light</a:t>
-            </a:r>
-          </a:p>
-          <a:p>
-            <a:pPr marL="285750" indent="-285750">
-              <a:buFont typeface="Arial" panose="020B0604020202020204" pitchFamily="34" charset="0"/>
-              <a:buChar char="•"/>
-            </a:pPr>
-            <a:endParaRPr lang="en-GB" dirty="0">
-              <a:latin typeface="HelveticaNeue"/>
-            </a:endParaRPr>
-          </a:p>
-          <a:p>
-            <a:pPr marL="285750" indent="-285750">
-              <a:buFont typeface="Arial" panose="020B0604020202020204" pitchFamily="34" charset="0"/>
-              <a:buChar char="•"/>
-            </a:pPr>
-            <a:endParaRPr lang="en-GB" dirty="0">
-              <a:latin typeface="HelveticaNeue"/>
-            </a:endParaRPr>
-          </a:p>
-        </p:txBody>
-      </p:sp>
-      <p:pic>
-        <p:nvPicPr>
-          <p:cNvPr id="12" name="Picture 11" descr="A close up of a device&#10;&#10;Description automatically generated">
-            <a:extLst>
-              <a:ext uri="{FF2B5EF4-FFF2-40B4-BE49-F238E27FC236}">
-                <a16:creationId xmlns:a16="http://schemas.microsoft.com/office/drawing/2014/main" id="{9FA15B0B-F090-41F3-948E-D5D6BD4B714E}"/>
-              </a:ext>
-            </a:extLst>
-          </p:cNvPr>
-          <p:cNvPicPr>
-            <a:picLocks noChangeAspect="1"/>
-          </p:cNvPicPr>
-          <p:nvPr/>
-        </p:nvPicPr>
-        <p:blipFill>
-          <a:blip r:embed="rId5">
-            <a:extLst>
-              <a:ext uri="{28A0092B-C50C-407E-A947-70E740481C1C}">
-                <a14:useLocalDpi xmlns:a14="http://schemas.microsoft.com/office/drawing/2010/main" val="0"/>
-              </a:ext>
-            </a:extLst>
-          </a:blip>
-          <a:stretch>
-            <a:fillRect/>
-          </a:stretch>
-        </p:blipFill>
-        <p:spPr>
-          <a:xfrm>
-            <a:off x="8166057" y="2901786"/>
-            <a:ext cx="1613770" cy="1820460"/>
-          </a:xfrm>
-          <a:prstGeom prst="rect">
-            <a:avLst/>
-          </a:prstGeom>
-        </p:spPr>
-      </p:pic>
-      <p:pic>
-        <p:nvPicPr>
-          <p:cNvPr id="10" name="Picture 9">
-            <a:extLst>
-              <a:ext uri="{FF2B5EF4-FFF2-40B4-BE49-F238E27FC236}">
-                <a16:creationId xmlns:a16="http://schemas.microsoft.com/office/drawing/2014/main" id="{6811C0DE-24FA-4C52-9AFB-31D8B444F751}"/>
-              </a:ext>
-            </a:extLst>
-          </p:cNvPr>
-          <p:cNvPicPr>
-            <a:picLocks noChangeAspect="1"/>
-          </p:cNvPicPr>
-          <p:nvPr/>
-        </p:nvPicPr>
-        <p:blipFill>
-          <a:blip r:embed="rId6">
-            <a:extLst>
-              <a:ext uri="{28A0092B-C50C-407E-A947-70E740481C1C}">
-                <a14:useLocalDpi xmlns:a14="http://schemas.microsoft.com/office/drawing/2010/main" val="0"/>
-              </a:ext>
-            </a:extLst>
-          </a:blip>
-          <a:stretch>
-            <a:fillRect/>
-          </a:stretch>
-        </p:blipFill>
-        <p:spPr>
-          <a:xfrm>
-            <a:off x="10218865" y="6134793"/>
-            <a:ext cx="1576589" cy="723206"/>
-          </a:xfrm>
-          <a:prstGeom prst="rect">
-            <a:avLst/>
-          </a:prstGeom>
-        </p:spPr>
-      </p:pic>
-    </p:spTree>
-    <p:extLst>
-      <p:ext uri="{BB962C8B-B14F-4D97-AF65-F5344CB8AC3E}">
-        <p14:creationId xmlns:p14="http://schemas.microsoft.com/office/powerpoint/2010/main" val="3391443451"/>
-      </p:ext>
-    </p:extLst>
-  </p:cSld>
-  <p:clrMapOvr>
-    <a:masterClrMapping/>
-  </p:clrMapOvr>
-</p:sld>
-</file>
-
 <file path=ppt/theme/theme1.xml><?xml version="1.0" encoding="utf-8"?>
 <a:theme xmlns:a="http://schemas.openxmlformats.org/drawingml/2006/main" name="Office Theme">
   <a:themeElements>

--- a/Lessons/Sensors_101.pptx
+++ b/Lessons/Sensors_101.pptx
@@ -207,7 +207,7 @@
           <a:p>
             <a:fld id="{C2EBFB03-71CD-4F8F-BBF4-8710FA86CB6C}" type="datetimeFigureOut">
               <a:rPr lang="en-GB" smtClean="0"/>
-              <a:t>02/09/2019</a:t>
+              <a:t>10/09/2019</a:t>
             </a:fld>
             <a:endParaRPr lang="en-GB"/>
           </a:p>
@@ -699,6 +699,122 @@
           <a:bodyPr/>
           <a:lstStyle/>
           <a:p>
+            <a:r>
+              <a:rPr lang="en-GB" dirty="0"/>
+              <a:t>The BME680 is a 4-in-1 sensor, temperature, humidity, air pressure and Volatile Organic Compound (VOC).</a:t>
+            </a:r>
+          </a:p>
+          <a:p>
+            <a:endParaRPr lang="en-GB" dirty="0"/>
+          </a:p>
+          <a:p>
+            <a:r>
+              <a:rPr lang="en-GB" dirty="0"/>
+              <a:t>Thermometer ranges from </a:t>
+            </a:r>
+            <a:r>
+              <a:rPr lang="en-GB" dirty="0">
+                <a:latin typeface="HelveticaNeue"/>
+              </a:rPr>
+              <a:t>-40 ℃ to 85 ℃ with ±1.0°C accuracy </a:t>
+            </a:r>
+          </a:p>
+          <a:p>
+            <a:r>
+              <a:rPr lang="en-GB" dirty="0">
+                <a:latin typeface="HelveticaNeue"/>
+              </a:rPr>
+              <a:t>Humidity ranges from 0 to 100%  % relative humidity , with ±3% accuracy</a:t>
+            </a:r>
+          </a:p>
+          <a:p>
+            <a:pPr marL="0" marR="0" lvl="0" indent="0" algn="l" defTabSz="914400" rtl="0" eaLnBrk="1" fontAlgn="auto" latinLnBrk="0" hangingPunct="1">
+              <a:lnSpc>
+                <a:spcPct val="100000"/>
+              </a:lnSpc>
+              <a:spcBef>
+                <a:spcPts val="0"/>
+              </a:spcBef>
+              <a:spcAft>
+                <a:spcPts val="0"/>
+              </a:spcAft>
+              <a:buClrTx/>
+              <a:buSzTx/>
+              <a:buFontTx/>
+              <a:buNone/>
+              <a:tabLst/>
+              <a:defRPr/>
+            </a:pPr>
+            <a:r>
+              <a:rPr lang="en-GB" dirty="0">
+                <a:latin typeface="HelveticaNeue"/>
+              </a:rPr>
+              <a:t>Atmospheric pressure sensor measurement range: 300 to 1100 kPa with ±0.001 kPa accuracy</a:t>
+            </a:r>
+          </a:p>
+          <a:p>
+            <a:pPr marL="0" marR="0" lvl="0" indent="0" algn="l" defTabSz="914400" rtl="0" eaLnBrk="1" fontAlgn="auto" latinLnBrk="0" hangingPunct="1">
+              <a:lnSpc>
+                <a:spcPct val="100000"/>
+              </a:lnSpc>
+              <a:spcBef>
+                <a:spcPts val="0"/>
+              </a:spcBef>
+              <a:spcAft>
+                <a:spcPts val="0"/>
+              </a:spcAft>
+              <a:buClrTx/>
+              <a:buSzTx/>
+              <a:buFontTx/>
+              <a:buNone/>
+              <a:tabLst/>
+              <a:defRPr/>
+            </a:pPr>
+            <a:endParaRPr lang="en-GB" dirty="0">
+              <a:latin typeface="HelveticaNeue"/>
+            </a:endParaRPr>
+          </a:p>
+          <a:p>
+            <a:pPr marL="0" marR="0" lvl="0" indent="0" algn="l" defTabSz="914400" rtl="0" eaLnBrk="1" fontAlgn="auto" latinLnBrk="0" hangingPunct="1">
+              <a:lnSpc>
+                <a:spcPct val="100000"/>
+              </a:lnSpc>
+              <a:spcBef>
+                <a:spcPts val="0"/>
+              </a:spcBef>
+              <a:spcAft>
+                <a:spcPts val="0"/>
+              </a:spcAft>
+              <a:buClrTx/>
+              <a:buSzTx/>
+              <a:buFontTx/>
+              <a:buNone/>
+              <a:tabLst/>
+              <a:defRPr/>
+            </a:pPr>
+            <a:r>
+              <a:rPr lang="en-GB" dirty="0">
+                <a:latin typeface="HelveticaNeue"/>
+              </a:rPr>
+              <a:t>Finally the VOC measures gas resistance in </a:t>
+            </a:r>
+            <a:r>
+              <a:rPr lang="en-GB" dirty="0" err="1">
+                <a:latin typeface="HelveticaNeue"/>
+              </a:rPr>
+              <a:t>kOhms</a:t>
+            </a:r>
+            <a:r>
+              <a:rPr lang="en-GB" dirty="0">
+                <a:latin typeface="HelveticaNeue"/>
+              </a:rPr>
+              <a:t>, this is converted to the Indoor Air Quality (IAQ) index which ranges from 0 to +300% , excellent to hazardous to life air quality.</a:t>
+            </a:r>
+          </a:p>
+          <a:p>
+            <a:endParaRPr lang="en-GB" dirty="0"/>
+          </a:p>
+          <a:p>
             <a:endParaRPr lang="en-GB" dirty="0"/>
           </a:p>
         </p:txBody>
@@ -1116,8 +1232,8 @@
         </p:nvSpPr>
         <p:spPr/>
       </p:sp>
-      <mc:AlternateContent xmlns:mc="http://schemas.openxmlformats.org/markup-compatibility/2006">
-        <mc:Choice xmlns:a14="http://schemas.microsoft.com/office/drawing/2010/main" Requires="a14">
+      <mc:AlternateContent xmlns:mc="http://schemas.openxmlformats.org/markup-compatibility/2006" xmlns:a14="http://schemas.microsoft.com/office/drawing/2010/main">
+        <mc:Choice Requires="a14">
           <p:sp>
             <p:nvSpPr>
               <p:cNvPr id="3" name="Notes Placeholder 2"/>
@@ -1228,7 +1344,7 @@
             </p:txBody>
           </p:sp>
         </mc:Choice>
-        <mc:Fallback>
+        <mc:Fallback xmlns="">
           <p:sp>
             <p:nvSpPr>
               <p:cNvPr id="3" name="Notes Placeholder 2"/>
@@ -1415,7 +1531,15 @@
           <a:p>
             <a:r>
               <a:rPr lang="en-GB" dirty="0"/>
-              <a:t>A sensor circuit is essentially a voltage divider with either resistors, capacitors or inductive components.</a:t>
+              <a:t>This is a microcontroller, there are many types and variations, but we are using a ardunio MKR1010 </a:t>
+            </a:r>
+            <a:r>
+              <a:rPr lang="en-GB" dirty="0" err="1"/>
+              <a:t>WiFi</a:t>
+            </a:r>
+            <a:r>
+              <a:rPr lang="en-GB" dirty="0"/>
+              <a:t>. </a:t>
             </a:r>
           </a:p>
           <a:p>
@@ -1424,15 +1548,16 @@
           <a:p>
             <a:r>
               <a:rPr lang="en-GB" dirty="0"/>
-              <a:t>This a resistive voltage divider and is sensing that which is present. Say sunlight, as light increases so does the resistance. The higher the </a:t>
-            </a:r>
-            <a:r>
-              <a:rPr lang="en-GB" dirty="0" err="1"/>
-              <a:t>Vout</a:t>
-            </a:r>
+              <a:t>There are many functionalities of a microcontroller, we programme it to perform functions that take inputs and produce outputs real world. </a:t>
+            </a:r>
+          </a:p>
+          <a:p>
+            <a:endParaRPr lang="en-GB" dirty="0"/>
+          </a:p>
+          <a:p>
             <a:r>
               <a:rPr lang="en-GB" dirty="0"/>
-              <a:t> the more light there is. The name for this component is called a Light dependant resistor (LDR)</a:t>
+              <a:t>One of the main functions is the Analogue Digital Converter (ADC), there are range of ADCs and they are defined as 2,4,8,10,12,16 etc bit ADC. </a:t>
             </a:r>
           </a:p>
           <a:p>
@@ -1441,15 +1566,16 @@
           <a:p>
             <a:r>
               <a:rPr lang="en-GB" dirty="0"/>
-              <a:t>Voltage in (Vin) is the source say 5v and the Voltage out (</a:t>
-            </a:r>
-            <a:r>
-              <a:rPr lang="en-GB" dirty="0" err="1"/>
-              <a:t>Vout</a:t>
-            </a:r>
+              <a:t>10 bit is expressed as 1024 or 2^10 this gives a range from 0 to 1023 (note 0 to 1023 has 1024 numbers)  like 2^4 is 16 but would range from 0 to 15. </a:t>
+            </a:r>
+          </a:p>
+          <a:p>
+            <a:endParaRPr lang="en-GB" dirty="0"/>
+          </a:p>
+          <a:p>
             <a:r>
               <a:rPr lang="en-GB" dirty="0"/>
-              <a:t>). </a:t>
+              <a:t>The calculation takes the voltage out, which is an analogue signal and converts it into a digital signal in the range of the ADC (0 to 1023) </a:t>
             </a:r>
           </a:p>
           <a:p>
@@ -1458,20 +1584,11 @@
           <a:p>
             <a:r>
               <a:rPr lang="en-GB" dirty="0"/>
-              <a:t>R1 is the LDR and R2 is a normal resistor. </a:t>
+              <a:t>We then take that value and use more equations to turn it into a value we can understand, such as temperature. </a:t>
             </a:r>
           </a:p>
           <a:p>
             <a:endParaRPr lang="en-GB" dirty="0"/>
-          </a:p>
-          <a:p>
-            <a:endParaRPr lang="en-GB" dirty="0"/>
-          </a:p>
-          <a:p>
-            <a:r>
-              <a:rPr lang="en-GB" dirty="0"/>
-              <a:t>This formula is used in some of our sensors. </a:t>
-            </a:r>
           </a:p>
           <a:p>
             <a:endParaRPr lang="en-GB" dirty="0"/>
@@ -2064,7 +2181,7 @@
           <a:p>
             <a:fld id="{96F6514E-685F-4447-A0A3-A4708FC00805}" type="datetimeFigureOut">
               <a:rPr lang="en-GB" smtClean="0"/>
-              <a:t>02/09/2019</a:t>
+              <a:t>10/09/2019</a:t>
             </a:fld>
             <a:endParaRPr lang="en-GB"/>
           </a:p>
@@ -2264,7 +2381,7 @@
           <a:p>
             <a:fld id="{96F6514E-685F-4447-A0A3-A4708FC00805}" type="datetimeFigureOut">
               <a:rPr lang="en-GB" smtClean="0"/>
-              <a:t>02/09/2019</a:t>
+              <a:t>10/09/2019</a:t>
             </a:fld>
             <a:endParaRPr lang="en-GB"/>
           </a:p>
@@ -2474,7 +2591,7 @@
           <a:p>
             <a:fld id="{96F6514E-685F-4447-A0A3-A4708FC00805}" type="datetimeFigureOut">
               <a:rPr lang="en-GB" smtClean="0"/>
-              <a:t>02/09/2019</a:t>
+              <a:t>10/09/2019</a:t>
             </a:fld>
             <a:endParaRPr lang="en-GB"/>
           </a:p>
@@ -2674,7 +2791,7 @@
           <a:p>
             <a:fld id="{96F6514E-685F-4447-A0A3-A4708FC00805}" type="datetimeFigureOut">
               <a:rPr lang="en-GB" smtClean="0"/>
-              <a:t>02/09/2019</a:t>
+              <a:t>10/09/2019</a:t>
             </a:fld>
             <a:endParaRPr lang="en-GB"/>
           </a:p>
@@ -2950,7 +3067,7 @@
           <a:p>
             <a:fld id="{96F6514E-685F-4447-A0A3-A4708FC00805}" type="datetimeFigureOut">
               <a:rPr lang="en-GB" smtClean="0"/>
-              <a:t>02/09/2019</a:t>
+              <a:t>10/09/2019</a:t>
             </a:fld>
             <a:endParaRPr lang="en-GB"/>
           </a:p>
@@ -3218,7 +3335,7 @@
           <a:p>
             <a:fld id="{96F6514E-685F-4447-A0A3-A4708FC00805}" type="datetimeFigureOut">
               <a:rPr lang="en-GB" smtClean="0"/>
-              <a:t>02/09/2019</a:t>
+              <a:t>10/09/2019</a:t>
             </a:fld>
             <a:endParaRPr lang="en-GB"/>
           </a:p>
@@ -3633,7 +3750,7 @@
           <a:p>
             <a:fld id="{96F6514E-685F-4447-A0A3-A4708FC00805}" type="datetimeFigureOut">
               <a:rPr lang="en-GB" smtClean="0"/>
-              <a:t>02/09/2019</a:t>
+              <a:t>10/09/2019</a:t>
             </a:fld>
             <a:endParaRPr lang="en-GB"/>
           </a:p>
@@ -3775,7 +3892,7 @@
           <a:p>
             <a:fld id="{96F6514E-685F-4447-A0A3-A4708FC00805}" type="datetimeFigureOut">
               <a:rPr lang="en-GB" smtClean="0"/>
-              <a:t>02/09/2019</a:t>
+              <a:t>10/09/2019</a:t>
             </a:fld>
             <a:endParaRPr lang="en-GB"/>
           </a:p>
@@ -3888,7 +4005,7 @@
           <a:p>
             <a:fld id="{96F6514E-685F-4447-A0A3-A4708FC00805}" type="datetimeFigureOut">
               <a:rPr lang="en-GB" smtClean="0"/>
-              <a:t>02/09/2019</a:t>
+              <a:t>10/09/2019</a:t>
             </a:fld>
             <a:endParaRPr lang="en-GB"/>
           </a:p>
@@ -4201,7 +4318,7 @@
           <a:p>
             <a:fld id="{96F6514E-685F-4447-A0A3-A4708FC00805}" type="datetimeFigureOut">
               <a:rPr lang="en-GB" smtClean="0"/>
-              <a:t>02/09/2019</a:t>
+              <a:t>10/09/2019</a:t>
             </a:fld>
             <a:endParaRPr lang="en-GB"/>
           </a:p>
@@ -4490,7 +4607,7 @@
           <a:p>
             <a:fld id="{96F6514E-685F-4447-A0A3-A4708FC00805}" type="datetimeFigureOut">
               <a:rPr lang="en-GB" smtClean="0"/>
-              <a:t>02/09/2019</a:t>
+              <a:t>10/09/2019</a:t>
             </a:fld>
             <a:endParaRPr lang="en-GB"/>
           </a:p>
@@ -4733,7 +4850,7 @@
           <a:p>
             <a:fld id="{96F6514E-685F-4447-A0A3-A4708FC00805}" type="datetimeFigureOut">
               <a:rPr lang="en-GB" smtClean="0"/>
-              <a:t>02/09/2019</a:t>
+              <a:t>10/09/2019</a:t>
             </a:fld>
             <a:endParaRPr lang="en-GB"/>
           </a:p>
@@ -6083,7 +6200,7 @@
               <a:rPr lang="en-GB" dirty="0">
                 <a:latin typeface="HelveticaNeue"/>
               </a:rPr>
-              <a:t>Grove – The BME280 is high-precision, low-power combined humidity, pressure, and temperature sensor. As the atmospheric pressure changes with altitude, it can also measure approximate altitude of a place. </a:t>
+              <a:t>Grove – The BME680 is high-precision, low-power combined temperature, humidity, pressure, and Volatile Organic Compound (VOC) sensor. As the atmospheric pressure changes with altitude, it can also measure approximate altitude of a place. </a:t>
             </a:r>
           </a:p>
         </p:txBody>
@@ -6116,7 +6233,7 @@
         </p:blipFill>
         <p:spPr>
           <a:xfrm>
-            <a:off x="9208037" y="2024209"/>
+            <a:off x="9590275" y="1973896"/>
             <a:ext cx="1857375" cy="3267075"/>
           </a:xfrm>
           <a:prstGeom prst="rect">
@@ -6124,275 +6241,113 @@
           </a:prstGeom>
         </p:spPr>
       </p:pic>
-      <mc:AlternateContent xmlns:mc="http://schemas.openxmlformats.org/markup-compatibility/2006" xmlns:a14="http://schemas.microsoft.com/office/drawing/2010/main">
-        <mc:Choice Requires="a14">
-          <p:sp>
-            <p:nvSpPr>
-              <p:cNvPr id="11" name="Rectangle 10">
-                <a:extLst>
-                  <a:ext uri="{FF2B5EF4-FFF2-40B4-BE49-F238E27FC236}">
-                    <a16:creationId xmlns:a16="http://schemas.microsoft.com/office/drawing/2014/main" id="{E280149F-55FE-46E5-9ECE-DEE1D87C39F4}"/>
-                  </a:ext>
-                </a:extLst>
-              </p:cNvPr>
-              <p:cNvSpPr/>
-              <p:nvPr/>
-            </p:nvSpPr>
-            <p:spPr>
-              <a:xfrm>
-                <a:off x="607143" y="1973896"/>
-                <a:ext cx="8717272" cy="3816814"/>
-              </a:xfrm>
-              <a:prstGeom prst="rect">
-                <a:avLst/>
-              </a:prstGeom>
-            </p:spPr>
-            <p:txBody>
-              <a:bodyPr wrap="square">
-                <a:spAutoFit/>
-              </a:bodyPr>
-              <a:lstStyle/>
-              <a:p>
-                <a:pPr marL="285750" indent="-285750">
-                  <a:buFont typeface="Arial" panose="020B0604020202020204" pitchFamily="34" charset="0"/>
-                  <a:buChar char="•"/>
-                </a:pPr>
-                <a:r>
-                  <a:rPr lang="en-GB" dirty="0">
-                    <a:latin typeface="HelveticaNeue"/>
-                  </a:rPr>
-                  <a:t>Temperature sensor measurement range:  -40 ℃ to 85 ℃, with ±1.0°C accuracy </a:t>
-                </a:r>
-              </a:p>
-              <a:p>
-                <a:r>
-                  <a:rPr lang="en-GB" dirty="0">
-                    <a:latin typeface="HelveticaNeue"/>
-                  </a:rPr>
-                  <a:t>     (You can do the conversion for Fahrenheit or Kelvin)</a:t>
-                </a:r>
-              </a:p>
-              <a:p>
-                <a:r>
-                  <a:rPr lang="en-GB" dirty="0">
-                    <a:latin typeface="HelveticaNeue"/>
-                  </a:rPr>
-                  <a:t>	</a:t>
-                </a:r>
-              </a:p>
-              <a:p>
-                <a:r>
-                  <a:rPr lang="en-GB" dirty="0">
-                    <a:latin typeface="HelveticaNeue"/>
-                  </a:rPr>
-                  <a:t>		Celsius to </a:t>
-                </a:r>
-                <a14:m>
-                  <m:oMath xmlns:m="http://schemas.openxmlformats.org/officeDocument/2006/math">
-                    <m:r>
-                      <m:rPr>
-                        <m:sty m:val="p"/>
-                      </m:rPr>
-                      <a:rPr lang="en-GB" b="0" i="0" smtClean="0">
-                        <a:latin typeface="Cambria Math" panose="02040503050406030204" pitchFamily="18" charset="0"/>
-                      </a:rPr>
-                      <m:t>Kelvin</m:t>
-                    </m:r>
-                    <m:r>
-                      <a:rPr lang="en-GB" i="1" smtClean="0">
-                        <a:latin typeface="Cambria Math" panose="02040503050406030204" pitchFamily="18" charset="0"/>
-                      </a:rPr>
-                      <m:t>=</m:t>
-                    </m:r>
-                    <m:r>
-                      <a:rPr lang="en-GB" b="0" i="1" smtClean="0">
-                        <a:latin typeface="Cambria Math" panose="02040503050406030204" pitchFamily="18" charset="0"/>
-                      </a:rPr>
-                      <m:t>273.15+</m:t>
-                    </m:r>
-                  </m:oMath>
-                </a14:m>
-                <a:r>
-                  <a:rPr lang="en-GB" dirty="0">
-                    <a:latin typeface="HelveticaNeue"/>
-                  </a:rPr>
-                  <a:t>℃</a:t>
-                </a:r>
-              </a:p>
-              <a:p>
-                <a:endParaRPr lang="en-GB" dirty="0">
-                  <a:latin typeface="HelveticaNeue"/>
-                </a:endParaRPr>
-              </a:p>
-              <a:p>
-                <a:r>
-                  <a:rPr lang="en-GB" dirty="0">
-                    <a:latin typeface="HelveticaNeue"/>
-                  </a:rPr>
-                  <a:t>		Ceclius to Fahrenheit, </a:t>
-                </a:r>
-                <a14:m>
-                  <m:oMath xmlns:m="http://schemas.openxmlformats.org/officeDocument/2006/math">
-                    <m:r>
-                      <a:rPr lang="en-GB" b="0" i="1" dirty="0" smtClean="0">
-                        <a:latin typeface="Cambria Math" panose="02040503050406030204" pitchFamily="18" charset="0"/>
-                        <a:ea typeface="Cambria Math" panose="02040503050406030204" pitchFamily="18" charset="0"/>
-                      </a:rPr>
-                      <m:t>℉=</m:t>
-                    </m:r>
-                    <m:f>
-                      <m:fPr>
-                        <m:ctrlPr>
-                          <a:rPr lang="en-GB" i="1">
-                            <a:latin typeface="Cambria Math" panose="02040503050406030204" pitchFamily="18" charset="0"/>
-                          </a:rPr>
-                        </m:ctrlPr>
-                      </m:fPr>
-                      <m:num>
-                        <m:r>
-                          <a:rPr lang="en-GB" i="1">
-                            <a:latin typeface="Cambria Math" panose="02040503050406030204" pitchFamily="18" charset="0"/>
-                            <a:ea typeface="Cambria Math" panose="02040503050406030204" pitchFamily="18" charset="0"/>
-                          </a:rPr>
-                          <m:t>℃ ∙ 9</m:t>
-                        </m:r>
-                      </m:num>
-                      <m:den>
-                        <m:r>
-                          <a:rPr lang="en-GB" i="1">
-                            <a:latin typeface="Cambria Math" panose="02040503050406030204" pitchFamily="18" charset="0"/>
-                          </a:rPr>
-                          <m:t>5</m:t>
-                        </m:r>
-                      </m:den>
-                    </m:f>
-                    <m:r>
-                      <a:rPr lang="en-GB" i="1">
-                        <a:latin typeface="Cambria Math" panose="02040503050406030204" pitchFamily="18" charset="0"/>
-                      </a:rPr>
-                      <m:t>+32</m:t>
-                    </m:r>
-                  </m:oMath>
-                </a14:m>
-                <a:endParaRPr lang="en-GB" dirty="0">
-                  <a:latin typeface="HelveticaNeue"/>
-                </a:endParaRPr>
-              </a:p>
-              <a:p>
-                <a:endParaRPr lang="en-GB" dirty="0">
-                  <a:latin typeface="HelveticaNeue"/>
-                </a:endParaRPr>
-              </a:p>
-              <a:p>
-                <a:pPr marL="285750" indent="-285750">
-                  <a:buFont typeface="Arial" panose="020B0604020202020204" pitchFamily="34" charset="0"/>
-                  <a:buChar char="•"/>
-                </a:pPr>
-                <a:r>
-                  <a:rPr lang="en-GB" dirty="0">
-                    <a:latin typeface="HelveticaNeue"/>
-                  </a:rPr>
-                  <a:t>Humidity sensor measurements range: 0% - 100% relative humidity , with ±3% accuracy</a:t>
-                </a:r>
-              </a:p>
-              <a:p>
-                <a:endParaRPr lang="en-GB" dirty="0">
-                  <a:latin typeface="HelveticaNeue"/>
-                </a:endParaRPr>
-              </a:p>
-              <a:p>
-                <a:pPr marL="285750" indent="-285750">
-                  <a:buFont typeface="Arial" panose="020B0604020202020204" pitchFamily="34" charset="0"/>
-                  <a:buChar char="•"/>
-                </a:pPr>
-                <a:r>
-                  <a:rPr lang="en-GB" dirty="0">
-                    <a:latin typeface="HelveticaNeue"/>
-                  </a:rPr>
-                  <a:t>Atmospheric pressure sensor measurement range: 300 - 1100 </a:t>
-                </a:r>
-                <a:r>
-                  <a:rPr lang="en-GB" dirty="0" err="1">
-                    <a:latin typeface="HelveticaNeue"/>
-                  </a:rPr>
-                  <a:t>hPa</a:t>
-                </a:r>
-                <a:r>
-                  <a:rPr lang="en-GB" dirty="0">
-                    <a:latin typeface="HelveticaNeue"/>
-                  </a:rPr>
-                  <a:t> with ±1.0 </a:t>
-                </a:r>
-                <a:r>
-                  <a:rPr lang="en-GB" dirty="0" err="1">
-                    <a:latin typeface="HelveticaNeue"/>
-                  </a:rPr>
-                  <a:t>hPa</a:t>
-                </a:r>
-                <a:r>
-                  <a:rPr lang="en-GB" dirty="0">
-                    <a:latin typeface="HelveticaNeue"/>
-                  </a:rPr>
-                  <a:t> accuracy</a:t>
-                </a:r>
-              </a:p>
-              <a:p>
-                <a:pPr marL="285750" indent="-285750">
-                  <a:buFont typeface="Arial" panose="020B0604020202020204" pitchFamily="34" charset="0"/>
-                  <a:buChar char="•"/>
-                </a:pPr>
-                <a:endParaRPr lang="en-GB" dirty="0">
-                  <a:latin typeface="HelveticaNeue"/>
-                </a:endParaRPr>
-              </a:p>
-            </p:txBody>
-          </p:sp>
-        </mc:Choice>
-        <mc:Fallback xmlns="">
-          <p:sp>
-            <p:nvSpPr>
-              <p:cNvPr id="11" name="Rectangle 10">
-                <a:extLst>
-                  <a:ext uri="{FF2B5EF4-FFF2-40B4-BE49-F238E27FC236}">
-                    <a16:creationId xmlns:a16="http://schemas.microsoft.com/office/drawing/2014/main" id="{E280149F-55FE-46E5-9ECE-DEE1D87C39F4}"/>
-                  </a:ext>
-                </a:extLst>
-              </p:cNvPr>
-              <p:cNvSpPr>
-                <a:spLocks noRot="1" noChangeAspect="1" noMove="1" noResize="1" noEditPoints="1" noAdjustHandles="1" noChangeArrowheads="1" noChangeShapeType="1" noTextEdit="1"/>
-              </p:cNvSpPr>
-              <p:nvPr/>
-            </p:nvSpPr>
-            <p:spPr>
-              <a:xfrm>
-                <a:off x="607143" y="1973896"/>
-                <a:ext cx="8717272" cy="3816814"/>
-              </a:xfrm>
-              <a:prstGeom prst="rect">
-                <a:avLst/>
-              </a:prstGeom>
-              <a:blipFill>
-                <a:blip r:embed="rId6"/>
-                <a:stretch>
-                  <a:fillRect l="-490" t="-1118"/>
-                </a:stretch>
-              </a:blipFill>
-            </p:spPr>
-            <p:txBody>
-              <a:bodyPr/>
-              <a:lstStyle/>
-              <a:p>
-                <a:r>
-                  <a:rPr lang="en-GB">
-                    <a:noFill/>
-                  </a:rPr>
-                  <a:t> </a:t>
-                </a:r>
-              </a:p>
-            </p:txBody>
-          </p:sp>
-        </mc:Fallback>
-      </mc:AlternateContent>
+      <p:sp>
+        <p:nvSpPr>
+          <p:cNvPr id="11" name="Rectangle 10">
+            <a:extLst>
+              <a:ext uri="{FF2B5EF4-FFF2-40B4-BE49-F238E27FC236}">
+                <a16:creationId xmlns:a16="http://schemas.microsoft.com/office/drawing/2014/main" id="{E280149F-55FE-46E5-9ECE-DEE1D87C39F4}"/>
+              </a:ext>
+            </a:extLst>
+          </p:cNvPr>
+          <p:cNvSpPr/>
+          <p:nvPr/>
+        </p:nvSpPr>
+        <p:spPr>
+          <a:xfrm>
+            <a:off x="744350" y="2208917"/>
+            <a:ext cx="8717272" cy="3139321"/>
+          </a:xfrm>
+          <a:prstGeom prst="rect">
+            <a:avLst/>
+          </a:prstGeom>
+        </p:spPr>
+        <p:txBody>
+          <a:bodyPr wrap="square">
+            <a:spAutoFit/>
+          </a:bodyPr>
+          <a:lstStyle/>
+          <a:p>
+            <a:pPr marL="285750" indent="-285750">
+              <a:buFont typeface="Arial" panose="020B0604020202020204" pitchFamily="34" charset="0"/>
+              <a:buChar char="•"/>
+            </a:pPr>
+            <a:r>
+              <a:rPr lang="en-GB" dirty="0">
+                <a:latin typeface="HelveticaNeue"/>
+              </a:rPr>
+              <a:t>Temperature sensor measurement range:  -40 ℃ to 85 ℃, with ±1.0°C accuracy </a:t>
+            </a:r>
+          </a:p>
+          <a:p>
+            <a:endParaRPr lang="en-GB" dirty="0">
+              <a:latin typeface="HelveticaNeue"/>
+            </a:endParaRPr>
+          </a:p>
+          <a:p>
+            <a:pPr marL="285750" indent="-285750">
+              <a:buFont typeface="Arial" panose="020B0604020202020204" pitchFamily="34" charset="0"/>
+              <a:buChar char="•"/>
+            </a:pPr>
+            <a:r>
+              <a:rPr lang="en-GB" dirty="0">
+                <a:latin typeface="HelveticaNeue"/>
+              </a:rPr>
+              <a:t>Humidity sensor measurements range: 0% to 100% relative humidity , with ±3% accuracy</a:t>
+            </a:r>
+          </a:p>
+          <a:p>
+            <a:endParaRPr lang="en-GB" dirty="0">
+              <a:latin typeface="HelveticaNeue"/>
+            </a:endParaRPr>
+          </a:p>
+          <a:p>
+            <a:pPr marL="285750" indent="-285750">
+              <a:buFont typeface="Arial" panose="020B0604020202020204" pitchFamily="34" charset="0"/>
+              <a:buChar char="•"/>
+            </a:pPr>
+            <a:r>
+              <a:rPr lang="en-GB" dirty="0">
+                <a:latin typeface="HelveticaNeue"/>
+              </a:rPr>
+              <a:t>Atmospheric pressure sensor measurement range: 300 to 1100 kPa with ±1.0 kPa accuracy</a:t>
+            </a:r>
+          </a:p>
+          <a:p>
+            <a:pPr marL="285750" indent="-285750">
+              <a:buFont typeface="Arial" panose="020B0604020202020204" pitchFamily="34" charset="0"/>
+              <a:buChar char="•"/>
+            </a:pPr>
+            <a:endParaRPr lang="en-GB" dirty="0">
+              <a:latin typeface="HelveticaNeue"/>
+            </a:endParaRPr>
+          </a:p>
+          <a:p>
+            <a:pPr marL="285750" indent="-285750">
+              <a:buFont typeface="Arial" panose="020B0604020202020204" pitchFamily="34" charset="0"/>
+              <a:buChar char="•"/>
+            </a:pPr>
+            <a:r>
+              <a:rPr lang="en-GB" dirty="0">
+                <a:latin typeface="HelveticaNeue"/>
+              </a:rPr>
+              <a:t>VOC measurement range: 1.000 to 300.00 </a:t>
+            </a:r>
+            <a:r>
+              <a:rPr lang="en-GB" dirty="0" err="1">
+                <a:latin typeface="HelveticaNeue"/>
+              </a:rPr>
+              <a:t>kOhms</a:t>
+            </a:r>
+            <a:r>
+              <a:rPr lang="en-GB" dirty="0">
+                <a:latin typeface="HelveticaNeue"/>
+              </a:rPr>
+              <a:t>. With clever bit of maths we can convert this to the Indoor Air Quality (IAQ) Index 0 to +300%, excellent to hazardous to life air quality.</a:t>
+            </a:r>
+          </a:p>
+        </p:txBody>
+      </p:sp>
       <p:pic>
         <p:nvPicPr>
           <p:cNvPr id="12" name="Picture 11">
@@ -6408,7 +6363,7 @@
           <p:nvPr/>
         </p:nvPicPr>
         <p:blipFill>
-          <a:blip r:embed="rId7">
+          <a:blip r:embed="rId6">
             <a:extLst>
               <a:ext uri="{28A0092B-C50C-407E-A947-70E740481C1C}">
                 <a14:useLocalDpi xmlns:a14="http://schemas.microsoft.com/office/drawing/2010/main" val="0"/>
@@ -8462,8 +8417,8 @@
           </a:prstGeom>
         </p:spPr>
       </p:pic>
-      <mc:AlternateContent xmlns:mc="http://schemas.openxmlformats.org/markup-compatibility/2006">
-        <mc:Choice xmlns:a14="http://schemas.microsoft.com/office/drawing/2010/main" Requires="a14">
+      <mc:AlternateContent xmlns:mc="http://schemas.openxmlformats.org/markup-compatibility/2006" xmlns:a14="http://schemas.microsoft.com/office/drawing/2010/main">
+        <mc:Choice Requires="a14">
           <p:sp>
             <p:nvSpPr>
               <p:cNvPr id="15" name="TextBox 14">
@@ -8700,7 +8655,7 @@
             </p:txBody>
           </p:sp>
         </mc:Choice>
-        <mc:Fallback>
+        <mc:Fallback xmlns="">
           <p:sp>
             <p:nvSpPr>
               <p:cNvPr id="15" name="TextBox 14">
@@ -8745,8 +8700,8 @@
           </p:sp>
         </mc:Fallback>
       </mc:AlternateContent>
-      <mc:AlternateContent xmlns:mc="http://schemas.openxmlformats.org/markup-compatibility/2006">
-        <mc:Choice xmlns:a14="http://schemas.microsoft.com/office/drawing/2010/main" Requires="a14">
+      <mc:AlternateContent xmlns:mc="http://schemas.openxmlformats.org/markup-compatibility/2006" xmlns:a14="http://schemas.microsoft.com/office/drawing/2010/main">
+        <mc:Choice Requires="a14">
           <p:sp>
             <p:nvSpPr>
               <p:cNvPr id="21" name="TextBox 20">
@@ -8806,7 +8761,7 @@
             </p:txBody>
           </p:sp>
         </mc:Choice>
-        <mc:Fallback>
+        <mc:Fallback xmlns="">
           <p:sp>
             <p:nvSpPr>
               <p:cNvPr id="21" name="TextBox 20">
@@ -9055,8 +9010,8 @@
             </p:sp>
           </mc:Fallback>
         </mc:AlternateContent>
-        <mc:AlternateContent xmlns:mc="http://schemas.openxmlformats.org/markup-compatibility/2006">
-          <mc:Choice xmlns:a14="http://schemas.microsoft.com/office/drawing/2010/main" Requires="a14">
+        <mc:AlternateContent xmlns:mc="http://schemas.openxmlformats.org/markup-compatibility/2006" xmlns:a14="http://schemas.microsoft.com/office/drawing/2010/main">
+          <mc:Choice Requires="a14">
             <p:sp>
               <p:nvSpPr>
                 <p:cNvPr id="19" name="Rectangle 18">
@@ -9127,7 +9082,7 @@
               </p:txBody>
             </p:sp>
           </mc:Choice>
-          <mc:Fallback>
+          <mc:Fallback xmlns="">
             <p:sp>
               <p:nvSpPr>
                 <p:cNvPr id="19" name="Rectangle 18">
@@ -9220,8 +9175,8 @@
           </p:txBody>
         </p:sp>
       </p:grpSp>
-      <mc:AlternateContent xmlns:mc="http://schemas.openxmlformats.org/markup-compatibility/2006">
-        <mc:Choice xmlns:a14="http://schemas.microsoft.com/office/drawing/2010/main" Requires="a14">
+      <mc:AlternateContent xmlns:mc="http://schemas.openxmlformats.org/markup-compatibility/2006" xmlns:a14="http://schemas.microsoft.com/office/drawing/2010/main">
+        <mc:Choice Requires="a14">
           <p:sp>
             <p:nvSpPr>
               <p:cNvPr id="27" name="TextBox 26">
@@ -9252,7 +9207,6 @@
               </a:bodyPr>
               <a:lstStyle/>
               <a:p>
-                <a:pPr/>
                 <a14:m>
                   <m:oMath xmlns:m="http://schemas.openxmlformats.org/officeDocument/2006/math">
                     <m:r>
@@ -9273,7 +9227,7 @@
             </p:txBody>
           </p:sp>
         </mc:Choice>
-        <mc:Fallback>
+        <mc:Fallback xmlns="">
           <p:sp>
             <p:nvSpPr>
               <p:cNvPr id="27" name="TextBox 26">
@@ -9374,8 +9328,8 @@
             </a:prstGeom>
           </p:spPr>
         </p:pic>
-        <mc:AlternateContent xmlns:mc="http://schemas.openxmlformats.org/markup-compatibility/2006">
-          <mc:Choice xmlns:a14="http://schemas.microsoft.com/office/drawing/2010/main" Requires="a14">
+        <mc:AlternateContent xmlns:mc="http://schemas.openxmlformats.org/markup-compatibility/2006" xmlns:a14="http://schemas.microsoft.com/office/drawing/2010/main">
+          <mc:Choice Requires="a14">
             <p:sp>
               <p:nvSpPr>
                 <p:cNvPr id="25" name="TextBox 24">
@@ -9444,7 +9398,7 @@
               </p:txBody>
             </p:sp>
           </mc:Choice>
-          <mc:Fallback>
+          <mc:Fallback xmlns="">
             <p:sp>
               <p:nvSpPr>
                 <p:cNvPr id="25" name="TextBox 24">
@@ -9537,8 +9491,8 @@
           </p:txBody>
         </p:sp>
       </p:grpSp>
-      <mc:AlternateContent xmlns:mc="http://schemas.openxmlformats.org/markup-compatibility/2006">
-        <mc:Choice xmlns:a14="http://schemas.microsoft.com/office/drawing/2010/main" Requires="a14">
+      <mc:AlternateContent xmlns:mc="http://schemas.openxmlformats.org/markup-compatibility/2006" xmlns:a14="http://schemas.microsoft.com/office/drawing/2010/main">
+        <mc:Choice Requires="a14">
           <p:sp>
             <p:nvSpPr>
               <p:cNvPr id="34" name="Rectangle 33">
@@ -9569,7 +9523,6 @@
               </a:bodyPr>
               <a:lstStyle/>
               <a:p>
-                <a:pPr/>
                 <a14:m>
                   <m:oMath xmlns:m="http://schemas.openxmlformats.org/officeDocument/2006/math">
                     <m:r>
@@ -9588,7 +9541,7 @@
             </p:txBody>
           </p:sp>
         </mc:Choice>
-        <mc:Fallback>
+        <mc:Fallback xmlns="">
           <p:sp>
             <p:nvSpPr>
               <p:cNvPr id="34" name="Rectangle 33">
@@ -10124,8 +10077,8 @@
             </p:sp>
           </mc:Fallback>
         </mc:AlternateContent>
-        <mc:AlternateContent xmlns:mc="http://schemas.openxmlformats.org/markup-compatibility/2006">
-          <mc:Choice xmlns:a14="http://schemas.microsoft.com/office/drawing/2010/main" Requires="a14">
+        <mc:AlternateContent xmlns:mc="http://schemas.openxmlformats.org/markup-compatibility/2006" xmlns:a14="http://schemas.microsoft.com/office/drawing/2010/main">
+          <mc:Choice Requires="a14">
             <p:sp>
               <p:nvSpPr>
                 <p:cNvPr id="41" name="Rectangle 40">
@@ -10190,7 +10143,7 @@
               </p:txBody>
             </p:sp>
           </mc:Choice>
-          <mc:Fallback>
+          <mc:Fallback xmlns="">
             <p:sp>
               <p:nvSpPr>
                 <p:cNvPr id="41" name="Rectangle 40">
@@ -10426,8 +10379,8 @@
           </a:prstGeom>
         </p:spPr>
       </p:pic>
-      <mc:AlternateContent xmlns:mc="http://schemas.openxmlformats.org/markup-compatibility/2006">
-        <mc:Choice xmlns:a14="http://schemas.microsoft.com/office/drawing/2010/main" Requires="a14">
+      <mc:AlternateContent xmlns:mc="http://schemas.openxmlformats.org/markup-compatibility/2006" xmlns:a14="http://schemas.microsoft.com/office/drawing/2010/main">
+        <mc:Choice Requires="a14">
           <p:sp>
             <p:nvSpPr>
               <p:cNvPr id="46" name="Rectangle 45">
@@ -10488,7 +10441,7 @@
             </p:txBody>
           </p:sp>
         </mc:Choice>
-        <mc:Fallback>
+        <mc:Fallback xmlns="">
           <p:sp>
             <p:nvSpPr>
               <p:cNvPr id="46" name="Rectangle 45">
@@ -10533,8 +10486,8 @@
           </p:sp>
         </mc:Fallback>
       </mc:AlternateContent>
-      <mc:AlternateContent xmlns:mc="http://schemas.openxmlformats.org/markup-compatibility/2006">
-        <mc:Choice xmlns:a14="http://schemas.microsoft.com/office/drawing/2010/main" Requires="a14">
+      <mc:AlternateContent xmlns:mc="http://schemas.openxmlformats.org/markup-compatibility/2006" xmlns:a14="http://schemas.microsoft.com/office/drawing/2010/main">
+        <mc:Choice Requires="a14">
           <p:sp>
             <p:nvSpPr>
               <p:cNvPr id="48" name="Rectangle 47">
@@ -10599,7 +10552,7 @@
             </p:txBody>
           </p:sp>
         </mc:Choice>
-        <mc:Fallback>
+        <mc:Fallback xmlns="">
           <p:sp>
             <p:nvSpPr>
               <p:cNvPr id="48" name="Rectangle 47">
@@ -10683,8 +10636,8 @@
           </a:p>
         </p:txBody>
       </p:sp>
-      <mc:AlternateContent xmlns:mc="http://schemas.openxmlformats.org/markup-compatibility/2006">
-        <mc:Choice xmlns:a14="http://schemas.microsoft.com/office/drawing/2010/main" Requires="a14">
+      <mc:AlternateContent xmlns:mc="http://schemas.openxmlformats.org/markup-compatibility/2006" xmlns:a14="http://schemas.microsoft.com/office/drawing/2010/main">
+        <mc:Choice Requires="a14">
           <p:sp>
             <p:nvSpPr>
               <p:cNvPr id="50" name="TextBox 49">
@@ -10753,7 +10706,7 @@
             </p:txBody>
           </p:sp>
         </mc:Choice>
-        <mc:Fallback>
+        <mc:Fallback xmlns="">
           <p:sp>
             <p:nvSpPr>
               <p:cNvPr id="50" name="TextBox 49">
@@ -10798,8 +10751,8 @@
           </p:sp>
         </mc:Fallback>
       </mc:AlternateContent>
-      <mc:AlternateContent xmlns:mc="http://schemas.openxmlformats.org/markup-compatibility/2006">
-        <mc:Choice xmlns:a14="http://schemas.microsoft.com/office/drawing/2010/main" Requires="a14">
+      <mc:AlternateContent xmlns:mc="http://schemas.openxmlformats.org/markup-compatibility/2006" xmlns:a14="http://schemas.microsoft.com/office/drawing/2010/main">
+        <mc:Choice Requires="a14">
           <p:sp>
             <p:nvSpPr>
               <p:cNvPr id="51" name="Rectangle 50">
@@ -10870,7 +10823,7 @@
             </p:txBody>
           </p:sp>
         </mc:Choice>
-        <mc:Fallback>
+        <mc:Fallback xmlns="">
           <p:sp>
             <p:nvSpPr>
               <p:cNvPr id="51" name="Rectangle 50">
@@ -10915,8 +10868,8 @@
           </p:sp>
         </mc:Fallback>
       </mc:AlternateContent>
-      <mc:AlternateContent xmlns:mc="http://schemas.openxmlformats.org/markup-compatibility/2006">
-        <mc:Choice xmlns:a14="http://schemas.microsoft.com/office/drawing/2010/main" Requires="a14">
+      <mc:AlternateContent xmlns:mc="http://schemas.openxmlformats.org/markup-compatibility/2006" xmlns:a14="http://schemas.microsoft.com/office/drawing/2010/main">
+        <mc:Choice Requires="a14">
           <p:sp>
             <p:nvSpPr>
               <p:cNvPr id="53" name="TextBox 52">
@@ -10979,7 +10932,7 @@
             </p:txBody>
           </p:sp>
         </mc:Choice>
-        <mc:Fallback>
+        <mc:Fallback xmlns="">
           <p:sp>
             <p:nvSpPr>
               <p:cNvPr id="53" name="TextBox 52">
@@ -11044,8 +10997,8 @@
             <a:chExt cx="1788340" cy="1153488"/>
           </a:xfrm>
         </p:grpSpPr>
-        <mc:AlternateContent xmlns:mc="http://schemas.openxmlformats.org/markup-compatibility/2006">
-          <mc:Choice xmlns:a14="http://schemas.microsoft.com/office/drawing/2010/main" Requires="a14">
+        <mc:AlternateContent xmlns:mc="http://schemas.openxmlformats.org/markup-compatibility/2006" xmlns:a14="http://schemas.microsoft.com/office/drawing/2010/main">
+          <mc:Choice Requires="a14">
             <p:sp>
               <p:nvSpPr>
                 <p:cNvPr id="2" name="Rectangle 1">
@@ -11061,7 +11014,7 @@
               <p:spPr>
                 <a:xfrm>
                   <a:off x="8502969" y="3983217"/>
-                  <a:ext cx="1679754" cy="903902"/>
+                  <a:ext cx="1679754" cy="878189"/>
                 </a:xfrm>
                 <a:prstGeom prst="rect">
                   <a:avLst/>
@@ -11073,6 +11026,7 @@
                 </a:bodyPr>
                 <a:lstStyle/>
                 <a:p>
+                  <a:pPr/>
                   <a14:m>
                     <m:oMathPara xmlns:m="http://schemas.openxmlformats.org/officeDocument/2006/math">
                       <m:oMathParaPr>
@@ -11149,7 +11103,7 @@
                             <m:f>
                               <m:fPr>
                                 <m:ctrlPr>
-                                  <a:rPr lang="en-GB" i="1">
+                                  <a:rPr lang="en-GB" i="1" smtClean="0">
                                     <a:latin typeface="Cambria Math" panose="02040503050406030204" pitchFamily="18" charset="0"/>
                                   </a:rPr>
                                 </m:ctrlPr>
@@ -11250,7 +11204,7 @@
               </p:txBody>
             </p:sp>
           </mc:Choice>
-          <mc:Fallback>
+          <mc:Fallback xmlns="">
             <p:sp>
               <p:nvSpPr>
                 <p:cNvPr id="2" name="Rectangle 1">
@@ -11268,7 +11222,7 @@
               <p:spPr>
                 <a:xfrm>
                   <a:off x="8502969" y="3983217"/>
-                  <a:ext cx="1679754" cy="903902"/>
+                  <a:ext cx="1679754" cy="878189"/>
                 </a:xfrm>
                 <a:prstGeom prst="rect">
                   <a:avLst/>
@@ -11743,8 +11697,8 @@
         </p:nvSpPr>
         <p:spPr>
           <a:xfrm>
-            <a:off x="1354250" y="1242430"/>
-            <a:ext cx="8438927" cy="1119281"/>
+            <a:off x="1354251" y="987543"/>
+            <a:ext cx="8438927" cy="1399357"/>
           </a:xfrm>
           <a:prstGeom prst="rect">
             <a:avLst/>
@@ -11795,7 +11749,7 @@
               <a:rPr lang="en-GB" sz="1820" dirty="0">
                 <a:latin typeface="HelveticaNeue"/>
               </a:rPr>
-              <a:t> action at a time.  For this project we are using the providing power for a </a:t>
+              <a:t> action at a time.  For this project we are using an </a:t>
             </a:r>
             <a:r>
               <a:rPr lang="en-GB" sz="1820" dirty="0">
@@ -11846,7 +11800,7 @@
               <a:rPr lang="en-GB" sz="1820" dirty="0">
                 <a:latin typeface="HelveticaNeue"/>
               </a:rPr>
-              <a:t> and sensors it serves another function.  </a:t>
+              <a:t> and controlling our sensors it serves. There is a very important function that the MKR1010 performs, the Analogue Digital Converter (ADC).</a:t>
             </a:r>
             <a:endParaRPr lang="en-GB" sz="1820" baseline="-25000" dirty="0">
               <a:latin typeface="HelveticaNeue"/>
@@ -12016,12 +11970,569 @@
           </a:prstGeom>
         </p:spPr>
       </p:pic>
+      <mc:AlternateContent xmlns:mc="http://schemas.openxmlformats.org/markup-compatibility/2006" xmlns:a14="http://schemas.microsoft.com/office/drawing/2010/main">
+        <mc:Choice Requires="a14">
+          <p:sp>
+            <p:nvSpPr>
+              <p:cNvPr id="11" name="TextBox 10">
+                <a:extLst>
+                  <a:ext uri="{FF2B5EF4-FFF2-40B4-BE49-F238E27FC236}">
+                    <a16:creationId xmlns:a16="http://schemas.microsoft.com/office/drawing/2014/main" id="{4CA56E2A-7B6F-4682-BB54-B3A90A987F13}"/>
+                  </a:ext>
+                </a:extLst>
+              </p:cNvPr>
+              <p:cNvSpPr txBox="1"/>
+              <p:nvPr/>
+            </p:nvSpPr>
+            <p:spPr>
+              <a:xfrm>
+                <a:off x="4905573" y="2386900"/>
+                <a:ext cx="4431083" cy="2307170"/>
+              </a:xfrm>
+              <a:prstGeom prst="rect">
+                <a:avLst/>
+              </a:prstGeom>
+              <a:noFill/>
+            </p:spPr>
+            <p:txBody>
+              <a:bodyPr wrap="square" rtlCol="0">
+                <a:spAutoFit/>
+              </a:bodyPr>
+              <a:lstStyle/>
+              <a:p>
+                <a:r>
+                  <a:rPr lang="en-GB" sz="1820" dirty="0">
+                    <a:latin typeface="HelveticaNeue"/>
+                  </a:rPr>
+                  <a:t>The </a:t>
+                </a:r>
+                <a:r>
+                  <a:rPr lang="en-GB" sz="1820" dirty="0">
+                    <a:solidFill>
+                      <a:srgbClr val="00F900"/>
+                    </a:solidFill>
+                    <a:latin typeface="HelveticaNeue"/>
+                  </a:rPr>
+                  <a:t>green line </a:t>
+                </a:r>
+                <a:r>
+                  <a:rPr lang="en-GB" sz="1820" dirty="0">
+                    <a:latin typeface="HelveticaNeue"/>
+                  </a:rPr>
+                  <a:t>is the analogue signal, all signals in the real world are analogue. We convert them to a digital signal, </a:t>
+                </a:r>
+                <a:r>
+                  <a:rPr lang="en-GB" sz="1820" dirty="0">
+                    <a:solidFill>
+                      <a:srgbClr val="002BFF"/>
+                    </a:solidFill>
+                    <a:latin typeface="HelveticaNeue"/>
+                  </a:rPr>
+                  <a:t>blue line</a:t>
+                </a:r>
+                <a:r>
+                  <a:rPr lang="en-GB" sz="1820" dirty="0">
+                    <a:latin typeface="HelveticaNeue"/>
+                  </a:rPr>
+                  <a:t>, or rather into a number consisting of 1s and 0s (Binary). The ADC returns a value from 0 to 1023, this is called a 10-bit ADC or</a:t>
+                </a:r>
+                <a14:m>
+                  <m:oMath xmlns:m="http://schemas.openxmlformats.org/officeDocument/2006/math">
+                    <m:r>
+                      <a:rPr lang="en-GB" sz="2000" b="0" i="0" smtClean="0">
+                        <a:latin typeface="Cambria Math" panose="02040503050406030204" pitchFamily="18" charset="0"/>
+                      </a:rPr>
+                      <m:t> </m:t>
+                    </m:r>
+                    <m:sSup>
+                      <m:sSupPr>
+                        <m:ctrlPr>
+                          <a:rPr lang="en-GB" sz="2000" i="1" smtClean="0">
+                            <a:latin typeface="Cambria Math" panose="02040503050406030204" pitchFamily="18" charset="0"/>
+                          </a:rPr>
+                        </m:ctrlPr>
+                      </m:sSupPr>
+                      <m:e>
+                        <m:r>
+                          <a:rPr lang="en-GB" sz="2000" b="0" i="1" smtClean="0">
+                            <a:latin typeface="Cambria Math" panose="02040503050406030204" pitchFamily="18" charset="0"/>
+                          </a:rPr>
+                          <m:t>2</m:t>
+                        </m:r>
+                      </m:e>
+                      <m:sup>
+                        <m:r>
+                          <a:rPr lang="en-GB" sz="2000" b="0" i="1" smtClean="0">
+                            <a:latin typeface="Cambria Math" panose="02040503050406030204" pitchFamily="18" charset="0"/>
+                          </a:rPr>
+                          <m:t>10</m:t>
+                        </m:r>
+                      </m:sup>
+                    </m:sSup>
+                  </m:oMath>
+                </a14:m>
+                <a:r>
+                  <a:rPr lang="en-GB" sz="1820" dirty="0">
+                    <a:latin typeface="HelveticaNeue"/>
+                  </a:rPr>
+                  <a:t>.</a:t>
+                </a:r>
+              </a:p>
+              <a:p>
+                <a:endParaRPr lang="en-GB" sz="1820" baseline="-25000" dirty="0">
+                  <a:latin typeface="HelveticaNeue"/>
+                </a:endParaRPr>
+              </a:p>
+            </p:txBody>
+          </p:sp>
+        </mc:Choice>
+        <mc:Fallback xmlns="">
+          <p:sp>
+            <p:nvSpPr>
+              <p:cNvPr id="11" name="TextBox 10">
+                <a:extLst>
+                  <a:ext uri="{FF2B5EF4-FFF2-40B4-BE49-F238E27FC236}">
+                    <a16:creationId xmlns:a16="http://schemas.microsoft.com/office/drawing/2014/main" id="{4CA56E2A-7B6F-4682-BB54-B3A90A987F13}"/>
+                  </a:ext>
+                </a:extLst>
+              </p:cNvPr>
+              <p:cNvSpPr txBox="1">
+                <a:spLocks noRot="1" noChangeAspect="1" noMove="1" noResize="1" noEditPoints="1" noAdjustHandles="1" noChangeArrowheads="1" noChangeShapeType="1" noTextEdit="1"/>
+              </p:cNvSpPr>
+              <p:nvPr/>
+            </p:nvSpPr>
+            <p:spPr>
+              <a:xfrm>
+                <a:off x="4905573" y="2386900"/>
+                <a:ext cx="4431083" cy="2307170"/>
+              </a:xfrm>
+              <a:prstGeom prst="rect">
+                <a:avLst/>
+              </a:prstGeom>
+              <a:blipFill>
+                <a:blip r:embed="rId7"/>
+                <a:stretch>
+                  <a:fillRect l="-1238" t="-1323" r="-825"/>
+                </a:stretch>
+              </a:blipFill>
+            </p:spPr>
+            <p:txBody>
+              <a:bodyPr/>
+              <a:lstStyle/>
+              <a:p>
+                <a:r>
+                  <a:rPr lang="en-GB">
+                    <a:noFill/>
+                  </a:rPr>
+                  <a:t> </a:t>
+                </a:r>
+              </a:p>
+            </p:txBody>
+          </p:sp>
+        </mc:Fallback>
+      </mc:AlternateContent>
+      <p:pic>
+        <p:nvPicPr>
+          <p:cNvPr id="6" name="Picture 5" descr="A close up of a logo&#10;&#10;Description automatically generated">
+            <a:extLst>
+              <a:ext uri="{FF2B5EF4-FFF2-40B4-BE49-F238E27FC236}">
+                <a16:creationId xmlns:a16="http://schemas.microsoft.com/office/drawing/2014/main" id="{5E058AF2-F720-4651-B543-98E957E8B45C}"/>
+              </a:ext>
+            </a:extLst>
+          </p:cNvPr>
+          <p:cNvPicPr>
+            <a:picLocks noChangeAspect="1"/>
+          </p:cNvPicPr>
+          <p:nvPr/>
+        </p:nvPicPr>
+        <p:blipFill rotWithShape="1">
+          <a:blip r:embed="rId8">
+            <a:extLst>
+              <a:ext uri="{28A0092B-C50C-407E-A947-70E740481C1C}">
+                <a14:useLocalDpi xmlns:a14="http://schemas.microsoft.com/office/drawing/2010/main" val="0"/>
+              </a:ext>
+            </a:extLst>
+          </a:blip>
+          <a:srcRect t="3081" b="5874"/>
+          <a:stretch/>
+        </p:blipFill>
+        <p:spPr>
+          <a:xfrm>
+            <a:off x="1365855" y="2209303"/>
+            <a:ext cx="3519495" cy="1809061"/>
+          </a:xfrm>
+          <a:prstGeom prst="rect">
+            <a:avLst/>
+          </a:prstGeom>
+        </p:spPr>
+      </p:pic>
+      <mc:AlternateContent xmlns:mc="http://schemas.openxmlformats.org/markup-compatibility/2006" xmlns:a14="http://schemas.microsoft.com/office/drawing/2010/main">
+        <mc:Choice Requires="a14">
+          <p:sp>
+            <p:nvSpPr>
+              <p:cNvPr id="8" name="Rectangle 7">
+                <a:extLst>
+                  <a:ext uri="{FF2B5EF4-FFF2-40B4-BE49-F238E27FC236}">
+                    <a16:creationId xmlns:a16="http://schemas.microsoft.com/office/drawing/2014/main" id="{79F53B4A-9E27-4D64-9F8E-EA2CE095C3A2}"/>
+                  </a:ext>
+                </a:extLst>
+              </p:cNvPr>
+              <p:cNvSpPr/>
+              <p:nvPr/>
+            </p:nvSpPr>
+            <p:spPr>
+              <a:xfrm>
+                <a:off x="4759256" y="4850923"/>
+                <a:ext cx="2416880" cy="658065"/>
+              </a:xfrm>
+              <a:prstGeom prst="rect">
+                <a:avLst/>
+              </a:prstGeom>
+            </p:spPr>
+            <p:txBody>
+              <a:bodyPr wrap="none">
+                <a:spAutoFit/>
+              </a:bodyPr>
+              <a:lstStyle/>
+              <a:p>
+                <a:pPr/>
+                <a14:m>
+                  <m:oMathPara xmlns:m="http://schemas.openxmlformats.org/officeDocument/2006/math">
+                    <m:oMathParaPr>
+                      <m:jc m:val="centerGroup"/>
+                    </m:oMathParaPr>
+                    <m:oMath xmlns:m="http://schemas.openxmlformats.org/officeDocument/2006/math">
+                      <m:r>
+                        <a:rPr lang="en-GB" b="0" i="1" smtClean="0">
+                          <a:latin typeface="Cambria Math" panose="02040503050406030204" pitchFamily="18" charset="0"/>
+                        </a:rPr>
+                        <m:t>𝑣𝑎𝑙𝑢𝑒</m:t>
+                      </m:r>
+                      <m:r>
+                        <a:rPr lang="en-GB" i="1">
+                          <a:latin typeface="Cambria Math" panose="02040503050406030204" pitchFamily="18" charset="0"/>
+                        </a:rPr>
+                        <m:t>= </m:t>
+                      </m:r>
+                      <m:f>
+                        <m:fPr>
+                          <m:ctrlPr>
+                            <a:rPr lang="en-GB" i="1">
+                              <a:latin typeface="Cambria Math" panose="02040503050406030204" pitchFamily="18" charset="0"/>
+                            </a:rPr>
+                          </m:ctrlPr>
+                        </m:fPr>
+                        <m:num>
+                          <m:sSub>
+                            <m:sSubPr>
+                              <m:ctrlPr>
+                                <a:rPr lang="en-GB" i="1" smtClean="0">
+                                  <a:latin typeface="Cambria Math" panose="02040503050406030204" pitchFamily="18" charset="0"/>
+                                </a:rPr>
+                              </m:ctrlPr>
+                            </m:sSubPr>
+                            <m:e>
+                              <m:r>
+                                <a:rPr lang="en-GB" b="0" i="1" smtClean="0">
+                                  <a:latin typeface="Cambria Math" panose="02040503050406030204" pitchFamily="18" charset="0"/>
+                                </a:rPr>
+                                <m:t>𝑣</m:t>
+                              </m:r>
+                            </m:e>
+                            <m:sub>
+                              <m:r>
+                                <a:rPr lang="en-GB" b="0" i="1" smtClean="0">
+                                  <a:latin typeface="Cambria Math" panose="02040503050406030204" pitchFamily="18" charset="0"/>
+                                </a:rPr>
+                                <m:t>𝑜𝑢𝑡</m:t>
+                              </m:r>
+                            </m:sub>
+                          </m:sSub>
+                          <m:r>
+                            <a:rPr lang="en-GB" b="0" i="1" smtClean="0">
+                              <a:latin typeface="Cambria Math" panose="02040503050406030204" pitchFamily="18" charset="0"/>
+                            </a:rPr>
+                            <m:t> ∗ 1024</m:t>
+                          </m:r>
+                        </m:num>
+                        <m:den>
+                          <m:sSub>
+                            <m:sSubPr>
+                              <m:ctrlPr>
+                                <a:rPr lang="en-GB" i="1">
+                                  <a:latin typeface="Cambria Math" panose="02040503050406030204" pitchFamily="18" charset="0"/>
+                                </a:rPr>
+                              </m:ctrlPr>
+                            </m:sSubPr>
+                            <m:e>
+                              <m:r>
+                                <a:rPr lang="en-GB" i="1">
+                                  <a:latin typeface="Cambria Math" panose="02040503050406030204" pitchFamily="18" charset="0"/>
+                                </a:rPr>
+                                <m:t>𝑣</m:t>
+                              </m:r>
+                            </m:e>
+                            <m:sub>
+                              <m:r>
+                                <a:rPr lang="en-GB" b="0" i="1" smtClean="0">
+                                  <a:latin typeface="Cambria Math" panose="02040503050406030204" pitchFamily="18" charset="0"/>
+                                </a:rPr>
+                                <m:t>𝑖𝑛</m:t>
+                              </m:r>
+                            </m:sub>
+                          </m:sSub>
+                        </m:den>
+                      </m:f>
+                    </m:oMath>
+                  </m:oMathPara>
+                </a14:m>
+                <a:endParaRPr lang="en-GB" dirty="0"/>
+              </a:p>
+            </p:txBody>
+          </p:sp>
+        </mc:Choice>
+        <mc:Fallback xmlns="">
+          <p:sp>
+            <p:nvSpPr>
+              <p:cNvPr id="8" name="Rectangle 7">
+                <a:extLst>
+                  <a:ext uri="{FF2B5EF4-FFF2-40B4-BE49-F238E27FC236}">
+                    <a16:creationId xmlns:a16="http://schemas.microsoft.com/office/drawing/2014/main" id="{79F53B4A-9E27-4D64-9F8E-EA2CE095C3A2}"/>
+                  </a:ext>
+                </a:extLst>
+              </p:cNvPr>
+              <p:cNvSpPr>
+                <a:spLocks noRot="1" noChangeAspect="1" noMove="1" noResize="1" noEditPoints="1" noAdjustHandles="1" noChangeArrowheads="1" noChangeShapeType="1" noTextEdit="1"/>
+              </p:cNvSpPr>
+              <p:nvPr/>
+            </p:nvSpPr>
+            <p:spPr>
+              <a:xfrm>
+                <a:off x="4759256" y="4850923"/>
+                <a:ext cx="2416880" cy="658065"/>
+              </a:xfrm>
+              <a:prstGeom prst="rect">
+                <a:avLst/>
+              </a:prstGeom>
+              <a:blipFill>
+                <a:blip r:embed="rId9"/>
+                <a:stretch>
+                  <a:fillRect/>
+                </a:stretch>
+              </a:blipFill>
+            </p:spPr>
+            <p:txBody>
+              <a:bodyPr/>
+              <a:lstStyle/>
+              <a:p>
+                <a:r>
+                  <a:rPr lang="en-GB">
+                    <a:noFill/>
+                  </a:rPr>
+                  <a:t> </a:t>
+                </a:r>
+              </a:p>
+            </p:txBody>
+          </p:sp>
+        </mc:Fallback>
+      </mc:AlternateContent>
       <p:sp>
         <p:nvSpPr>
-          <p:cNvPr id="15" name="Rectangle 14">
+          <p:cNvPr id="14" name="TextBox 13">
             <a:extLst>
               <a:ext uri="{FF2B5EF4-FFF2-40B4-BE49-F238E27FC236}">
-                <a16:creationId xmlns:a16="http://schemas.microsoft.com/office/drawing/2014/main" id="{13203EF2-2900-4C39-A0A6-EF957D2EF753}"/>
+                <a16:creationId xmlns:a16="http://schemas.microsoft.com/office/drawing/2014/main" id="{2771E5A4-8E0E-4E56-B47F-97E8B943817D}"/>
+              </a:ext>
+            </a:extLst>
+          </p:cNvPr>
+          <p:cNvSpPr txBox="1"/>
+          <p:nvPr/>
+        </p:nvSpPr>
+        <p:spPr>
+          <a:xfrm>
+            <a:off x="1691121" y="5003680"/>
+            <a:ext cx="3132206" cy="1492716"/>
+          </a:xfrm>
+          <a:prstGeom prst="rect">
+            <a:avLst/>
+          </a:prstGeom>
+          <a:noFill/>
+        </p:spPr>
+        <p:txBody>
+          <a:bodyPr wrap="square" rtlCol="0">
+            <a:spAutoFit/>
+          </a:bodyPr>
+          <a:lstStyle/>
+          <a:p>
+            <a:r>
+              <a:rPr lang="en-GB" sz="1820" dirty="0">
+                <a:latin typeface="HelveticaNeue"/>
+              </a:rPr>
+              <a:t>The when we get that voltage out value from the sensor we need to turn that into something meaningful so…</a:t>
+            </a:r>
+            <a:endParaRPr lang="en-GB" sz="1820" baseline="-25000" dirty="0">
+              <a:latin typeface="HelveticaNeue"/>
+            </a:endParaRPr>
+          </a:p>
+        </p:txBody>
+      </p:sp>
+      <mc:AlternateContent xmlns:mc="http://schemas.openxmlformats.org/markup-compatibility/2006" xmlns:a14="http://schemas.microsoft.com/office/drawing/2010/main">
+        <mc:Choice Requires="a14">
+          <p:sp>
+            <p:nvSpPr>
+              <p:cNvPr id="9" name="Rectangle 8">
+                <a:extLst>
+                  <a:ext uri="{FF2B5EF4-FFF2-40B4-BE49-F238E27FC236}">
+                    <a16:creationId xmlns:a16="http://schemas.microsoft.com/office/drawing/2014/main" id="{4259052B-7B07-4813-8CC4-8D426C317ECC}"/>
+                  </a:ext>
+                </a:extLst>
+              </p:cNvPr>
+              <p:cNvSpPr/>
+              <p:nvPr/>
+            </p:nvSpPr>
+            <p:spPr>
+              <a:xfrm>
+                <a:off x="4879247" y="5746785"/>
+                <a:ext cx="2318583" cy="612860"/>
+              </a:xfrm>
+              <a:prstGeom prst="rect">
+                <a:avLst/>
+              </a:prstGeom>
+            </p:spPr>
+            <p:txBody>
+              <a:bodyPr wrap="none">
+                <a:spAutoFit/>
+              </a:bodyPr>
+              <a:lstStyle/>
+              <a:p>
+                <a:pPr/>
+                <a14:m>
+                  <m:oMathPara xmlns:m="http://schemas.openxmlformats.org/officeDocument/2006/math">
+                    <m:oMathParaPr>
+                      <m:jc m:val="centerGroup"/>
+                    </m:oMathParaPr>
+                    <m:oMath xmlns:m="http://schemas.openxmlformats.org/officeDocument/2006/math">
+                      <m:r>
+                        <a:rPr lang="en-GB" b="0" i="1" smtClean="0">
+                          <a:latin typeface="Cambria Math" panose="02040503050406030204" pitchFamily="18" charset="0"/>
+                        </a:rPr>
+                        <m:t>336</m:t>
+                      </m:r>
+                      <m:r>
+                        <a:rPr lang="en-GB" i="1" smtClean="0">
+                          <a:latin typeface="Cambria Math" panose="02040503050406030204" pitchFamily="18" charset="0"/>
+                          <a:ea typeface="Cambria Math" panose="02040503050406030204" pitchFamily="18" charset="0"/>
+                        </a:rPr>
+                        <m:t>≈</m:t>
+                      </m:r>
+                      <m:r>
+                        <a:rPr lang="en-GB" i="1">
+                          <a:latin typeface="Cambria Math" panose="02040503050406030204" pitchFamily="18" charset="0"/>
+                        </a:rPr>
+                        <m:t> </m:t>
+                      </m:r>
+                      <m:f>
+                        <m:fPr>
+                          <m:ctrlPr>
+                            <a:rPr lang="en-GB" i="1">
+                              <a:latin typeface="Cambria Math" panose="02040503050406030204" pitchFamily="18" charset="0"/>
+                            </a:rPr>
+                          </m:ctrlPr>
+                        </m:fPr>
+                        <m:num>
+                          <m:r>
+                            <a:rPr lang="en-GB" b="0" i="1" smtClean="0">
+                              <a:latin typeface="Cambria Math" panose="02040503050406030204" pitchFamily="18" charset="0"/>
+                            </a:rPr>
+                            <m:t>1.64</m:t>
+                          </m:r>
+                          <m:r>
+                            <a:rPr lang="en-GB" b="0" i="1" smtClean="0">
+                              <a:latin typeface="Cambria Math" panose="02040503050406030204" pitchFamily="18" charset="0"/>
+                            </a:rPr>
+                            <m:t>𝑣</m:t>
+                          </m:r>
+                          <m:r>
+                            <a:rPr lang="en-GB" i="1">
+                              <a:latin typeface="Cambria Math" panose="02040503050406030204" pitchFamily="18" charset="0"/>
+                            </a:rPr>
+                            <m:t>∗ 1024</m:t>
+                          </m:r>
+                        </m:num>
+                        <m:den>
+                          <m:r>
+                            <a:rPr lang="en-GB" b="0" i="1" smtClean="0">
+                              <a:latin typeface="Cambria Math" panose="02040503050406030204" pitchFamily="18" charset="0"/>
+                            </a:rPr>
+                            <m:t>5</m:t>
+                          </m:r>
+                          <m:r>
+                            <a:rPr lang="en-GB" b="0" i="1" smtClean="0">
+                              <a:latin typeface="Cambria Math" panose="02040503050406030204" pitchFamily="18" charset="0"/>
+                            </a:rPr>
+                            <m:t>𝑣</m:t>
+                          </m:r>
+                        </m:den>
+                      </m:f>
+                    </m:oMath>
+                  </m:oMathPara>
+                </a14:m>
+                <a:endParaRPr lang="en-GB" dirty="0"/>
+              </a:p>
+            </p:txBody>
+          </p:sp>
+        </mc:Choice>
+        <mc:Fallback xmlns="">
+          <p:sp>
+            <p:nvSpPr>
+              <p:cNvPr id="9" name="Rectangle 8">
+                <a:extLst>
+                  <a:ext uri="{FF2B5EF4-FFF2-40B4-BE49-F238E27FC236}">
+                    <a16:creationId xmlns:a16="http://schemas.microsoft.com/office/drawing/2014/main" id="{4259052B-7B07-4813-8CC4-8D426C317ECC}"/>
+                  </a:ext>
+                </a:extLst>
+              </p:cNvPr>
+              <p:cNvSpPr>
+                <a:spLocks noRot="1" noChangeAspect="1" noMove="1" noResize="1" noEditPoints="1" noAdjustHandles="1" noChangeArrowheads="1" noChangeShapeType="1" noTextEdit="1"/>
+              </p:cNvSpPr>
+              <p:nvPr/>
+            </p:nvSpPr>
+            <p:spPr>
+              <a:xfrm>
+                <a:off x="4879247" y="5746785"/>
+                <a:ext cx="2318583" cy="612860"/>
+              </a:xfrm>
+              <a:prstGeom prst="rect">
+                <a:avLst/>
+              </a:prstGeom>
+              <a:blipFill>
+                <a:blip r:embed="rId10"/>
+                <a:stretch>
+                  <a:fillRect/>
+                </a:stretch>
+              </a:blipFill>
+            </p:spPr>
+            <p:txBody>
+              <a:bodyPr/>
+              <a:lstStyle/>
+              <a:p>
+                <a:r>
+                  <a:rPr lang="en-GB">
+                    <a:noFill/>
+                  </a:rPr>
+                  <a:t> </a:t>
+                </a:r>
+              </a:p>
+            </p:txBody>
+          </p:sp>
+        </mc:Fallback>
+      </mc:AlternateContent>
+      <p:sp>
+        <p:nvSpPr>
+          <p:cNvPr id="18" name="Rectangle 17">
+            <a:extLst>
+              <a:ext uri="{FF2B5EF4-FFF2-40B4-BE49-F238E27FC236}">
+                <a16:creationId xmlns:a16="http://schemas.microsoft.com/office/drawing/2014/main" id="{8FBB8F4A-5F06-4436-A800-97D52F27CC59}"/>
               </a:ext>
             </a:extLst>
           </p:cNvPr>
@@ -12030,25 +12541,83 @@
         </p:nvSpPr>
         <p:spPr>
           <a:xfrm>
-            <a:off x="1354250" y="2493534"/>
-            <a:ext cx="7789750" cy="465769"/>
+            <a:off x="4759256" y="4817547"/>
+            <a:ext cx="2437103" cy="1678849"/>
           </a:xfrm>
           <a:prstGeom prst="rect">
             <a:avLst/>
           </a:prstGeom>
+          <a:noFill/>
+          <a:ln w="9525" cap="flat" cmpd="sng" algn="ctr">
+            <a:solidFill>
+              <a:schemeClr val="accent1"/>
+            </a:solidFill>
+            <a:prstDash val="solid"/>
+            <a:round/>
+            <a:headEnd type="none" w="med" len="med"/>
+            <a:tailEnd type="none" w="med" len="med"/>
+          </a:ln>
+        </p:spPr>
+        <p:style>
+          <a:lnRef idx="0">
+            <a:scrgbClr r="0" g="0" b="0"/>
+          </a:lnRef>
+          <a:fillRef idx="0">
+            <a:scrgbClr r="0" g="0" b="0"/>
+          </a:fillRef>
+          <a:effectRef idx="0">
+            <a:scrgbClr r="0" g="0" b="0"/>
+          </a:effectRef>
+          <a:fontRef idx="minor">
+            <a:schemeClr val="accent1"/>
+          </a:fontRef>
+        </p:style>
+        <p:txBody>
+          <a:bodyPr rtlCol="0" anchor="ctr"/>
+          <a:lstStyle/>
+          <a:p>
+            <a:pPr algn="ctr"/>
+            <a:endParaRPr lang="en-GB"/>
+          </a:p>
+        </p:txBody>
+      </p:sp>
+      <p:sp>
+        <p:nvSpPr>
+          <p:cNvPr id="19" name="TextBox 18">
+            <a:extLst>
+              <a:ext uri="{FF2B5EF4-FFF2-40B4-BE49-F238E27FC236}">
+                <a16:creationId xmlns:a16="http://schemas.microsoft.com/office/drawing/2014/main" id="{ED1438F4-B196-4EA3-BBB4-CA96C8450455}"/>
+              </a:ext>
+            </a:extLst>
+          </p:cNvPr>
+          <p:cNvSpPr txBox="1"/>
+          <p:nvPr/>
+        </p:nvSpPr>
+        <p:spPr>
+          <a:xfrm>
+            <a:off x="7331044" y="4910613"/>
+            <a:ext cx="2641057" cy="1492716"/>
+          </a:xfrm>
+          <a:prstGeom prst="rect">
+            <a:avLst/>
+          </a:prstGeom>
+          <a:noFill/>
         </p:spPr>
         <p:txBody>
-          <a:bodyPr wrap="square">
+          <a:bodyPr wrap="square" rtlCol="0">
             <a:spAutoFit/>
           </a:bodyPr>
           <a:lstStyle/>
           <a:p>
             <a:r>
-              <a:rPr lang="en-GB" sz="1820" baseline="-25000" dirty="0">
+              <a:rPr lang="en-GB" sz="1820" dirty="0">
                 <a:latin typeface="HelveticaNeue"/>
               </a:rPr>
-              <a:t>That function is the Analogue Digital Converter (ADC) this takes the voltage reading as wave, much like the right hand side of the icon and converts into a number consisting of 1s and 0s (Binary)</a:t>
-            </a:r>
+              <a:t>We then use more maths to turn that into something understandable for what we are measuring. </a:t>
+            </a:r>
+            <a:endParaRPr lang="en-GB" sz="1820" baseline="-25000" dirty="0">
+              <a:latin typeface="HelveticaNeue"/>
+            </a:endParaRPr>
           </a:p>
         </p:txBody>
       </p:sp>
@@ -13101,8 +13670,8 @@
           </a:prstGeom>
         </p:spPr>
       </p:pic>
-      <mc:AlternateContent xmlns:mc="http://schemas.openxmlformats.org/markup-compatibility/2006">
-        <mc:Choice xmlns:a14="http://schemas.microsoft.com/office/drawing/2010/main" Requires="a14">
+      <mc:AlternateContent xmlns:mc="http://schemas.openxmlformats.org/markup-compatibility/2006" xmlns:a14="http://schemas.microsoft.com/office/drawing/2010/main">
+        <mc:Choice Requires="a14">
           <p:sp>
             <p:nvSpPr>
               <p:cNvPr id="16" name="Text Box 2">
@@ -13685,7 +14254,7 @@
             </p:txBody>
           </p:sp>
         </mc:Choice>
-        <mc:Fallback>
+        <mc:Fallback xmlns="">
           <p:sp>
             <p:nvSpPr>
               <p:cNvPr id="16" name="Text Box 2">
@@ -13738,8 +14307,8 @@
           </p:sp>
         </mc:Fallback>
       </mc:AlternateContent>
-      <mc:AlternateContent xmlns:mc="http://schemas.openxmlformats.org/markup-compatibility/2006">
-        <mc:Choice xmlns:a14="http://schemas.microsoft.com/office/drawing/2010/main" Requires="a14">
+      <mc:AlternateContent xmlns:mc="http://schemas.openxmlformats.org/markup-compatibility/2006" xmlns:a14="http://schemas.microsoft.com/office/drawing/2010/main">
+        <mc:Choice Requires="a14">
           <p:sp>
             <p:nvSpPr>
               <p:cNvPr id="17" name="Text Box 2">
@@ -14318,7 +14887,7 @@
             </p:txBody>
           </p:sp>
         </mc:Choice>
-        <mc:Fallback>
+        <mc:Fallback xmlns="">
           <p:sp>
             <p:nvSpPr>
               <p:cNvPr id="17" name="Text Box 2">
